--- a/Python_Data_Structures.pptx
+++ b/Python_Data_Structures.pptx
@@ -2,41 +2,41 @@
 <file path=ppt/presentation.xml><?xml version="1.0" encoding="utf-8"?>
 <p:presentation xmlns:a="http://schemas.openxmlformats.org/drawingml/2006/main" xmlns:r="http://schemas.openxmlformats.org/officeDocument/2006/relationships" xmlns:p="http://schemas.openxmlformats.org/presentationml/2006/main" saveSubsetFonts="1" autoCompressPictures="0">
   <p:sldMasterIdLst>
-    <p:sldMasterId id="2147483648" r:id="rId1"/>
+    <p:sldMasterId id="2147483660" r:id="rId1"/>
   </p:sldMasterIdLst>
   <p:sldIdLst>
-    <p:sldId id="256" r:id="rId7"/>
-    <p:sldId id="257" r:id="rId8"/>
-    <p:sldId id="258" r:id="rId9"/>
-    <p:sldId id="259" r:id="rId10"/>
-    <p:sldId id="260" r:id="rId11"/>
-    <p:sldId id="261" r:id="rId12"/>
-    <p:sldId id="262" r:id="rId13"/>
-    <p:sldId id="263" r:id="rId14"/>
-    <p:sldId id="264" r:id="rId15"/>
-    <p:sldId id="265" r:id="rId16"/>
-    <p:sldId id="266" r:id="rId17"/>
-    <p:sldId id="267" r:id="rId18"/>
-    <p:sldId id="268" r:id="rId19"/>
-    <p:sldId id="269" r:id="rId20"/>
-    <p:sldId id="270" r:id="rId21"/>
-    <p:sldId id="271" r:id="rId22"/>
-    <p:sldId id="272" r:id="rId23"/>
-    <p:sldId id="273" r:id="rId24"/>
-    <p:sldId id="274" r:id="rId25"/>
-    <p:sldId id="275" r:id="rId26"/>
-    <p:sldId id="276" r:id="rId27"/>
-    <p:sldId id="277" r:id="rId28"/>
-    <p:sldId id="278" r:id="rId29"/>
-    <p:sldId id="279" r:id="rId30"/>
-    <p:sldId id="280" r:id="rId31"/>
-    <p:sldId id="281" r:id="rId32"/>
-    <p:sldId id="282" r:id="rId33"/>
-    <p:sldId id="283" r:id="rId34"/>
-    <p:sldId id="284" r:id="rId35"/>
-    <p:sldId id="285" r:id="rId36"/>
-    <p:sldId id="286" r:id="rId37"/>
-    <p:sldId id="287" r:id="rId38"/>
+    <p:sldId id="256" r:id="rId2"/>
+    <p:sldId id="257" r:id="rId3"/>
+    <p:sldId id="258" r:id="rId4"/>
+    <p:sldId id="259" r:id="rId5"/>
+    <p:sldId id="260" r:id="rId6"/>
+    <p:sldId id="261" r:id="rId7"/>
+    <p:sldId id="262" r:id="rId8"/>
+    <p:sldId id="263" r:id="rId9"/>
+    <p:sldId id="264" r:id="rId10"/>
+    <p:sldId id="265" r:id="rId11"/>
+    <p:sldId id="266" r:id="rId12"/>
+    <p:sldId id="267" r:id="rId13"/>
+    <p:sldId id="268" r:id="rId14"/>
+    <p:sldId id="269" r:id="rId15"/>
+    <p:sldId id="270" r:id="rId16"/>
+    <p:sldId id="271" r:id="rId17"/>
+    <p:sldId id="272" r:id="rId18"/>
+    <p:sldId id="273" r:id="rId19"/>
+    <p:sldId id="274" r:id="rId20"/>
+    <p:sldId id="275" r:id="rId21"/>
+    <p:sldId id="276" r:id="rId22"/>
+    <p:sldId id="277" r:id="rId23"/>
+    <p:sldId id="278" r:id="rId24"/>
+    <p:sldId id="279" r:id="rId25"/>
+    <p:sldId id="280" r:id="rId26"/>
+    <p:sldId id="281" r:id="rId27"/>
+    <p:sldId id="282" r:id="rId28"/>
+    <p:sldId id="283" r:id="rId29"/>
+    <p:sldId id="284" r:id="rId30"/>
+    <p:sldId id="285" r:id="rId31"/>
+    <p:sldId id="286" r:id="rId32"/>
+    <p:sldId id="287" r:id="rId33"/>
   </p:sldIdLst>
   <p:sldSz cx="9144000" cy="6858000" type="screen4x3"/>
   <p:notesSz cx="6858000" cy="9144000"/>
@@ -135,6 +135,22 @@
       </a:defRPr>
     </a:lvl9pPr>
   </p:defaultTextStyle>
+  <p:extLst>
+    <p:ext uri="{EFAFB233-063F-42B5-8137-9DF3F51BA10A}">
+      <p15:sldGuideLst xmlns:p15="http://schemas.microsoft.com/office/powerpoint/2012/main">
+        <p15:guide id="1" orient="horz" pos="2160">
+          <p15:clr>
+            <a:srgbClr val="A4A3A4"/>
+          </p15:clr>
+        </p15:guide>
+        <p15:guide id="2" pos="2880">
+          <p15:clr>
+            <a:srgbClr val="A4A3A4"/>
+          </p15:clr>
+        </p15:guide>
+      </p15:sldGuideLst>
+    </p:ext>
+  </p:extLst>
 </p:presentation>
 </file>
 
@@ -167,19 +183,25 @@
         </p:nvSpPr>
         <p:spPr>
           <a:xfrm>
-            <a:off x="685800" y="2130425"/>
-            <a:ext cx="7772400" cy="1470025"/>
+            <a:off x="1028020" y="1769541"/>
+            <a:ext cx="7080026" cy="1828801"/>
           </a:xfrm>
         </p:spPr>
         <p:txBody>
-          <a:bodyPr/>
-          <a:lstStyle/>
-          <a:p>
-            <a:r>
-              <a:rPr lang="en-US" smtClean="0"/>
+          <a:bodyPr anchor="b">
+            <a:normAutofit/>
+          </a:bodyPr>
+          <a:lstStyle>
+            <a:lvl1pPr algn="ctr">
+              <a:defRPr sz="5400"/>
+            </a:lvl1pPr>
+          </a:lstStyle>
+          <a:p>
+            <a:r>
+              <a:rPr lang="en-US"/>
               <a:t>Click to edit Master title style</a:t>
             </a:r>
-            <a:endParaRPr lang="en-US"/>
+            <a:endParaRPr lang="en-US" dirty="0"/>
           </a:p>
         </p:txBody>
       </p:sp>
@@ -195,20 +217,18 @@
         </p:nvSpPr>
         <p:spPr>
           <a:xfrm>
-            <a:off x="1371600" y="3886200"/>
-            <a:ext cx="6400800" cy="1752600"/>
+            <a:off x="1028020" y="3598339"/>
+            <a:ext cx="7080026" cy="1049867"/>
           </a:xfrm>
         </p:spPr>
         <p:txBody>
-          <a:bodyPr/>
+          <a:bodyPr anchor="t"/>
           <a:lstStyle>
             <a:lvl1pPr marL="0" indent="0" algn="ctr">
               <a:buNone/>
               <a:defRPr>
                 <a:solidFill>
-                  <a:schemeClr val="tx1">
-                    <a:tint val="75000"/>
-                  </a:schemeClr>
+                  <a:schemeClr val="tx1"/>
                 </a:solidFill>
               </a:defRPr>
             </a:lvl1pPr>
@@ -295,10 +315,10 @@
           </a:lstStyle>
           <a:p>
             <a:r>
-              <a:rPr lang="en-US" smtClean="0"/>
+              <a:rPr lang="en-US"/>
               <a:t>Click to edit Master subtitle style</a:t>
             </a:r>
-            <a:endParaRPr lang="en-US"/>
+            <a:endParaRPr lang="en-US" dirty="0"/>
           </a:p>
         </p:txBody>
       </p:sp>
@@ -319,7 +339,7 @@
           <a:p>
             <a:fld id="{5BCAD085-E8A6-8845-BD4E-CB4CCA059FC4}" type="datetimeFigureOut">
               <a:rPr lang="en-US" smtClean="0"/>
-              <a:t>1/27/13</a:t>
+              <a:t>5/24/2024</a:t>
             </a:fld>
             <a:endParaRPr lang="en-US"/>
           </a:p>
@@ -370,7 +390,7 @@
     </p:spTree>
     <p:extLst>
       <p:ext uri="{BB962C8B-B14F-4D97-AF65-F5344CB8AC3E}">
-        <p14:creationId xmlns:p14="http://schemas.microsoft.com/office/powerpoint/2010/main" val="3168075583"/>
+        <p14:creationId xmlns:p14="http://schemas.microsoft.com/office/powerpoint/2010/main" val="1150384289"/>
       </p:ext>
     </p:extLst>
   </p:cSld>
@@ -381,6 +401,2582 @@
 </file>
 
 <file path=ppt/slideLayouts/slideLayout10.xml><?xml version="1.0" encoding="utf-8"?>
+<p:sldLayout xmlns:a="http://schemas.openxmlformats.org/drawingml/2006/main" xmlns:r="http://schemas.openxmlformats.org/officeDocument/2006/relationships" xmlns:p="http://schemas.openxmlformats.org/presentationml/2006/main" preserve="1">
+  <p:cSld name="Panoramic Picture with Caption">
+    <p:spTree>
+      <p:nvGrpSpPr>
+        <p:cNvPr id="1" name=""/>
+        <p:cNvGrpSpPr/>
+        <p:nvPr/>
+      </p:nvGrpSpPr>
+      <p:grpSpPr>
+        <a:xfrm>
+          <a:off x="0" y="0"/>
+          <a:ext cx="0" cy="0"/>
+          <a:chOff x="0" y="0"/>
+          <a:chExt cx="0" cy="0"/>
+        </a:xfrm>
+      </p:grpSpPr>
+      <p:pic>
+        <p:nvPicPr>
+          <p:cNvPr id="8" name="Picture 7" descr="Slate-V2-SD-panoPhotoInset.png"/>
+          <p:cNvPicPr>
+            <a:picLocks noChangeAspect="1"/>
+          </p:cNvPicPr>
+          <p:nvPr/>
+        </p:nvPicPr>
+        <p:blipFill>
+          <a:blip r:embed="rId2">
+            <a:extLst>
+              <a:ext uri="{28A0092B-C50C-407E-A947-70E740481C1C}">
+                <a14:useLocalDpi xmlns:a14="http://schemas.microsoft.com/office/drawing/2010/main" val="0"/>
+              </a:ext>
+            </a:extLst>
+          </a:blip>
+          <a:stretch>
+            <a:fillRect/>
+          </a:stretch>
+        </p:blipFill>
+        <p:spPr>
+          <a:xfrm>
+            <a:off x="743995" y="540085"/>
+            <a:ext cx="7656010" cy="3834374"/>
+          </a:xfrm>
+          <a:prstGeom prst="rect">
+            <a:avLst/>
+          </a:prstGeom>
+        </p:spPr>
+      </p:pic>
+      <p:sp>
+        <p:nvSpPr>
+          <p:cNvPr id="2" name="Title 1"/>
+          <p:cNvSpPr>
+            <a:spLocks noGrp="1"/>
+          </p:cNvSpPr>
+          <p:nvPr>
+            <p:ph type="title"/>
+          </p:nvPr>
+        </p:nvSpPr>
+        <p:spPr>
+          <a:xfrm>
+            <a:off x="685354" y="4565255"/>
+            <a:ext cx="7766495" cy="543472"/>
+          </a:xfrm>
+        </p:spPr>
+        <p:txBody>
+          <a:bodyPr anchor="b">
+            <a:normAutofit/>
+          </a:bodyPr>
+          <a:lstStyle>
+            <a:lvl1pPr algn="ctr">
+              <a:defRPr sz="2800"/>
+            </a:lvl1pPr>
+          </a:lstStyle>
+          <a:p>
+            <a:r>
+              <a:rPr lang="en-US"/>
+              <a:t>Click to edit Master title style</a:t>
+            </a:r>
+            <a:endParaRPr lang="en-US" dirty="0"/>
+          </a:p>
+        </p:txBody>
+      </p:sp>
+      <p:sp>
+        <p:nvSpPr>
+          <p:cNvPr id="3" name="Picture Placeholder 2"/>
+          <p:cNvSpPr>
+            <a:spLocks noGrp="1" noChangeAspect="1"/>
+          </p:cNvSpPr>
+          <p:nvPr>
+            <p:ph type="pic" idx="1"/>
+          </p:nvPr>
+        </p:nvSpPr>
+        <p:spPr>
+          <a:xfrm>
+            <a:off x="926217" y="695010"/>
+            <a:ext cx="7285600" cy="3525671"/>
+          </a:xfrm>
+          <a:effectLst>
+            <a:outerShdw blurRad="38100" dist="25400" dir="4440000">
+              <a:srgbClr val="000000">
+                <a:alpha val="36000"/>
+              </a:srgbClr>
+            </a:outerShdw>
+          </a:effectLst>
+        </p:spPr>
+        <p:txBody>
+          <a:bodyPr anchor="t">
+            <a:normAutofit/>
+          </a:bodyPr>
+          <a:lstStyle>
+            <a:lvl1pPr marL="0" indent="0" algn="ctr">
+              <a:buNone/>
+              <a:defRPr sz="2000"/>
+            </a:lvl1pPr>
+            <a:lvl2pPr marL="457200" indent="0">
+              <a:buNone/>
+              <a:defRPr sz="2000"/>
+            </a:lvl2pPr>
+            <a:lvl3pPr marL="914400" indent="0">
+              <a:buNone/>
+              <a:defRPr sz="2000"/>
+            </a:lvl3pPr>
+            <a:lvl4pPr marL="1371600" indent="0">
+              <a:buNone/>
+              <a:defRPr sz="2000"/>
+            </a:lvl4pPr>
+            <a:lvl5pPr marL="1828800" indent="0">
+              <a:buNone/>
+              <a:defRPr sz="2000"/>
+            </a:lvl5pPr>
+            <a:lvl6pPr marL="2286000" indent="0">
+              <a:buNone/>
+              <a:defRPr sz="2000"/>
+            </a:lvl6pPr>
+            <a:lvl7pPr marL="2743200" indent="0">
+              <a:buNone/>
+              <a:defRPr sz="2000"/>
+            </a:lvl7pPr>
+            <a:lvl8pPr marL="3200400" indent="0">
+              <a:buNone/>
+              <a:defRPr sz="2000"/>
+            </a:lvl8pPr>
+            <a:lvl9pPr marL="3657600" indent="0">
+              <a:buNone/>
+              <a:defRPr sz="2000"/>
+            </a:lvl9pPr>
+          </a:lstStyle>
+          <a:p>
+            <a:r>
+              <a:rPr lang="en-US"/>
+              <a:t>Click icon to add picture</a:t>
+            </a:r>
+            <a:endParaRPr lang="en-US" dirty="0"/>
+          </a:p>
+        </p:txBody>
+      </p:sp>
+      <p:sp>
+        <p:nvSpPr>
+          <p:cNvPr id="4" name="Text Placeholder 3"/>
+          <p:cNvSpPr>
+            <a:spLocks noGrp="1"/>
+          </p:cNvSpPr>
+          <p:nvPr>
+            <p:ph type="body" sz="half" idx="2"/>
+          </p:nvPr>
+        </p:nvSpPr>
+        <p:spPr>
+          <a:xfrm>
+            <a:off x="685346" y="5108728"/>
+            <a:ext cx="7765322" cy="682472"/>
+          </a:xfrm>
+        </p:spPr>
+        <p:txBody>
+          <a:bodyPr anchor="t"/>
+          <a:lstStyle>
+            <a:lvl1pPr marL="0" indent="0" algn="ctr">
+              <a:buNone/>
+              <a:defRPr sz="1600"/>
+            </a:lvl1pPr>
+            <a:lvl2pPr marL="457200" indent="0">
+              <a:buNone/>
+              <a:defRPr sz="1400"/>
+            </a:lvl2pPr>
+            <a:lvl3pPr marL="914400" indent="0">
+              <a:buNone/>
+              <a:defRPr sz="1200"/>
+            </a:lvl3pPr>
+            <a:lvl4pPr marL="1371600" indent="0">
+              <a:buNone/>
+              <a:defRPr sz="1000"/>
+            </a:lvl4pPr>
+            <a:lvl5pPr marL="1828800" indent="0">
+              <a:buNone/>
+              <a:defRPr sz="1000"/>
+            </a:lvl5pPr>
+            <a:lvl6pPr marL="2286000" indent="0">
+              <a:buNone/>
+              <a:defRPr sz="1000"/>
+            </a:lvl6pPr>
+            <a:lvl7pPr marL="2743200" indent="0">
+              <a:buNone/>
+              <a:defRPr sz="1000"/>
+            </a:lvl7pPr>
+            <a:lvl8pPr marL="3200400" indent="0">
+              <a:buNone/>
+              <a:defRPr sz="1000"/>
+            </a:lvl8pPr>
+            <a:lvl9pPr marL="3657600" indent="0">
+              <a:buNone/>
+              <a:defRPr sz="1000"/>
+            </a:lvl9pPr>
+          </a:lstStyle>
+          <a:p>
+            <a:pPr lvl="0"/>
+            <a:r>
+              <a:rPr lang="en-US"/>
+              <a:t>Click to edit Master text styles</a:t>
+            </a:r>
+          </a:p>
+        </p:txBody>
+      </p:sp>
+      <p:sp>
+        <p:nvSpPr>
+          <p:cNvPr id="5" name="Date Placeholder 4"/>
+          <p:cNvSpPr>
+            <a:spLocks noGrp="1"/>
+          </p:cNvSpPr>
+          <p:nvPr>
+            <p:ph type="dt" sz="half" idx="10"/>
+          </p:nvPr>
+        </p:nvSpPr>
+        <p:spPr/>
+        <p:txBody>
+          <a:bodyPr/>
+          <a:lstStyle/>
+          <a:p>
+            <a:fld id="{5BCAD085-E8A6-8845-BD4E-CB4CCA059FC4}" type="datetimeFigureOut">
+              <a:rPr lang="en-US" smtClean="0"/>
+              <a:t>5/24/2024</a:t>
+            </a:fld>
+            <a:endParaRPr lang="en-US"/>
+          </a:p>
+        </p:txBody>
+      </p:sp>
+      <p:sp>
+        <p:nvSpPr>
+          <p:cNvPr id="6" name="Footer Placeholder 5"/>
+          <p:cNvSpPr>
+            <a:spLocks noGrp="1"/>
+          </p:cNvSpPr>
+          <p:nvPr>
+            <p:ph type="ftr" sz="quarter" idx="11"/>
+          </p:nvPr>
+        </p:nvSpPr>
+        <p:spPr/>
+        <p:txBody>
+          <a:bodyPr/>
+          <a:lstStyle/>
+          <a:p>
+            <a:endParaRPr lang="en-US"/>
+          </a:p>
+        </p:txBody>
+      </p:sp>
+      <p:sp>
+        <p:nvSpPr>
+          <p:cNvPr id="7" name="Slide Number Placeholder 6"/>
+          <p:cNvSpPr>
+            <a:spLocks noGrp="1"/>
+          </p:cNvSpPr>
+          <p:nvPr>
+            <p:ph type="sldNum" sz="quarter" idx="12"/>
+          </p:nvPr>
+        </p:nvSpPr>
+        <p:spPr/>
+        <p:txBody>
+          <a:bodyPr/>
+          <a:lstStyle/>
+          <a:p>
+            <a:fld id="{C1FF6DA9-008F-8B48-92A6-B652298478BF}" type="slidenum">
+              <a:rPr lang="en-US" smtClean="0"/>
+              <a:t>‹#›</a:t>
+            </a:fld>
+            <a:endParaRPr lang="en-US"/>
+          </a:p>
+        </p:txBody>
+      </p:sp>
+    </p:spTree>
+    <p:extLst>
+      <p:ext uri="{BB962C8B-B14F-4D97-AF65-F5344CB8AC3E}">
+        <p14:creationId xmlns:p14="http://schemas.microsoft.com/office/powerpoint/2010/main" val="1151792406"/>
+      </p:ext>
+    </p:extLst>
+  </p:cSld>
+  <p:clrMapOvr>
+    <a:masterClrMapping/>
+  </p:clrMapOvr>
+</p:sldLayout>
+</file>
+
+<file path=ppt/slideLayouts/slideLayout11.xml><?xml version="1.0" encoding="utf-8"?>
+<p:sldLayout xmlns:a="http://schemas.openxmlformats.org/drawingml/2006/main" xmlns:r="http://schemas.openxmlformats.org/officeDocument/2006/relationships" xmlns:p="http://schemas.openxmlformats.org/presentationml/2006/main" preserve="1">
+  <p:cSld name="Title and Caption">
+    <p:spTree>
+      <p:nvGrpSpPr>
+        <p:cNvPr id="1" name=""/>
+        <p:cNvGrpSpPr/>
+        <p:nvPr/>
+      </p:nvGrpSpPr>
+      <p:grpSpPr>
+        <a:xfrm>
+          <a:off x="0" y="0"/>
+          <a:ext cx="0" cy="0"/>
+          <a:chOff x="0" y="0"/>
+          <a:chExt cx="0" cy="0"/>
+        </a:xfrm>
+      </p:grpSpPr>
+      <p:sp>
+        <p:nvSpPr>
+          <p:cNvPr id="2" name="Title 1"/>
+          <p:cNvSpPr>
+            <a:spLocks noGrp="1"/>
+          </p:cNvSpPr>
+          <p:nvPr>
+            <p:ph type="title"/>
+          </p:nvPr>
+        </p:nvSpPr>
+        <p:spPr>
+          <a:xfrm>
+            <a:off x="685346" y="608437"/>
+            <a:ext cx="7765322" cy="3534344"/>
+          </a:xfrm>
+        </p:spPr>
+        <p:txBody>
+          <a:bodyPr anchor="ctr"/>
+          <a:lstStyle>
+            <a:lvl1pPr>
+              <a:defRPr sz="3200"/>
+            </a:lvl1pPr>
+          </a:lstStyle>
+          <a:p>
+            <a:r>
+              <a:rPr lang="en-US"/>
+              <a:t>Click to edit Master title style</a:t>
+            </a:r>
+            <a:endParaRPr lang="en-US" dirty="0"/>
+          </a:p>
+        </p:txBody>
+      </p:sp>
+      <p:sp>
+        <p:nvSpPr>
+          <p:cNvPr id="4" name="Text Placeholder 3"/>
+          <p:cNvSpPr>
+            <a:spLocks noGrp="1"/>
+          </p:cNvSpPr>
+          <p:nvPr>
+            <p:ph type="body" sz="half" idx="2"/>
+          </p:nvPr>
+        </p:nvSpPr>
+        <p:spPr>
+          <a:xfrm>
+            <a:off x="685346" y="4295180"/>
+            <a:ext cx="7765322" cy="1501826"/>
+          </a:xfrm>
+        </p:spPr>
+        <p:txBody>
+          <a:bodyPr anchor="ctr"/>
+          <a:lstStyle>
+            <a:lvl1pPr marL="0" indent="0" algn="ctr">
+              <a:buNone/>
+              <a:defRPr sz="1600"/>
+            </a:lvl1pPr>
+            <a:lvl2pPr marL="457200" indent="0">
+              <a:buNone/>
+              <a:defRPr sz="1400"/>
+            </a:lvl2pPr>
+            <a:lvl3pPr marL="914400" indent="0">
+              <a:buNone/>
+              <a:defRPr sz="1200"/>
+            </a:lvl3pPr>
+            <a:lvl4pPr marL="1371600" indent="0">
+              <a:buNone/>
+              <a:defRPr sz="1000"/>
+            </a:lvl4pPr>
+            <a:lvl5pPr marL="1828800" indent="0">
+              <a:buNone/>
+              <a:defRPr sz="1000"/>
+            </a:lvl5pPr>
+            <a:lvl6pPr marL="2286000" indent="0">
+              <a:buNone/>
+              <a:defRPr sz="1000"/>
+            </a:lvl6pPr>
+            <a:lvl7pPr marL="2743200" indent="0">
+              <a:buNone/>
+              <a:defRPr sz="1000"/>
+            </a:lvl7pPr>
+            <a:lvl8pPr marL="3200400" indent="0">
+              <a:buNone/>
+              <a:defRPr sz="1000"/>
+            </a:lvl8pPr>
+            <a:lvl9pPr marL="3657600" indent="0">
+              <a:buNone/>
+              <a:defRPr sz="1000"/>
+            </a:lvl9pPr>
+          </a:lstStyle>
+          <a:p>
+            <a:pPr lvl="0"/>
+            <a:r>
+              <a:rPr lang="en-US"/>
+              <a:t>Click to edit Master text styles</a:t>
+            </a:r>
+          </a:p>
+        </p:txBody>
+      </p:sp>
+      <p:sp>
+        <p:nvSpPr>
+          <p:cNvPr id="5" name="Date Placeholder 4"/>
+          <p:cNvSpPr>
+            <a:spLocks noGrp="1"/>
+          </p:cNvSpPr>
+          <p:nvPr>
+            <p:ph type="dt" sz="half" idx="10"/>
+          </p:nvPr>
+        </p:nvSpPr>
+        <p:spPr/>
+        <p:txBody>
+          <a:bodyPr/>
+          <a:lstStyle/>
+          <a:p>
+            <a:fld id="{5BCAD085-E8A6-8845-BD4E-CB4CCA059FC4}" type="datetimeFigureOut">
+              <a:rPr lang="en-US" smtClean="0"/>
+              <a:t>5/24/2024</a:t>
+            </a:fld>
+            <a:endParaRPr lang="en-US"/>
+          </a:p>
+        </p:txBody>
+      </p:sp>
+      <p:sp>
+        <p:nvSpPr>
+          <p:cNvPr id="6" name="Footer Placeholder 5"/>
+          <p:cNvSpPr>
+            <a:spLocks noGrp="1"/>
+          </p:cNvSpPr>
+          <p:nvPr>
+            <p:ph type="ftr" sz="quarter" idx="11"/>
+          </p:nvPr>
+        </p:nvSpPr>
+        <p:spPr/>
+        <p:txBody>
+          <a:bodyPr/>
+          <a:lstStyle/>
+          <a:p>
+            <a:endParaRPr lang="en-US"/>
+          </a:p>
+        </p:txBody>
+      </p:sp>
+      <p:sp>
+        <p:nvSpPr>
+          <p:cNvPr id="7" name="Slide Number Placeholder 6"/>
+          <p:cNvSpPr>
+            <a:spLocks noGrp="1"/>
+          </p:cNvSpPr>
+          <p:nvPr>
+            <p:ph type="sldNum" sz="quarter" idx="12"/>
+          </p:nvPr>
+        </p:nvSpPr>
+        <p:spPr/>
+        <p:txBody>
+          <a:bodyPr/>
+          <a:lstStyle/>
+          <a:p>
+            <a:fld id="{C1FF6DA9-008F-8B48-92A6-B652298478BF}" type="slidenum">
+              <a:rPr lang="en-US" smtClean="0"/>
+              <a:t>‹#›</a:t>
+            </a:fld>
+            <a:endParaRPr lang="en-US"/>
+          </a:p>
+        </p:txBody>
+      </p:sp>
+    </p:spTree>
+    <p:extLst>
+      <p:ext uri="{BB962C8B-B14F-4D97-AF65-F5344CB8AC3E}">
+        <p14:creationId xmlns:p14="http://schemas.microsoft.com/office/powerpoint/2010/main" val="2308592665"/>
+      </p:ext>
+    </p:extLst>
+  </p:cSld>
+  <p:clrMapOvr>
+    <a:masterClrMapping/>
+  </p:clrMapOvr>
+</p:sldLayout>
+</file>
+
+<file path=ppt/slideLayouts/slideLayout12.xml><?xml version="1.0" encoding="utf-8"?>
+<p:sldLayout xmlns:a="http://schemas.openxmlformats.org/drawingml/2006/main" xmlns:r="http://schemas.openxmlformats.org/officeDocument/2006/relationships" xmlns:p="http://schemas.openxmlformats.org/presentationml/2006/main" preserve="1">
+  <p:cSld name="Quote with Caption">
+    <p:spTree>
+      <p:nvGrpSpPr>
+        <p:cNvPr id="1" name=""/>
+        <p:cNvGrpSpPr/>
+        <p:nvPr/>
+      </p:nvGrpSpPr>
+      <p:grpSpPr>
+        <a:xfrm>
+          <a:off x="0" y="0"/>
+          <a:ext cx="0" cy="0"/>
+          <a:chOff x="0" y="0"/>
+          <a:chExt cx="0" cy="0"/>
+        </a:xfrm>
+      </p:grpSpPr>
+      <p:sp>
+        <p:nvSpPr>
+          <p:cNvPr id="2" name="Title 1"/>
+          <p:cNvSpPr>
+            <a:spLocks noGrp="1"/>
+          </p:cNvSpPr>
+          <p:nvPr>
+            <p:ph type="title"/>
+          </p:nvPr>
+        </p:nvSpPr>
+        <p:spPr>
+          <a:xfrm>
+            <a:off x="1084659" y="609600"/>
+            <a:ext cx="6977064" cy="2992904"/>
+          </a:xfrm>
+        </p:spPr>
+        <p:txBody>
+          <a:bodyPr anchor="ctr"/>
+          <a:lstStyle>
+            <a:lvl1pPr>
+              <a:defRPr sz="3200"/>
+            </a:lvl1pPr>
+          </a:lstStyle>
+          <a:p>
+            <a:r>
+              <a:rPr lang="en-US"/>
+              <a:t>Click to edit Master title style</a:t>
+            </a:r>
+            <a:endParaRPr lang="en-US" dirty="0"/>
+          </a:p>
+        </p:txBody>
+      </p:sp>
+      <p:sp>
+        <p:nvSpPr>
+          <p:cNvPr id="12" name="Text Placeholder 3"/>
+          <p:cNvSpPr>
+            <a:spLocks noGrp="1"/>
+          </p:cNvSpPr>
+          <p:nvPr>
+            <p:ph type="body" sz="half" idx="13"/>
+          </p:nvPr>
+        </p:nvSpPr>
+        <p:spPr>
+          <a:xfrm>
+            <a:off x="1290484" y="3610033"/>
+            <a:ext cx="6564224" cy="532749"/>
+          </a:xfrm>
+        </p:spPr>
+        <p:txBody>
+          <a:bodyPr anchor="t">
+            <a:normAutofit/>
+          </a:bodyPr>
+          <a:lstStyle>
+            <a:lvl1pPr marL="0" indent="0" algn="r">
+              <a:buNone/>
+              <a:defRPr sz="1400"/>
+            </a:lvl1pPr>
+            <a:lvl2pPr marL="457200" indent="0">
+              <a:buNone/>
+              <a:defRPr sz="1400"/>
+            </a:lvl2pPr>
+            <a:lvl3pPr marL="914400" indent="0">
+              <a:buNone/>
+              <a:defRPr sz="1200"/>
+            </a:lvl3pPr>
+            <a:lvl4pPr marL="1371600" indent="0">
+              <a:buNone/>
+              <a:defRPr sz="1000"/>
+            </a:lvl4pPr>
+            <a:lvl5pPr marL="1828800" indent="0">
+              <a:buNone/>
+              <a:defRPr sz="1000"/>
+            </a:lvl5pPr>
+            <a:lvl6pPr marL="2286000" indent="0">
+              <a:buNone/>
+              <a:defRPr sz="1000"/>
+            </a:lvl6pPr>
+            <a:lvl7pPr marL="2743200" indent="0">
+              <a:buNone/>
+              <a:defRPr sz="1000"/>
+            </a:lvl7pPr>
+            <a:lvl8pPr marL="3200400" indent="0">
+              <a:buNone/>
+              <a:defRPr sz="1000"/>
+            </a:lvl8pPr>
+            <a:lvl9pPr marL="3657600" indent="0">
+              <a:buNone/>
+              <a:defRPr sz="1000"/>
+            </a:lvl9pPr>
+          </a:lstStyle>
+          <a:p>
+            <a:pPr lvl="0"/>
+            <a:r>
+              <a:rPr lang="en-US"/>
+              <a:t>Click to edit Master text styles</a:t>
+            </a:r>
+          </a:p>
+        </p:txBody>
+      </p:sp>
+      <p:sp>
+        <p:nvSpPr>
+          <p:cNvPr id="4" name="Text Placeholder 3"/>
+          <p:cNvSpPr>
+            <a:spLocks noGrp="1"/>
+          </p:cNvSpPr>
+          <p:nvPr>
+            <p:ph type="body" sz="half" idx="2"/>
+          </p:nvPr>
+        </p:nvSpPr>
+        <p:spPr>
+          <a:xfrm>
+            <a:off x="685346" y="4304353"/>
+            <a:ext cx="7765322" cy="1489496"/>
+          </a:xfrm>
+        </p:spPr>
+        <p:txBody>
+          <a:bodyPr anchor="ctr">
+            <a:normAutofit/>
+          </a:bodyPr>
+          <a:lstStyle>
+            <a:lvl1pPr marL="0" indent="0" algn="ctr">
+              <a:buNone/>
+              <a:defRPr sz="1600"/>
+            </a:lvl1pPr>
+            <a:lvl2pPr marL="457200" indent="0">
+              <a:buNone/>
+              <a:defRPr sz="1400"/>
+            </a:lvl2pPr>
+            <a:lvl3pPr marL="914400" indent="0">
+              <a:buNone/>
+              <a:defRPr sz="1200"/>
+            </a:lvl3pPr>
+            <a:lvl4pPr marL="1371600" indent="0">
+              <a:buNone/>
+              <a:defRPr sz="1000"/>
+            </a:lvl4pPr>
+            <a:lvl5pPr marL="1828800" indent="0">
+              <a:buNone/>
+              <a:defRPr sz="1000"/>
+            </a:lvl5pPr>
+            <a:lvl6pPr marL="2286000" indent="0">
+              <a:buNone/>
+              <a:defRPr sz="1000"/>
+            </a:lvl6pPr>
+            <a:lvl7pPr marL="2743200" indent="0">
+              <a:buNone/>
+              <a:defRPr sz="1000"/>
+            </a:lvl7pPr>
+            <a:lvl8pPr marL="3200400" indent="0">
+              <a:buNone/>
+              <a:defRPr sz="1000"/>
+            </a:lvl8pPr>
+            <a:lvl9pPr marL="3657600" indent="0">
+              <a:buNone/>
+              <a:defRPr sz="1000"/>
+            </a:lvl9pPr>
+          </a:lstStyle>
+          <a:p>
+            <a:pPr lvl="0"/>
+            <a:r>
+              <a:rPr lang="en-US"/>
+              <a:t>Click to edit Master text styles</a:t>
+            </a:r>
+          </a:p>
+        </p:txBody>
+      </p:sp>
+      <p:sp>
+        <p:nvSpPr>
+          <p:cNvPr id="5" name="Date Placeholder 4"/>
+          <p:cNvSpPr>
+            <a:spLocks noGrp="1"/>
+          </p:cNvSpPr>
+          <p:nvPr>
+            <p:ph type="dt" sz="half" idx="10"/>
+          </p:nvPr>
+        </p:nvSpPr>
+        <p:spPr/>
+        <p:txBody>
+          <a:bodyPr/>
+          <a:lstStyle/>
+          <a:p>
+            <a:fld id="{5BCAD085-E8A6-8845-BD4E-CB4CCA059FC4}" type="datetimeFigureOut">
+              <a:rPr lang="en-US" smtClean="0"/>
+              <a:t>5/24/2024</a:t>
+            </a:fld>
+            <a:endParaRPr lang="en-US"/>
+          </a:p>
+        </p:txBody>
+      </p:sp>
+      <p:sp>
+        <p:nvSpPr>
+          <p:cNvPr id="6" name="Footer Placeholder 5"/>
+          <p:cNvSpPr>
+            <a:spLocks noGrp="1"/>
+          </p:cNvSpPr>
+          <p:nvPr>
+            <p:ph type="ftr" sz="quarter" idx="11"/>
+          </p:nvPr>
+        </p:nvSpPr>
+        <p:spPr/>
+        <p:txBody>
+          <a:bodyPr/>
+          <a:lstStyle/>
+          <a:p>
+            <a:endParaRPr lang="en-US"/>
+          </a:p>
+        </p:txBody>
+      </p:sp>
+      <p:sp>
+        <p:nvSpPr>
+          <p:cNvPr id="7" name="Slide Number Placeholder 6"/>
+          <p:cNvSpPr>
+            <a:spLocks noGrp="1"/>
+          </p:cNvSpPr>
+          <p:nvPr>
+            <p:ph type="sldNum" sz="quarter" idx="12"/>
+          </p:nvPr>
+        </p:nvSpPr>
+        <p:spPr/>
+        <p:txBody>
+          <a:bodyPr/>
+          <a:lstStyle/>
+          <a:p>
+            <a:fld id="{C1FF6DA9-008F-8B48-92A6-B652298478BF}" type="slidenum">
+              <a:rPr lang="en-US" smtClean="0"/>
+              <a:t>‹#›</a:t>
+            </a:fld>
+            <a:endParaRPr lang="en-US"/>
+          </a:p>
+        </p:txBody>
+      </p:sp>
+      <p:sp>
+        <p:nvSpPr>
+          <p:cNvPr id="11" name="TextBox 10"/>
+          <p:cNvSpPr txBox="1"/>
+          <p:nvPr/>
+        </p:nvSpPr>
+        <p:spPr>
+          <a:xfrm>
+            <a:off x="627459" y="873912"/>
+            <a:ext cx="457200" cy="584776"/>
+          </a:xfrm>
+          <a:prstGeom prst="rect">
+            <a:avLst/>
+          </a:prstGeom>
+        </p:spPr>
+        <p:txBody>
+          <a:bodyPr vert="horz" lIns="91440" tIns="45720" rIns="91440" bIns="45720" rtlCol="0" anchor="ctr">
+            <a:noAutofit/>
+          </a:bodyPr>
+          <a:lstStyle>
+            <a:lvl1pPr>
+              <a:spcBef>
+                <a:spcPct val="0"/>
+              </a:spcBef>
+              <a:buNone/>
+              <a:defRPr sz="3200" b="0" cap="all">
+                <a:ln w="3175" cmpd="sng">
+                  <a:noFill/>
+                </a:ln>
+                <a:effectLst>
+                  <a:glow rad="38100">
+                    <a:schemeClr val="bg1">
+                      <a:lumMod val="65000"/>
+                      <a:lumOff val="35000"/>
+                      <a:alpha val="40000"/>
+                    </a:schemeClr>
+                  </a:glow>
+                  <a:outerShdw blurRad="28575" dist="38100" dir="14040000" algn="tl" rotWithShape="0">
+                    <a:srgbClr val="000000">
+                      <a:alpha val="25000"/>
+                    </a:srgbClr>
+                  </a:outerShdw>
+                </a:effectLst>
+              </a:defRPr>
+            </a:lvl1pPr>
+            <a:lvl2pPr>
+              <a:defRPr>
+                <a:solidFill>
+                  <a:schemeClr val="tx2"/>
+                </a:solidFill>
+              </a:defRPr>
+            </a:lvl2pPr>
+            <a:lvl3pPr>
+              <a:defRPr>
+                <a:solidFill>
+                  <a:schemeClr val="tx2"/>
+                </a:solidFill>
+              </a:defRPr>
+            </a:lvl3pPr>
+            <a:lvl4pPr>
+              <a:defRPr>
+                <a:solidFill>
+                  <a:schemeClr val="tx2"/>
+                </a:solidFill>
+              </a:defRPr>
+            </a:lvl4pPr>
+            <a:lvl5pPr>
+              <a:defRPr>
+                <a:solidFill>
+                  <a:schemeClr val="tx2"/>
+                </a:solidFill>
+              </a:defRPr>
+            </a:lvl5pPr>
+            <a:lvl6pPr>
+              <a:defRPr>
+                <a:solidFill>
+                  <a:schemeClr val="tx2"/>
+                </a:solidFill>
+              </a:defRPr>
+            </a:lvl6pPr>
+            <a:lvl7pPr>
+              <a:defRPr>
+                <a:solidFill>
+                  <a:schemeClr val="tx2"/>
+                </a:solidFill>
+              </a:defRPr>
+            </a:lvl7pPr>
+            <a:lvl8pPr>
+              <a:defRPr>
+                <a:solidFill>
+                  <a:schemeClr val="tx2"/>
+                </a:solidFill>
+              </a:defRPr>
+            </a:lvl8pPr>
+            <a:lvl9pPr>
+              <a:defRPr>
+                <a:solidFill>
+                  <a:schemeClr val="tx2"/>
+                </a:solidFill>
+              </a:defRPr>
+            </a:lvl9pPr>
+          </a:lstStyle>
+          <a:p>
+            <a:pPr lvl="0"/>
+            <a:r>
+              <a:rPr lang="en-US" sz="8000" dirty="0">
+                <a:solidFill>
+                  <a:schemeClr val="tx1"/>
+                </a:solidFill>
+                <a:effectLst/>
+              </a:rPr>
+              <a:t>“</a:t>
+            </a:r>
+          </a:p>
+        </p:txBody>
+      </p:sp>
+      <p:sp>
+        <p:nvSpPr>
+          <p:cNvPr id="13" name="TextBox 12"/>
+          <p:cNvSpPr txBox="1"/>
+          <p:nvPr/>
+        </p:nvSpPr>
+        <p:spPr>
+          <a:xfrm>
+            <a:off x="7828359" y="2933245"/>
+            <a:ext cx="457200" cy="584776"/>
+          </a:xfrm>
+          <a:prstGeom prst="rect">
+            <a:avLst/>
+          </a:prstGeom>
+        </p:spPr>
+        <p:txBody>
+          <a:bodyPr vert="horz" lIns="91440" tIns="45720" rIns="91440" bIns="45720" rtlCol="0" anchor="ctr">
+            <a:noAutofit/>
+          </a:bodyPr>
+          <a:lstStyle>
+            <a:lvl1pPr>
+              <a:spcBef>
+                <a:spcPct val="0"/>
+              </a:spcBef>
+              <a:buNone/>
+              <a:defRPr sz="3200" b="0" cap="all">
+                <a:ln w="3175" cmpd="sng">
+                  <a:noFill/>
+                </a:ln>
+                <a:effectLst>
+                  <a:glow rad="38100">
+                    <a:schemeClr val="bg1">
+                      <a:lumMod val="65000"/>
+                      <a:lumOff val="35000"/>
+                      <a:alpha val="40000"/>
+                    </a:schemeClr>
+                  </a:glow>
+                  <a:outerShdw blurRad="28575" dist="38100" dir="14040000" algn="tl" rotWithShape="0">
+                    <a:srgbClr val="000000">
+                      <a:alpha val="25000"/>
+                    </a:srgbClr>
+                  </a:outerShdw>
+                </a:effectLst>
+              </a:defRPr>
+            </a:lvl1pPr>
+            <a:lvl2pPr>
+              <a:defRPr>
+                <a:solidFill>
+                  <a:schemeClr val="tx2"/>
+                </a:solidFill>
+              </a:defRPr>
+            </a:lvl2pPr>
+            <a:lvl3pPr>
+              <a:defRPr>
+                <a:solidFill>
+                  <a:schemeClr val="tx2"/>
+                </a:solidFill>
+              </a:defRPr>
+            </a:lvl3pPr>
+            <a:lvl4pPr>
+              <a:defRPr>
+                <a:solidFill>
+                  <a:schemeClr val="tx2"/>
+                </a:solidFill>
+              </a:defRPr>
+            </a:lvl4pPr>
+            <a:lvl5pPr>
+              <a:defRPr>
+                <a:solidFill>
+                  <a:schemeClr val="tx2"/>
+                </a:solidFill>
+              </a:defRPr>
+            </a:lvl5pPr>
+            <a:lvl6pPr>
+              <a:defRPr>
+                <a:solidFill>
+                  <a:schemeClr val="tx2"/>
+                </a:solidFill>
+              </a:defRPr>
+            </a:lvl6pPr>
+            <a:lvl7pPr>
+              <a:defRPr>
+                <a:solidFill>
+                  <a:schemeClr val="tx2"/>
+                </a:solidFill>
+              </a:defRPr>
+            </a:lvl7pPr>
+            <a:lvl8pPr>
+              <a:defRPr>
+                <a:solidFill>
+                  <a:schemeClr val="tx2"/>
+                </a:solidFill>
+              </a:defRPr>
+            </a:lvl8pPr>
+            <a:lvl9pPr>
+              <a:defRPr>
+                <a:solidFill>
+                  <a:schemeClr val="tx2"/>
+                </a:solidFill>
+              </a:defRPr>
+            </a:lvl9pPr>
+          </a:lstStyle>
+          <a:p>
+            <a:pPr lvl="0" algn="r"/>
+            <a:r>
+              <a:rPr lang="en-US" sz="8000" dirty="0">
+                <a:solidFill>
+                  <a:schemeClr val="tx1"/>
+                </a:solidFill>
+                <a:effectLst/>
+              </a:rPr>
+              <a:t>”</a:t>
+            </a:r>
+          </a:p>
+        </p:txBody>
+      </p:sp>
+    </p:spTree>
+    <p:extLst>
+      <p:ext uri="{BB962C8B-B14F-4D97-AF65-F5344CB8AC3E}">
+        <p14:creationId xmlns:p14="http://schemas.microsoft.com/office/powerpoint/2010/main" val="2852775155"/>
+      </p:ext>
+    </p:extLst>
+  </p:cSld>
+  <p:clrMapOvr>
+    <a:masterClrMapping/>
+  </p:clrMapOvr>
+</p:sldLayout>
+</file>
+
+<file path=ppt/slideLayouts/slideLayout13.xml><?xml version="1.0" encoding="utf-8"?>
+<p:sldLayout xmlns:a="http://schemas.openxmlformats.org/drawingml/2006/main" xmlns:r="http://schemas.openxmlformats.org/officeDocument/2006/relationships" xmlns:p="http://schemas.openxmlformats.org/presentationml/2006/main" preserve="1">
+  <p:cSld name="Name Card">
+    <p:spTree>
+      <p:nvGrpSpPr>
+        <p:cNvPr id="1" name=""/>
+        <p:cNvGrpSpPr/>
+        <p:nvPr/>
+      </p:nvGrpSpPr>
+      <p:grpSpPr>
+        <a:xfrm>
+          <a:off x="0" y="0"/>
+          <a:ext cx="0" cy="0"/>
+          <a:chOff x="0" y="0"/>
+          <a:chExt cx="0" cy="0"/>
+        </a:xfrm>
+      </p:grpSpPr>
+      <p:sp>
+        <p:nvSpPr>
+          <p:cNvPr id="2" name="Title 1"/>
+          <p:cNvSpPr>
+            <a:spLocks noGrp="1"/>
+          </p:cNvSpPr>
+          <p:nvPr>
+            <p:ph type="title"/>
+          </p:nvPr>
+        </p:nvSpPr>
+        <p:spPr>
+          <a:xfrm>
+            <a:off x="685346" y="2126943"/>
+            <a:ext cx="7765322" cy="2511835"/>
+          </a:xfrm>
+        </p:spPr>
+        <p:txBody>
+          <a:bodyPr anchor="b"/>
+          <a:lstStyle>
+            <a:lvl1pPr>
+              <a:defRPr sz="3200"/>
+            </a:lvl1pPr>
+          </a:lstStyle>
+          <a:p>
+            <a:r>
+              <a:rPr lang="en-US"/>
+              <a:t>Click to edit Master title style</a:t>
+            </a:r>
+            <a:endParaRPr lang="en-US" dirty="0"/>
+          </a:p>
+        </p:txBody>
+      </p:sp>
+      <p:sp>
+        <p:nvSpPr>
+          <p:cNvPr id="4" name="Text Placeholder 3"/>
+          <p:cNvSpPr>
+            <a:spLocks noGrp="1"/>
+          </p:cNvSpPr>
+          <p:nvPr>
+            <p:ph type="body" sz="half" idx="2"/>
+          </p:nvPr>
+        </p:nvSpPr>
+        <p:spPr>
+          <a:xfrm>
+            <a:off x="685339" y="4650556"/>
+            <a:ext cx="7764149" cy="1140644"/>
+          </a:xfrm>
+        </p:spPr>
+        <p:txBody>
+          <a:bodyPr anchor="t"/>
+          <a:lstStyle>
+            <a:lvl1pPr marL="0" indent="0" algn="ctr">
+              <a:buNone/>
+              <a:defRPr sz="1600"/>
+            </a:lvl1pPr>
+            <a:lvl2pPr marL="457200" indent="0">
+              <a:buNone/>
+              <a:defRPr sz="1400"/>
+            </a:lvl2pPr>
+            <a:lvl3pPr marL="914400" indent="0">
+              <a:buNone/>
+              <a:defRPr sz="1200"/>
+            </a:lvl3pPr>
+            <a:lvl4pPr marL="1371600" indent="0">
+              <a:buNone/>
+              <a:defRPr sz="1000"/>
+            </a:lvl4pPr>
+            <a:lvl5pPr marL="1828800" indent="0">
+              <a:buNone/>
+              <a:defRPr sz="1000"/>
+            </a:lvl5pPr>
+            <a:lvl6pPr marL="2286000" indent="0">
+              <a:buNone/>
+              <a:defRPr sz="1000"/>
+            </a:lvl6pPr>
+            <a:lvl7pPr marL="2743200" indent="0">
+              <a:buNone/>
+              <a:defRPr sz="1000"/>
+            </a:lvl7pPr>
+            <a:lvl8pPr marL="3200400" indent="0">
+              <a:buNone/>
+              <a:defRPr sz="1000"/>
+            </a:lvl8pPr>
+            <a:lvl9pPr marL="3657600" indent="0">
+              <a:buNone/>
+              <a:defRPr sz="1000"/>
+            </a:lvl9pPr>
+          </a:lstStyle>
+          <a:p>
+            <a:pPr lvl="0"/>
+            <a:r>
+              <a:rPr lang="en-US"/>
+              <a:t>Click to edit Master text styles</a:t>
+            </a:r>
+          </a:p>
+        </p:txBody>
+      </p:sp>
+      <p:sp>
+        <p:nvSpPr>
+          <p:cNvPr id="5" name="Date Placeholder 4"/>
+          <p:cNvSpPr>
+            <a:spLocks noGrp="1"/>
+          </p:cNvSpPr>
+          <p:nvPr>
+            <p:ph type="dt" sz="half" idx="10"/>
+          </p:nvPr>
+        </p:nvSpPr>
+        <p:spPr/>
+        <p:txBody>
+          <a:bodyPr/>
+          <a:lstStyle/>
+          <a:p>
+            <a:fld id="{5BCAD085-E8A6-8845-BD4E-CB4CCA059FC4}" type="datetimeFigureOut">
+              <a:rPr lang="en-US" smtClean="0"/>
+              <a:t>5/24/2024</a:t>
+            </a:fld>
+            <a:endParaRPr lang="en-US"/>
+          </a:p>
+        </p:txBody>
+      </p:sp>
+      <p:sp>
+        <p:nvSpPr>
+          <p:cNvPr id="6" name="Footer Placeholder 5"/>
+          <p:cNvSpPr>
+            <a:spLocks noGrp="1"/>
+          </p:cNvSpPr>
+          <p:nvPr>
+            <p:ph type="ftr" sz="quarter" idx="11"/>
+          </p:nvPr>
+        </p:nvSpPr>
+        <p:spPr/>
+        <p:txBody>
+          <a:bodyPr/>
+          <a:lstStyle/>
+          <a:p>
+            <a:endParaRPr lang="en-US"/>
+          </a:p>
+        </p:txBody>
+      </p:sp>
+      <p:sp>
+        <p:nvSpPr>
+          <p:cNvPr id="7" name="Slide Number Placeholder 6"/>
+          <p:cNvSpPr>
+            <a:spLocks noGrp="1"/>
+          </p:cNvSpPr>
+          <p:nvPr>
+            <p:ph type="sldNum" sz="quarter" idx="12"/>
+          </p:nvPr>
+        </p:nvSpPr>
+        <p:spPr/>
+        <p:txBody>
+          <a:bodyPr/>
+          <a:lstStyle/>
+          <a:p>
+            <a:fld id="{C1FF6DA9-008F-8B48-92A6-B652298478BF}" type="slidenum">
+              <a:rPr lang="en-US" smtClean="0"/>
+              <a:t>‹#›</a:t>
+            </a:fld>
+            <a:endParaRPr lang="en-US"/>
+          </a:p>
+        </p:txBody>
+      </p:sp>
+    </p:spTree>
+    <p:extLst>
+      <p:ext uri="{BB962C8B-B14F-4D97-AF65-F5344CB8AC3E}">
+        <p14:creationId xmlns:p14="http://schemas.microsoft.com/office/powerpoint/2010/main" val="1299163291"/>
+      </p:ext>
+    </p:extLst>
+  </p:cSld>
+  <p:clrMapOvr>
+    <a:masterClrMapping/>
+  </p:clrMapOvr>
+</p:sldLayout>
+</file>
+
+<file path=ppt/slideLayouts/slideLayout14.xml><?xml version="1.0" encoding="utf-8"?>
+<p:sldLayout xmlns:a="http://schemas.openxmlformats.org/drawingml/2006/main" xmlns:r="http://schemas.openxmlformats.org/officeDocument/2006/relationships" xmlns:p="http://schemas.openxmlformats.org/presentationml/2006/main" preserve="1">
+  <p:cSld name="3 Column">
+    <p:spTree>
+      <p:nvGrpSpPr>
+        <p:cNvPr id="1" name=""/>
+        <p:cNvGrpSpPr/>
+        <p:nvPr/>
+      </p:nvGrpSpPr>
+      <p:grpSpPr>
+        <a:xfrm>
+          <a:off x="0" y="0"/>
+          <a:ext cx="0" cy="0"/>
+          <a:chOff x="0" y="0"/>
+          <a:chExt cx="0" cy="0"/>
+        </a:xfrm>
+      </p:grpSpPr>
+      <p:sp>
+        <p:nvSpPr>
+          <p:cNvPr id="15" name="Title 1"/>
+          <p:cNvSpPr>
+            <a:spLocks noGrp="1"/>
+          </p:cNvSpPr>
+          <p:nvPr>
+            <p:ph type="title"/>
+          </p:nvPr>
+        </p:nvSpPr>
+        <p:spPr>
+          <a:xfrm>
+            <a:off x="685346" y="609600"/>
+            <a:ext cx="7765322" cy="970450"/>
+          </a:xfrm>
+        </p:spPr>
+        <p:txBody>
+          <a:bodyPr/>
+          <a:lstStyle/>
+          <a:p>
+            <a:r>
+              <a:rPr lang="en-US"/>
+              <a:t>Click to edit Master title style</a:t>
+            </a:r>
+            <a:endParaRPr lang="en-US" dirty="0"/>
+          </a:p>
+        </p:txBody>
+      </p:sp>
+      <p:sp>
+        <p:nvSpPr>
+          <p:cNvPr id="7" name="Text Placeholder 2"/>
+          <p:cNvSpPr>
+            <a:spLocks noGrp="1"/>
+          </p:cNvSpPr>
+          <p:nvPr>
+            <p:ph type="body" idx="1"/>
+          </p:nvPr>
+        </p:nvSpPr>
+        <p:spPr>
+          <a:xfrm>
+            <a:off x="685346" y="1885950"/>
+            <a:ext cx="2475738" cy="576262"/>
+          </a:xfrm>
+        </p:spPr>
+        <p:txBody>
+          <a:bodyPr anchor="b">
+            <a:noAutofit/>
+          </a:bodyPr>
+          <a:lstStyle>
+            <a:lvl1pPr marL="0" indent="0" algn="ctr">
+              <a:buNone/>
+              <a:defRPr sz="2400" b="0">
+                <a:solidFill>
+                  <a:schemeClr val="tx1"/>
+                </a:solidFill>
+              </a:defRPr>
+            </a:lvl1pPr>
+            <a:lvl2pPr marL="457200" indent="0">
+              <a:buNone/>
+              <a:defRPr sz="2000" b="1"/>
+            </a:lvl2pPr>
+            <a:lvl3pPr marL="914400" indent="0">
+              <a:buNone/>
+              <a:defRPr sz="1800" b="1"/>
+            </a:lvl3pPr>
+            <a:lvl4pPr marL="1371600" indent="0">
+              <a:buNone/>
+              <a:defRPr sz="1600" b="1"/>
+            </a:lvl4pPr>
+            <a:lvl5pPr marL="1828800" indent="0">
+              <a:buNone/>
+              <a:defRPr sz="1600" b="1"/>
+            </a:lvl5pPr>
+            <a:lvl6pPr marL="2286000" indent="0">
+              <a:buNone/>
+              <a:defRPr sz="1600" b="1"/>
+            </a:lvl6pPr>
+            <a:lvl7pPr marL="2743200" indent="0">
+              <a:buNone/>
+              <a:defRPr sz="1600" b="1"/>
+            </a:lvl7pPr>
+            <a:lvl8pPr marL="3200400" indent="0">
+              <a:buNone/>
+              <a:defRPr sz="1600" b="1"/>
+            </a:lvl8pPr>
+            <a:lvl9pPr marL="3657600" indent="0">
+              <a:buNone/>
+              <a:defRPr sz="1600" b="1"/>
+            </a:lvl9pPr>
+          </a:lstStyle>
+          <a:p>
+            <a:pPr lvl="0"/>
+            <a:r>
+              <a:rPr lang="en-US"/>
+              <a:t>Click to edit Master text styles</a:t>
+            </a:r>
+          </a:p>
+        </p:txBody>
+      </p:sp>
+      <p:sp>
+        <p:nvSpPr>
+          <p:cNvPr id="8" name="Text Placeholder 3"/>
+          <p:cNvSpPr>
+            <a:spLocks noGrp="1"/>
+          </p:cNvSpPr>
+          <p:nvPr>
+            <p:ph type="body" sz="half" idx="15"/>
+          </p:nvPr>
+        </p:nvSpPr>
+        <p:spPr>
+          <a:xfrm>
+            <a:off x="685346" y="2571750"/>
+            <a:ext cx="2475738" cy="3219450"/>
+          </a:xfrm>
+        </p:spPr>
+        <p:txBody>
+          <a:bodyPr anchor="t">
+            <a:normAutofit/>
+          </a:bodyPr>
+          <a:lstStyle>
+            <a:lvl1pPr marL="0" indent="0" algn="ctr">
+              <a:buNone/>
+              <a:defRPr sz="1400"/>
+            </a:lvl1pPr>
+            <a:lvl2pPr marL="457200" indent="0">
+              <a:buNone/>
+              <a:defRPr sz="1200"/>
+            </a:lvl2pPr>
+            <a:lvl3pPr marL="914400" indent="0">
+              <a:buNone/>
+              <a:defRPr sz="1000"/>
+            </a:lvl3pPr>
+            <a:lvl4pPr marL="1371600" indent="0">
+              <a:buNone/>
+              <a:defRPr sz="900"/>
+            </a:lvl4pPr>
+            <a:lvl5pPr marL="1828800" indent="0">
+              <a:buNone/>
+              <a:defRPr sz="900"/>
+            </a:lvl5pPr>
+            <a:lvl6pPr marL="2286000" indent="0">
+              <a:buNone/>
+              <a:defRPr sz="900"/>
+            </a:lvl6pPr>
+            <a:lvl7pPr marL="2743200" indent="0">
+              <a:buNone/>
+              <a:defRPr sz="900"/>
+            </a:lvl7pPr>
+            <a:lvl8pPr marL="3200400" indent="0">
+              <a:buNone/>
+              <a:defRPr sz="900"/>
+            </a:lvl8pPr>
+            <a:lvl9pPr marL="3657600" indent="0">
+              <a:buNone/>
+              <a:defRPr sz="900"/>
+            </a:lvl9pPr>
+          </a:lstStyle>
+          <a:p>
+            <a:pPr lvl="0"/>
+            <a:r>
+              <a:rPr lang="en-US"/>
+              <a:t>Click to edit Master text styles</a:t>
+            </a:r>
+          </a:p>
+        </p:txBody>
+      </p:sp>
+      <p:sp>
+        <p:nvSpPr>
+          <p:cNvPr id="9" name="Text Placeholder 4"/>
+          <p:cNvSpPr>
+            <a:spLocks noGrp="1"/>
+          </p:cNvSpPr>
+          <p:nvPr>
+            <p:ph type="body" sz="quarter" idx="3"/>
+          </p:nvPr>
+        </p:nvSpPr>
+        <p:spPr>
+          <a:xfrm>
+            <a:off x="3335033" y="1885950"/>
+            <a:ext cx="2475738" cy="576262"/>
+          </a:xfrm>
+        </p:spPr>
+        <p:txBody>
+          <a:bodyPr anchor="b">
+            <a:noAutofit/>
+          </a:bodyPr>
+          <a:lstStyle>
+            <a:lvl1pPr marL="0" indent="0" algn="ctr">
+              <a:buNone/>
+              <a:defRPr sz="2400" b="0">
+                <a:solidFill>
+                  <a:schemeClr val="tx1"/>
+                </a:solidFill>
+              </a:defRPr>
+            </a:lvl1pPr>
+            <a:lvl2pPr marL="457200" indent="0">
+              <a:buNone/>
+              <a:defRPr sz="2000" b="1"/>
+            </a:lvl2pPr>
+            <a:lvl3pPr marL="914400" indent="0">
+              <a:buNone/>
+              <a:defRPr sz="1800" b="1"/>
+            </a:lvl3pPr>
+            <a:lvl4pPr marL="1371600" indent="0">
+              <a:buNone/>
+              <a:defRPr sz="1600" b="1"/>
+            </a:lvl4pPr>
+            <a:lvl5pPr marL="1828800" indent="0">
+              <a:buNone/>
+              <a:defRPr sz="1600" b="1"/>
+            </a:lvl5pPr>
+            <a:lvl6pPr marL="2286000" indent="0">
+              <a:buNone/>
+              <a:defRPr sz="1600" b="1"/>
+            </a:lvl6pPr>
+            <a:lvl7pPr marL="2743200" indent="0">
+              <a:buNone/>
+              <a:defRPr sz="1600" b="1"/>
+            </a:lvl7pPr>
+            <a:lvl8pPr marL="3200400" indent="0">
+              <a:buNone/>
+              <a:defRPr sz="1600" b="1"/>
+            </a:lvl8pPr>
+            <a:lvl9pPr marL="3657600" indent="0">
+              <a:buNone/>
+              <a:defRPr sz="1600" b="1"/>
+            </a:lvl9pPr>
+          </a:lstStyle>
+          <a:p>
+            <a:pPr lvl="0"/>
+            <a:r>
+              <a:rPr lang="en-US"/>
+              <a:t>Click to edit Master text styles</a:t>
+            </a:r>
+          </a:p>
+        </p:txBody>
+      </p:sp>
+      <p:sp>
+        <p:nvSpPr>
+          <p:cNvPr id="10" name="Text Placeholder 3"/>
+          <p:cNvSpPr>
+            <a:spLocks noGrp="1"/>
+          </p:cNvSpPr>
+          <p:nvPr>
+            <p:ph type="body" sz="half" idx="16"/>
+          </p:nvPr>
+        </p:nvSpPr>
+        <p:spPr>
+          <a:xfrm>
+            <a:off x="3331076" y="2571750"/>
+            <a:ext cx="2475738" cy="3219450"/>
+          </a:xfrm>
+        </p:spPr>
+        <p:txBody>
+          <a:bodyPr anchor="t">
+            <a:normAutofit/>
+          </a:bodyPr>
+          <a:lstStyle>
+            <a:lvl1pPr marL="0" indent="0" algn="ctr">
+              <a:buNone/>
+              <a:defRPr sz="1400"/>
+            </a:lvl1pPr>
+            <a:lvl2pPr marL="457200" indent="0">
+              <a:buNone/>
+              <a:defRPr sz="1200"/>
+            </a:lvl2pPr>
+            <a:lvl3pPr marL="914400" indent="0">
+              <a:buNone/>
+              <a:defRPr sz="1000"/>
+            </a:lvl3pPr>
+            <a:lvl4pPr marL="1371600" indent="0">
+              <a:buNone/>
+              <a:defRPr sz="900"/>
+            </a:lvl4pPr>
+            <a:lvl5pPr marL="1828800" indent="0">
+              <a:buNone/>
+              <a:defRPr sz="900"/>
+            </a:lvl5pPr>
+            <a:lvl6pPr marL="2286000" indent="0">
+              <a:buNone/>
+              <a:defRPr sz="900"/>
+            </a:lvl6pPr>
+            <a:lvl7pPr marL="2743200" indent="0">
+              <a:buNone/>
+              <a:defRPr sz="900"/>
+            </a:lvl7pPr>
+            <a:lvl8pPr marL="3200400" indent="0">
+              <a:buNone/>
+              <a:defRPr sz="900"/>
+            </a:lvl8pPr>
+            <a:lvl9pPr marL="3657600" indent="0">
+              <a:buNone/>
+              <a:defRPr sz="900"/>
+            </a:lvl9pPr>
+          </a:lstStyle>
+          <a:p>
+            <a:pPr lvl="0"/>
+            <a:r>
+              <a:rPr lang="en-US"/>
+              <a:t>Click to edit Master text styles</a:t>
+            </a:r>
+          </a:p>
+        </p:txBody>
+      </p:sp>
+      <p:sp>
+        <p:nvSpPr>
+          <p:cNvPr id="11" name="Text Placeholder 4"/>
+          <p:cNvSpPr>
+            <a:spLocks noGrp="1"/>
+          </p:cNvSpPr>
+          <p:nvPr>
+            <p:ph type="body" sz="quarter" idx="13"/>
+          </p:nvPr>
+        </p:nvSpPr>
+        <p:spPr>
+          <a:xfrm>
+            <a:off x="5974929" y="1885950"/>
+            <a:ext cx="2475738" cy="576262"/>
+          </a:xfrm>
+        </p:spPr>
+        <p:txBody>
+          <a:bodyPr anchor="b">
+            <a:noAutofit/>
+          </a:bodyPr>
+          <a:lstStyle>
+            <a:lvl1pPr marL="0" indent="0" algn="ctr">
+              <a:buNone/>
+              <a:defRPr sz="2400" b="0">
+                <a:solidFill>
+                  <a:schemeClr val="tx1"/>
+                </a:solidFill>
+              </a:defRPr>
+            </a:lvl1pPr>
+            <a:lvl2pPr marL="457200" indent="0">
+              <a:buNone/>
+              <a:defRPr sz="2000" b="1"/>
+            </a:lvl2pPr>
+            <a:lvl3pPr marL="914400" indent="0">
+              <a:buNone/>
+              <a:defRPr sz="1800" b="1"/>
+            </a:lvl3pPr>
+            <a:lvl4pPr marL="1371600" indent="0">
+              <a:buNone/>
+              <a:defRPr sz="1600" b="1"/>
+            </a:lvl4pPr>
+            <a:lvl5pPr marL="1828800" indent="0">
+              <a:buNone/>
+              <a:defRPr sz="1600" b="1"/>
+            </a:lvl5pPr>
+            <a:lvl6pPr marL="2286000" indent="0">
+              <a:buNone/>
+              <a:defRPr sz="1600" b="1"/>
+            </a:lvl6pPr>
+            <a:lvl7pPr marL="2743200" indent="0">
+              <a:buNone/>
+              <a:defRPr sz="1600" b="1"/>
+            </a:lvl7pPr>
+            <a:lvl8pPr marL="3200400" indent="0">
+              <a:buNone/>
+              <a:defRPr sz="1600" b="1"/>
+            </a:lvl8pPr>
+            <a:lvl9pPr marL="3657600" indent="0">
+              <a:buNone/>
+              <a:defRPr sz="1600" b="1"/>
+            </a:lvl9pPr>
+          </a:lstStyle>
+          <a:p>
+            <a:pPr lvl="0"/>
+            <a:r>
+              <a:rPr lang="en-US"/>
+              <a:t>Click to edit Master text styles</a:t>
+            </a:r>
+          </a:p>
+        </p:txBody>
+      </p:sp>
+      <p:sp>
+        <p:nvSpPr>
+          <p:cNvPr id="12" name="Text Placeholder 3"/>
+          <p:cNvSpPr>
+            <a:spLocks noGrp="1"/>
+          </p:cNvSpPr>
+          <p:nvPr>
+            <p:ph type="body" sz="half" idx="17"/>
+          </p:nvPr>
+        </p:nvSpPr>
+        <p:spPr>
+          <a:xfrm>
+            <a:off x="5974929" y="2571750"/>
+            <a:ext cx="2475738" cy="3219450"/>
+          </a:xfrm>
+        </p:spPr>
+        <p:txBody>
+          <a:bodyPr anchor="t">
+            <a:normAutofit/>
+          </a:bodyPr>
+          <a:lstStyle>
+            <a:lvl1pPr marL="0" indent="0" algn="ctr">
+              <a:buNone/>
+              <a:defRPr sz="1400"/>
+            </a:lvl1pPr>
+            <a:lvl2pPr marL="457200" indent="0">
+              <a:buNone/>
+              <a:defRPr sz="1200"/>
+            </a:lvl2pPr>
+            <a:lvl3pPr marL="914400" indent="0">
+              <a:buNone/>
+              <a:defRPr sz="1000"/>
+            </a:lvl3pPr>
+            <a:lvl4pPr marL="1371600" indent="0">
+              <a:buNone/>
+              <a:defRPr sz="900"/>
+            </a:lvl4pPr>
+            <a:lvl5pPr marL="1828800" indent="0">
+              <a:buNone/>
+              <a:defRPr sz="900"/>
+            </a:lvl5pPr>
+            <a:lvl6pPr marL="2286000" indent="0">
+              <a:buNone/>
+              <a:defRPr sz="900"/>
+            </a:lvl6pPr>
+            <a:lvl7pPr marL="2743200" indent="0">
+              <a:buNone/>
+              <a:defRPr sz="900"/>
+            </a:lvl7pPr>
+            <a:lvl8pPr marL="3200400" indent="0">
+              <a:buNone/>
+              <a:defRPr sz="900"/>
+            </a:lvl8pPr>
+            <a:lvl9pPr marL="3657600" indent="0">
+              <a:buNone/>
+              <a:defRPr sz="900"/>
+            </a:lvl9pPr>
+          </a:lstStyle>
+          <a:p>
+            <a:pPr lvl="0"/>
+            <a:r>
+              <a:rPr lang="en-US"/>
+              <a:t>Click to edit Master text styles</a:t>
+            </a:r>
+          </a:p>
+        </p:txBody>
+      </p:sp>
+      <p:sp>
+        <p:nvSpPr>
+          <p:cNvPr id="3" name="Date Placeholder 2"/>
+          <p:cNvSpPr>
+            <a:spLocks noGrp="1"/>
+          </p:cNvSpPr>
+          <p:nvPr>
+            <p:ph type="dt" sz="half" idx="10"/>
+          </p:nvPr>
+        </p:nvSpPr>
+        <p:spPr/>
+        <p:txBody>
+          <a:bodyPr/>
+          <a:lstStyle/>
+          <a:p>
+            <a:fld id="{5BCAD085-E8A6-8845-BD4E-CB4CCA059FC4}" type="datetimeFigureOut">
+              <a:rPr lang="en-US" smtClean="0"/>
+              <a:t>5/24/2024</a:t>
+            </a:fld>
+            <a:endParaRPr lang="en-US"/>
+          </a:p>
+        </p:txBody>
+      </p:sp>
+      <p:sp>
+        <p:nvSpPr>
+          <p:cNvPr id="4" name="Footer Placeholder 3"/>
+          <p:cNvSpPr>
+            <a:spLocks noGrp="1"/>
+          </p:cNvSpPr>
+          <p:nvPr>
+            <p:ph type="ftr" sz="quarter" idx="11"/>
+          </p:nvPr>
+        </p:nvSpPr>
+        <p:spPr/>
+        <p:txBody>
+          <a:bodyPr/>
+          <a:lstStyle/>
+          <a:p>
+            <a:endParaRPr lang="en-US"/>
+          </a:p>
+        </p:txBody>
+      </p:sp>
+      <p:sp>
+        <p:nvSpPr>
+          <p:cNvPr id="5" name="Slide Number Placeholder 4"/>
+          <p:cNvSpPr>
+            <a:spLocks noGrp="1"/>
+          </p:cNvSpPr>
+          <p:nvPr>
+            <p:ph type="sldNum" sz="quarter" idx="12"/>
+          </p:nvPr>
+        </p:nvSpPr>
+        <p:spPr/>
+        <p:txBody>
+          <a:bodyPr/>
+          <a:lstStyle/>
+          <a:p>
+            <a:fld id="{C1FF6DA9-008F-8B48-92A6-B652298478BF}" type="slidenum">
+              <a:rPr lang="en-US" smtClean="0"/>
+              <a:t>‹#›</a:t>
+            </a:fld>
+            <a:endParaRPr lang="en-US"/>
+          </a:p>
+        </p:txBody>
+      </p:sp>
+    </p:spTree>
+    <p:extLst>
+      <p:ext uri="{BB962C8B-B14F-4D97-AF65-F5344CB8AC3E}">
+        <p14:creationId xmlns:p14="http://schemas.microsoft.com/office/powerpoint/2010/main" val="2367361868"/>
+      </p:ext>
+    </p:extLst>
+  </p:cSld>
+  <p:clrMapOvr>
+    <a:masterClrMapping/>
+  </p:clrMapOvr>
+</p:sldLayout>
+</file>
+
+<file path=ppt/slideLayouts/slideLayout15.xml><?xml version="1.0" encoding="utf-8"?>
+<p:sldLayout xmlns:a="http://schemas.openxmlformats.org/drawingml/2006/main" xmlns:r="http://schemas.openxmlformats.org/officeDocument/2006/relationships" xmlns:p="http://schemas.openxmlformats.org/presentationml/2006/main" preserve="1">
+  <p:cSld name="3 Picture Column">
+    <p:spTree>
+      <p:nvGrpSpPr>
+        <p:cNvPr id="1" name=""/>
+        <p:cNvGrpSpPr/>
+        <p:nvPr/>
+      </p:nvGrpSpPr>
+      <p:grpSpPr>
+        <a:xfrm>
+          <a:off x="0" y="0"/>
+          <a:ext cx="0" cy="0"/>
+          <a:chOff x="0" y="0"/>
+          <a:chExt cx="0" cy="0"/>
+        </a:xfrm>
+      </p:grpSpPr>
+      <p:pic>
+        <p:nvPicPr>
+          <p:cNvPr id="6" name="Picture 5" descr="Slate-V2-SD-3colPhotoInset.png"/>
+          <p:cNvPicPr>
+            <a:picLocks noChangeAspect="1"/>
+          </p:cNvPicPr>
+          <p:nvPr/>
+        </p:nvPicPr>
+        <p:blipFill>
+          <a:blip r:embed="rId2">
+            <a:extLst>
+              <a:ext uri="{28A0092B-C50C-407E-A947-70E740481C1C}">
+                <a14:useLocalDpi xmlns:a14="http://schemas.microsoft.com/office/drawing/2010/main" val="0"/>
+              </a:ext>
+            </a:extLst>
+          </a:blip>
+          <a:stretch>
+            <a:fillRect/>
+          </a:stretch>
+        </p:blipFill>
+        <p:spPr>
+          <a:xfrm>
+            <a:off x="659239" y="1826045"/>
+            <a:ext cx="2529046" cy="1833558"/>
+          </a:xfrm>
+          <a:prstGeom prst="rect">
+            <a:avLst/>
+          </a:prstGeom>
+        </p:spPr>
+      </p:pic>
+      <p:pic>
+        <p:nvPicPr>
+          <p:cNvPr id="28" name="Picture 27" descr="Slate-V2-SD-3colPhotoInset.png"/>
+          <p:cNvPicPr>
+            <a:picLocks noChangeAspect="1"/>
+          </p:cNvPicPr>
+          <p:nvPr/>
+        </p:nvPicPr>
+        <p:blipFill>
+          <a:blip r:embed="rId2">
+            <a:extLst>
+              <a:ext uri="{28A0092B-C50C-407E-A947-70E740481C1C}">
+                <a14:useLocalDpi xmlns:a14="http://schemas.microsoft.com/office/drawing/2010/main" val="0"/>
+              </a:ext>
+            </a:extLst>
+          </a:blip>
+          <a:stretch>
+            <a:fillRect/>
+          </a:stretch>
+        </p:blipFill>
+        <p:spPr>
+          <a:xfrm>
+            <a:off x="3293813" y="1826045"/>
+            <a:ext cx="2529046" cy="1833558"/>
+          </a:xfrm>
+          <a:prstGeom prst="rect">
+            <a:avLst/>
+          </a:prstGeom>
+        </p:spPr>
+      </p:pic>
+      <p:pic>
+        <p:nvPicPr>
+          <p:cNvPr id="29" name="Picture 28" descr="Slate-V2-SD-3colPhotoInset.png"/>
+          <p:cNvPicPr>
+            <a:picLocks noChangeAspect="1"/>
+          </p:cNvPicPr>
+          <p:nvPr/>
+        </p:nvPicPr>
+        <p:blipFill>
+          <a:blip r:embed="rId2">
+            <a:extLst>
+              <a:ext uri="{28A0092B-C50C-407E-A947-70E740481C1C}">
+                <a14:useLocalDpi xmlns:a14="http://schemas.microsoft.com/office/drawing/2010/main" val="0"/>
+              </a:ext>
+            </a:extLst>
+          </a:blip>
+          <a:stretch>
+            <a:fillRect/>
+          </a:stretch>
+        </p:blipFill>
+        <p:spPr>
+          <a:xfrm>
+            <a:off x="5921715" y="1826045"/>
+            <a:ext cx="2529046" cy="1833558"/>
+          </a:xfrm>
+          <a:prstGeom prst="rect">
+            <a:avLst/>
+          </a:prstGeom>
+        </p:spPr>
+      </p:pic>
+      <p:sp>
+        <p:nvSpPr>
+          <p:cNvPr id="30" name="Title 1"/>
+          <p:cNvSpPr>
+            <a:spLocks noGrp="1"/>
+          </p:cNvSpPr>
+          <p:nvPr>
+            <p:ph type="title"/>
+          </p:nvPr>
+        </p:nvSpPr>
+        <p:spPr>
+          <a:xfrm>
+            <a:off x="685346" y="609600"/>
+            <a:ext cx="7765322" cy="970450"/>
+          </a:xfrm>
+        </p:spPr>
+        <p:txBody>
+          <a:bodyPr/>
+          <a:lstStyle/>
+          <a:p>
+            <a:r>
+              <a:rPr lang="en-US"/>
+              <a:t>Click to edit Master title style</a:t>
+            </a:r>
+            <a:endParaRPr lang="en-US" dirty="0"/>
+          </a:p>
+        </p:txBody>
+      </p:sp>
+      <p:sp>
+        <p:nvSpPr>
+          <p:cNvPr id="19" name="Text Placeholder 2"/>
+          <p:cNvSpPr>
+            <a:spLocks noGrp="1"/>
+          </p:cNvSpPr>
+          <p:nvPr>
+            <p:ph type="body" idx="1"/>
+          </p:nvPr>
+        </p:nvSpPr>
+        <p:spPr>
+          <a:xfrm>
+            <a:off x="685346" y="3904106"/>
+            <a:ext cx="2475738" cy="576262"/>
+          </a:xfrm>
+        </p:spPr>
+        <p:txBody>
+          <a:bodyPr anchor="b">
+            <a:noAutofit/>
+          </a:bodyPr>
+          <a:lstStyle>
+            <a:lvl1pPr marL="0" indent="0" algn="ctr">
+              <a:buNone/>
+              <a:defRPr sz="2000" b="0">
+                <a:solidFill>
+                  <a:schemeClr val="tx1"/>
+                </a:solidFill>
+              </a:defRPr>
+            </a:lvl1pPr>
+            <a:lvl2pPr marL="457200" indent="0">
+              <a:buNone/>
+              <a:defRPr sz="2000" b="1"/>
+            </a:lvl2pPr>
+            <a:lvl3pPr marL="914400" indent="0">
+              <a:buNone/>
+              <a:defRPr sz="1800" b="1"/>
+            </a:lvl3pPr>
+            <a:lvl4pPr marL="1371600" indent="0">
+              <a:buNone/>
+              <a:defRPr sz="1600" b="1"/>
+            </a:lvl4pPr>
+            <a:lvl5pPr marL="1828800" indent="0">
+              <a:buNone/>
+              <a:defRPr sz="1600" b="1"/>
+            </a:lvl5pPr>
+            <a:lvl6pPr marL="2286000" indent="0">
+              <a:buNone/>
+              <a:defRPr sz="1600" b="1"/>
+            </a:lvl6pPr>
+            <a:lvl7pPr marL="2743200" indent="0">
+              <a:buNone/>
+              <a:defRPr sz="1600" b="1"/>
+            </a:lvl7pPr>
+            <a:lvl8pPr marL="3200400" indent="0">
+              <a:buNone/>
+              <a:defRPr sz="1600" b="1"/>
+            </a:lvl8pPr>
+            <a:lvl9pPr marL="3657600" indent="0">
+              <a:buNone/>
+              <a:defRPr sz="1600" b="1"/>
+            </a:lvl9pPr>
+          </a:lstStyle>
+          <a:p>
+            <a:pPr lvl="0"/>
+            <a:r>
+              <a:rPr lang="en-US"/>
+              <a:t>Click to edit Master text styles</a:t>
+            </a:r>
+          </a:p>
+        </p:txBody>
+      </p:sp>
+      <p:sp>
+        <p:nvSpPr>
+          <p:cNvPr id="20" name="Picture Placeholder 2"/>
+          <p:cNvSpPr>
+            <a:spLocks noGrp="1" noChangeAspect="1"/>
+          </p:cNvSpPr>
+          <p:nvPr>
+            <p:ph type="pic" idx="15"/>
+          </p:nvPr>
+        </p:nvSpPr>
+        <p:spPr>
+          <a:xfrm>
+            <a:off x="763577" y="1938918"/>
+            <a:ext cx="2319276" cy="1602954"/>
+          </a:xfrm>
+          <a:prstGeom prst="roundRect">
+            <a:avLst>
+              <a:gd name="adj" fmla="val 1858"/>
+            </a:avLst>
+          </a:prstGeom>
+          <a:effectLst>
+            <a:outerShdw blurRad="38100" dist="25400" dir="4440000">
+              <a:srgbClr val="000000">
+                <a:alpha val="36000"/>
+              </a:srgbClr>
+            </a:outerShdw>
+          </a:effectLst>
+        </p:spPr>
+        <p:txBody>
+          <a:bodyPr anchor="t">
+            <a:normAutofit/>
+          </a:bodyPr>
+          <a:lstStyle>
+            <a:lvl1pPr marL="0" indent="0" algn="ctr">
+              <a:buNone/>
+              <a:defRPr sz="1600"/>
+            </a:lvl1pPr>
+            <a:lvl2pPr marL="457200" indent="0">
+              <a:buNone/>
+              <a:defRPr sz="1600"/>
+            </a:lvl2pPr>
+            <a:lvl3pPr marL="914400" indent="0">
+              <a:buNone/>
+              <a:defRPr sz="1600"/>
+            </a:lvl3pPr>
+            <a:lvl4pPr marL="1371600" indent="0">
+              <a:buNone/>
+              <a:defRPr sz="1600"/>
+            </a:lvl4pPr>
+            <a:lvl5pPr marL="1828800" indent="0">
+              <a:buNone/>
+              <a:defRPr sz="1600"/>
+            </a:lvl5pPr>
+            <a:lvl6pPr marL="2286000" indent="0">
+              <a:buNone/>
+              <a:defRPr sz="1600"/>
+            </a:lvl6pPr>
+            <a:lvl7pPr marL="2743200" indent="0">
+              <a:buNone/>
+              <a:defRPr sz="1600"/>
+            </a:lvl7pPr>
+            <a:lvl8pPr marL="3200400" indent="0">
+              <a:buNone/>
+              <a:defRPr sz="1600"/>
+            </a:lvl8pPr>
+            <a:lvl9pPr marL="3657600" indent="0">
+              <a:buNone/>
+              <a:defRPr sz="1600"/>
+            </a:lvl9pPr>
+          </a:lstStyle>
+          <a:p>
+            <a:r>
+              <a:rPr lang="en-US"/>
+              <a:t>Click icon to add picture</a:t>
+            </a:r>
+            <a:endParaRPr lang="en-US" dirty="0"/>
+          </a:p>
+        </p:txBody>
+      </p:sp>
+      <p:sp>
+        <p:nvSpPr>
+          <p:cNvPr id="21" name="Text Placeholder 3"/>
+          <p:cNvSpPr>
+            <a:spLocks noGrp="1"/>
+          </p:cNvSpPr>
+          <p:nvPr>
+            <p:ph type="body" sz="half" idx="18"/>
+          </p:nvPr>
+        </p:nvSpPr>
+        <p:spPr>
+          <a:xfrm>
+            <a:off x="685346" y="4480369"/>
+            <a:ext cx="2475738" cy="1310833"/>
+          </a:xfrm>
+        </p:spPr>
+        <p:txBody>
+          <a:bodyPr anchor="t">
+            <a:normAutofit/>
+          </a:bodyPr>
+          <a:lstStyle>
+            <a:lvl1pPr marL="0" indent="0" algn="ctr">
+              <a:buNone/>
+              <a:defRPr sz="1400"/>
+            </a:lvl1pPr>
+            <a:lvl2pPr marL="457200" indent="0">
+              <a:buNone/>
+              <a:defRPr sz="1200"/>
+            </a:lvl2pPr>
+            <a:lvl3pPr marL="914400" indent="0">
+              <a:buNone/>
+              <a:defRPr sz="1000"/>
+            </a:lvl3pPr>
+            <a:lvl4pPr marL="1371600" indent="0">
+              <a:buNone/>
+              <a:defRPr sz="900"/>
+            </a:lvl4pPr>
+            <a:lvl5pPr marL="1828800" indent="0">
+              <a:buNone/>
+              <a:defRPr sz="900"/>
+            </a:lvl5pPr>
+            <a:lvl6pPr marL="2286000" indent="0">
+              <a:buNone/>
+              <a:defRPr sz="900"/>
+            </a:lvl6pPr>
+            <a:lvl7pPr marL="2743200" indent="0">
+              <a:buNone/>
+              <a:defRPr sz="900"/>
+            </a:lvl7pPr>
+            <a:lvl8pPr marL="3200400" indent="0">
+              <a:buNone/>
+              <a:defRPr sz="900"/>
+            </a:lvl8pPr>
+            <a:lvl9pPr marL="3657600" indent="0">
+              <a:buNone/>
+              <a:defRPr sz="900"/>
+            </a:lvl9pPr>
+          </a:lstStyle>
+          <a:p>
+            <a:pPr lvl="0"/>
+            <a:r>
+              <a:rPr lang="en-US"/>
+              <a:t>Click to edit Master text styles</a:t>
+            </a:r>
+          </a:p>
+        </p:txBody>
+      </p:sp>
+      <p:sp>
+        <p:nvSpPr>
+          <p:cNvPr id="22" name="Text Placeholder 4"/>
+          <p:cNvSpPr>
+            <a:spLocks noGrp="1"/>
+          </p:cNvSpPr>
+          <p:nvPr>
+            <p:ph type="body" sz="quarter" idx="3"/>
+          </p:nvPr>
+        </p:nvSpPr>
+        <p:spPr>
+          <a:xfrm>
+            <a:off x="3332091" y="3904106"/>
+            <a:ext cx="2475738" cy="576262"/>
+          </a:xfrm>
+        </p:spPr>
+        <p:txBody>
+          <a:bodyPr anchor="b">
+            <a:noAutofit/>
+          </a:bodyPr>
+          <a:lstStyle>
+            <a:lvl1pPr marL="0" indent="0" algn="ctr">
+              <a:buNone/>
+              <a:defRPr sz="2000" b="0">
+                <a:solidFill>
+                  <a:schemeClr val="tx1"/>
+                </a:solidFill>
+              </a:defRPr>
+            </a:lvl1pPr>
+            <a:lvl2pPr marL="457200" indent="0">
+              <a:buNone/>
+              <a:defRPr sz="2000" b="1"/>
+            </a:lvl2pPr>
+            <a:lvl3pPr marL="914400" indent="0">
+              <a:buNone/>
+              <a:defRPr sz="1800" b="1"/>
+            </a:lvl3pPr>
+            <a:lvl4pPr marL="1371600" indent="0">
+              <a:buNone/>
+              <a:defRPr sz="1600" b="1"/>
+            </a:lvl4pPr>
+            <a:lvl5pPr marL="1828800" indent="0">
+              <a:buNone/>
+              <a:defRPr sz="1600" b="1"/>
+            </a:lvl5pPr>
+            <a:lvl6pPr marL="2286000" indent="0">
+              <a:buNone/>
+              <a:defRPr sz="1600" b="1"/>
+            </a:lvl6pPr>
+            <a:lvl7pPr marL="2743200" indent="0">
+              <a:buNone/>
+              <a:defRPr sz="1600" b="1"/>
+            </a:lvl7pPr>
+            <a:lvl8pPr marL="3200400" indent="0">
+              <a:buNone/>
+              <a:defRPr sz="1600" b="1"/>
+            </a:lvl8pPr>
+            <a:lvl9pPr marL="3657600" indent="0">
+              <a:buNone/>
+              <a:defRPr sz="1600" b="1"/>
+            </a:lvl9pPr>
+          </a:lstStyle>
+          <a:p>
+            <a:pPr lvl="0"/>
+            <a:r>
+              <a:rPr lang="en-US"/>
+              <a:t>Click to edit Master text styles</a:t>
+            </a:r>
+          </a:p>
+        </p:txBody>
+      </p:sp>
+      <p:sp>
+        <p:nvSpPr>
+          <p:cNvPr id="23" name="Picture Placeholder 2"/>
+          <p:cNvSpPr>
+            <a:spLocks noGrp="1" noChangeAspect="1"/>
+          </p:cNvSpPr>
+          <p:nvPr>
+            <p:ph type="pic" idx="21"/>
+          </p:nvPr>
+        </p:nvSpPr>
+        <p:spPr>
+          <a:xfrm>
+            <a:off x="3409307" y="1939094"/>
+            <a:ext cx="2319276" cy="1608164"/>
+          </a:xfrm>
+          <a:prstGeom prst="roundRect">
+            <a:avLst>
+              <a:gd name="adj" fmla="val 1858"/>
+            </a:avLst>
+          </a:prstGeom>
+          <a:effectLst>
+            <a:outerShdw blurRad="38100" dist="25400" dir="4440000">
+              <a:srgbClr val="000000">
+                <a:alpha val="36000"/>
+              </a:srgbClr>
+            </a:outerShdw>
+          </a:effectLst>
+        </p:spPr>
+        <p:txBody>
+          <a:bodyPr anchor="t">
+            <a:normAutofit/>
+          </a:bodyPr>
+          <a:lstStyle>
+            <a:lvl1pPr marL="0" indent="0" algn="ctr">
+              <a:buNone/>
+              <a:defRPr sz="1600"/>
+            </a:lvl1pPr>
+            <a:lvl2pPr marL="457200" indent="0">
+              <a:buNone/>
+              <a:defRPr sz="1600"/>
+            </a:lvl2pPr>
+            <a:lvl3pPr marL="914400" indent="0">
+              <a:buNone/>
+              <a:defRPr sz="1600"/>
+            </a:lvl3pPr>
+            <a:lvl4pPr marL="1371600" indent="0">
+              <a:buNone/>
+              <a:defRPr sz="1600"/>
+            </a:lvl4pPr>
+            <a:lvl5pPr marL="1828800" indent="0">
+              <a:buNone/>
+              <a:defRPr sz="1600"/>
+            </a:lvl5pPr>
+            <a:lvl6pPr marL="2286000" indent="0">
+              <a:buNone/>
+              <a:defRPr sz="1600"/>
+            </a:lvl6pPr>
+            <a:lvl7pPr marL="2743200" indent="0">
+              <a:buNone/>
+              <a:defRPr sz="1600"/>
+            </a:lvl7pPr>
+            <a:lvl8pPr marL="3200400" indent="0">
+              <a:buNone/>
+              <a:defRPr sz="1600"/>
+            </a:lvl8pPr>
+            <a:lvl9pPr marL="3657600" indent="0">
+              <a:buNone/>
+              <a:defRPr sz="1600"/>
+            </a:lvl9pPr>
+          </a:lstStyle>
+          <a:p>
+            <a:r>
+              <a:rPr lang="en-US"/>
+              <a:t>Click icon to add picture</a:t>
+            </a:r>
+            <a:endParaRPr lang="en-US" dirty="0"/>
+          </a:p>
+        </p:txBody>
+      </p:sp>
+      <p:sp>
+        <p:nvSpPr>
+          <p:cNvPr id="24" name="Text Placeholder 3"/>
+          <p:cNvSpPr>
+            <a:spLocks noGrp="1"/>
+          </p:cNvSpPr>
+          <p:nvPr>
+            <p:ph type="body" sz="half" idx="19"/>
+          </p:nvPr>
+        </p:nvSpPr>
+        <p:spPr>
+          <a:xfrm>
+            <a:off x="3331075" y="4480368"/>
+            <a:ext cx="2476753" cy="1310833"/>
+          </a:xfrm>
+        </p:spPr>
+        <p:txBody>
+          <a:bodyPr anchor="t">
+            <a:normAutofit/>
+          </a:bodyPr>
+          <a:lstStyle>
+            <a:lvl1pPr marL="0" indent="0" algn="ctr">
+              <a:buNone/>
+              <a:defRPr sz="1400"/>
+            </a:lvl1pPr>
+            <a:lvl2pPr marL="457200" indent="0">
+              <a:buNone/>
+              <a:defRPr sz="1200"/>
+            </a:lvl2pPr>
+            <a:lvl3pPr marL="914400" indent="0">
+              <a:buNone/>
+              <a:defRPr sz="1000"/>
+            </a:lvl3pPr>
+            <a:lvl4pPr marL="1371600" indent="0">
+              <a:buNone/>
+              <a:defRPr sz="900"/>
+            </a:lvl4pPr>
+            <a:lvl5pPr marL="1828800" indent="0">
+              <a:buNone/>
+              <a:defRPr sz="900"/>
+            </a:lvl5pPr>
+            <a:lvl6pPr marL="2286000" indent="0">
+              <a:buNone/>
+              <a:defRPr sz="900"/>
+            </a:lvl6pPr>
+            <a:lvl7pPr marL="2743200" indent="0">
+              <a:buNone/>
+              <a:defRPr sz="900"/>
+            </a:lvl7pPr>
+            <a:lvl8pPr marL="3200400" indent="0">
+              <a:buNone/>
+              <a:defRPr sz="900"/>
+            </a:lvl8pPr>
+            <a:lvl9pPr marL="3657600" indent="0">
+              <a:buNone/>
+              <a:defRPr sz="900"/>
+            </a:lvl9pPr>
+          </a:lstStyle>
+          <a:p>
+            <a:pPr lvl="0"/>
+            <a:r>
+              <a:rPr lang="en-US"/>
+              <a:t>Click to edit Master text styles</a:t>
+            </a:r>
+          </a:p>
+        </p:txBody>
+      </p:sp>
+      <p:sp>
+        <p:nvSpPr>
+          <p:cNvPr id="25" name="Text Placeholder 4"/>
+          <p:cNvSpPr>
+            <a:spLocks noGrp="1"/>
+          </p:cNvSpPr>
+          <p:nvPr>
+            <p:ph type="body" sz="quarter" idx="13"/>
+          </p:nvPr>
+        </p:nvSpPr>
+        <p:spPr>
+          <a:xfrm>
+            <a:off x="5975023" y="3904106"/>
+            <a:ext cx="2475738" cy="576262"/>
+          </a:xfrm>
+        </p:spPr>
+        <p:txBody>
+          <a:bodyPr anchor="b">
+            <a:noAutofit/>
+          </a:bodyPr>
+          <a:lstStyle>
+            <a:lvl1pPr marL="0" indent="0" algn="ctr">
+              <a:buNone/>
+              <a:defRPr sz="2000" b="0">
+                <a:solidFill>
+                  <a:schemeClr val="tx1"/>
+                </a:solidFill>
+              </a:defRPr>
+            </a:lvl1pPr>
+            <a:lvl2pPr marL="457200" indent="0">
+              <a:buNone/>
+              <a:defRPr sz="2000" b="1"/>
+            </a:lvl2pPr>
+            <a:lvl3pPr marL="914400" indent="0">
+              <a:buNone/>
+              <a:defRPr sz="1800" b="1"/>
+            </a:lvl3pPr>
+            <a:lvl4pPr marL="1371600" indent="0">
+              <a:buNone/>
+              <a:defRPr sz="1600" b="1"/>
+            </a:lvl4pPr>
+            <a:lvl5pPr marL="1828800" indent="0">
+              <a:buNone/>
+              <a:defRPr sz="1600" b="1"/>
+            </a:lvl5pPr>
+            <a:lvl6pPr marL="2286000" indent="0">
+              <a:buNone/>
+              <a:defRPr sz="1600" b="1"/>
+            </a:lvl6pPr>
+            <a:lvl7pPr marL="2743200" indent="0">
+              <a:buNone/>
+              <a:defRPr sz="1600" b="1"/>
+            </a:lvl7pPr>
+            <a:lvl8pPr marL="3200400" indent="0">
+              <a:buNone/>
+              <a:defRPr sz="1600" b="1"/>
+            </a:lvl8pPr>
+            <a:lvl9pPr marL="3657600" indent="0">
+              <a:buNone/>
+              <a:defRPr sz="1600" b="1"/>
+            </a:lvl9pPr>
+          </a:lstStyle>
+          <a:p>
+            <a:pPr lvl="0"/>
+            <a:r>
+              <a:rPr lang="en-US"/>
+              <a:t>Click to edit Master text styles</a:t>
+            </a:r>
+          </a:p>
+        </p:txBody>
+      </p:sp>
+      <p:sp>
+        <p:nvSpPr>
+          <p:cNvPr id="26" name="Picture Placeholder 2"/>
+          <p:cNvSpPr>
+            <a:spLocks noGrp="1" noChangeAspect="1"/>
+          </p:cNvSpPr>
+          <p:nvPr>
+            <p:ph type="pic" idx="22"/>
+          </p:nvPr>
+        </p:nvSpPr>
+        <p:spPr>
+          <a:xfrm>
+            <a:off x="6056774" y="1934432"/>
+            <a:ext cx="2319276" cy="1607294"/>
+          </a:xfrm>
+          <a:prstGeom prst="roundRect">
+            <a:avLst>
+              <a:gd name="adj" fmla="val 1858"/>
+            </a:avLst>
+          </a:prstGeom>
+          <a:effectLst>
+            <a:outerShdw blurRad="38100" dist="25400" dir="4440000">
+              <a:srgbClr val="000000">
+                <a:alpha val="36000"/>
+              </a:srgbClr>
+            </a:outerShdw>
+          </a:effectLst>
+        </p:spPr>
+        <p:txBody>
+          <a:bodyPr anchor="t">
+            <a:normAutofit/>
+          </a:bodyPr>
+          <a:lstStyle>
+            <a:lvl1pPr marL="0" indent="0" algn="ctr">
+              <a:buNone/>
+              <a:defRPr sz="1600"/>
+            </a:lvl1pPr>
+            <a:lvl2pPr marL="457200" indent="0">
+              <a:buNone/>
+              <a:defRPr sz="1600"/>
+            </a:lvl2pPr>
+            <a:lvl3pPr marL="914400" indent="0">
+              <a:buNone/>
+              <a:defRPr sz="1600"/>
+            </a:lvl3pPr>
+            <a:lvl4pPr marL="1371600" indent="0">
+              <a:buNone/>
+              <a:defRPr sz="1600"/>
+            </a:lvl4pPr>
+            <a:lvl5pPr marL="1828800" indent="0">
+              <a:buNone/>
+              <a:defRPr sz="1600"/>
+            </a:lvl5pPr>
+            <a:lvl6pPr marL="2286000" indent="0">
+              <a:buNone/>
+              <a:defRPr sz="1600"/>
+            </a:lvl6pPr>
+            <a:lvl7pPr marL="2743200" indent="0">
+              <a:buNone/>
+              <a:defRPr sz="1600"/>
+            </a:lvl7pPr>
+            <a:lvl8pPr marL="3200400" indent="0">
+              <a:buNone/>
+              <a:defRPr sz="1600"/>
+            </a:lvl8pPr>
+            <a:lvl9pPr marL="3657600" indent="0">
+              <a:buNone/>
+              <a:defRPr sz="1600"/>
+            </a:lvl9pPr>
+          </a:lstStyle>
+          <a:p>
+            <a:r>
+              <a:rPr lang="en-US"/>
+              <a:t>Click icon to add picture</a:t>
+            </a:r>
+            <a:endParaRPr lang="en-US" dirty="0"/>
+          </a:p>
+        </p:txBody>
+      </p:sp>
+      <p:sp>
+        <p:nvSpPr>
+          <p:cNvPr id="27" name="Text Placeholder 3"/>
+          <p:cNvSpPr>
+            <a:spLocks noGrp="1"/>
+          </p:cNvSpPr>
+          <p:nvPr>
+            <p:ph type="body" sz="half" idx="20"/>
+          </p:nvPr>
+        </p:nvSpPr>
+        <p:spPr>
+          <a:xfrm>
+            <a:off x="5974929" y="4480366"/>
+            <a:ext cx="2475738" cy="1310835"/>
+          </a:xfrm>
+        </p:spPr>
+        <p:txBody>
+          <a:bodyPr anchor="t">
+            <a:normAutofit/>
+          </a:bodyPr>
+          <a:lstStyle>
+            <a:lvl1pPr marL="0" indent="0" algn="ctr">
+              <a:buNone/>
+              <a:defRPr sz="1400"/>
+            </a:lvl1pPr>
+            <a:lvl2pPr marL="457200" indent="0">
+              <a:buNone/>
+              <a:defRPr sz="1200"/>
+            </a:lvl2pPr>
+            <a:lvl3pPr marL="914400" indent="0">
+              <a:buNone/>
+              <a:defRPr sz="1000"/>
+            </a:lvl3pPr>
+            <a:lvl4pPr marL="1371600" indent="0">
+              <a:buNone/>
+              <a:defRPr sz="900"/>
+            </a:lvl4pPr>
+            <a:lvl5pPr marL="1828800" indent="0">
+              <a:buNone/>
+              <a:defRPr sz="900"/>
+            </a:lvl5pPr>
+            <a:lvl6pPr marL="2286000" indent="0">
+              <a:buNone/>
+              <a:defRPr sz="900"/>
+            </a:lvl6pPr>
+            <a:lvl7pPr marL="2743200" indent="0">
+              <a:buNone/>
+              <a:defRPr sz="900"/>
+            </a:lvl7pPr>
+            <a:lvl8pPr marL="3200400" indent="0">
+              <a:buNone/>
+              <a:defRPr sz="900"/>
+            </a:lvl8pPr>
+            <a:lvl9pPr marL="3657600" indent="0">
+              <a:buNone/>
+              <a:defRPr sz="900"/>
+            </a:lvl9pPr>
+          </a:lstStyle>
+          <a:p>
+            <a:pPr lvl="0"/>
+            <a:r>
+              <a:rPr lang="en-US"/>
+              <a:t>Click to edit Master text styles</a:t>
+            </a:r>
+          </a:p>
+        </p:txBody>
+      </p:sp>
+      <p:sp>
+        <p:nvSpPr>
+          <p:cNvPr id="3" name="Date Placeholder 2"/>
+          <p:cNvSpPr>
+            <a:spLocks noGrp="1"/>
+          </p:cNvSpPr>
+          <p:nvPr>
+            <p:ph type="dt" sz="half" idx="10"/>
+          </p:nvPr>
+        </p:nvSpPr>
+        <p:spPr/>
+        <p:txBody>
+          <a:bodyPr/>
+          <a:lstStyle/>
+          <a:p>
+            <a:fld id="{5BCAD085-E8A6-8845-BD4E-CB4CCA059FC4}" type="datetimeFigureOut">
+              <a:rPr lang="en-US" smtClean="0"/>
+              <a:t>5/24/2024</a:t>
+            </a:fld>
+            <a:endParaRPr lang="en-US"/>
+          </a:p>
+        </p:txBody>
+      </p:sp>
+      <p:sp>
+        <p:nvSpPr>
+          <p:cNvPr id="4" name="Footer Placeholder 3"/>
+          <p:cNvSpPr>
+            <a:spLocks noGrp="1"/>
+          </p:cNvSpPr>
+          <p:nvPr>
+            <p:ph type="ftr" sz="quarter" idx="11"/>
+          </p:nvPr>
+        </p:nvSpPr>
+        <p:spPr/>
+        <p:txBody>
+          <a:bodyPr/>
+          <a:lstStyle/>
+          <a:p>
+            <a:endParaRPr lang="en-US"/>
+          </a:p>
+        </p:txBody>
+      </p:sp>
+      <p:sp>
+        <p:nvSpPr>
+          <p:cNvPr id="5" name="Slide Number Placeholder 4"/>
+          <p:cNvSpPr>
+            <a:spLocks noGrp="1"/>
+          </p:cNvSpPr>
+          <p:nvPr>
+            <p:ph type="sldNum" sz="quarter" idx="12"/>
+          </p:nvPr>
+        </p:nvSpPr>
+        <p:spPr/>
+        <p:txBody>
+          <a:bodyPr/>
+          <a:lstStyle/>
+          <a:p>
+            <a:fld id="{C1FF6DA9-008F-8B48-92A6-B652298478BF}" type="slidenum">
+              <a:rPr lang="en-US" smtClean="0"/>
+              <a:t>‹#›</a:t>
+            </a:fld>
+            <a:endParaRPr lang="en-US"/>
+          </a:p>
+        </p:txBody>
+      </p:sp>
+    </p:spTree>
+    <p:extLst>
+      <p:ext uri="{BB962C8B-B14F-4D97-AF65-F5344CB8AC3E}">
+        <p14:creationId xmlns:p14="http://schemas.microsoft.com/office/powerpoint/2010/main" val="3634923361"/>
+      </p:ext>
+    </p:extLst>
+  </p:cSld>
+  <p:clrMapOvr>
+    <a:masterClrMapping/>
+  </p:clrMapOvr>
+</p:sldLayout>
+</file>
+
+<file path=ppt/slideLayouts/slideLayout16.xml><?xml version="1.0" encoding="utf-8"?>
 <p:sldLayout xmlns:a="http://schemas.openxmlformats.org/drawingml/2006/main" xmlns:r="http://schemas.openxmlformats.org/officeDocument/2006/relationships" xmlns:p="http://schemas.openxmlformats.org/presentationml/2006/main" type="vertTx" preserve="1">
   <p:cSld name="Title and Vertical Text">
     <p:spTree>
@@ -413,10 +3009,10 @@
           <a:lstStyle/>
           <a:p>
             <a:r>
-              <a:rPr lang="en-US" smtClean="0"/>
+              <a:rPr lang="en-US"/>
               <a:t>Click to edit Master title style</a:t>
             </a:r>
-            <a:endParaRPr lang="en-US"/>
+            <a:endParaRPr lang="en-US" dirty="0"/>
           </a:p>
         </p:txBody>
       </p:sp>
@@ -432,43 +3028,43 @@
         </p:nvSpPr>
         <p:spPr/>
         <p:txBody>
-          <a:bodyPr vert="eaVert"/>
+          <a:bodyPr vert="eaVert" anchor="t"/>
           <a:lstStyle/>
           <a:p>
             <a:pPr lvl="0"/>
             <a:r>
-              <a:rPr lang="en-US" smtClean="0"/>
+              <a:rPr lang="en-US"/>
               <a:t>Click to edit Master text styles</a:t>
             </a:r>
           </a:p>
           <a:p>
             <a:pPr lvl="1"/>
             <a:r>
-              <a:rPr lang="en-US" smtClean="0"/>
+              <a:rPr lang="en-US"/>
               <a:t>Second level</a:t>
             </a:r>
           </a:p>
           <a:p>
             <a:pPr lvl="2"/>
             <a:r>
-              <a:rPr lang="en-US" smtClean="0"/>
+              <a:rPr lang="en-US"/>
               <a:t>Third level</a:t>
             </a:r>
           </a:p>
           <a:p>
             <a:pPr lvl="3"/>
             <a:r>
-              <a:rPr lang="en-US" smtClean="0"/>
+              <a:rPr lang="en-US"/>
               <a:t>Fourth level</a:t>
             </a:r>
           </a:p>
           <a:p>
             <a:pPr lvl="4"/>
             <a:r>
-              <a:rPr lang="en-US" smtClean="0"/>
+              <a:rPr lang="en-US"/>
               <a:t>Fifth level</a:t>
             </a:r>
-            <a:endParaRPr lang="en-US"/>
+            <a:endParaRPr lang="en-US" dirty="0"/>
           </a:p>
         </p:txBody>
       </p:sp>
@@ -489,7 +3085,7 @@
           <a:p>
             <a:fld id="{5BCAD085-E8A6-8845-BD4E-CB4CCA059FC4}" type="datetimeFigureOut">
               <a:rPr lang="en-US" smtClean="0"/>
-              <a:t>1/27/13</a:t>
+              <a:t>5/24/2024</a:t>
             </a:fld>
             <a:endParaRPr lang="en-US"/>
           </a:p>
@@ -540,7 +3136,7 @@
     </p:spTree>
     <p:extLst>
       <p:ext uri="{BB962C8B-B14F-4D97-AF65-F5344CB8AC3E}">
-        <p14:creationId xmlns:p14="http://schemas.microsoft.com/office/powerpoint/2010/main" val="2910927964"/>
+        <p14:creationId xmlns:p14="http://schemas.microsoft.com/office/powerpoint/2010/main" val="4247793264"/>
       </p:ext>
     </p:extLst>
   </p:cSld>
@@ -550,7 +3146,7 @@
 </p:sldLayout>
 </file>
 
-<file path=ppt/slideLayouts/slideLayout11.xml><?xml version="1.0" encoding="utf-8"?>
+<file path=ppt/slideLayouts/slideLayout17.xml><?xml version="1.0" encoding="utf-8"?>
 <p:sldLayout xmlns:a="http://schemas.openxmlformats.org/drawingml/2006/main" xmlns:r="http://schemas.openxmlformats.org/officeDocument/2006/relationships" xmlns:p="http://schemas.openxmlformats.org/presentationml/2006/main" type="vertTitleAndTx" preserve="1">
   <p:cSld name="Vertical Title and Text">
     <p:spTree>
@@ -579,19 +3175,23 @@
         </p:nvSpPr>
         <p:spPr>
           <a:xfrm>
-            <a:off x="6629400" y="274638"/>
-            <a:ext cx="2057400" cy="5851525"/>
+            <a:off x="6737302" y="609600"/>
+            <a:ext cx="1713365" cy="5181601"/>
           </a:xfrm>
         </p:spPr>
         <p:txBody>
           <a:bodyPr vert="eaVert"/>
-          <a:lstStyle/>
-          <a:p>
-            <a:r>
-              <a:rPr lang="en-US" smtClean="0"/>
+          <a:lstStyle>
+            <a:lvl1pPr algn="l">
+              <a:defRPr/>
+            </a:lvl1pPr>
+          </a:lstStyle>
+          <a:p>
+            <a:r>
+              <a:rPr lang="en-US"/>
               <a:t>Click to edit Master title style</a:t>
             </a:r>
-            <a:endParaRPr lang="en-US"/>
+            <a:endParaRPr lang="en-US" dirty="0"/>
           </a:p>
         </p:txBody>
       </p:sp>
@@ -607,48 +3207,48 @@
         </p:nvSpPr>
         <p:spPr>
           <a:xfrm>
-            <a:off x="457200" y="274638"/>
-            <a:ext cx="6019800" cy="5851525"/>
+            <a:off x="685347" y="609600"/>
+            <a:ext cx="5937654" cy="5181601"/>
           </a:xfrm>
         </p:spPr>
         <p:txBody>
-          <a:bodyPr vert="eaVert"/>
+          <a:bodyPr vert="eaVert" anchor="t"/>
           <a:lstStyle/>
           <a:p>
             <a:pPr lvl="0"/>
             <a:r>
-              <a:rPr lang="en-US" smtClean="0"/>
+              <a:rPr lang="en-US"/>
               <a:t>Click to edit Master text styles</a:t>
             </a:r>
           </a:p>
           <a:p>
             <a:pPr lvl="1"/>
             <a:r>
-              <a:rPr lang="en-US" smtClean="0"/>
+              <a:rPr lang="en-US"/>
               <a:t>Second level</a:t>
             </a:r>
           </a:p>
           <a:p>
             <a:pPr lvl="2"/>
             <a:r>
-              <a:rPr lang="en-US" smtClean="0"/>
+              <a:rPr lang="en-US"/>
               <a:t>Third level</a:t>
             </a:r>
           </a:p>
           <a:p>
             <a:pPr lvl="3"/>
             <a:r>
-              <a:rPr lang="en-US" smtClean="0"/>
+              <a:rPr lang="en-US"/>
               <a:t>Fourth level</a:t>
             </a:r>
           </a:p>
           <a:p>
             <a:pPr lvl="4"/>
             <a:r>
-              <a:rPr lang="en-US" smtClean="0"/>
+              <a:rPr lang="en-US"/>
               <a:t>Fifth level</a:t>
             </a:r>
-            <a:endParaRPr lang="en-US"/>
+            <a:endParaRPr lang="en-US" dirty="0"/>
           </a:p>
         </p:txBody>
       </p:sp>
@@ -669,7 +3269,7 @@
           <a:p>
             <a:fld id="{5BCAD085-E8A6-8845-BD4E-CB4CCA059FC4}" type="datetimeFigureOut">
               <a:rPr lang="en-US" smtClean="0"/>
-              <a:t>1/27/13</a:t>
+              <a:t>5/24/2024</a:t>
             </a:fld>
             <a:endParaRPr lang="en-US"/>
           </a:p>
@@ -720,7 +3320,7 @@
     </p:spTree>
     <p:extLst>
       <p:ext uri="{BB962C8B-B14F-4D97-AF65-F5344CB8AC3E}">
-        <p14:creationId xmlns:p14="http://schemas.microsoft.com/office/powerpoint/2010/main" val="3612223792"/>
+        <p14:creationId xmlns:p14="http://schemas.microsoft.com/office/powerpoint/2010/main" val="3953488764"/>
       </p:ext>
     </p:extLst>
   </p:cSld>
@@ -763,10 +3363,10 @@
           <a:lstStyle/>
           <a:p>
             <a:r>
-              <a:rPr lang="en-US" smtClean="0"/>
+              <a:rPr lang="en-US"/>
               <a:t>Click to edit Master title style</a:t>
             </a:r>
-            <a:endParaRPr lang="en-US"/>
+            <a:endParaRPr lang="en-US" dirty="0"/>
           </a:p>
         </p:txBody>
       </p:sp>
@@ -787,38 +3387,38 @@
           <a:p>
             <a:pPr lvl="0"/>
             <a:r>
-              <a:rPr lang="en-US" smtClean="0"/>
+              <a:rPr lang="en-US"/>
               <a:t>Click to edit Master text styles</a:t>
             </a:r>
           </a:p>
           <a:p>
             <a:pPr lvl="1"/>
             <a:r>
-              <a:rPr lang="en-US" smtClean="0"/>
+              <a:rPr lang="en-US"/>
               <a:t>Second level</a:t>
             </a:r>
           </a:p>
           <a:p>
             <a:pPr lvl="2"/>
             <a:r>
-              <a:rPr lang="en-US" smtClean="0"/>
+              <a:rPr lang="en-US"/>
               <a:t>Third level</a:t>
             </a:r>
           </a:p>
           <a:p>
             <a:pPr lvl="3"/>
             <a:r>
-              <a:rPr lang="en-US" smtClean="0"/>
+              <a:rPr lang="en-US"/>
               <a:t>Fourth level</a:t>
             </a:r>
           </a:p>
           <a:p>
             <a:pPr lvl="4"/>
             <a:r>
-              <a:rPr lang="en-US" smtClean="0"/>
+              <a:rPr lang="en-US"/>
               <a:t>Fifth level</a:t>
             </a:r>
-            <a:endParaRPr lang="en-US"/>
+            <a:endParaRPr lang="en-US" dirty="0"/>
           </a:p>
         </p:txBody>
       </p:sp>
@@ -839,7 +3439,7 @@
           <a:p>
             <a:fld id="{5BCAD085-E8A6-8845-BD4E-CB4CCA059FC4}" type="datetimeFigureOut">
               <a:rPr lang="en-US" smtClean="0"/>
-              <a:t>1/27/13</a:t>
+              <a:t>5/24/2024</a:t>
             </a:fld>
             <a:endParaRPr lang="en-US"/>
           </a:p>
@@ -890,7 +3490,7 @@
     </p:spTree>
     <p:extLst>
       <p:ext uri="{BB962C8B-B14F-4D97-AF65-F5344CB8AC3E}">
-        <p14:creationId xmlns:p14="http://schemas.microsoft.com/office/powerpoint/2010/main" val="2614314258"/>
+        <p14:creationId xmlns:p14="http://schemas.microsoft.com/office/powerpoint/2010/main" val="3749755758"/>
       </p:ext>
     </p:extLst>
   </p:cSld>
@@ -929,52 +3529,50 @@
         </p:nvSpPr>
         <p:spPr>
           <a:xfrm>
-            <a:off x="722313" y="4406900"/>
-            <a:ext cx="7772400" cy="1362075"/>
+            <a:off x="971551" y="1761068"/>
+            <a:ext cx="7192913" cy="1828813"/>
           </a:xfrm>
         </p:spPr>
         <p:txBody>
+          <a:bodyPr anchor="b"/>
+          <a:lstStyle>
+            <a:lvl1pPr algn="ctr">
+              <a:defRPr sz="4000" b="0" cap="none"/>
+            </a:lvl1pPr>
+          </a:lstStyle>
+          <a:p>
+            <a:r>
+              <a:rPr lang="en-US"/>
+              <a:t>Click to edit Master title style</a:t>
+            </a:r>
+            <a:endParaRPr lang="en-US" dirty="0"/>
+          </a:p>
+        </p:txBody>
+      </p:sp>
+      <p:sp>
+        <p:nvSpPr>
+          <p:cNvPr id="3" name="Text Placeholder 2"/>
+          <p:cNvSpPr>
+            <a:spLocks noGrp="1"/>
+          </p:cNvSpPr>
+          <p:nvPr>
+            <p:ph type="body" idx="1"/>
+          </p:nvPr>
+        </p:nvSpPr>
+        <p:spPr>
+          <a:xfrm>
+            <a:off x="971551" y="3589879"/>
+            <a:ext cx="7192913" cy="1507054"/>
+          </a:xfrm>
+        </p:spPr>
+        <p:txBody>
           <a:bodyPr anchor="t"/>
           <a:lstStyle>
-            <a:lvl1pPr algn="l">
-              <a:defRPr sz="4000" b="1" cap="all"/>
-            </a:lvl1pPr>
-          </a:lstStyle>
-          <a:p>
-            <a:r>
-              <a:rPr lang="en-US" smtClean="0"/>
-              <a:t>Click to edit Master title style</a:t>
-            </a:r>
-            <a:endParaRPr lang="en-US"/>
-          </a:p>
-        </p:txBody>
-      </p:sp>
-      <p:sp>
-        <p:nvSpPr>
-          <p:cNvPr id="3" name="Text Placeholder 2"/>
-          <p:cNvSpPr>
-            <a:spLocks noGrp="1"/>
-          </p:cNvSpPr>
-          <p:nvPr>
-            <p:ph type="body" idx="1"/>
-          </p:nvPr>
-        </p:nvSpPr>
-        <p:spPr>
-          <a:xfrm>
-            <a:off x="722313" y="2906713"/>
-            <a:ext cx="7772400" cy="1500187"/>
-          </a:xfrm>
-        </p:spPr>
-        <p:txBody>
-          <a:bodyPr anchor="b"/>
-          <a:lstStyle>
-            <a:lvl1pPr marL="0" indent="0">
+            <a:lvl1pPr marL="0" indent="0" algn="ctr">
               <a:buNone/>
               <a:defRPr sz="2000">
                 <a:solidFill>
-                  <a:schemeClr val="tx1">
-                    <a:tint val="75000"/>
-                  </a:schemeClr>
+                  <a:schemeClr val="tx1"/>
                 </a:solidFill>
               </a:defRPr>
             </a:lvl1pPr>
@@ -1062,7 +3660,7 @@
           <a:p>
             <a:pPr lvl="0"/>
             <a:r>
-              <a:rPr lang="en-US" smtClean="0"/>
+              <a:rPr lang="en-US"/>
               <a:t>Click to edit Master text styles</a:t>
             </a:r>
           </a:p>
@@ -1085,7 +3683,7 @@
           <a:p>
             <a:fld id="{5BCAD085-E8A6-8845-BD4E-CB4CCA059FC4}" type="datetimeFigureOut">
               <a:rPr lang="en-US" smtClean="0"/>
-              <a:t>1/27/13</a:t>
+              <a:t>5/24/2024</a:t>
             </a:fld>
             <a:endParaRPr lang="en-US"/>
           </a:p>
@@ -1136,7 +3734,7 @@
     </p:spTree>
     <p:extLst>
       <p:ext uri="{BB962C8B-B14F-4D97-AF65-F5344CB8AC3E}">
-        <p14:creationId xmlns:p14="http://schemas.microsoft.com/office/powerpoint/2010/main" val="960648375"/>
+        <p14:creationId xmlns:p14="http://schemas.microsoft.com/office/powerpoint/2010/main" val="4247931387"/>
       </p:ext>
     </p:extLst>
   </p:cSld>
@@ -1179,10 +3777,10 @@
           <a:lstStyle/>
           <a:p>
             <a:r>
-              <a:rPr lang="en-US" smtClean="0"/>
+              <a:rPr lang="en-US"/>
               <a:t>Click to edit Master title style</a:t>
             </a:r>
-            <a:endParaRPr lang="en-US"/>
+            <a:endParaRPr lang="en-US" dirty="0"/>
           </a:p>
         </p:txBody>
       </p:sp>
@@ -1198,76 +3796,50 @@
         </p:nvSpPr>
         <p:spPr>
           <a:xfrm>
-            <a:off x="457200" y="1600200"/>
-            <a:ext cx="4038600" cy="4525963"/>
+            <a:off x="685347" y="1732449"/>
+            <a:ext cx="3795373" cy="4058750"/>
           </a:xfrm>
         </p:spPr>
         <p:txBody>
-          <a:bodyPr/>
-          <a:lstStyle>
-            <a:lvl1pPr>
-              <a:defRPr sz="2800"/>
-            </a:lvl1pPr>
-            <a:lvl2pPr>
-              <a:defRPr sz="2400"/>
-            </a:lvl2pPr>
-            <a:lvl3pPr>
-              <a:defRPr sz="2000"/>
-            </a:lvl3pPr>
-            <a:lvl4pPr>
-              <a:defRPr sz="1800"/>
-            </a:lvl4pPr>
-            <a:lvl5pPr>
-              <a:defRPr sz="1800"/>
-            </a:lvl5pPr>
-            <a:lvl6pPr>
-              <a:defRPr sz="1800"/>
-            </a:lvl6pPr>
-            <a:lvl7pPr>
-              <a:defRPr sz="1800"/>
-            </a:lvl7pPr>
-            <a:lvl8pPr>
-              <a:defRPr sz="1800"/>
-            </a:lvl8pPr>
-            <a:lvl9pPr>
-              <a:defRPr sz="1800"/>
-            </a:lvl9pPr>
-          </a:lstStyle>
+          <a:bodyPr anchor="t">
+            <a:normAutofit/>
+          </a:bodyPr>
+          <a:lstStyle/>
           <a:p>
             <a:pPr lvl="0"/>
             <a:r>
-              <a:rPr lang="en-US" smtClean="0"/>
+              <a:rPr lang="en-US"/>
               <a:t>Click to edit Master text styles</a:t>
             </a:r>
           </a:p>
           <a:p>
             <a:pPr lvl="1"/>
             <a:r>
-              <a:rPr lang="en-US" smtClean="0"/>
+              <a:rPr lang="en-US"/>
               <a:t>Second level</a:t>
             </a:r>
           </a:p>
           <a:p>
             <a:pPr lvl="2"/>
             <a:r>
-              <a:rPr lang="en-US" smtClean="0"/>
+              <a:rPr lang="en-US"/>
               <a:t>Third level</a:t>
             </a:r>
           </a:p>
           <a:p>
             <a:pPr lvl="3"/>
             <a:r>
-              <a:rPr lang="en-US" smtClean="0"/>
+              <a:rPr lang="en-US"/>
               <a:t>Fourth level</a:t>
             </a:r>
           </a:p>
           <a:p>
             <a:pPr lvl="4"/>
             <a:r>
-              <a:rPr lang="en-US" smtClean="0"/>
+              <a:rPr lang="en-US"/>
               <a:t>Fifth level</a:t>
             </a:r>
-            <a:endParaRPr lang="en-US"/>
+            <a:endParaRPr lang="en-US" dirty="0"/>
           </a:p>
         </p:txBody>
       </p:sp>
@@ -1283,76 +3855,50 @@
         </p:nvSpPr>
         <p:spPr>
           <a:xfrm>
-            <a:off x="4648200" y="1600200"/>
-            <a:ext cx="4038600" cy="4525963"/>
+            <a:off x="4652169" y="1732450"/>
+            <a:ext cx="3798499" cy="4058751"/>
           </a:xfrm>
         </p:spPr>
         <p:txBody>
-          <a:bodyPr/>
-          <a:lstStyle>
-            <a:lvl1pPr>
-              <a:defRPr sz="2800"/>
-            </a:lvl1pPr>
-            <a:lvl2pPr>
-              <a:defRPr sz="2400"/>
-            </a:lvl2pPr>
-            <a:lvl3pPr>
-              <a:defRPr sz="2000"/>
-            </a:lvl3pPr>
-            <a:lvl4pPr>
-              <a:defRPr sz="1800"/>
-            </a:lvl4pPr>
-            <a:lvl5pPr>
-              <a:defRPr sz="1800"/>
-            </a:lvl5pPr>
-            <a:lvl6pPr>
-              <a:defRPr sz="1800"/>
-            </a:lvl6pPr>
-            <a:lvl7pPr>
-              <a:defRPr sz="1800"/>
-            </a:lvl7pPr>
-            <a:lvl8pPr>
-              <a:defRPr sz="1800"/>
-            </a:lvl8pPr>
-            <a:lvl9pPr>
-              <a:defRPr sz="1800"/>
-            </a:lvl9pPr>
-          </a:lstStyle>
+          <a:bodyPr anchor="t">
+            <a:normAutofit/>
+          </a:bodyPr>
+          <a:lstStyle/>
           <a:p>
             <a:pPr lvl="0"/>
             <a:r>
-              <a:rPr lang="en-US" smtClean="0"/>
+              <a:rPr lang="en-US"/>
               <a:t>Click to edit Master text styles</a:t>
             </a:r>
           </a:p>
           <a:p>
             <a:pPr lvl="1"/>
             <a:r>
-              <a:rPr lang="en-US" smtClean="0"/>
+              <a:rPr lang="en-US"/>
               <a:t>Second level</a:t>
             </a:r>
           </a:p>
           <a:p>
             <a:pPr lvl="2"/>
             <a:r>
-              <a:rPr lang="en-US" smtClean="0"/>
+              <a:rPr lang="en-US"/>
               <a:t>Third level</a:t>
             </a:r>
           </a:p>
           <a:p>
             <a:pPr lvl="3"/>
             <a:r>
-              <a:rPr lang="en-US" smtClean="0"/>
+              <a:rPr lang="en-US"/>
               <a:t>Fourth level</a:t>
             </a:r>
           </a:p>
           <a:p>
             <a:pPr lvl="4"/>
             <a:r>
-              <a:rPr lang="en-US" smtClean="0"/>
+              <a:rPr lang="en-US"/>
               <a:t>Fifth level</a:t>
             </a:r>
-            <a:endParaRPr lang="en-US"/>
+            <a:endParaRPr lang="en-US" dirty="0"/>
           </a:p>
         </p:txBody>
       </p:sp>
@@ -1373,7 +3919,7 @@
           <a:p>
             <a:fld id="{5BCAD085-E8A6-8845-BD4E-CB4CCA059FC4}" type="datetimeFigureOut">
               <a:rPr lang="en-US" smtClean="0"/>
-              <a:t>1/27/13</a:t>
+              <a:t>5/24/2024</a:t>
             </a:fld>
             <a:endParaRPr lang="en-US"/>
           </a:p>
@@ -1424,7 +3970,7 @@
     </p:spTree>
     <p:extLst>
       <p:ext uri="{BB962C8B-B14F-4D97-AF65-F5344CB8AC3E}">
-        <p14:creationId xmlns:p14="http://schemas.microsoft.com/office/powerpoint/2010/main" val="2782244947"/>
+        <p14:creationId xmlns:p14="http://schemas.microsoft.com/office/powerpoint/2010/main" val="2533922651"/>
       </p:ext>
     </p:extLst>
   </p:cSld>
@@ -1451,6 +3997,66 @@
           <a:chExt cx="0" cy="0"/>
         </a:xfrm>
       </p:grpSpPr>
+      <p:pic>
+        <p:nvPicPr>
+          <p:cNvPr id="10" name="Picture 9" descr="Slate-V2-SD-compPhotoInset.png"/>
+          <p:cNvPicPr>
+            <a:picLocks noChangeAspect="1"/>
+          </p:cNvPicPr>
+          <p:nvPr/>
+        </p:nvPicPr>
+        <p:blipFill>
+          <a:blip r:embed="rId2">
+            <a:extLst>
+              <a:ext uri="{28A0092B-C50C-407E-A947-70E740481C1C}">
+                <a14:useLocalDpi xmlns:a14="http://schemas.microsoft.com/office/drawing/2010/main" val="0"/>
+              </a:ext>
+            </a:extLst>
+          </a:blip>
+          <a:stretch>
+            <a:fillRect/>
+          </a:stretch>
+        </p:blipFill>
+        <p:spPr>
+          <a:xfrm>
+            <a:off x="685345" y="1770323"/>
+            <a:ext cx="3787423" cy="4112953"/>
+          </a:xfrm>
+          <a:prstGeom prst="rect">
+            <a:avLst/>
+          </a:prstGeom>
+        </p:spPr>
+      </p:pic>
+      <p:pic>
+        <p:nvPicPr>
+          <p:cNvPr id="14" name="Picture 13" descr="Slate-V2-SD-compPhotoInset.png"/>
+          <p:cNvPicPr>
+            <a:picLocks noChangeAspect="1"/>
+          </p:cNvPicPr>
+          <p:nvPr/>
+        </p:nvPicPr>
+        <p:blipFill>
+          <a:blip r:embed="rId2">
+            <a:extLst>
+              <a:ext uri="{28A0092B-C50C-407E-A947-70E740481C1C}">
+                <a14:useLocalDpi xmlns:a14="http://schemas.microsoft.com/office/drawing/2010/main" val="0"/>
+              </a:ext>
+            </a:extLst>
+          </a:blip>
+          <a:stretch>
+            <a:fillRect/>
+          </a:stretch>
+        </p:blipFill>
+        <p:spPr>
+          <a:xfrm>
+            <a:off x="4663245" y="1770323"/>
+            <a:ext cx="3787423" cy="4112953"/>
+          </a:xfrm>
+          <a:prstGeom prst="rect">
+            <a:avLst/>
+          </a:prstGeom>
+        </p:spPr>
+      </p:pic>
       <p:sp>
         <p:nvSpPr>
           <p:cNvPr id="2" name="Title 1"/>
@@ -1471,10 +4077,10 @@
           </a:lstStyle>
           <a:p>
             <a:r>
-              <a:rPr lang="en-US" smtClean="0"/>
+              <a:rPr lang="en-US"/>
               <a:t>Click to edit Master title style</a:t>
             </a:r>
-            <a:endParaRPr lang="en-US"/>
+            <a:endParaRPr lang="en-US" dirty="0"/>
           </a:p>
         </p:txBody>
       </p:sp>
@@ -1490,16 +4096,18 @@
         </p:nvSpPr>
         <p:spPr>
           <a:xfrm>
-            <a:off x="457200" y="1535113"/>
-            <a:ext cx="4040188" cy="639762"/>
+            <a:off x="754404" y="1835254"/>
+            <a:ext cx="3657258" cy="544884"/>
           </a:xfrm>
         </p:spPr>
         <p:txBody>
-          <a:bodyPr anchor="b"/>
+          <a:bodyPr anchor="b">
+            <a:noAutofit/>
+          </a:bodyPr>
           <a:lstStyle>
-            <a:lvl1pPr marL="0" indent="0">
-              <a:buNone/>
-              <a:defRPr sz="2400" b="1"/>
+            <a:lvl1pPr marL="0" indent="0" algn="ctr">
+              <a:buNone/>
+              <a:defRPr sz="2400" b="0"/>
             </a:lvl1pPr>
             <a:lvl2pPr marL="457200" indent="0">
               <a:buNone/>
@@ -1537,7 +4145,7 @@
           <a:p>
             <a:pPr lvl="0"/>
             <a:r>
-              <a:rPr lang="en-US" smtClean="0"/>
+              <a:rPr lang="en-US"/>
               <a:t>Click to edit Master text styles</a:t>
             </a:r>
           </a:p>
@@ -1555,76 +4163,66 @@
         </p:nvSpPr>
         <p:spPr>
           <a:xfrm>
-            <a:off x="457200" y="2174875"/>
-            <a:ext cx="4040188" cy="3951288"/>
+            <a:off x="754404" y="2380138"/>
+            <a:ext cx="3657258" cy="3411063"/>
           </a:xfrm>
         </p:spPr>
         <p:txBody>
-          <a:bodyPr/>
+          <a:bodyPr anchor="t">
+            <a:normAutofit/>
+          </a:bodyPr>
           <a:lstStyle>
             <a:lvl1pPr>
-              <a:defRPr sz="2400"/>
+              <a:defRPr sz="1800"/>
             </a:lvl1pPr>
             <a:lvl2pPr>
-              <a:defRPr sz="2000"/>
+              <a:defRPr sz="1600"/>
             </a:lvl2pPr>
             <a:lvl3pPr>
-              <a:defRPr sz="1800"/>
+              <a:defRPr sz="1400"/>
             </a:lvl3pPr>
             <a:lvl4pPr>
-              <a:defRPr sz="1600"/>
+              <a:defRPr sz="1200"/>
             </a:lvl4pPr>
             <a:lvl5pPr>
-              <a:defRPr sz="1600"/>
+              <a:defRPr sz="1200"/>
             </a:lvl5pPr>
-            <a:lvl6pPr>
-              <a:defRPr sz="1600"/>
-            </a:lvl6pPr>
-            <a:lvl7pPr>
-              <a:defRPr sz="1600"/>
-            </a:lvl7pPr>
-            <a:lvl8pPr>
-              <a:defRPr sz="1600"/>
-            </a:lvl8pPr>
-            <a:lvl9pPr>
-              <a:defRPr sz="1600"/>
-            </a:lvl9pPr>
           </a:lstStyle>
           <a:p>
             <a:pPr lvl="0"/>
             <a:r>
-              <a:rPr lang="en-US" smtClean="0"/>
+              <a:rPr lang="en-US"/>
               <a:t>Click to edit Master text styles</a:t>
             </a:r>
           </a:p>
           <a:p>
             <a:pPr lvl="1"/>
             <a:r>
-              <a:rPr lang="en-US" smtClean="0"/>
+              <a:rPr lang="en-US"/>
               <a:t>Second level</a:t>
             </a:r>
           </a:p>
           <a:p>
             <a:pPr lvl="2"/>
             <a:r>
-              <a:rPr lang="en-US" smtClean="0"/>
+              <a:rPr lang="en-US"/>
               <a:t>Third level</a:t>
             </a:r>
           </a:p>
           <a:p>
             <a:pPr lvl="3"/>
             <a:r>
-              <a:rPr lang="en-US" smtClean="0"/>
+              <a:rPr lang="en-US"/>
               <a:t>Fourth level</a:t>
             </a:r>
           </a:p>
           <a:p>
             <a:pPr lvl="4"/>
             <a:r>
-              <a:rPr lang="en-US" smtClean="0"/>
+              <a:rPr lang="en-US"/>
               <a:t>Fifth level</a:t>
             </a:r>
-            <a:endParaRPr lang="en-US"/>
+            <a:endParaRPr lang="en-US" dirty="0"/>
           </a:p>
         </p:txBody>
       </p:sp>
@@ -1640,16 +4238,18 @@
         </p:nvSpPr>
         <p:spPr>
           <a:xfrm>
-            <a:off x="4645025" y="1535113"/>
-            <a:ext cx="4041775" cy="639762"/>
+            <a:off x="4721225" y="1835255"/>
+            <a:ext cx="3671498" cy="544883"/>
           </a:xfrm>
         </p:spPr>
         <p:txBody>
-          <a:bodyPr anchor="b"/>
+          <a:bodyPr anchor="b">
+            <a:noAutofit/>
+          </a:bodyPr>
           <a:lstStyle>
-            <a:lvl1pPr marL="0" indent="0">
-              <a:buNone/>
-              <a:defRPr sz="2400" b="1"/>
+            <a:lvl1pPr marL="0" indent="0" algn="ctr">
+              <a:buNone/>
+              <a:defRPr sz="2400" b="0"/>
             </a:lvl1pPr>
             <a:lvl2pPr marL="457200" indent="0">
               <a:buNone/>
@@ -1687,7 +4287,7 @@
           <a:p>
             <a:pPr lvl="0"/>
             <a:r>
-              <a:rPr lang="en-US" smtClean="0"/>
+              <a:rPr lang="en-US"/>
               <a:t>Click to edit Master text styles</a:t>
             </a:r>
           </a:p>
@@ -1705,76 +4305,66 @@
         </p:nvSpPr>
         <p:spPr>
           <a:xfrm>
-            <a:off x="4645025" y="2174875"/>
-            <a:ext cx="4041775" cy="3951288"/>
+            <a:off x="4721225" y="2380138"/>
+            <a:ext cx="3671498" cy="3411063"/>
           </a:xfrm>
         </p:spPr>
         <p:txBody>
-          <a:bodyPr/>
+          <a:bodyPr anchor="t">
+            <a:normAutofit/>
+          </a:bodyPr>
           <a:lstStyle>
             <a:lvl1pPr>
-              <a:defRPr sz="2400"/>
+              <a:defRPr sz="1800"/>
             </a:lvl1pPr>
             <a:lvl2pPr>
-              <a:defRPr sz="2000"/>
+              <a:defRPr sz="1600"/>
             </a:lvl2pPr>
             <a:lvl3pPr>
-              <a:defRPr sz="1800"/>
+              <a:defRPr sz="1400"/>
             </a:lvl3pPr>
             <a:lvl4pPr>
-              <a:defRPr sz="1600"/>
+              <a:defRPr sz="1200"/>
             </a:lvl4pPr>
             <a:lvl5pPr>
-              <a:defRPr sz="1600"/>
+              <a:defRPr sz="1200"/>
             </a:lvl5pPr>
-            <a:lvl6pPr>
-              <a:defRPr sz="1600"/>
-            </a:lvl6pPr>
-            <a:lvl7pPr>
-              <a:defRPr sz="1600"/>
-            </a:lvl7pPr>
-            <a:lvl8pPr>
-              <a:defRPr sz="1600"/>
-            </a:lvl8pPr>
-            <a:lvl9pPr>
-              <a:defRPr sz="1600"/>
-            </a:lvl9pPr>
           </a:lstStyle>
           <a:p>
             <a:pPr lvl="0"/>
             <a:r>
-              <a:rPr lang="en-US" smtClean="0"/>
+              <a:rPr lang="en-US"/>
               <a:t>Click to edit Master text styles</a:t>
             </a:r>
           </a:p>
           <a:p>
             <a:pPr lvl="1"/>
             <a:r>
-              <a:rPr lang="en-US" smtClean="0"/>
+              <a:rPr lang="en-US"/>
               <a:t>Second level</a:t>
             </a:r>
           </a:p>
           <a:p>
             <a:pPr lvl="2"/>
             <a:r>
-              <a:rPr lang="en-US" smtClean="0"/>
+              <a:rPr lang="en-US"/>
               <a:t>Third level</a:t>
             </a:r>
           </a:p>
           <a:p>
             <a:pPr lvl="3"/>
             <a:r>
-              <a:rPr lang="en-US" smtClean="0"/>
+              <a:rPr lang="en-US"/>
               <a:t>Fourth level</a:t>
             </a:r>
           </a:p>
           <a:p>
             <a:pPr lvl="4"/>
             <a:r>
-              <a:rPr lang="en-US" smtClean="0"/>
+              <a:rPr lang="en-US"/>
               <a:t>Fifth level</a:t>
             </a:r>
-            <a:endParaRPr lang="en-US"/>
+            <a:endParaRPr lang="en-US" dirty="0"/>
           </a:p>
         </p:txBody>
       </p:sp>
@@ -1795,7 +4385,7 @@
           <a:p>
             <a:fld id="{5BCAD085-E8A6-8845-BD4E-CB4CCA059FC4}" type="datetimeFigureOut">
               <a:rPr lang="en-US" smtClean="0"/>
-              <a:t>1/27/13</a:t>
+              <a:t>5/24/2024</a:t>
             </a:fld>
             <a:endParaRPr lang="en-US"/>
           </a:p>
@@ -1846,7 +4436,7 @@
     </p:spTree>
     <p:extLst>
       <p:ext uri="{BB962C8B-B14F-4D97-AF65-F5344CB8AC3E}">
-        <p14:creationId xmlns:p14="http://schemas.microsoft.com/office/powerpoint/2010/main" val="990158736"/>
+        <p14:creationId xmlns:p14="http://schemas.microsoft.com/office/powerpoint/2010/main" val="4077246259"/>
       </p:ext>
     </p:extLst>
   </p:cSld>
@@ -1889,10 +4479,10 @@
           <a:lstStyle/>
           <a:p>
             <a:r>
-              <a:rPr lang="en-US" smtClean="0"/>
+              <a:rPr lang="en-US"/>
               <a:t>Click to edit Master title style</a:t>
             </a:r>
-            <a:endParaRPr lang="en-US"/>
+            <a:endParaRPr lang="en-US" dirty="0"/>
           </a:p>
         </p:txBody>
       </p:sp>
@@ -1913,7 +4503,7 @@
           <a:p>
             <a:fld id="{5BCAD085-E8A6-8845-BD4E-CB4CCA059FC4}" type="datetimeFigureOut">
               <a:rPr lang="en-US" smtClean="0"/>
-              <a:t>1/27/13</a:t>
+              <a:t>5/24/2024</a:t>
             </a:fld>
             <a:endParaRPr lang="en-US"/>
           </a:p>
@@ -1964,7 +4554,7 @@
     </p:spTree>
     <p:extLst>
       <p:ext uri="{BB962C8B-B14F-4D97-AF65-F5344CB8AC3E}">
-        <p14:creationId xmlns:p14="http://schemas.microsoft.com/office/powerpoint/2010/main" val="727027711"/>
+        <p14:creationId xmlns:p14="http://schemas.microsoft.com/office/powerpoint/2010/main" val="1734235845"/>
       </p:ext>
     </p:extLst>
   </p:cSld>
@@ -2008,7 +4598,7 @@
           <a:p>
             <a:fld id="{5BCAD085-E8A6-8845-BD4E-CB4CCA059FC4}" type="datetimeFigureOut">
               <a:rPr lang="en-US" smtClean="0"/>
-              <a:t>1/27/13</a:t>
+              <a:t>5/24/2024</a:t>
             </a:fld>
             <a:endParaRPr lang="en-US"/>
           </a:p>
@@ -2059,7 +4649,7 @@
     </p:spTree>
     <p:extLst>
       <p:ext uri="{BB962C8B-B14F-4D97-AF65-F5344CB8AC3E}">
-        <p14:creationId xmlns:p14="http://schemas.microsoft.com/office/powerpoint/2010/main" val="1212999818"/>
+        <p14:creationId xmlns:p14="http://schemas.microsoft.com/office/powerpoint/2010/main" val="1099391300"/>
       </p:ext>
     </p:extLst>
   </p:cSld>
@@ -2098,23 +4688,25 @@
         </p:nvSpPr>
         <p:spPr>
           <a:xfrm>
-            <a:off x="457200" y="273050"/>
-            <a:ext cx="3008313" cy="1162050"/>
+            <a:off x="685347" y="609600"/>
+            <a:ext cx="2780167" cy="1821918"/>
           </a:xfrm>
         </p:spPr>
         <p:txBody>
-          <a:bodyPr anchor="b"/>
+          <a:bodyPr anchor="b">
+            <a:normAutofit/>
+          </a:bodyPr>
           <a:lstStyle>
-            <a:lvl1pPr algn="l">
-              <a:defRPr sz="2000" b="1"/>
+            <a:lvl1pPr algn="ctr">
+              <a:defRPr sz="2400" b="0"/>
             </a:lvl1pPr>
           </a:lstStyle>
           <a:p>
             <a:r>
-              <a:rPr lang="en-US" smtClean="0"/>
+              <a:rPr lang="en-US"/>
               <a:t>Click to edit Master title style</a:t>
             </a:r>
-            <a:endParaRPr lang="en-US"/>
+            <a:endParaRPr lang="en-US" dirty="0"/>
           </a:p>
         </p:txBody>
       </p:sp>
@@ -2130,76 +4722,50 @@
         </p:nvSpPr>
         <p:spPr>
           <a:xfrm>
-            <a:off x="3575050" y="273050"/>
-            <a:ext cx="5111750" cy="5853113"/>
+            <a:off x="3641725" y="609600"/>
+            <a:ext cx="4808943" cy="5181600"/>
           </a:xfrm>
         </p:spPr>
         <p:txBody>
-          <a:bodyPr/>
-          <a:lstStyle>
-            <a:lvl1pPr>
-              <a:defRPr sz="3200"/>
-            </a:lvl1pPr>
-            <a:lvl2pPr>
-              <a:defRPr sz="2800"/>
-            </a:lvl2pPr>
-            <a:lvl3pPr>
-              <a:defRPr sz="2400"/>
-            </a:lvl3pPr>
-            <a:lvl4pPr>
-              <a:defRPr sz="2000"/>
-            </a:lvl4pPr>
-            <a:lvl5pPr>
-              <a:defRPr sz="2000"/>
-            </a:lvl5pPr>
-            <a:lvl6pPr>
-              <a:defRPr sz="2000"/>
-            </a:lvl6pPr>
-            <a:lvl7pPr>
-              <a:defRPr sz="2000"/>
-            </a:lvl7pPr>
-            <a:lvl8pPr>
-              <a:defRPr sz="2000"/>
-            </a:lvl8pPr>
-            <a:lvl9pPr>
-              <a:defRPr sz="2000"/>
-            </a:lvl9pPr>
-          </a:lstStyle>
+          <a:bodyPr>
+            <a:normAutofit/>
+          </a:bodyPr>
+          <a:lstStyle/>
           <a:p>
             <a:pPr lvl="0"/>
             <a:r>
-              <a:rPr lang="en-US" smtClean="0"/>
+              <a:rPr lang="en-US"/>
               <a:t>Click to edit Master text styles</a:t>
             </a:r>
           </a:p>
           <a:p>
             <a:pPr lvl="1"/>
             <a:r>
-              <a:rPr lang="en-US" smtClean="0"/>
+              <a:rPr lang="en-US"/>
               <a:t>Second level</a:t>
             </a:r>
           </a:p>
           <a:p>
             <a:pPr lvl="2"/>
             <a:r>
-              <a:rPr lang="en-US" smtClean="0"/>
+              <a:rPr lang="en-US"/>
               <a:t>Third level</a:t>
             </a:r>
           </a:p>
           <a:p>
             <a:pPr lvl="3"/>
             <a:r>
-              <a:rPr lang="en-US" smtClean="0"/>
+              <a:rPr lang="en-US"/>
               <a:t>Fourth level</a:t>
             </a:r>
           </a:p>
           <a:p>
             <a:pPr lvl="4"/>
             <a:r>
-              <a:rPr lang="en-US" smtClean="0"/>
+              <a:rPr lang="en-US"/>
               <a:t>Fifth level</a:t>
             </a:r>
-            <a:endParaRPr lang="en-US"/>
+            <a:endParaRPr lang="en-US" dirty="0"/>
           </a:p>
         </p:txBody>
       </p:sp>
@@ -2215,16 +4781,18 @@
         </p:nvSpPr>
         <p:spPr>
           <a:xfrm>
-            <a:off x="457200" y="1435100"/>
-            <a:ext cx="3008313" cy="4691063"/>
+            <a:off x="685347" y="2431518"/>
+            <a:ext cx="2780167" cy="3359681"/>
           </a:xfrm>
         </p:spPr>
         <p:txBody>
-          <a:bodyPr/>
+          <a:bodyPr anchor="t">
+            <a:normAutofit/>
+          </a:bodyPr>
           <a:lstStyle>
-            <a:lvl1pPr marL="0" indent="0">
-              <a:buNone/>
-              <a:defRPr sz="1400"/>
+            <a:lvl1pPr marL="0" indent="0" algn="ctr">
+              <a:buNone/>
+              <a:defRPr sz="1600"/>
             </a:lvl1pPr>
             <a:lvl2pPr marL="457200" indent="0">
               <a:buNone/>
@@ -2262,7 +4830,7 @@
           <a:p>
             <a:pPr lvl="0"/>
             <a:r>
-              <a:rPr lang="en-US" smtClean="0"/>
+              <a:rPr lang="en-US"/>
               <a:t>Click to edit Master text styles</a:t>
             </a:r>
           </a:p>
@@ -2285,7 +4853,7 @@
           <a:p>
             <a:fld id="{5BCAD085-E8A6-8845-BD4E-CB4CCA059FC4}" type="datetimeFigureOut">
               <a:rPr lang="en-US" smtClean="0"/>
-              <a:t>1/27/13</a:t>
+              <a:t>5/24/2024</a:t>
             </a:fld>
             <a:endParaRPr lang="en-US"/>
           </a:p>
@@ -2336,7 +4904,7 @@
     </p:spTree>
     <p:extLst>
       <p:ext uri="{BB962C8B-B14F-4D97-AF65-F5344CB8AC3E}">
-        <p14:creationId xmlns:p14="http://schemas.microsoft.com/office/powerpoint/2010/main" val="1840726560"/>
+        <p14:creationId xmlns:p14="http://schemas.microsoft.com/office/powerpoint/2010/main" val="2721917482"/>
       </p:ext>
     </p:extLst>
   </p:cSld>
@@ -2363,35 +4931,67 @@
           <a:chExt cx="0" cy="0"/>
         </a:xfrm>
       </p:grpSpPr>
-      <p:sp>
-        <p:nvSpPr>
-          <p:cNvPr id="2" name="Title 1"/>
-          <p:cNvSpPr>
-            <a:spLocks noGrp="1"/>
-          </p:cNvSpPr>
-          <p:nvPr>
-            <p:ph type="title"/>
-          </p:nvPr>
-        </p:nvSpPr>
+      <p:pic>
+        <p:nvPicPr>
+          <p:cNvPr id="12" name="Picture 11" descr="Slate-V2-SD-vertPhotoInset.png"/>
+          <p:cNvPicPr>
+            <a:picLocks noChangeAspect="1"/>
+          </p:cNvPicPr>
+          <p:nvPr/>
+        </p:nvPicPr>
+        <p:blipFill>
+          <a:blip r:embed="rId2">
+            <a:extLst>
+              <a:ext uri="{28A0092B-C50C-407E-A947-70E740481C1C}">
+                <a14:useLocalDpi xmlns:a14="http://schemas.microsoft.com/office/drawing/2010/main" val="0"/>
+              </a:ext>
+            </a:extLst>
+          </a:blip>
+          <a:stretch>
+            <a:fillRect/>
+          </a:stretch>
+        </p:blipFill>
         <p:spPr>
           <a:xfrm>
-            <a:off x="1792288" y="4800600"/>
-            <a:ext cx="5486400" cy="566738"/>
+            <a:off x="4844987" y="609923"/>
+            <a:ext cx="3428146" cy="5205472"/>
+          </a:xfrm>
+          <a:prstGeom prst="rect">
+            <a:avLst/>
+          </a:prstGeom>
+        </p:spPr>
+      </p:pic>
+      <p:sp>
+        <p:nvSpPr>
+          <p:cNvPr id="2" name="Title 1"/>
+          <p:cNvSpPr>
+            <a:spLocks noGrp="1"/>
+          </p:cNvSpPr>
+          <p:nvPr>
+            <p:ph type="title"/>
+          </p:nvPr>
+        </p:nvSpPr>
+        <p:spPr>
+          <a:xfrm>
+            <a:off x="685347" y="609923"/>
+            <a:ext cx="3924676" cy="1829338"/>
           </a:xfrm>
         </p:spPr>
         <p:txBody>
-          <a:bodyPr anchor="b"/>
+          <a:bodyPr anchor="b">
+            <a:noAutofit/>
+          </a:bodyPr>
           <a:lstStyle>
-            <a:lvl1pPr algn="l">
-              <a:defRPr sz="2000" b="1"/>
+            <a:lvl1pPr algn="ctr">
+              <a:defRPr sz="3200" b="0"/>
             </a:lvl1pPr>
           </a:lstStyle>
           <a:p>
             <a:r>
-              <a:rPr lang="en-US" smtClean="0"/>
+              <a:rPr lang="en-US"/>
               <a:t>Click to edit Master title style</a:t>
             </a:r>
-            <a:endParaRPr lang="en-US"/>
+            <a:endParaRPr lang="en-US" dirty="0"/>
           </a:p>
         </p:txBody>
       </p:sp>
@@ -2399,7 +4999,7 @@
         <p:nvSpPr>
           <p:cNvPr id="3" name="Picture Placeholder 2"/>
           <p:cNvSpPr>
-            <a:spLocks noGrp="1"/>
+            <a:spLocks noGrp="1" noChangeAspect="1"/>
           </p:cNvSpPr>
           <p:nvPr>
             <p:ph type="pic" idx="1"/>
@@ -2407,77 +5007,92 @@
         </p:nvSpPr>
         <p:spPr>
           <a:xfrm>
-            <a:off x="1792288" y="612775"/>
-            <a:ext cx="5486400" cy="4114800"/>
+            <a:off x="4976728" y="743989"/>
+            <a:ext cx="3165375" cy="4912822"/>
+          </a:xfrm>
+          <a:effectLst>
+            <a:outerShdw blurRad="38100" dist="25400" dir="4440000">
+              <a:srgbClr val="000000">
+                <a:alpha val="36000"/>
+              </a:srgbClr>
+            </a:outerShdw>
+          </a:effectLst>
+        </p:spPr>
+        <p:txBody>
+          <a:bodyPr anchor="t">
+            <a:normAutofit/>
+          </a:bodyPr>
+          <a:lstStyle>
+            <a:lvl1pPr marL="0" indent="0" algn="ctr">
+              <a:buNone/>
+              <a:defRPr sz="1600"/>
+            </a:lvl1pPr>
+            <a:lvl2pPr marL="457200" indent="0">
+              <a:buNone/>
+              <a:defRPr sz="1600"/>
+            </a:lvl2pPr>
+            <a:lvl3pPr marL="914400" indent="0">
+              <a:buNone/>
+              <a:defRPr sz="1600"/>
+            </a:lvl3pPr>
+            <a:lvl4pPr marL="1371600" indent="0">
+              <a:buNone/>
+              <a:defRPr sz="1600"/>
+            </a:lvl4pPr>
+            <a:lvl5pPr marL="1828800" indent="0">
+              <a:buNone/>
+              <a:defRPr sz="1600"/>
+            </a:lvl5pPr>
+            <a:lvl6pPr marL="2286000" indent="0">
+              <a:buNone/>
+              <a:defRPr sz="1600"/>
+            </a:lvl6pPr>
+            <a:lvl7pPr marL="2743200" indent="0">
+              <a:buNone/>
+              <a:defRPr sz="1600"/>
+            </a:lvl7pPr>
+            <a:lvl8pPr marL="3200400" indent="0">
+              <a:buNone/>
+              <a:defRPr sz="1600"/>
+            </a:lvl8pPr>
+            <a:lvl9pPr marL="3657600" indent="0">
+              <a:buNone/>
+              <a:defRPr sz="1600"/>
+            </a:lvl9pPr>
+          </a:lstStyle>
+          <a:p>
+            <a:r>
+              <a:rPr lang="en-US"/>
+              <a:t>Click icon to add picture</a:t>
+            </a:r>
+            <a:endParaRPr lang="en-US" dirty="0"/>
+          </a:p>
+        </p:txBody>
+      </p:sp>
+      <p:sp>
+        <p:nvSpPr>
+          <p:cNvPr id="4" name="Text Placeholder 3"/>
+          <p:cNvSpPr>
+            <a:spLocks noGrp="1"/>
+          </p:cNvSpPr>
+          <p:nvPr>
+            <p:ph type="body" sz="half" idx="2"/>
+          </p:nvPr>
+        </p:nvSpPr>
+        <p:spPr>
+          <a:xfrm>
+            <a:off x="685347" y="2439261"/>
+            <a:ext cx="3924676" cy="3376134"/>
           </a:xfrm>
         </p:spPr>
         <p:txBody>
-          <a:bodyPr/>
+          <a:bodyPr anchor="t">
+            <a:normAutofit/>
+          </a:bodyPr>
           <a:lstStyle>
-            <a:lvl1pPr marL="0" indent="0">
-              <a:buNone/>
-              <a:defRPr sz="3200"/>
-            </a:lvl1pPr>
-            <a:lvl2pPr marL="457200" indent="0">
-              <a:buNone/>
-              <a:defRPr sz="2800"/>
-            </a:lvl2pPr>
-            <a:lvl3pPr marL="914400" indent="0">
-              <a:buNone/>
-              <a:defRPr sz="2400"/>
-            </a:lvl3pPr>
-            <a:lvl4pPr marL="1371600" indent="0">
-              <a:buNone/>
-              <a:defRPr sz="2000"/>
-            </a:lvl4pPr>
-            <a:lvl5pPr marL="1828800" indent="0">
-              <a:buNone/>
-              <a:defRPr sz="2000"/>
-            </a:lvl5pPr>
-            <a:lvl6pPr marL="2286000" indent="0">
-              <a:buNone/>
-              <a:defRPr sz="2000"/>
-            </a:lvl6pPr>
-            <a:lvl7pPr marL="2743200" indent="0">
-              <a:buNone/>
-              <a:defRPr sz="2000"/>
-            </a:lvl7pPr>
-            <a:lvl8pPr marL="3200400" indent="0">
-              <a:buNone/>
-              <a:defRPr sz="2000"/>
-            </a:lvl8pPr>
-            <a:lvl9pPr marL="3657600" indent="0">
-              <a:buNone/>
-              <a:defRPr sz="2000"/>
-            </a:lvl9pPr>
-          </a:lstStyle>
-          <a:p>
-            <a:endParaRPr lang="en-US"/>
-          </a:p>
-        </p:txBody>
-      </p:sp>
-      <p:sp>
-        <p:nvSpPr>
-          <p:cNvPr id="4" name="Text Placeholder 3"/>
-          <p:cNvSpPr>
-            <a:spLocks noGrp="1"/>
-          </p:cNvSpPr>
-          <p:nvPr>
-            <p:ph type="body" sz="half" idx="2"/>
-          </p:nvPr>
-        </p:nvSpPr>
-        <p:spPr>
-          <a:xfrm>
-            <a:off x="1792288" y="5367338"/>
-            <a:ext cx="5486400" cy="804862"/>
-          </a:xfrm>
-        </p:spPr>
-        <p:txBody>
-          <a:bodyPr/>
-          <a:lstStyle>
-            <a:lvl1pPr marL="0" indent="0">
-              <a:buNone/>
-              <a:defRPr sz="1400"/>
+            <a:lvl1pPr marL="0" indent="0" algn="ctr">
+              <a:buNone/>
+              <a:defRPr sz="1600"/>
             </a:lvl1pPr>
             <a:lvl2pPr marL="457200" indent="0">
               <a:buNone/>
@@ -2515,7 +5130,7 @@
           <a:p>
             <a:pPr lvl="0"/>
             <a:r>
-              <a:rPr lang="en-US" smtClean="0"/>
+              <a:rPr lang="en-US"/>
               <a:t>Click to edit Master text styles</a:t>
             </a:r>
           </a:p>
@@ -2538,7 +5153,7 @@
           <a:p>
             <a:fld id="{5BCAD085-E8A6-8845-BD4E-CB4CCA059FC4}" type="datetimeFigureOut">
               <a:rPr lang="en-US" smtClean="0"/>
-              <a:t>1/27/13</a:t>
+              <a:t>5/24/2024</a:t>
             </a:fld>
             <a:endParaRPr lang="en-US"/>
           </a:p>
@@ -2589,7 +5204,7 @@
     </p:spTree>
     <p:extLst>
       <p:ext uri="{BB962C8B-B14F-4D97-AF65-F5344CB8AC3E}">
-        <p14:creationId xmlns:p14="http://schemas.microsoft.com/office/powerpoint/2010/main" val="3889236939"/>
+        <p14:creationId xmlns:p14="http://schemas.microsoft.com/office/powerpoint/2010/main" val="935569164"/>
       </p:ext>
     </p:extLst>
   </p:cSld>
@@ -2603,8 +5218,8 @@
 <p:sldMaster xmlns:a="http://schemas.openxmlformats.org/drawingml/2006/main" xmlns:r="http://schemas.openxmlformats.org/officeDocument/2006/relationships" xmlns:p="http://schemas.openxmlformats.org/presentationml/2006/main">
   <p:cSld>
     <p:bg>
-      <p:bgRef idx="1001">
-        <a:schemeClr val="bg1"/>
+      <p:bgRef idx="1003">
+        <a:schemeClr val="bg2"/>
       </p:bgRef>
     </p:bg>
     <p:spTree>
@@ -2633,103 +5248,209 @@
         </p:nvSpPr>
         <p:spPr>
           <a:xfrm>
-            <a:off x="457200" y="274638"/>
-            <a:ext cx="8229600" cy="1143000"/>
+            <a:off x="685346" y="609600"/>
+            <a:ext cx="7765322" cy="970450"/>
+          </a:xfrm>
+          <a:prstGeom prst="rect">
+            <a:avLst/>
+          </a:prstGeom>
+          <a:effectLst>
+            <a:outerShdw blurRad="25400" dir="17880000">
+              <a:srgbClr val="000000">
+                <a:alpha val="46000"/>
+              </a:srgbClr>
+            </a:outerShdw>
+          </a:effectLst>
+        </p:spPr>
+        <p:txBody>
+          <a:bodyPr vert="horz" lIns="91440" tIns="45720" rIns="91440" bIns="45720" rtlCol="0" anchor="ctr">
+            <a:normAutofit/>
+          </a:bodyPr>
+          <a:lstStyle/>
+          <a:p>
+            <a:r>
+              <a:rPr lang="en-US"/>
+              <a:t>Click to edit Master title style</a:t>
+            </a:r>
+            <a:endParaRPr lang="en-US" dirty="0"/>
+          </a:p>
+        </p:txBody>
+      </p:sp>
+      <p:sp>
+        <p:nvSpPr>
+          <p:cNvPr id="3" name="Text Placeholder 2"/>
+          <p:cNvSpPr>
+            <a:spLocks noGrp="1"/>
+          </p:cNvSpPr>
+          <p:nvPr>
+            <p:ph type="body" idx="1"/>
+          </p:nvPr>
+        </p:nvSpPr>
+        <p:spPr>
+          <a:xfrm>
+            <a:off x="685346" y="1732450"/>
+            <a:ext cx="7765322" cy="4058751"/>
+          </a:xfrm>
+          <a:prstGeom prst="rect">
+            <a:avLst/>
+          </a:prstGeom>
+          <a:effectLst>
+            <a:outerShdw blurRad="25400" dir="17880000">
+              <a:srgbClr val="000000">
+                <a:alpha val="46000"/>
+              </a:srgbClr>
+            </a:outerShdw>
+          </a:effectLst>
+        </p:spPr>
+        <p:txBody>
+          <a:bodyPr vert="horz" lIns="91440" tIns="45720" rIns="91440" bIns="45720" rtlCol="0" anchor="t">
+            <a:normAutofit/>
+          </a:bodyPr>
+          <a:lstStyle/>
+          <a:p>
+            <a:pPr lvl="0"/>
+            <a:r>
+              <a:rPr lang="en-US"/>
+              <a:t>Click to edit Master text styles</a:t>
+            </a:r>
+          </a:p>
+          <a:p>
+            <a:pPr lvl="1"/>
+            <a:r>
+              <a:rPr lang="en-US"/>
+              <a:t>Second level</a:t>
+            </a:r>
+          </a:p>
+          <a:p>
+            <a:pPr lvl="2"/>
+            <a:r>
+              <a:rPr lang="en-US"/>
+              <a:t>Third level</a:t>
+            </a:r>
+          </a:p>
+          <a:p>
+            <a:pPr lvl="3"/>
+            <a:r>
+              <a:rPr lang="en-US"/>
+              <a:t>Fourth level</a:t>
+            </a:r>
+          </a:p>
+          <a:p>
+            <a:pPr lvl="4"/>
+            <a:r>
+              <a:rPr lang="en-US"/>
+              <a:t>Fifth level</a:t>
+            </a:r>
+            <a:endParaRPr lang="en-US" dirty="0"/>
+          </a:p>
+        </p:txBody>
+      </p:sp>
+      <p:sp>
+        <p:nvSpPr>
+          <p:cNvPr id="4" name="Date Placeholder 3"/>
+          <p:cNvSpPr>
+            <a:spLocks noGrp="1"/>
+          </p:cNvSpPr>
+          <p:nvPr>
+            <p:ph type="dt" sz="half" idx="2"/>
+          </p:nvPr>
+        </p:nvSpPr>
+        <p:spPr>
+          <a:xfrm>
+            <a:off x="5759052" y="5883276"/>
+            <a:ext cx="2057400" cy="365125"/>
           </a:xfrm>
           <a:prstGeom prst="rect">
             <a:avLst/>
           </a:prstGeom>
         </p:spPr>
         <p:txBody>
-          <a:bodyPr vert="horz" lIns="91440" tIns="45720" rIns="91440" bIns="45720" rtlCol="0" anchor="ctr">
-            <a:normAutofit/>
-          </a:bodyPr>
-          <a:lstStyle/>
-          <a:p>
-            <a:r>
+          <a:bodyPr vert="horz" lIns="91440" tIns="45720" rIns="91440" bIns="45720" rtlCol="0" anchor="ctr"/>
+          <a:lstStyle>
+            <a:lvl1pPr algn="r">
+              <a:defRPr sz="1000">
+                <a:solidFill>
+                  <a:schemeClr val="tx1">
+                    <a:lumMod val="95000"/>
+                  </a:schemeClr>
+                </a:solidFill>
+                <a:effectLst>
+                  <a:outerShdw blurRad="50800" dist="38100" dir="2700000" algn="tl" rotWithShape="0">
+                    <a:schemeClr val="bg1">
+                      <a:alpha val="43000"/>
+                    </a:schemeClr>
+                  </a:outerShdw>
+                </a:effectLst>
+              </a:defRPr>
+            </a:lvl1pPr>
+          </a:lstStyle>
+          <a:p>
+            <a:fld id="{5BCAD085-E8A6-8845-BD4E-CB4CCA059FC4}" type="datetimeFigureOut">
               <a:rPr lang="en-US" smtClean="0"/>
-              <a:t>Click to edit Master title style</a:t>
-            </a:r>
+              <a:t>5/24/2024</a:t>
+            </a:fld>
             <a:endParaRPr lang="en-US"/>
           </a:p>
         </p:txBody>
       </p:sp>
       <p:sp>
         <p:nvSpPr>
-          <p:cNvPr id="3" name="Text Placeholder 2"/>
-          <p:cNvSpPr>
-            <a:spLocks noGrp="1"/>
-          </p:cNvSpPr>
-          <p:nvPr>
-            <p:ph type="body" idx="1"/>
+          <p:cNvPr id="5" name="Footer Placeholder 4"/>
+          <p:cNvSpPr>
+            <a:spLocks noGrp="1"/>
+          </p:cNvSpPr>
+          <p:nvPr>
+            <p:ph type="ftr" sz="quarter" idx="3"/>
           </p:nvPr>
         </p:nvSpPr>
         <p:spPr>
           <a:xfrm>
-            <a:off x="457200" y="1600200"/>
-            <a:ext cx="8229600" cy="4525963"/>
+            <a:off x="685347" y="5883276"/>
+            <a:ext cx="5004649" cy="365125"/>
           </a:xfrm>
           <a:prstGeom prst="rect">
             <a:avLst/>
           </a:prstGeom>
         </p:spPr>
         <p:txBody>
-          <a:bodyPr vert="horz" lIns="91440" tIns="45720" rIns="91440" bIns="45720" rtlCol="0">
-            <a:normAutofit/>
-          </a:bodyPr>
-          <a:lstStyle/>
-          <a:p>
-            <a:pPr lvl="0"/>
-            <a:r>
-              <a:rPr lang="en-US" smtClean="0"/>
-              <a:t>Click to edit Master text styles</a:t>
-            </a:r>
-          </a:p>
-          <a:p>
-            <a:pPr lvl="1"/>
-            <a:r>
-              <a:rPr lang="en-US" smtClean="0"/>
-              <a:t>Second level</a:t>
-            </a:r>
-          </a:p>
-          <a:p>
-            <a:pPr lvl="2"/>
-            <a:r>
-              <a:rPr lang="en-US" smtClean="0"/>
-              <a:t>Third level</a:t>
-            </a:r>
-          </a:p>
-          <a:p>
-            <a:pPr lvl="3"/>
-            <a:r>
-              <a:rPr lang="en-US" smtClean="0"/>
-              <a:t>Fourth level</a:t>
-            </a:r>
-          </a:p>
-          <a:p>
-            <a:pPr lvl="4"/>
-            <a:r>
-              <a:rPr lang="en-US" smtClean="0"/>
-              <a:t>Fifth level</a:t>
-            </a:r>
+          <a:bodyPr vert="horz" lIns="91440" tIns="45720" rIns="91440" bIns="45720" rtlCol="0" anchor="ctr"/>
+          <a:lstStyle>
+            <a:lvl1pPr algn="l">
+              <a:defRPr sz="1000">
+                <a:solidFill>
+                  <a:schemeClr val="tx1">
+                    <a:lumMod val="95000"/>
+                  </a:schemeClr>
+                </a:solidFill>
+                <a:effectLst>
+                  <a:outerShdw blurRad="50800" dist="38100" dir="2700000" algn="tl" rotWithShape="0">
+                    <a:schemeClr val="bg1">
+                      <a:alpha val="43000"/>
+                    </a:schemeClr>
+                  </a:outerShdw>
+                </a:effectLst>
+              </a:defRPr>
+            </a:lvl1pPr>
+          </a:lstStyle>
+          <a:p>
             <a:endParaRPr lang="en-US"/>
           </a:p>
         </p:txBody>
       </p:sp>
       <p:sp>
         <p:nvSpPr>
-          <p:cNvPr id="4" name="Date Placeholder 3"/>
-          <p:cNvSpPr>
-            <a:spLocks noGrp="1"/>
-          </p:cNvSpPr>
-          <p:nvPr>
-            <p:ph type="dt" sz="half" idx="2"/>
+          <p:cNvPr id="6" name="Slide Number Placeholder 5"/>
+          <p:cNvSpPr>
+            <a:spLocks noGrp="1"/>
+          </p:cNvSpPr>
+          <p:nvPr>
+            <p:ph type="sldNum" sz="quarter" idx="4"/>
           </p:nvPr>
         </p:nvSpPr>
         <p:spPr>
           <a:xfrm>
-            <a:off x="457200" y="6356350"/>
-            <a:ext cx="2133600" cy="365125"/>
+            <a:off x="7885509" y="5883276"/>
+            <a:ext cx="565159" cy="365125"/>
           </a:xfrm>
           <a:prstGeom prst="rect">
             <a:avLst/>
@@ -2738,91 +5459,20 @@
         <p:txBody>
           <a:bodyPr vert="horz" lIns="91440" tIns="45720" rIns="91440" bIns="45720" rtlCol="0" anchor="ctr"/>
           <a:lstStyle>
-            <a:lvl1pPr algn="l">
-              <a:defRPr sz="1200">
+            <a:lvl1pPr algn="r">
+              <a:defRPr sz="1000">
                 <a:solidFill>
                   <a:schemeClr val="tx1">
-                    <a:tint val="75000"/>
+                    <a:lumMod val="95000"/>
                   </a:schemeClr>
                 </a:solidFill>
-              </a:defRPr>
-            </a:lvl1pPr>
-          </a:lstStyle>
-          <a:p>
-            <a:fld id="{5BCAD085-E8A6-8845-BD4E-CB4CCA059FC4}" type="datetimeFigureOut">
-              <a:rPr lang="en-US" smtClean="0"/>
-              <a:t>1/27/13</a:t>
-            </a:fld>
-            <a:endParaRPr lang="en-US"/>
-          </a:p>
-        </p:txBody>
-      </p:sp>
-      <p:sp>
-        <p:nvSpPr>
-          <p:cNvPr id="5" name="Footer Placeholder 4"/>
-          <p:cNvSpPr>
-            <a:spLocks noGrp="1"/>
-          </p:cNvSpPr>
-          <p:nvPr>
-            <p:ph type="ftr" sz="quarter" idx="3"/>
-          </p:nvPr>
-        </p:nvSpPr>
-        <p:spPr>
-          <a:xfrm>
-            <a:off x="3124200" y="6356350"/>
-            <a:ext cx="2895600" cy="365125"/>
-          </a:xfrm>
-          <a:prstGeom prst="rect">
-            <a:avLst/>
-          </a:prstGeom>
-        </p:spPr>
-        <p:txBody>
-          <a:bodyPr vert="horz" lIns="91440" tIns="45720" rIns="91440" bIns="45720" rtlCol="0" anchor="ctr"/>
-          <a:lstStyle>
-            <a:lvl1pPr algn="ctr">
-              <a:defRPr sz="1200">
-                <a:solidFill>
-                  <a:schemeClr val="tx1">
-                    <a:tint val="75000"/>
-                  </a:schemeClr>
-                </a:solidFill>
-              </a:defRPr>
-            </a:lvl1pPr>
-          </a:lstStyle>
-          <a:p>
-            <a:endParaRPr lang="en-US"/>
-          </a:p>
-        </p:txBody>
-      </p:sp>
-      <p:sp>
-        <p:nvSpPr>
-          <p:cNvPr id="6" name="Slide Number Placeholder 5"/>
-          <p:cNvSpPr>
-            <a:spLocks noGrp="1"/>
-          </p:cNvSpPr>
-          <p:nvPr>
-            <p:ph type="sldNum" sz="quarter" idx="4"/>
-          </p:nvPr>
-        </p:nvSpPr>
-        <p:spPr>
-          <a:xfrm>
-            <a:off x="6553200" y="6356350"/>
-            <a:ext cx="2133600" cy="365125"/>
-          </a:xfrm>
-          <a:prstGeom prst="rect">
-            <a:avLst/>
-          </a:prstGeom>
-        </p:spPr>
-        <p:txBody>
-          <a:bodyPr vert="horz" lIns="91440" tIns="45720" rIns="91440" bIns="45720" rtlCol="0" anchor="ctr"/>
-          <a:lstStyle>
-            <a:lvl1pPr algn="r">
-              <a:defRPr sz="1200">
-                <a:solidFill>
-                  <a:schemeClr val="tx1">
-                    <a:tint val="75000"/>
-                  </a:schemeClr>
-                </a:solidFill>
+                <a:effectLst>
+                  <a:outerShdw blurRad="50800" dist="38100" dir="2700000" algn="tl" rotWithShape="0">
+                    <a:schemeClr val="bg1">
+                      <a:alpha val="43000"/>
+                    </a:schemeClr>
+                  </a:outerShdw>
+                </a:effectLst>
               </a:defRPr>
             </a:lvl1pPr>
           </a:lstStyle>
@@ -2838,23 +5488,29 @@
     </p:spTree>
     <p:extLst>
       <p:ext uri="{BB962C8B-B14F-4D97-AF65-F5344CB8AC3E}">
-        <p14:creationId xmlns:p14="http://schemas.microsoft.com/office/powerpoint/2010/main" val="2209977519"/>
+        <p14:creationId xmlns:p14="http://schemas.microsoft.com/office/powerpoint/2010/main" val="3198640320"/>
       </p:ext>
     </p:extLst>
   </p:cSld>
-  <p:clrMap bg1="lt1" tx1="dk1" bg2="lt2" tx2="dk2" accent1="accent1" accent2="accent2" accent3="accent3" accent4="accent4" accent5="accent5" accent6="accent6" hlink="hlink" folHlink="folHlink"/>
+  <p:clrMap bg1="dk1" tx1="lt1" bg2="dk2" tx2="lt2" accent1="accent1" accent2="accent2" accent3="accent3" accent4="accent4" accent5="accent5" accent6="accent6" hlink="hlink" folHlink="folHlink"/>
   <p:sldLayoutIdLst>
-    <p:sldLayoutId id="2147483649" r:id="rId1"/>
-    <p:sldLayoutId id="2147483650" r:id="rId2"/>
-    <p:sldLayoutId id="2147483651" r:id="rId3"/>
-    <p:sldLayoutId id="2147483652" r:id="rId4"/>
-    <p:sldLayoutId id="2147483653" r:id="rId5"/>
-    <p:sldLayoutId id="2147483654" r:id="rId6"/>
-    <p:sldLayoutId id="2147483655" r:id="rId7"/>
-    <p:sldLayoutId id="2147483656" r:id="rId8"/>
-    <p:sldLayoutId id="2147483657" r:id="rId9"/>
-    <p:sldLayoutId id="2147483658" r:id="rId10"/>
-    <p:sldLayoutId id="2147483659" r:id="rId11"/>
+    <p:sldLayoutId id="2147483661" r:id="rId1"/>
+    <p:sldLayoutId id="2147483662" r:id="rId2"/>
+    <p:sldLayoutId id="2147483663" r:id="rId3"/>
+    <p:sldLayoutId id="2147483664" r:id="rId4"/>
+    <p:sldLayoutId id="2147483665" r:id="rId5"/>
+    <p:sldLayoutId id="2147483666" r:id="rId6"/>
+    <p:sldLayoutId id="2147483667" r:id="rId7"/>
+    <p:sldLayoutId id="2147483668" r:id="rId8"/>
+    <p:sldLayoutId id="2147483669" r:id="rId9"/>
+    <p:sldLayoutId id="2147483670" r:id="rId10"/>
+    <p:sldLayoutId id="2147483671" r:id="rId11"/>
+    <p:sldLayoutId id="2147483672" r:id="rId12"/>
+    <p:sldLayoutId id="2147483673" r:id="rId13"/>
+    <p:sldLayoutId id="2147483674" r:id="rId14"/>
+    <p:sldLayoutId id="2147483675" r:id="rId15"/>
+    <p:sldLayoutId id="2147483676" r:id="rId16"/>
+    <p:sldLayoutId id="2147483677" r:id="rId17"/>
   </p:sldLayoutIdLst>
   <p:txStyles>
     <p:titleStyle>
@@ -2863,147 +5519,426 @@
           <a:spcPct val="0"/>
         </a:spcBef>
         <a:buNone/>
-        <a:defRPr sz="4400" kern="1200">
+        <a:defRPr sz="4000" kern="1200">
+          <a:ln>
+            <a:solidFill>
+              <a:schemeClr val="bg1">
+                <a:lumMod val="75000"/>
+                <a:lumOff val="25000"/>
+                <a:alpha val="10000"/>
+              </a:schemeClr>
+            </a:solidFill>
+          </a:ln>
           <a:solidFill>
-            <a:schemeClr val="tx1"/>
+            <a:schemeClr val="tx2"/>
           </a:solidFill>
+          <a:effectLst>
+            <a:outerShdw blurRad="9525" dist="25400" dir="14640000" algn="tl" rotWithShape="0">
+              <a:schemeClr val="bg1">
+                <a:alpha val="30000"/>
+              </a:schemeClr>
+            </a:outerShdw>
+          </a:effectLst>
           <a:latin typeface="+mj-lt"/>
           <a:ea typeface="+mj-ea"/>
-          <a:cs typeface="+mj-cs"/>
+          <a:cs typeface="Trebuchet MS"/>
         </a:defRPr>
       </a:lvl1pPr>
+      <a:lvl2pPr eaLnBrk="1" hangingPunct="1">
+        <a:defRPr>
+          <a:solidFill>
+            <a:schemeClr val="tx2"/>
+          </a:solidFill>
+        </a:defRPr>
+      </a:lvl2pPr>
+      <a:lvl3pPr eaLnBrk="1" hangingPunct="1">
+        <a:defRPr>
+          <a:solidFill>
+            <a:schemeClr val="tx2"/>
+          </a:solidFill>
+        </a:defRPr>
+      </a:lvl3pPr>
+      <a:lvl4pPr eaLnBrk="1" hangingPunct="1">
+        <a:defRPr>
+          <a:solidFill>
+            <a:schemeClr val="tx2"/>
+          </a:solidFill>
+        </a:defRPr>
+      </a:lvl4pPr>
+      <a:lvl5pPr eaLnBrk="1" hangingPunct="1">
+        <a:defRPr>
+          <a:solidFill>
+            <a:schemeClr val="tx2"/>
+          </a:solidFill>
+        </a:defRPr>
+      </a:lvl5pPr>
+      <a:lvl6pPr eaLnBrk="1" hangingPunct="1">
+        <a:defRPr>
+          <a:solidFill>
+            <a:schemeClr val="tx2"/>
+          </a:solidFill>
+        </a:defRPr>
+      </a:lvl6pPr>
+      <a:lvl7pPr eaLnBrk="1" hangingPunct="1">
+        <a:defRPr>
+          <a:solidFill>
+            <a:schemeClr val="tx2"/>
+          </a:solidFill>
+        </a:defRPr>
+      </a:lvl7pPr>
+      <a:lvl8pPr eaLnBrk="1" hangingPunct="1">
+        <a:defRPr>
+          <a:solidFill>
+            <a:schemeClr val="tx2"/>
+          </a:solidFill>
+        </a:defRPr>
+      </a:lvl8pPr>
+      <a:lvl9pPr eaLnBrk="1" hangingPunct="1">
+        <a:defRPr>
+          <a:solidFill>
+            <a:schemeClr val="tx2"/>
+          </a:solidFill>
+        </a:defRPr>
+      </a:lvl9pPr>
     </p:titleStyle>
     <p:bodyStyle>
-      <a:lvl1pPr marL="342900" indent="-342900" algn="l" defTabSz="457200" rtl="0" eaLnBrk="1" latinLnBrk="0" hangingPunct="1">
+      <a:lvl1pPr marL="342900" indent="-306000" algn="l" defTabSz="457200" rtl="0" eaLnBrk="1" latinLnBrk="0" hangingPunct="1">
         <a:spcBef>
           <a:spcPct val="20000"/>
         </a:spcBef>
-        <a:buFont typeface="Arial"/>
-        <a:buChar char="•"/>
-        <a:defRPr sz="3200" kern="1200">
+        <a:spcAft>
+          <a:spcPts val="600"/>
+        </a:spcAft>
+        <a:buClr>
+          <a:schemeClr val="tx2"/>
+        </a:buClr>
+        <a:buSzPct val="70000"/>
+        <a:buFont typeface="Wingdings 2" charset="2"/>
+        <a:buChar char=""/>
+        <a:defRPr sz="2000" kern="1200">
+          <a:ln>
+            <a:solidFill>
+              <a:schemeClr val="bg1">
+                <a:lumMod val="75000"/>
+                <a:lumOff val="25000"/>
+                <a:alpha val="10000"/>
+              </a:schemeClr>
+            </a:solidFill>
+          </a:ln>
           <a:solidFill>
-            <a:schemeClr val="tx1"/>
+            <a:schemeClr val="tx2"/>
           </a:solidFill>
+          <a:effectLst>
+            <a:outerShdw blurRad="9525" dist="25400" dir="14640000" algn="tl" rotWithShape="0">
+              <a:schemeClr val="bg1">
+                <a:alpha val="30000"/>
+              </a:schemeClr>
+            </a:outerShdw>
+          </a:effectLst>
           <a:latin typeface="+mn-lt"/>
           <a:ea typeface="+mn-ea"/>
           <a:cs typeface="+mn-cs"/>
         </a:defRPr>
       </a:lvl1pPr>
-      <a:lvl2pPr marL="742950" indent="-285750" algn="l" defTabSz="457200" rtl="0" eaLnBrk="1" latinLnBrk="0" hangingPunct="1">
+      <a:lvl2pPr marL="720000" indent="-270000" algn="l" defTabSz="457200" rtl="0" eaLnBrk="1" latinLnBrk="0" hangingPunct="1">
         <a:spcBef>
           <a:spcPct val="20000"/>
         </a:spcBef>
-        <a:buFont typeface="Arial"/>
-        <a:buChar char="–"/>
-        <a:defRPr sz="2800" kern="1200">
+        <a:spcAft>
+          <a:spcPts val="600"/>
+        </a:spcAft>
+        <a:buClr>
+          <a:schemeClr val="tx2"/>
+        </a:buClr>
+        <a:buSzPct val="70000"/>
+        <a:buFont typeface="Wingdings 2" charset="2"/>
+        <a:buChar char=""/>
+        <a:defRPr sz="1800" kern="1200">
+          <a:ln>
+            <a:solidFill>
+              <a:schemeClr val="bg1">
+                <a:lumMod val="75000"/>
+                <a:lumOff val="25000"/>
+                <a:alpha val="10000"/>
+              </a:schemeClr>
+            </a:solidFill>
+          </a:ln>
           <a:solidFill>
-            <a:schemeClr val="tx1"/>
+            <a:schemeClr val="tx2"/>
           </a:solidFill>
+          <a:effectLst>
+            <a:outerShdw blurRad="9525" dist="25400" dir="14640000" algn="tl" rotWithShape="0">
+              <a:schemeClr val="bg1">
+                <a:alpha val="30000"/>
+              </a:schemeClr>
+            </a:outerShdw>
+          </a:effectLst>
           <a:latin typeface="+mn-lt"/>
           <a:ea typeface="+mn-ea"/>
           <a:cs typeface="+mn-cs"/>
         </a:defRPr>
       </a:lvl2pPr>
-      <a:lvl3pPr marL="1143000" indent="-228600" algn="l" defTabSz="457200" rtl="0" eaLnBrk="1" latinLnBrk="0" hangingPunct="1">
+      <a:lvl3pPr marL="1026000" indent="-216000" algn="l" defTabSz="457200" rtl="0" eaLnBrk="1" latinLnBrk="0" hangingPunct="1">
         <a:spcBef>
           <a:spcPct val="20000"/>
         </a:spcBef>
-        <a:buFont typeface="Arial"/>
-        <a:buChar char="•"/>
-        <a:defRPr sz="2400" kern="1200">
+        <a:spcAft>
+          <a:spcPts val="600"/>
+        </a:spcAft>
+        <a:buClr>
+          <a:schemeClr val="tx2"/>
+        </a:buClr>
+        <a:buSzPct val="70000"/>
+        <a:buFont typeface="Wingdings 2" charset="2"/>
+        <a:buChar char=""/>
+        <a:defRPr sz="1600" kern="1200">
+          <a:ln>
+            <a:solidFill>
+              <a:schemeClr val="bg1">
+                <a:lumMod val="75000"/>
+                <a:lumOff val="25000"/>
+                <a:alpha val="10000"/>
+              </a:schemeClr>
+            </a:solidFill>
+          </a:ln>
           <a:solidFill>
-            <a:schemeClr val="tx1"/>
+            <a:schemeClr val="tx2"/>
           </a:solidFill>
+          <a:effectLst>
+            <a:outerShdw blurRad="9525" dist="25400" dir="14640000" algn="tl" rotWithShape="0">
+              <a:schemeClr val="bg1">
+                <a:alpha val="30000"/>
+              </a:schemeClr>
+            </a:outerShdw>
+          </a:effectLst>
           <a:latin typeface="+mn-lt"/>
           <a:ea typeface="+mn-ea"/>
           <a:cs typeface="+mn-cs"/>
         </a:defRPr>
       </a:lvl3pPr>
-      <a:lvl4pPr marL="1600200" indent="-228600" algn="l" defTabSz="457200" rtl="0" eaLnBrk="1" latinLnBrk="0" hangingPunct="1">
+      <a:lvl4pPr marL="1386000" indent="-216000" algn="l" defTabSz="457200" rtl="0" eaLnBrk="1" latinLnBrk="0" hangingPunct="1">
         <a:spcBef>
           <a:spcPct val="20000"/>
         </a:spcBef>
-        <a:buFont typeface="Arial"/>
-        <a:buChar char="–"/>
-        <a:defRPr sz="2000" kern="1200">
+        <a:spcAft>
+          <a:spcPts val="600"/>
+        </a:spcAft>
+        <a:buClr>
+          <a:schemeClr val="tx2"/>
+        </a:buClr>
+        <a:buSzPct val="70000"/>
+        <a:buFont typeface="Wingdings 2" charset="2"/>
+        <a:buChar char=""/>
+        <a:defRPr sz="1400" kern="1200">
+          <a:ln>
+            <a:solidFill>
+              <a:schemeClr val="bg1">
+                <a:lumMod val="75000"/>
+                <a:lumOff val="25000"/>
+                <a:alpha val="10000"/>
+              </a:schemeClr>
+            </a:solidFill>
+          </a:ln>
           <a:solidFill>
-            <a:schemeClr val="tx1"/>
+            <a:schemeClr val="tx2"/>
           </a:solidFill>
+          <a:effectLst>
+            <a:outerShdw blurRad="9525" dist="25400" dir="14640000" algn="tl" rotWithShape="0">
+              <a:schemeClr val="bg1">
+                <a:alpha val="30000"/>
+              </a:schemeClr>
+            </a:outerShdw>
+          </a:effectLst>
           <a:latin typeface="+mn-lt"/>
           <a:ea typeface="+mn-ea"/>
           <a:cs typeface="+mn-cs"/>
         </a:defRPr>
       </a:lvl4pPr>
-      <a:lvl5pPr marL="2057400" indent="-228600" algn="l" defTabSz="457200" rtl="0" eaLnBrk="1" latinLnBrk="0" hangingPunct="1">
+      <a:lvl5pPr marL="1674000" indent="-216000" algn="l" defTabSz="457200" rtl="0" eaLnBrk="1" latinLnBrk="0" hangingPunct="1">
         <a:spcBef>
           <a:spcPct val="20000"/>
         </a:spcBef>
-        <a:buFont typeface="Arial"/>
-        <a:buChar char="»"/>
-        <a:defRPr sz="2000" kern="1200">
+        <a:spcAft>
+          <a:spcPts val="600"/>
+        </a:spcAft>
+        <a:buClr>
+          <a:schemeClr val="tx2"/>
+        </a:buClr>
+        <a:buSzPct val="70000"/>
+        <a:buFont typeface="Wingdings 2" charset="2"/>
+        <a:buChar char=""/>
+        <a:defRPr sz="1400" kern="1200">
+          <a:ln>
+            <a:solidFill>
+              <a:schemeClr val="bg1">
+                <a:lumMod val="75000"/>
+                <a:lumOff val="25000"/>
+                <a:alpha val="10000"/>
+              </a:schemeClr>
+            </a:solidFill>
+          </a:ln>
           <a:solidFill>
-            <a:schemeClr val="tx1"/>
+            <a:schemeClr val="tx2"/>
           </a:solidFill>
+          <a:effectLst>
+            <a:outerShdw blurRad="9525" dist="25400" dir="14640000" algn="tl" rotWithShape="0">
+              <a:schemeClr val="bg1">
+                <a:alpha val="30000"/>
+              </a:schemeClr>
+            </a:outerShdw>
+          </a:effectLst>
           <a:latin typeface="+mn-lt"/>
           <a:ea typeface="+mn-ea"/>
           <a:cs typeface="+mn-cs"/>
         </a:defRPr>
       </a:lvl5pPr>
-      <a:lvl6pPr marL="2514600" indent="-228600" algn="l" defTabSz="457200" rtl="0" eaLnBrk="1" latinLnBrk="0" hangingPunct="1">
+      <a:lvl6pPr marL="2014600" indent="-228600" algn="l" defTabSz="457200" rtl="0" eaLnBrk="1" latinLnBrk="0" hangingPunct="1">
         <a:spcBef>
           <a:spcPct val="20000"/>
         </a:spcBef>
-        <a:buFont typeface="Arial"/>
-        <a:buChar char="•"/>
-        <a:defRPr sz="2000" kern="1200">
+        <a:spcAft>
+          <a:spcPts val="600"/>
+        </a:spcAft>
+        <a:buClr>
+          <a:schemeClr val="tx2"/>
+        </a:buClr>
+        <a:buSzPct val="70000"/>
+        <a:buFont typeface="Wingdings 2" charset="2"/>
+        <a:buChar char=""/>
+        <a:defRPr sz="1400" kern="1200">
+          <a:ln>
+            <a:solidFill>
+              <a:schemeClr val="bg1">
+                <a:lumMod val="75000"/>
+                <a:lumOff val="25000"/>
+                <a:alpha val="10000"/>
+              </a:schemeClr>
+            </a:solidFill>
+          </a:ln>
           <a:solidFill>
-            <a:schemeClr val="tx1"/>
+            <a:schemeClr val="tx2"/>
           </a:solidFill>
+          <a:effectLst>
+            <a:outerShdw blurRad="9525" dist="25400" dir="14640000" algn="tl" rotWithShape="0">
+              <a:schemeClr val="bg1">
+                <a:alpha val="30000"/>
+              </a:schemeClr>
+            </a:outerShdw>
+          </a:effectLst>
           <a:latin typeface="+mn-lt"/>
           <a:ea typeface="+mn-ea"/>
           <a:cs typeface="+mn-cs"/>
         </a:defRPr>
       </a:lvl6pPr>
-      <a:lvl7pPr marL="2971800" indent="-228600" algn="l" defTabSz="457200" rtl="0" eaLnBrk="1" latinLnBrk="0" hangingPunct="1">
+      <a:lvl7pPr marL="2401800" indent="-228600" algn="l" defTabSz="457200" rtl="0" eaLnBrk="1" latinLnBrk="0" hangingPunct="1">
         <a:spcBef>
           <a:spcPct val="20000"/>
         </a:spcBef>
-        <a:buFont typeface="Arial"/>
-        <a:buChar char="•"/>
-        <a:defRPr sz="2000" kern="1200">
+        <a:spcAft>
+          <a:spcPts val="600"/>
+        </a:spcAft>
+        <a:buClr>
+          <a:schemeClr val="tx2"/>
+        </a:buClr>
+        <a:buSzPct val="70000"/>
+        <a:buFont typeface="Wingdings 2" charset="2"/>
+        <a:buChar char=""/>
+        <a:defRPr sz="1400" kern="1200">
+          <a:ln>
+            <a:solidFill>
+              <a:schemeClr val="bg1">
+                <a:lumMod val="75000"/>
+                <a:lumOff val="25000"/>
+                <a:alpha val="10000"/>
+              </a:schemeClr>
+            </a:solidFill>
+          </a:ln>
           <a:solidFill>
-            <a:schemeClr val="tx1"/>
+            <a:schemeClr val="tx2"/>
           </a:solidFill>
+          <a:effectLst>
+            <a:outerShdw blurRad="9525" dist="25400" dir="14640000" algn="tl" rotWithShape="0">
+              <a:schemeClr val="bg1">
+                <a:alpha val="30000"/>
+              </a:schemeClr>
+            </a:outerShdw>
+          </a:effectLst>
           <a:latin typeface="+mn-lt"/>
           <a:ea typeface="+mn-ea"/>
           <a:cs typeface="+mn-cs"/>
         </a:defRPr>
       </a:lvl7pPr>
-      <a:lvl8pPr marL="3429000" indent="-228600" algn="l" defTabSz="457200" rtl="0" eaLnBrk="1" latinLnBrk="0" hangingPunct="1">
+      <a:lvl8pPr marL="2789000" indent="-228600" algn="l" defTabSz="457200" rtl="0" eaLnBrk="1" latinLnBrk="0" hangingPunct="1">
         <a:spcBef>
           <a:spcPct val="20000"/>
         </a:spcBef>
-        <a:buFont typeface="Arial"/>
-        <a:buChar char="•"/>
-        <a:defRPr sz="2000" kern="1200">
+        <a:spcAft>
+          <a:spcPts val="600"/>
+        </a:spcAft>
+        <a:buClr>
+          <a:schemeClr val="tx2"/>
+        </a:buClr>
+        <a:buSzPct val="70000"/>
+        <a:buFont typeface="Wingdings 2" charset="2"/>
+        <a:buChar char=""/>
+        <a:defRPr sz="1400" kern="1200">
+          <a:ln>
+            <a:solidFill>
+              <a:schemeClr val="bg1">
+                <a:lumMod val="75000"/>
+                <a:lumOff val="25000"/>
+                <a:alpha val="10000"/>
+              </a:schemeClr>
+            </a:solidFill>
+          </a:ln>
           <a:solidFill>
-            <a:schemeClr val="tx1"/>
+            <a:schemeClr val="tx2"/>
           </a:solidFill>
+          <a:effectLst>
+            <a:outerShdw blurRad="9525" dist="25400" dir="14640000" algn="tl" rotWithShape="0">
+              <a:schemeClr val="bg1">
+                <a:alpha val="30000"/>
+              </a:schemeClr>
+            </a:outerShdw>
+          </a:effectLst>
           <a:latin typeface="+mn-lt"/>
           <a:ea typeface="+mn-ea"/>
           <a:cs typeface="+mn-cs"/>
         </a:defRPr>
       </a:lvl8pPr>
-      <a:lvl9pPr marL="3886200" indent="-228600" algn="l" defTabSz="457200" rtl="0" eaLnBrk="1" latinLnBrk="0" hangingPunct="1">
+      <a:lvl9pPr marL="3106200" indent="-228600" algn="l" defTabSz="457200" rtl="0" eaLnBrk="1" latinLnBrk="0" hangingPunct="1">
         <a:spcBef>
           <a:spcPct val="20000"/>
         </a:spcBef>
-        <a:buFont typeface="Arial"/>
-        <a:buChar char="•"/>
-        <a:defRPr sz="2000" kern="1200">
+        <a:spcAft>
+          <a:spcPts val="600"/>
+        </a:spcAft>
+        <a:buClr>
+          <a:schemeClr val="tx2"/>
+        </a:buClr>
+        <a:buSzPct val="70000"/>
+        <a:buFont typeface="Wingdings 2" charset="2"/>
+        <a:buChar char=""/>
+        <a:defRPr sz="1400" kern="1200">
+          <a:ln>
+            <a:solidFill>
+              <a:schemeClr val="bg1">
+                <a:lumMod val="75000"/>
+                <a:lumOff val="25000"/>
+                <a:alpha val="10000"/>
+              </a:schemeClr>
+            </a:solidFill>
+          </a:ln>
           <a:solidFill>
-            <a:schemeClr val="tx1"/>
+            <a:schemeClr val="tx2"/>
           </a:solidFill>
+          <a:effectLst>
+            <a:outerShdw blurRad="9525" dist="25400" dir="14640000" algn="tl" rotWithShape="0">
+              <a:schemeClr val="bg1">
+                <a:alpha val="30000"/>
+              </a:schemeClr>
+            </a:outerShdw>
+          </a:effectLst>
           <a:latin typeface="+mn-lt"/>
           <a:ea typeface="+mn-ea"/>
           <a:cs typeface="+mn-cs"/>
@@ -3110,7 +6045,7 @@
 </file>
 
 <file path=ppt/slides/slide1.xml><?xml version="1.0" encoding="utf-8"?>
-<p:sld xmlns:a="http://schemas.openxmlformats.org/drawingml/2006/main" xmlns:p="http://schemas.openxmlformats.org/presentationml/2006/main" xmlns:r="http://schemas.openxmlformats.org/officeDocument/2006/relationships">
+<p:sld xmlns:a="http://schemas.openxmlformats.org/drawingml/2006/main" xmlns:r="http://schemas.openxmlformats.org/officeDocument/2006/relationships" xmlns:p="http://schemas.openxmlformats.org/presentationml/2006/main">
   <p:cSld>
     <p:spTree>
       <p:nvGrpSpPr>
@@ -3118,7 +6053,14 @@
         <p:cNvGrpSpPr/>
         <p:nvPr/>
       </p:nvGrpSpPr>
-      <p:grpSpPr/>
+      <p:grpSpPr>
+        <a:xfrm>
+          <a:off x="0" y="0"/>
+          <a:ext cx="0" cy="0"/>
+          <a:chOff x="0" y="0"/>
+          <a:chExt cx="0" cy="0"/>
+        </a:xfrm>
+      </p:grpSpPr>
       <p:sp>
         <p:nvSpPr>
           <p:cNvPr id="2" name="Title 1"/>
@@ -3170,7 +6112,7 @@
 </file>
 
 <file path=ppt/slides/slide10.xml><?xml version="1.0" encoding="utf-8"?>
-<p:sld xmlns:a="http://schemas.openxmlformats.org/drawingml/2006/main" xmlns:p="http://schemas.openxmlformats.org/presentationml/2006/main" xmlns:r="http://schemas.openxmlformats.org/officeDocument/2006/relationships">
+<p:sld xmlns:a="http://schemas.openxmlformats.org/drawingml/2006/main" xmlns:r="http://schemas.openxmlformats.org/officeDocument/2006/relationships" xmlns:p="http://schemas.openxmlformats.org/presentationml/2006/main">
   <p:cSld>
     <p:spTree>
       <p:nvGrpSpPr>
@@ -3178,7 +6120,14 @@
         <p:cNvGrpSpPr/>
         <p:nvPr/>
       </p:nvGrpSpPr>
-      <p:grpSpPr/>
+      <p:grpSpPr>
+        <a:xfrm>
+          <a:off x="0" y="0"/>
+          <a:ext cx="0" cy="0"/>
+          <a:chOff x="0" y="0"/>
+          <a:chExt cx="0" cy="0"/>
+        </a:xfrm>
+      </p:grpSpPr>
       <p:sp>
         <p:nvSpPr>
           <p:cNvPr id="2" name="Title 1"/>
@@ -3214,7 +6163,9 @@
         <p:txBody>
           <a:bodyPr/>
           <a:lstStyle/>
-          <a:p/>
+          <a:p>
+            <a:endParaRPr/>
+          </a:p>
           <a:p>
             <a:r>
               <a:t>- A list is an ordered collection of items.</a:t>
@@ -3235,7 +6186,9 @@
               <a:t>- Created using square brackets: [1, 2, 3]</a:t>
             </a:r>
           </a:p>
-          <a:p/>
+          <a:p>
+            <a:endParaRPr/>
+          </a:p>
         </p:txBody>
       </p:sp>
     </p:spTree>
@@ -3247,7 +6200,7 @@
 </file>
 
 <file path=ppt/slides/slide11.xml><?xml version="1.0" encoding="utf-8"?>
-<p:sld xmlns:a="http://schemas.openxmlformats.org/drawingml/2006/main" xmlns:p="http://schemas.openxmlformats.org/presentationml/2006/main" xmlns:r="http://schemas.openxmlformats.org/officeDocument/2006/relationships">
+<p:sld xmlns:a="http://schemas.openxmlformats.org/drawingml/2006/main" xmlns:r="http://schemas.openxmlformats.org/officeDocument/2006/relationships" xmlns:p="http://schemas.openxmlformats.org/presentationml/2006/main">
   <p:cSld>
     <p:spTree>
       <p:nvGrpSpPr>
@@ -3255,7 +6208,14 @@
         <p:cNvGrpSpPr/>
         <p:nvPr/>
       </p:nvGrpSpPr>
-      <p:grpSpPr/>
+      <p:grpSpPr>
+        <a:xfrm>
+          <a:off x="0" y="0"/>
+          <a:ext cx="0" cy="0"/>
+          <a:chOff x="0" y="0"/>
+          <a:chExt cx="0" cy="0"/>
+        </a:xfrm>
+      </p:grpSpPr>
       <p:sp>
         <p:nvSpPr>
           <p:cNvPr id="2" name="Title 1"/>
@@ -3291,7 +6251,9 @@
         <p:txBody>
           <a:bodyPr/>
           <a:lstStyle/>
-          <a:p/>
+          <a:p>
+            <a:endParaRPr/>
+          </a:p>
           <a:p>
             <a:r>
               <a:t>- An empty list: empty_list = []</a:t>
@@ -3312,7 +6274,9 @@
               <a:t>- A mixed list: mixed_list = [1, "apple", 3.14, True]</a:t>
             </a:r>
           </a:p>
-          <a:p/>
+          <a:p>
+            <a:endParaRPr/>
+          </a:p>
         </p:txBody>
       </p:sp>
     </p:spTree>
@@ -3324,7 +6288,7 @@
 </file>
 
 <file path=ppt/slides/slide12.xml><?xml version="1.0" encoding="utf-8"?>
-<p:sld xmlns:a="http://schemas.openxmlformats.org/drawingml/2006/main" xmlns:p="http://schemas.openxmlformats.org/presentationml/2006/main" xmlns:r="http://schemas.openxmlformats.org/officeDocument/2006/relationships">
+<p:sld xmlns:a="http://schemas.openxmlformats.org/drawingml/2006/main" xmlns:r="http://schemas.openxmlformats.org/officeDocument/2006/relationships" xmlns:p="http://schemas.openxmlformats.org/presentationml/2006/main">
   <p:cSld>
     <p:spTree>
       <p:nvGrpSpPr>
@@ -3332,7 +6296,14 @@
         <p:cNvGrpSpPr/>
         <p:nvPr/>
       </p:nvGrpSpPr>
-      <p:grpSpPr/>
+      <p:grpSpPr>
+        <a:xfrm>
+          <a:off x="0" y="0"/>
+          <a:ext cx="0" cy="0"/>
+          <a:chOff x="0" y="0"/>
+          <a:chExt cx="0" cy="0"/>
+        </a:xfrm>
+      </p:grpSpPr>
       <p:sp>
         <p:nvSpPr>
           <p:cNvPr id="2" name="Title 1"/>
@@ -3368,7 +6339,9 @@
         <p:txBody>
           <a:bodyPr/>
           <a:lstStyle/>
-          <a:p/>
+          <a:p>
+            <a:endParaRPr/>
+          </a:p>
           <a:p>
             <a:r>
               <a:t>- Zero-based indexing</a:t>
@@ -3384,7 +6357,9 @@
               <a:t>- Accessing the last element: my_list[-1]</a:t>
             </a:r>
           </a:p>
-          <a:p/>
+          <a:p>
+            <a:endParaRPr/>
+          </a:p>
         </p:txBody>
       </p:sp>
     </p:spTree>
@@ -3396,7 +6371,7 @@
 </file>
 
 <file path=ppt/slides/slide13.xml><?xml version="1.0" encoding="utf-8"?>
-<p:sld xmlns:a="http://schemas.openxmlformats.org/drawingml/2006/main" xmlns:p="http://schemas.openxmlformats.org/presentationml/2006/main" xmlns:r="http://schemas.openxmlformats.org/officeDocument/2006/relationships">
+<p:sld xmlns:a="http://schemas.openxmlformats.org/drawingml/2006/main" xmlns:r="http://schemas.openxmlformats.org/officeDocument/2006/relationships" xmlns:p="http://schemas.openxmlformats.org/presentationml/2006/main">
   <p:cSld>
     <p:spTree>
       <p:nvGrpSpPr>
@@ -3404,7 +6379,14 @@
         <p:cNvGrpSpPr/>
         <p:nvPr/>
       </p:nvGrpSpPr>
-      <p:grpSpPr/>
+      <p:grpSpPr>
+        <a:xfrm>
+          <a:off x="0" y="0"/>
+          <a:ext cx="0" cy="0"/>
+          <a:chOff x="0" y="0"/>
+          <a:chExt cx="0" cy="0"/>
+        </a:xfrm>
+      </p:grpSpPr>
       <p:sp>
         <p:nvSpPr>
           <p:cNvPr id="2" name="Title 1"/>
@@ -3440,13 +6422,17 @@
         <p:txBody>
           <a:bodyPr/>
           <a:lstStyle/>
-          <a:p/>
+          <a:p>
+            <a:endParaRPr/>
+          </a:p>
           <a:p>
             <a:r>
               <a:t>- Modify an element by assigning a new value: my_list[1] = "blueberry"</a:t>
             </a:r>
           </a:p>
-          <a:p/>
+          <a:p>
+            <a:endParaRPr/>
+          </a:p>
         </p:txBody>
       </p:sp>
     </p:spTree>
@@ -3458,7 +6444,7 @@
 </file>
 
 <file path=ppt/slides/slide14.xml><?xml version="1.0" encoding="utf-8"?>
-<p:sld xmlns:a="http://schemas.openxmlformats.org/drawingml/2006/main" xmlns:p="http://schemas.openxmlformats.org/presentationml/2006/main" xmlns:r="http://schemas.openxmlformats.org/officeDocument/2006/relationships">
+<p:sld xmlns:a="http://schemas.openxmlformats.org/drawingml/2006/main" xmlns:r="http://schemas.openxmlformats.org/officeDocument/2006/relationships" xmlns:p="http://schemas.openxmlformats.org/presentationml/2006/main">
   <p:cSld>
     <p:spTree>
       <p:nvGrpSpPr>
@@ -3466,7 +6452,14 @@
         <p:cNvGrpSpPr/>
         <p:nvPr/>
       </p:nvGrpSpPr>
-      <p:grpSpPr/>
+      <p:grpSpPr>
+        <a:xfrm>
+          <a:off x="0" y="0"/>
+          <a:ext cx="0" cy="0"/>
+          <a:chOff x="0" y="0"/>
+          <a:chExt cx="0" cy="0"/>
+        </a:xfrm>
+      </p:grpSpPr>
       <p:sp>
         <p:nvSpPr>
           <p:cNvPr id="2" name="Title 1"/>
@@ -3502,7 +6495,9 @@
         <p:txBody>
           <a:bodyPr/>
           <a:lstStyle/>
-          <a:p/>
+          <a:p>
+            <a:endParaRPr/>
+          </a:p>
           <a:p>
             <a:r>
               <a:t>- Append: my_list.append("cherry")</a:t>
@@ -3518,7 +6513,9 @@
               <a:t>- Extend: my_list.extend(["date", "elderberry"])</a:t>
             </a:r>
           </a:p>
-          <a:p/>
+          <a:p>
+            <a:endParaRPr/>
+          </a:p>
         </p:txBody>
       </p:sp>
     </p:spTree>
@@ -3530,7 +6527,7 @@
 </file>
 
 <file path=ppt/slides/slide15.xml><?xml version="1.0" encoding="utf-8"?>
-<p:sld xmlns:a="http://schemas.openxmlformats.org/drawingml/2006/main" xmlns:p="http://schemas.openxmlformats.org/presentationml/2006/main" xmlns:r="http://schemas.openxmlformats.org/officeDocument/2006/relationships">
+<p:sld xmlns:a="http://schemas.openxmlformats.org/drawingml/2006/main" xmlns:r="http://schemas.openxmlformats.org/officeDocument/2006/relationships" xmlns:p="http://schemas.openxmlformats.org/presentationml/2006/main">
   <p:cSld>
     <p:spTree>
       <p:nvGrpSpPr>
@@ -3538,7 +6535,14 @@
         <p:cNvGrpSpPr/>
         <p:nvPr/>
       </p:nvGrpSpPr>
-      <p:grpSpPr/>
+      <p:grpSpPr>
+        <a:xfrm>
+          <a:off x="0" y="0"/>
+          <a:ext cx="0" cy="0"/>
+          <a:chOff x="0" y="0"/>
+          <a:chExt cx="0" cy="0"/>
+        </a:xfrm>
+      </p:grpSpPr>
       <p:sp>
         <p:nvSpPr>
           <p:cNvPr id="2" name="Title 1"/>
@@ -3574,7 +6578,9 @@
         <p:txBody>
           <a:bodyPr/>
           <a:lstStyle/>
-          <a:p/>
+          <a:p>
+            <a:endParaRPr/>
+          </a:p>
           <a:p>
             <a:r>
               <a:t>- Remove by value: my_list.remove("banana")</a:t>
@@ -3590,7 +6596,9 @@
               <a:t>- Delete by index: del my_list[0]</a:t>
             </a:r>
           </a:p>
-          <a:p/>
+          <a:p>
+            <a:endParaRPr/>
+          </a:p>
         </p:txBody>
       </p:sp>
     </p:spTree>
@@ -3602,7 +6610,7 @@
 </file>
 
 <file path=ppt/slides/slide16.xml><?xml version="1.0" encoding="utf-8"?>
-<p:sld xmlns:a="http://schemas.openxmlformats.org/drawingml/2006/main" xmlns:p="http://schemas.openxmlformats.org/presentationml/2006/main" xmlns:r="http://schemas.openxmlformats.org/officeDocument/2006/relationships">
+<p:sld xmlns:a="http://schemas.openxmlformats.org/drawingml/2006/main" xmlns:r="http://schemas.openxmlformats.org/officeDocument/2006/relationships" xmlns:p="http://schemas.openxmlformats.org/presentationml/2006/main">
   <p:cSld>
     <p:spTree>
       <p:nvGrpSpPr>
@@ -3610,7 +6618,14 @@
         <p:cNvGrpSpPr/>
         <p:nvPr/>
       </p:nvGrpSpPr>
-      <p:grpSpPr/>
+      <p:grpSpPr>
+        <a:xfrm>
+          <a:off x="0" y="0"/>
+          <a:ext cx="0" cy="0"/>
+          <a:chOff x="0" y="0"/>
+          <a:chExt cx="0" cy="0"/>
+        </a:xfrm>
+      </p:grpSpPr>
       <p:sp>
         <p:nvSpPr>
           <p:cNvPr id="2" name="Title 1"/>
@@ -3646,7 +6661,9 @@
         <p:txBody>
           <a:bodyPr/>
           <a:lstStyle/>
-          <a:p/>
+          <a:p>
+            <a:endParaRPr/>
+          </a:p>
           <a:p>
             <a:r>
               <a:t>- Access a subset of a list: my_list[1:3]</a:t>
@@ -3657,7 +6674,9 @@
               <a:t>- Slicing with a step: my_list[0:4:2]</a:t>
             </a:r>
           </a:p>
-          <a:p/>
+          <a:p>
+            <a:endParaRPr/>
+          </a:p>
         </p:txBody>
       </p:sp>
     </p:spTree>
@@ -3669,7 +6688,7 @@
 </file>
 
 <file path=ppt/slides/slide17.xml><?xml version="1.0" encoding="utf-8"?>
-<p:sld xmlns:a="http://schemas.openxmlformats.org/drawingml/2006/main" xmlns:p="http://schemas.openxmlformats.org/presentationml/2006/main" xmlns:r="http://schemas.openxmlformats.org/officeDocument/2006/relationships">
+<p:sld xmlns:a="http://schemas.openxmlformats.org/drawingml/2006/main" xmlns:r="http://schemas.openxmlformats.org/officeDocument/2006/relationships" xmlns:p="http://schemas.openxmlformats.org/presentationml/2006/main">
   <p:cSld>
     <p:spTree>
       <p:nvGrpSpPr>
@@ -3677,7 +6696,14 @@
         <p:cNvGrpSpPr/>
         <p:nvPr/>
       </p:nvGrpSpPr>
-      <p:grpSpPr/>
+      <p:grpSpPr>
+        <a:xfrm>
+          <a:off x="0" y="0"/>
+          <a:ext cx="0" cy="0"/>
+          <a:chOff x="0" y="0"/>
+          <a:chExt cx="0" cy="0"/>
+        </a:xfrm>
+      </p:grpSpPr>
       <p:sp>
         <p:nvSpPr>
           <p:cNvPr id="2" name="Title 1"/>
@@ -3713,7 +6739,9 @@
         <p:txBody>
           <a:bodyPr/>
           <a:lstStyle/>
-          <a:p/>
+          <a:p>
+            <a:endParaRPr/>
+          </a:p>
           <a:p>
             <a:r>
               <a:t>- Create lists concisely</a:t>
@@ -3724,7 +6752,9 @@
               <a:t>- Example: squares = [x**2 for x in range(5)]</a:t>
             </a:r>
           </a:p>
-          <a:p/>
+          <a:p>
+            <a:endParaRPr/>
+          </a:p>
         </p:txBody>
       </p:sp>
     </p:spTree>
@@ -3736,7 +6766,7 @@
 </file>
 
 <file path=ppt/slides/slide18.xml><?xml version="1.0" encoding="utf-8"?>
-<p:sld xmlns:a="http://schemas.openxmlformats.org/drawingml/2006/main" xmlns:p="http://schemas.openxmlformats.org/presentationml/2006/main" xmlns:r="http://schemas.openxmlformats.org/officeDocument/2006/relationships">
+<p:sld xmlns:a="http://schemas.openxmlformats.org/drawingml/2006/main" xmlns:r="http://schemas.openxmlformats.org/officeDocument/2006/relationships" xmlns:p="http://schemas.openxmlformats.org/presentationml/2006/main">
   <p:cSld>
     <p:spTree>
       <p:nvGrpSpPr>
@@ -3744,7 +6774,14 @@
         <p:cNvGrpSpPr/>
         <p:nvPr/>
       </p:nvGrpSpPr>
-      <p:grpSpPr/>
+      <p:grpSpPr>
+        <a:xfrm>
+          <a:off x="0" y="0"/>
+          <a:ext cx="0" cy="0"/>
+          <a:chOff x="0" y="0"/>
+          <a:chExt cx="0" cy="0"/>
+        </a:xfrm>
+      </p:grpSpPr>
       <p:sp>
         <p:nvSpPr>
           <p:cNvPr id="2" name="Title 1"/>
@@ -3780,7 +6817,9 @@
         <p:txBody>
           <a:bodyPr/>
           <a:lstStyle/>
-          <a:p/>
+          <a:p>
+            <a:endParaRPr/>
+          </a:p>
           <a:p>
             <a:r>
               <a:t>- len(list)</a:t>
@@ -3806,7 +6845,9 @@
               <a:t>- list.count(value)</a:t>
             </a:r>
           </a:p>
-          <a:p/>
+          <a:p>
+            <a:endParaRPr/>
+          </a:p>
         </p:txBody>
       </p:sp>
     </p:spTree>
@@ -3818,7 +6859,7 @@
 </file>
 
 <file path=ppt/slides/slide19.xml><?xml version="1.0" encoding="utf-8"?>
-<p:sld xmlns:a="http://schemas.openxmlformats.org/drawingml/2006/main" xmlns:p="http://schemas.openxmlformats.org/presentationml/2006/main" xmlns:r="http://schemas.openxmlformats.org/officeDocument/2006/relationships">
+<p:sld xmlns:a="http://schemas.openxmlformats.org/drawingml/2006/main" xmlns:r="http://schemas.openxmlformats.org/officeDocument/2006/relationships" xmlns:p="http://schemas.openxmlformats.org/presentationml/2006/main">
   <p:cSld>
     <p:spTree>
       <p:nvGrpSpPr>
@@ -3826,7 +6867,14 @@
         <p:cNvGrpSpPr/>
         <p:nvPr/>
       </p:nvGrpSpPr>
-      <p:grpSpPr/>
+      <p:grpSpPr>
+        <a:xfrm>
+          <a:off x="0" y="0"/>
+          <a:ext cx="0" cy="0"/>
+          <a:chOff x="0" y="0"/>
+          <a:chExt cx="0" cy="0"/>
+        </a:xfrm>
+      </p:grpSpPr>
       <p:sp>
         <p:nvSpPr>
           <p:cNvPr id="2" name="Title 1"/>
@@ -3862,7 +6910,9 @@
         <p:txBody>
           <a:bodyPr/>
           <a:lstStyle/>
-          <a:p/>
+          <a:p>
+            <a:endParaRPr/>
+          </a:p>
           <a:p>
             <a:r>
               <a:t>- A tuple is an ordered collection of items.</a:t>
@@ -3883,7 +6933,9 @@
               <a:t>- Created using parentheses: (1, 2, 3)</a:t>
             </a:r>
           </a:p>
-          <a:p/>
+          <a:p>
+            <a:endParaRPr/>
+          </a:p>
         </p:txBody>
       </p:sp>
     </p:spTree>
@@ -3895,7 +6947,7 @@
 </file>
 
 <file path=ppt/slides/slide2.xml><?xml version="1.0" encoding="utf-8"?>
-<p:sld xmlns:a="http://schemas.openxmlformats.org/drawingml/2006/main" xmlns:p="http://schemas.openxmlformats.org/presentationml/2006/main" xmlns:r="http://schemas.openxmlformats.org/officeDocument/2006/relationships">
+<p:sld xmlns:a="http://schemas.openxmlformats.org/drawingml/2006/main" xmlns:r="http://schemas.openxmlformats.org/officeDocument/2006/relationships" xmlns:p="http://schemas.openxmlformats.org/presentationml/2006/main">
   <p:cSld>
     <p:spTree>
       <p:nvGrpSpPr>
@@ -3903,7 +6955,14 @@
         <p:cNvGrpSpPr/>
         <p:nvPr/>
       </p:nvGrpSpPr>
-      <p:grpSpPr/>
+      <p:grpSpPr>
+        <a:xfrm>
+          <a:off x="0" y="0"/>
+          <a:ext cx="0" cy="0"/>
+          <a:chOff x="0" y="0"/>
+          <a:chExt cx="0" cy="0"/>
+        </a:xfrm>
+      </p:grpSpPr>
       <p:sp>
         <p:nvSpPr>
           <p:cNvPr id="2" name="Title 1"/>
@@ -3939,7 +6998,9 @@
         <p:txBody>
           <a:bodyPr/>
           <a:lstStyle/>
-          <a:p/>
+          <a:p>
+            <a:endParaRPr/>
+          </a:p>
           <a:p>
             <a:r>
               <a:t>- A string is a sequence of characters.</a:t>
@@ -3960,7 +7021,9 @@
               <a:t>- Strings can be enclosed in single quotes (' '), double quotes (" "), or triple quotes (''' ''' or ).</a:t>
             </a:r>
           </a:p>
-          <a:p/>
+          <a:p>
+            <a:endParaRPr/>
+          </a:p>
         </p:txBody>
       </p:sp>
     </p:spTree>
@@ -3972,7 +7035,7 @@
 </file>
 
 <file path=ppt/slides/slide20.xml><?xml version="1.0" encoding="utf-8"?>
-<p:sld xmlns:a="http://schemas.openxmlformats.org/drawingml/2006/main" xmlns:p="http://schemas.openxmlformats.org/presentationml/2006/main" xmlns:r="http://schemas.openxmlformats.org/officeDocument/2006/relationships">
+<p:sld xmlns:a="http://schemas.openxmlformats.org/drawingml/2006/main" xmlns:r="http://schemas.openxmlformats.org/officeDocument/2006/relationships" xmlns:p="http://schemas.openxmlformats.org/presentationml/2006/main">
   <p:cSld>
     <p:spTree>
       <p:nvGrpSpPr>
@@ -3980,7 +7043,14 @@
         <p:cNvGrpSpPr/>
         <p:nvPr/>
       </p:nvGrpSpPr>
-      <p:grpSpPr/>
+      <p:grpSpPr>
+        <a:xfrm>
+          <a:off x="0" y="0"/>
+          <a:ext cx="0" cy="0"/>
+          <a:chOff x="0" y="0"/>
+          <a:chExt cx="0" cy="0"/>
+        </a:xfrm>
+      </p:grpSpPr>
       <p:sp>
         <p:nvSpPr>
           <p:cNvPr id="2" name="Title 1"/>
@@ -4016,7 +7086,9 @@
         <p:txBody>
           <a:bodyPr/>
           <a:lstStyle/>
-          <a:p/>
+          <a:p>
+            <a:endParaRPr/>
+          </a:p>
           <a:p>
             <a:r>
               <a:t>- An empty tuple: empty_tuple = ()</a:t>
@@ -4037,7 +7109,9 @@
               <a:t>- A mixed tuple: mixed_tuple = (1, "apple", 3.14, True)</a:t>
             </a:r>
           </a:p>
-          <a:p/>
+          <a:p>
+            <a:endParaRPr/>
+          </a:p>
         </p:txBody>
       </p:sp>
     </p:spTree>
@@ -4049,7 +7123,7 @@
 </file>
 
 <file path=ppt/slides/slide21.xml><?xml version="1.0" encoding="utf-8"?>
-<p:sld xmlns:a="http://schemas.openxmlformats.org/drawingml/2006/main" xmlns:p="http://schemas.openxmlformats.org/presentationml/2006/main" xmlns:r="http://schemas.openxmlformats.org/officeDocument/2006/relationships">
+<p:sld xmlns:a="http://schemas.openxmlformats.org/drawingml/2006/main" xmlns:r="http://schemas.openxmlformats.org/officeDocument/2006/relationships" xmlns:p="http://schemas.openxmlformats.org/presentationml/2006/main">
   <p:cSld>
     <p:spTree>
       <p:nvGrpSpPr>
@@ -4057,7 +7131,14 @@
         <p:cNvGrpSpPr/>
         <p:nvPr/>
       </p:nvGrpSpPr>
-      <p:grpSpPr/>
+      <p:grpSpPr>
+        <a:xfrm>
+          <a:off x="0" y="0"/>
+          <a:ext cx="0" cy="0"/>
+          <a:chOff x="0" y="0"/>
+          <a:chExt cx="0" cy="0"/>
+        </a:xfrm>
+      </p:grpSpPr>
       <p:sp>
         <p:nvSpPr>
           <p:cNvPr id="2" name="Title 1"/>
@@ -4093,7 +7174,9 @@
         <p:txBody>
           <a:bodyPr/>
           <a:lstStyle/>
-          <a:p/>
+          <a:p>
+            <a:endParaRPr/>
+          </a:p>
           <a:p>
             <a:r>
               <a:t>- Zero-based indexing</a:t>
@@ -4109,7 +7192,9 @@
               <a:t>- Accessing the last element: my_tuple[-1]</a:t>
             </a:r>
           </a:p>
-          <a:p/>
+          <a:p>
+            <a:endParaRPr/>
+          </a:p>
         </p:txBody>
       </p:sp>
     </p:spTree>
@@ -4121,7 +7206,7 @@
 </file>
 
 <file path=ppt/slides/slide22.xml><?xml version="1.0" encoding="utf-8"?>
-<p:sld xmlns:a="http://schemas.openxmlformats.org/drawingml/2006/main" xmlns:p="http://schemas.openxmlformats.org/presentationml/2006/main" xmlns:r="http://schemas.openxmlformats.org/officeDocument/2006/relationships">
+<p:sld xmlns:a="http://schemas.openxmlformats.org/drawingml/2006/main" xmlns:r="http://schemas.openxmlformats.org/officeDocument/2006/relationships" xmlns:p="http://schemas.openxmlformats.org/presentationml/2006/main">
   <p:cSld>
     <p:spTree>
       <p:nvGrpSpPr>
@@ -4129,7 +7214,14 @@
         <p:cNvGrpSpPr/>
         <p:nvPr/>
       </p:nvGrpSpPr>
-      <p:grpSpPr/>
+      <p:grpSpPr>
+        <a:xfrm>
+          <a:off x="0" y="0"/>
+          <a:ext cx="0" cy="0"/>
+          <a:chOff x="0" y="0"/>
+          <a:chExt cx="0" cy="0"/>
+        </a:xfrm>
+      </p:grpSpPr>
       <p:sp>
         <p:nvSpPr>
           <p:cNvPr id="2" name="Title 1"/>
@@ -4165,7 +7257,9 @@
         <p:txBody>
           <a:bodyPr/>
           <a:lstStyle/>
-          <a:p/>
+          <a:p>
+            <a:endParaRPr/>
+          </a:p>
           <a:p>
             <a:r>
               <a:t>- len(tuple)</a:t>
@@ -4181,7 +7275,9 @@
               <a:t>- tuple.count(value)</a:t>
             </a:r>
           </a:p>
-          <a:p/>
+          <a:p>
+            <a:endParaRPr/>
+          </a:p>
         </p:txBody>
       </p:sp>
     </p:spTree>
@@ -4193,7 +7289,7 @@
 </file>
 
 <file path=ppt/slides/slide23.xml><?xml version="1.0" encoding="utf-8"?>
-<p:sld xmlns:a="http://schemas.openxmlformats.org/drawingml/2006/main" xmlns:p="http://schemas.openxmlformats.org/presentationml/2006/main" xmlns:r="http://schemas.openxmlformats.org/officeDocument/2006/relationships">
+<p:sld xmlns:a="http://schemas.openxmlformats.org/drawingml/2006/main" xmlns:r="http://schemas.openxmlformats.org/officeDocument/2006/relationships" xmlns:p="http://schemas.openxmlformats.org/presentationml/2006/main">
   <p:cSld>
     <p:spTree>
       <p:nvGrpSpPr>
@@ -4201,7 +7297,14 @@
         <p:cNvGrpSpPr/>
         <p:nvPr/>
       </p:nvGrpSpPr>
-      <p:grpSpPr/>
+      <p:grpSpPr>
+        <a:xfrm>
+          <a:off x="0" y="0"/>
+          <a:ext cx="0" cy="0"/>
+          <a:chOff x="0" y="0"/>
+          <a:chExt cx="0" cy="0"/>
+        </a:xfrm>
+      </p:grpSpPr>
       <p:sp>
         <p:nvSpPr>
           <p:cNvPr id="2" name="Title 1"/>
@@ -4237,7 +7340,9 @@
         <p:txBody>
           <a:bodyPr/>
           <a:lstStyle/>
-          <a:p/>
+          <a:p>
+            <a:endParaRPr/>
+          </a:p>
           <a:p>
             <a:r>
               <a:t>- A dictionary is an unordered collection of key-value pairs.</a:t>
@@ -4258,7 +7363,9 @@
               <a:t>- Created using curly braces: {'key1': 'value1', 'key2': 'value2'}</a:t>
             </a:r>
           </a:p>
-          <a:p/>
+          <a:p>
+            <a:endParaRPr/>
+          </a:p>
         </p:txBody>
       </p:sp>
     </p:spTree>
@@ -4270,7 +7377,7 @@
 </file>
 
 <file path=ppt/slides/slide24.xml><?xml version="1.0" encoding="utf-8"?>
-<p:sld xmlns:a="http://schemas.openxmlformats.org/drawingml/2006/main" xmlns:p="http://schemas.openxmlformats.org/presentationml/2006/main" xmlns:r="http://schemas.openxmlformats.org/officeDocument/2006/relationships">
+<p:sld xmlns:a="http://schemas.openxmlformats.org/drawingml/2006/main" xmlns:r="http://schemas.openxmlformats.org/officeDocument/2006/relationships" xmlns:p="http://schemas.openxmlformats.org/presentationml/2006/main">
   <p:cSld>
     <p:spTree>
       <p:nvGrpSpPr>
@@ -4278,7 +7385,14 @@
         <p:cNvGrpSpPr/>
         <p:nvPr/>
       </p:nvGrpSpPr>
-      <p:grpSpPr/>
+      <p:grpSpPr>
+        <a:xfrm>
+          <a:off x="0" y="0"/>
+          <a:ext cx="0" cy="0"/>
+          <a:chOff x="0" y="0"/>
+          <a:chExt cx="0" cy="0"/>
+        </a:xfrm>
+      </p:grpSpPr>
       <p:sp>
         <p:nvSpPr>
           <p:cNvPr id="2" name="Title 1"/>
@@ -4314,7 +7428,9 @@
         <p:txBody>
           <a:bodyPr/>
           <a:lstStyle/>
-          <a:p/>
+          <a:p>
+            <a:endParaRPr/>
+          </a:p>
           <a:p>
             <a:r>
               <a:t>- An empty dictionary: empty_dict = {}</a:t>
@@ -4325,7 +7441,9 @@
               <a:t>- A dictionary with key-value pairs: my_dict = {'name': 'Alice', 'age': 25}</a:t>
             </a:r>
           </a:p>
-          <a:p/>
+          <a:p>
+            <a:endParaRPr/>
+          </a:p>
         </p:txBody>
       </p:sp>
     </p:spTree>
@@ -4337,7 +7455,7 @@
 </file>
 
 <file path=ppt/slides/slide25.xml><?xml version="1.0" encoding="utf-8"?>
-<p:sld xmlns:a="http://schemas.openxmlformats.org/drawingml/2006/main" xmlns:p="http://schemas.openxmlformats.org/presentationml/2006/main" xmlns:r="http://schemas.openxmlformats.org/officeDocument/2006/relationships">
+<p:sld xmlns:a="http://schemas.openxmlformats.org/drawingml/2006/main" xmlns:r="http://schemas.openxmlformats.org/officeDocument/2006/relationships" xmlns:p="http://schemas.openxmlformats.org/presentationml/2006/main">
   <p:cSld>
     <p:spTree>
       <p:nvGrpSpPr>
@@ -4345,7 +7463,14 @@
         <p:cNvGrpSpPr/>
         <p:nvPr/>
       </p:nvGrpSpPr>
-      <p:grpSpPr/>
+      <p:grpSpPr>
+        <a:xfrm>
+          <a:off x="0" y="0"/>
+          <a:ext cx="0" cy="0"/>
+          <a:chOff x="0" y="0"/>
+          <a:chExt cx="0" cy="0"/>
+        </a:xfrm>
+      </p:grpSpPr>
       <p:sp>
         <p:nvSpPr>
           <p:cNvPr id="2" name="Title 1"/>
@@ -4381,7 +7506,9 @@
         <p:txBody>
           <a:bodyPr/>
           <a:lstStyle/>
-          <a:p/>
+          <a:p>
+            <a:endParaRPr/>
+          </a:p>
           <a:p>
             <a:r>
               <a:t>- Access value by key: my_dict['name']</a:t>
@@ -4392,7 +7519,9 @@
               <a:t>- Using get() method: my_dict.get('name')</a:t>
             </a:r>
           </a:p>
-          <a:p/>
+          <a:p>
+            <a:endParaRPr/>
+          </a:p>
         </p:txBody>
       </p:sp>
     </p:spTree>
@@ -4404,7 +7533,7 @@
 </file>
 
 <file path=ppt/slides/slide26.xml><?xml version="1.0" encoding="utf-8"?>
-<p:sld xmlns:a="http://schemas.openxmlformats.org/drawingml/2006/main" xmlns:p="http://schemas.openxmlformats.org/presentationml/2006/main" xmlns:r="http://schemas.openxmlformats.org/officeDocument/2006/relationships">
+<p:sld xmlns:a="http://schemas.openxmlformats.org/drawingml/2006/main" xmlns:r="http://schemas.openxmlformats.org/officeDocument/2006/relationships" xmlns:p="http://schemas.openxmlformats.org/presentationml/2006/main">
   <p:cSld>
     <p:spTree>
       <p:nvGrpSpPr>
@@ -4412,7 +7541,14 @@
         <p:cNvGrpSpPr/>
         <p:nvPr/>
       </p:nvGrpSpPr>
-      <p:grpSpPr/>
+      <p:grpSpPr>
+        <a:xfrm>
+          <a:off x="0" y="0"/>
+          <a:ext cx="0" cy="0"/>
+          <a:chOff x="0" y="0"/>
+          <a:chExt cx="0" cy="0"/>
+        </a:xfrm>
+      </p:grpSpPr>
       <p:sp>
         <p:nvSpPr>
           <p:cNvPr id="2" name="Title 1"/>
@@ -4448,7 +7584,9 @@
         <p:txBody>
           <a:bodyPr/>
           <a:lstStyle/>
-          <a:p/>
+          <a:p>
+            <a:endParaRPr/>
+          </a:p>
           <a:p>
             <a:r>
               <a:t>- Change an existing value: my_dict['age'] = 26</a:t>
@@ -4459,7 +7597,9 @@
               <a:t>- Add a new key-value pair: my_dict['city'] = 'New York'</a:t>
             </a:r>
           </a:p>
-          <a:p/>
+          <a:p>
+            <a:endParaRPr/>
+          </a:p>
         </p:txBody>
       </p:sp>
     </p:spTree>
@@ -4471,7 +7611,7 @@
 </file>
 
 <file path=ppt/slides/slide27.xml><?xml version="1.0" encoding="utf-8"?>
-<p:sld xmlns:a="http://schemas.openxmlformats.org/drawingml/2006/main" xmlns:p="http://schemas.openxmlformats.org/presentationml/2006/main" xmlns:r="http://schemas.openxmlformats.org/officeDocument/2006/relationships">
+<p:sld xmlns:a="http://schemas.openxmlformats.org/drawingml/2006/main" xmlns:r="http://schemas.openxmlformats.org/officeDocument/2006/relationships" xmlns:p="http://schemas.openxmlformats.org/presentationml/2006/main">
   <p:cSld>
     <p:spTree>
       <p:nvGrpSpPr>
@@ -4479,7 +7619,14 @@
         <p:cNvGrpSpPr/>
         <p:nvPr/>
       </p:nvGrpSpPr>
-      <p:grpSpPr/>
+      <p:grpSpPr>
+        <a:xfrm>
+          <a:off x="0" y="0"/>
+          <a:ext cx="0" cy="0"/>
+          <a:chOff x="0" y="0"/>
+          <a:chExt cx="0" cy="0"/>
+        </a:xfrm>
+      </p:grpSpPr>
       <p:sp>
         <p:nvSpPr>
           <p:cNvPr id="2" name="Title 1"/>
@@ -4515,7 +7662,9 @@
         <p:txBody>
           <a:bodyPr/>
           <a:lstStyle/>
-          <a:p/>
+          <a:p>
+            <a:endParaRPr/>
+          </a:p>
           <a:p>
             <a:r>
               <a:t>- Using pop() method: my_dict.pop('age')</a:t>
@@ -4531,7 +7680,9 @@
               <a:t>- Using popitem() method to remove the last inserted item: my_dict.popitem()</a:t>
             </a:r>
           </a:p>
-          <a:p/>
+          <a:p>
+            <a:endParaRPr/>
+          </a:p>
         </p:txBody>
       </p:sp>
     </p:spTree>
@@ -4543,7 +7694,7 @@
 </file>
 
 <file path=ppt/slides/slide28.xml><?xml version="1.0" encoding="utf-8"?>
-<p:sld xmlns:a="http://schemas.openxmlformats.org/drawingml/2006/main" xmlns:p="http://schemas.openxmlformats.org/presentationml/2006/main" xmlns:r="http://schemas.openxmlformats.org/officeDocument/2006/relationships">
+<p:sld xmlns:a="http://schemas.openxmlformats.org/drawingml/2006/main" xmlns:r="http://schemas.openxmlformats.org/officeDocument/2006/relationships" xmlns:p="http://schemas.openxmlformats.org/presentationml/2006/main">
   <p:cSld>
     <p:spTree>
       <p:nvGrpSpPr>
@@ -4551,7 +7702,14 @@
         <p:cNvGrpSpPr/>
         <p:nvPr/>
       </p:nvGrpSpPr>
-      <p:grpSpPr/>
+      <p:grpSpPr>
+        <a:xfrm>
+          <a:off x="0" y="0"/>
+          <a:ext cx="0" cy="0"/>
+          <a:chOff x="0" y="0"/>
+          <a:chExt cx="0" cy="0"/>
+        </a:xfrm>
+      </p:grpSpPr>
       <p:sp>
         <p:nvSpPr>
           <p:cNvPr id="2" name="Title 1"/>
@@ -4587,7 +7745,9 @@
         <p:txBody>
           <a:bodyPr/>
           <a:lstStyle/>
-          <a:p/>
+          <a:p>
+            <a:endParaRPr/>
+          </a:p>
           <a:p>
             <a:r>
               <a:t>- keys(): Returns a view object of all keys</a:t>
@@ -4608,7 +7768,9 @@
               <a:t>- update(): Updates the dictionary with elements from another dictionary</a:t>
             </a:r>
           </a:p>
-          <a:p/>
+          <a:p>
+            <a:endParaRPr/>
+          </a:p>
         </p:txBody>
       </p:sp>
     </p:spTree>
@@ -4620,7 +7782,7 @@
 </file>
 
 <file path=ppt/slides/slide29.xml><?xml version="1.0" encoding="utf-8"?>
-<p:sld xmlns:a="http://schemas.openxmlformats.org/drawingml/2006/main" xmlns:p="http://schemas.openxmlformats.org/presentationml/2006/main" xmlns:r="http://schemas.openxmlformats.org/officeDocument/2006/relationships">
+<p:sld xmlns:a="http://schemas.openxmlformats.org/drawingml/2006/main" xmlns:r="http://schemas.openxmlformats.org/officeDocument/2006/relationships" xmlns:p="http://schemas.openxmlformats.org/presentationml/2006/main">
   <p:cSld>
     <p:spTree>
       <p:nvGrpSpPr>
@@ -4628,7 +7790,14 @@
         <p:cNvGrpSpPr/>
         <p:nvPr/>
       </p:nvGrpSpPr>
-      <p:grpSpPr/>
+      <p:grpSpPr>
+        <a:xfrm>
+          <a:off x="0" y="0"/>
+          <a:ext cx="0" cy="0"/>
+          <a:chOff x="0" y="0"/>
+          <a:chExt cx="0" cy="0"/>
+        </a:xfrm>
+      </p:grpSpPr>
       <p:sp>
         <p:nvSpPr>
           <p:cNvPr id="2" name="Title 1"/>
@@ -4664,7 +7833,9 @@
         <p:txBody>
           <a:bodyPr/>
           <a:lstStyle/>
-          <a:p/>
+          <a:p>
+            <a:endParaRPr/>
+          </a:p>
           <a:p>
             <a:r>
               <a:t>- Loop through keys: for key in my_dict</a:t>
@@ -4680,7 +7851,9 @@
               <a:t>- Loop through key-value pairs: for key, value in my_dict.items()</a:t>
             </a:r>
           </a:p>
-          <a:p/>
+          <a:p>
+            <a:endParaRPr/>
+          </a:p>
         </p:txBody>
       </p:sp>
     </p:spTree>
@@ -4692,7 +7865,7 @@
 </file>
 
 <file path=ppt/slides/slide3.xml><?xml version="1.0" encoding="utf-8"?>
-<p:sld xmlns:a="http://schemas.openxmlformats.org/drawingml/2006/main" xmlns:p="http://schemas.openxmlformats.org/presentationml/2006/main" xmlns:r="http://schemas.openxmlformats.org/officeDocument/2006/relationships">
+<p:sld xmlns:a="http://schemas.openxmlformats.org/drawingml/2006/main" xmlns:r="http://schemas.openxmlformats.org/officeDocument/2006/relationships" xmlns:p="http://schemas.openxmlformats.org/presentationml/2006/main">
   <p:cSld>
     <p:spTree>
       <p:nvGrpSpPr>
@@ -4700,7 +7873,14 @@
         <p:cNvGrpSpPr/>
         <p:nvPr/>
       </p:nvGrpSpPr>
-      <p:grpSpPr/>
+      <p:grpSpPr>
+        <a:xfrm>
+          <a:off x="0" y="0"/>
+          <a:ext cx="0" cy="0"/>
+          <a:chOff x="0" y="0"/>
+          <a:chExt cx="0" cy="0"/>
+        </a:xfrm>
+      </p:grpSpPr>
       <p:sp>
         <p:nvSpPr>
           <p:cNvPr id="2" name="Title 1"/>
@@ -4736,7 +7916,9 @@
         <p:txBody>
           <a:bodyPr/>
           <a:lstStyle/>
-          <a:p/>
+          <a:p>
+            <a:endParaRPr/>
+          </a:p>
           <a:p>
             <a:r>
               <a:t>- Single quotes: 'Hello'</a:t>
@@ -4752,7 +7934,9 @@
               <a:t>- Triple quotes for multi-line strings: '''Hello'''</a:t>
             </a:r>
           </a:p>
-          <a:p/>
+          <a:p>
+            <a:endParaRPr/>
+          </a:p>
         </p:txBody>
       </p:sp>
     </p:spTree>
@@ -4764,7 +7948,7 @@
 </file>
 
 <file path=ppt/slides/slide30.xml><?xml version="1.0" encoding="utf-8"?>
-<p:sld xmlns:a="http://schemas.openxmlformats.org/drawingml/2006/main" xmlns:p="http://schemas.openxmlformats.org/presentationml/2006/main" xmlns:r="http://schemas.openxmlformats.org/officeDocument/2006/relationships">
+<p:sld xmlns:a="http://schemas.openxmlformats.org/drawingml/2006/main" xmlns:r="http://schemas.openxmlformats.org/officeDocument/2006/relationships" xmlns:p="http://schemas.openxmlformats.org/presentationml/2006/main">
   <p:cSld>
     <p:spTree>
       <p:nvGrpSpPr>
@@ -4772,7 +7956,14 @@
         <p:cNvGrpSpPr/>
         <p:nvPr/>
       </p:nvGrpSpPr>
-      <p:grpSpPr/>
+      <p:grpSpPr>
+        <a:xfrm>
+          <a:off x="0" y="0"/>
+          <a:ext cx="0" cy="0"/>
+          <a:chOff x="0" y="0"/>
+          <a:chExt cx="0" cy="0"/>
+        </a:xfrm>
+      </p:grpSpPr>
       <p:sp>
         <p:nvSpPr>
           <p:cNvPr id="2" name="Title 1"/>
@@ -4808,7 +7999,9 @@
         <p:txBody>
           <a:bodyPr/>
           <a:lstStyle/>
-          <a:p/>
+          <a:p>
+            <a:endParaRPr/>
+          </a:p>
           <a:p>
             <a:r>
               <a:t>- Create dictionaries concisely</a:t>
@@ -4819,7 +8012,9 @@
               <a:t>- Example: squares = {x: x**2 for x in range(5)}</a:t>
             </a:r>
           </a:p>
-          <a:p/>
+          <a:p>
+            <a:endParaRPr/>
+          </a:p>
         </p:txBody>
       </p:sp>
     </p:spTree>
@@ -4831,7 +8026,7 @@
 </file>
 
 <file path=ppt/slides/slide31.xml><?xml version="1.0" encoding="utf-8"?>
-<p:sld xmlns:a="http://schemas.openxmlformats.org/drawingml/2006/main" xmlns:p="http://schemas.openxmlformats.org/presentationml/2006/main" xmlns:r="http://schemas.openxmlformats.org/officeDocument/2006/relationships">
+<p:sld xmlns:a="http://schemas.openxmlformats.org/drawingml/2006/main" xmlns:r="http://schemas.openxmlformats.org/officeDocument/2006/relationships" xmlns:p="http://schemas.openxmlformats.org/presentationml/2006/main">
   <p:cSld>
     <p:spTree>
       <p:nvGrpSpPr>
@@ -4839,7 +8034,14 @@
         <p:cNvGrpSpPr/>
         <p:nvPr/>
       </p:nvGrpSpPr>
-      <p:grpSpPr/>
+      <p:grpSpPr>
+        <a:xfrm>
+          <a:off x="0" y="0"/>
+          <a:ext cx="0" cy="0"/>
+          <a:chOff x="0" y="0"/>
+          <a:chExt cx="0" cy="0"/>
+        </a:xfrm>
+      </p:grpSpPr>
       <p:sp>
         <p:nvSpPr>
           <p:cNvPr id="2" name="Title 1"/>
@@ -4875,7 +8077,9 @@
         <p:txBody>
           <a:bodyPr/>
           <a:lstStyle/>
-          <a:p/>
+          <a:p>
+            <a:endParaRPr/>
+          </a:p>
           <a:p>
             <a:r>
               <a:t>- A dictionary within a dictionary</a:t>
@@ -4886,7 +8090,9 @@
               <a:t>- Example: nested_dict = {'parent': {'child': 'value'}}</a:t>
             </a:r>
           </a:p>
-          <a:p/>
+          <a:p>
+            <a:endParaRPr/>
+          </a:p>
         </p:txBody>
       </p:sp>
     </p:spTree>
@@ -4898,7 +8104,7 @@
 </file>
 
 <file path=ppt/slides/slide32.xml><?xml version="1.0" encoding="utf-8"?>
-<p:sld xmlns:a="http://schemas.openxmlformats.org/drawingml/2006/main" xmlns:p="http://schemas.openxmlformats.org/presentationml/2006/main" xmlns:r="http://schemas.openxmlformats.org/officeDocument/2006/relationships">
+<p:sld xmlns:a="http://schemas.openxmlformats.org/drawingml/2006/main" xmlns:r="http://schemas.openxmlformats.org/officeDocument/2006/relationships" xmlns:p="http://schemas.openxmlformats.org/presentationml/2006/main">
   <p:cSld>
     <p:spTree>
       <p:nvGrpSpPr>
@@ -4906,7 +8112,14 @@
         <p:cNvGrpSpPr/>
         <p:nvPr/>
       </p:nvGrpSpPr>
-      <p:grpSpPr/>
+      <p:grpSpPr>
+        <a:xfrm>
+          <a:off x="0" y="0"/>
+          <a:ext cx="0" cy="0"/>
+          <a:chOff x="0" y="0"/>
+          <a:chExt cx="0" cy="0"/>
+        </a:xfrm>
+      </p:grpSpPr>
       <p:sp>
         <p:nvSpPr>
           <p:cNvPr id="2" name="Title 1"/>
@@ -4919,7 +8132,9 @@
         </p:nvSpPr>
         <p:spPr/>
         <p:txBody>
-          <a:bodyPr/>
+          <a:bodyPr>
+            <a:normAutofit fontScale="90000"/>
+          </a:bodyPr>
           <a:lstStyle/>
           <a:p>
             <a:r>
@@ -4942,7 +8157,9 @@
         <p:txBody>
           <a:bodyPr/>
           <a:lstStyle/>
-          <a:p/>
+          <a:p>
+            <a:endParaRPr/>
+          </a:p>
           <a:p>
             <a:r>
               <a:t>- Lists are ordered collections, while dictionaries are unordered.</a:t>
@@ -4963,7 +8180,9 @@
               <a:t>- Use lists for ordered data and dictionaries for key-value pairs.</a:t>
             </a:r>
           </a:p>
-          <a:p/>
+          <a:p>
+            <a:endParaRPr/>
+          </a:p>
         </p:txBody>
       </p:sp>
     </p:spTree>
@@ -4975,7 +8194,7 @@
 </file>
 
 <file path=ppt/slides/slide4.xml><?xml version="1.0" encoding="utf-8"?>
-<p:sld xmlns:a="http://schemas.openxmlformats.org/drawingml/2006/main" xmlns:p="http://schemas.openxmlformats.org/presentationml/2006/main" xmlns:r="http://schemas.openxmlformats.org/officeDocument/2006/relationships">
+<p:sld xmlns:a="http://schemas.openxmlformats.org/drawingml/2006/main" xmlns:r="http://schemas.openxmlformats.org/officeDocument/2006/relationships" xmlns:p="http://schemas.openxmlformats.org/presentationml/2006/main">
   <p:cSld>
     <p:spTree>
       <p:nvGrpSpPr>
@@ -4983,7 +8202,14 @@
         <p:cNvGrpSpPr/>
         <p:nvPr/>
       </p:nvGrpSpPr>
-      <p:grpSpPr/>
+      <p:grpSpPr>
+        <a:xfrm>
+          <a:off x="0" y="0"/>
+          <a:ext cx="0" cy="0"/>
+          <a:chOff x="0" y="0"/>
+          <a:chExt cx="0" cy="0"/>
+        </a:xfrm>
+      </p:grpSpPr>
       <p:sp>
         <p:nvSpPr>
           <p:cNvPr id="2" name="Title 1"/>
@@ -5019,7 +8245,9 @@
         <p:txBody>
           <a:bodyPr/>
           <a:lstStyle/>
-          <a:p/>
+          <a:p>
+            <a:endParaRPr/>
+          </a:p>
           <a:p>
             <a:r>
               <a:t>- Zero-based indexing</a:t>
@@ -5035,7 +8263,9 @@
               <a:t>- Accessing the last character: my_string[-1]</a:t>
             </a:r>
           </a:p>
-          <a:p/>
+          <a:p>
+            <a:endParaRPr/>
+          </a:p>
         </p:txBody>
       </p:sp>
     </p:spTree>
@@ -5047,7 +8277,7 @@
 </file>
 
 <file path=ppt/slides/slide5.xml><?xml version="1.0" encoding="utf-8"?>
-<p:sld xmlns:a="http://schemas.openxmlformats.org/drawingml/2006/main" xmlns:p="http://schemas.openxmlformats.org/presentationml/2006/main" xmlns:r="http://schemas.openxmlformats.org/officeDocument/2006/relationships">
+<p:sld xmlns:a="http://schemas.openxmlformats.org/drawingml/2006/main" xmlns:r="http://schemas.openxmlformats.org/officeDocument/2006/relationships" xmlns:p="http://schemas.openxmlformats.org/presentationml/2006/main">
   <p:cSld>
     <p:spTree>
       <p:nvGrpSpPr>
@@ -5055,7 +8285,14 @@
         <p:cNvGrpSpPr/>
         <p:nvPr/>
       </p:nvGrpSpPr>
-      <p:grpSpPr/>
+      <p:grpSpPr>
+        <a:xfrm>
+          <a:off x="0" y="0"/>
+          <a:ext cx="0" cy="0"/>
+          <a:chOff x="0" y="0"/>
+          <a:chExt cx="0" cy="0"/>
+        </a:xfrm>
+      </p:grpSpPr>
       <p:sp>
         <p:nvSpPr>
           <p:cNvPr id="2" name="Title 1"/>
@@ -5091,7 +8328,9 @@
         <p:txBody>
           <a:bodyPr/>
           <a:lstStyle/>
-          <a:p/>
+          <a:p>
+            <a:endParaRPr/>
+          </a:p>
           <a:p>
             <a:r>
               <a:t>- Access a substring: my_string[1:4]</a:t>
@@ -5102,7 +8341,9 @@
               <a:t>- Slicing with a step: my_string[0:5:2]</a:t>
             </a:r>
           </a:p>
-          <a:p/>
+          <a:p>
+            <a:endParaRPr/>
+          </a:p>
         </p:txBody>
       </p:sp>
     </p:spTree>
@@ -5114,7 +8355,7 @@
 </file>
 
 <file path=ppt/slides/slide6.xml><?xml version="1.0" encoding="utf-8"?>
-<p:sld xmlns:a="http://schemas.openxmlformats.org/drawingml/2006/main" xmlns:p="http://schemas.openxmlformats.org/presentationml/2006/main" xmlns:r="http://schemas.openxmlformats.org/officeDocument/2006/relationships">
+<p:sld xmlns:a="http://schemas.openxmlformats.org/drawingml/2006/main" xmlns:r="http://schemas.openxmlformats.org/officeDocument/2006/relationships" xmlns:p="http://schemas.openxmlformats.org/presentationml/2006/main">
   <p:cSld>
     <p:spTree>
       <p:nvGrpSpPr>
@@ -5122,7 +8363,14 @@
         <p:cNvGrpSpPr/>
         <p:nvPr/>
       </p:nvGrpSpPr>
-      <p:grpSpPr/>
+      <p:grpSpPr>
+        <a:xfrm>
+          <a:off x="0" y="0"/>
+          <a:ext cx="0" cy="0"/>
+          <a:chOff x="0" y="0"/>
+          <a:chExt cx="0" cy="0"/>
+        </a:xfrm>
+      </p:grpSpPr>
       <p:sp>
         <p:nvSpPr>
           <p:cNvPr id="2" name="Title 1"/>
@@ -5158,7 +8406,9 @@
         <p:txBody>
           <a:bodyPr/>
           <a:lstStyle/>
-          <a:p/>
+          <a:p>
+            <a:endParaRPr/>
+          </a:p>
           <a:p>
             <a:r>
               <a:t>- Convert to uppercase: my_string.upper()</a:t>
@@ -5179,7 +8429,9 @@
               <a:t>- Join a list of strings: ' '.join(list_of_strings)</a:t>
             </a:r>
           </a:p>
-          <a:p/>
+          <a:p>
+            <a:endParaRPr/>
+          </a:p>
         </p:txBody>
       </p:sp>
     </p:spTree>
@@ -5191,7 +8443,7 @@
 </file>
 
 <file path=ppt/slides/slide7.xml><?xml version="1.0" encoding="utf-8"?>
-<p:sld xmlns:a="http://schemas.openxmlformats.org/drawingml/2006/main" xmlns:p="http://schemas.openxmlformats.org/presentationml/2006/main" xmlns:r="http://schemas.openxmlformats.org/officeDocument/2006/relationships">
+<p:sld xmlns:a="http://schemas.openxmlformats.org/drawingml/2006/main" xmlns:r="http://schemas.openxmlformats.org/officeDocument/2006/relationships" xmlns:p="http://schemas.openxmlformats.org/presentationml/2006/main">
   <p:cSld>
     <p:spTree>
       <p:nvGrpSpPr>
@@ -5199,7 +8451,14 @@
         <p:cNvGrpSpPr/>
         <p:nvPr/>
       </p:nvGrpSpPr>
-      <p:grpSpPr/>
+      <p:grpSpPr>
+        <a:xfrm>
+          <a:off x="0" y="0"/>
+          <a:ext cx="0" cy="0"/>
+          <a:chOff x="0" y="0"/>
+          <a:chExt cx="0" cy="0"/>
+        </a:xfrm>
+      </p:grpSpPr>
       <p:sp>
         <p:nvSpPr>
           <p:cNvPr id="2" name="Title 1"/>
@@ -5235,7 +8494,9 @@
         <p:txBody>
           <a:bodyPr/>
           <a:lstStyle/>
-          <a:p/>
+          <a:p>
+            <a:endParaRPr/>
+          </a:p>
           <a:p>
             <a:r>
               <a:t>- Using + operator: 'Hello' + ' ' + 'World'</a:t>
@@ -5246,7 +8507,9 @@
               <a:t>- Using join method: ' '.join(['Hello', 'World'])</a:t>
             </a:r>
           </a:p>
-          <a:p/>
+          <a:p>
+            <a:endParaRPr/>
+          </a:p>
         </p:txBody>
       </p:sp>
     </p:spTree>
@@ -5258,7 +8521,7 @@
 </file>
 
 <file path=ppt/slides/slide8.xml><?xml version="1.0" encoding="utf-8"?>
-<p:sld xmlns:a="http://schemas.openxmlformats.org/drawingml/2006/main" xmlns:p="http://schemas.openxmlformats.org/presentationml/2006/main" xmlns:r="http://schemas.openxmlformats.org/officeDocument/2006/relationships">
+<p:sld xmlns:a="http://schemas.openxmlformats.org/drawingml/2006/main" xmlns:r="http://schemas.openxmlformats.org/officeDocument/2006/relationships" xmlns:p="http://schemas.openxmlformats.org/presentationml/2006/main">
   <p:cSld>
     <p:spTree>
       <p:nvGrpSpPr>
@@ -5266,7 +8529,14 @@
         <p:cNvGrpSpPr/>
         <p:nvPr/>
       </p:nvGrpSpPr>
-      <p:grpSpPr/>
+      <p:grpSpPr>
+        <a:xfrm>
+          <a:off x="0" y="0"/>
+          <a:ext cx="0" cy="0"/>
+          <a:chOff x="0" y="0"/>
+          <a:chExt cx="0" cy="0"/>
+        </a:xfrm>
+      </p:grpSpPr>
       <p:sp>
         <p:nvSpPr>
           <p:cNvPr id="2" name="Title 1"/>
@@ -5302,7 +8572,9 @@
         <p:txBody>
           <a:bodyPr/>
           <a:lstStyle/>
-          <a:p/>
+          <a:p>
+            <a:endParaRPr/>
+          </a:p>
           <a:p>
             <a:r>
               <a:t>- Using % operator: 'Hello %s' % 'World'</a:t>
@@ -5318,7 +8590,9 @@
               <a:t>- Using f-strings (Python 3.6+): f'Hello {name}'</a:t>
             </a:r>
           </a:p>
-          <a:p/>
+          <a:p>
+            <a:endParaRPr/>
+          </a:p>
         </p:txBody>
       </p:sp>
     </p:spTree>
@@ -5330,7 +8604,7 @@
 </file>
 
 <file path=ppt/slides/slide9.xml><?xml version="1.0" encoding="utf-8"?>
-<p:sld xmlns:a="http://schemas.openxmlformats.org/drawingml/2006/main" xmlns:p="http://schemas.openxmlformats.org/presentationml/2006/main" xmlns:r="http://schemas.openxmlformats.org/officeDocument/2006/relationships">
+<p:sld xmlns:a="http://schemas.openxmlformats.org/drawingml/2006/main" xmlns:r="http://schemas.openxmlformats.org/officeDocument/2006/relationships" xmlns:p="http://schemas.openxmlformats.org/presentationml/2006/main">
   <p:cSld>
     <p:spTree>
       <p:nvGrpSpPr>
@@ -5338,7 +8612,14 @@
         <p:cNvGrpSpPr/>
         <p:nvPr/>
       </p:nvGrpSpPr>
-      <p:grpSpPr/>
+      <p:grpSpPr>
+        <a:xfrm>
+          <a:off x="0" y="0"/>
+          <a:ext cx="0" cy="0"/>
+          <a:chOff x="0" y="0"/>
+          <a:chExt cx="0" cy="0"/>
+        </a:xfrm>
+      </p:grpSpPr>
       <p:sp>
         <p:nvSpPr>
           <p:cNvPr id="2" name="Title 1"/>
@@ -5374,7 +8655,9 @@
         <p:txBody>
           <a:bodyPr/>
           <a:lstStyle/>
-          <a:p/>
+          <a:p>
+            <a:endParaRPr/>
+          </a:p>
           <a:p>
             <a:r>
               <a:t>- Find a substring: my_string.find('substring')</a:t>
@@ -5395,7 +8678,9 @@
               <a:t>- Strip whitespace: my_string.strip()</a:t>
             </a:r>
           </a:p>
-          <a:p/>
+          <a:p>
+            <a:endParaRPr/>
+          </a:p>
         </p:txBody>
       </p:sp>
     </p:spTree>
@@ -5407,9 +8692,9 @@
 </file>
 
 <file path=ppt/theme/theme1.xml><?xml version="1.0" encoding="utf-8"?>
-<a:theme xmlns:a="http://schemas.openxmlformats.org/drawingml/2006/main" name="Office Theme">
+<a:theme xmlns:a="http://schemas.openxmlformats.org/drawingml/2006/main" name="Slate">
   <a:themeElements>
-    <a:clrScheme name="Office">
+    <a:clrScheme name="Slate">
       <a:dk1>
         <a:sysClr val="windowText" lastClr="000000"/>
       </a:dk1>
@@ -5417,52 +8702,52 @@
         <a:sysClr val="window" lastClr="FFFFFF"/>
       </a:lt1>
       <a:dk2>
-        <a:srgbClr val="1F497D"/>
+        <a:srgbClr val="212123"/>
       </a:dk2>
       <a:lt2>
-        <a:srgbClr val="EEECE1"/>
+        <a:srgbClr val="DADADA"/>
       </a:lt2>
       <a:accent1>
-        <a:srgbClr val="4F81BD"/>
+        <a:srgbClr val="BC451B"/>
       </a:accent1>
       <a:accent2>
-        <a:srgbClr val="C0504D"/>
+        <a:srgbClr val="D3BA68"/>
       </a:accent2>
       <a:accent3>
-        <a:srgbClr val="9BBB59"/>
+        <a:srgbClr val="BB8640"/>
       </a:accent3>
       <a:accent4>
-        <a:srgbClr val="8064A2"/>
+        <a:srgbClr val="AD9277"/>
       </a:accent4>
       <a:accent5>
-        <a:srgbClr val="4BACC6"/>
+        <a:srgbClr val="A55A43"/>
       </a:accent5>
       <a:accent6>
-        <a:srgbClr val="F79646"/>
+        <a:srgbClr val="AD9D7B"/>
       </a:accent6>
       <a:hlink>
-        <a:srgbClr val="0000FF"/>
+        <a:srgbClr val="E98052"/>
       </a:hlink>
       <a:folHlink>
-        <a:srgbClr val="800080"/>
+        <a:srgbClr val="F4B69B"/>
       </a:folHlink>
     </a:clrScheme>
-    <a:fontScheme name="Office">
+    <a:fontScheme name="Slate">
       <a:majorFont>
-        <a:latin typeface="Calibri"/>
+        <a:latin typeface="Calisto MT" panose="02040603050505030304"/>
         <a:ea typeface=""/>
         <a:cs typeface=""/>
         <a:font script="Jpan" typeface="ＭＳ Ｐゴシック"/>
-        <a:font script="Hang" typeface="맑은 고딕"/>
-        <a:font script="Hans" typeface="宋体"/>
-        <a:font script="Hant" typeface="新細明體"/>
-        <a:font script="Arab" typeface="Times New Roman"/>
-        <a:font script="Hebr" typeface="Times New Roman"/>
-        <a:font script="Thai" typeface="Angsana New"/>
+        <a:font script="Hang" typeface="돋움"/>
+        <a:font script="Hans" typeface="方正舒体"/>
+        <a:font script="Hant" typeface="微軟正黑體"/>
+        <a:font script="Arab" typeface="Arial"/>
+        <a:font script="Hebr" typeface="Arial"/>
+        <a:font script="Thai" typeface="Cordia New"/>
         <a:font script="Ethi" typeface="Nyala"/>
         <a:font script="Beng" typeface="Vrinda"/>
         <a:font script="Gujr" typeface="Shruti"/>
-        <a:font script="Khmr" typeface="MoolBoran"/>
+        <a:font script="Khmr" typeface="DaunPenh"/>
         <a:font script="Knda" typeface="Tunga"/>
         <a:font script="Guru" typeface="Raavi"/>
         <a:font script="Cans" typeface="Euphemia"/>
@@ -5479,18 +8764,18 @@
         <a:font script="Laoo" typeface="DokChampa"/>
         <a:font script="Sinh" typeface="Iskoola Pota"/>
         <a:font script="Mong" typeface="Mongolian Baiti"/>
-        <a:font script="Viet" typeface="Times New Roman"/>
+        <a:font script="Viet" typeface="Arial"/>
         <a:font script="Uigh" typeface="Microsoft Uighur"/>
         <a:font script="Geor" typeface="Sylfaen"/>
       </a:majorFont>
       <a:minorFont>
-        <a:latin typeface="Calibri"/>
+        <a:latin typeface="Calisto MT" panose="02040603050505030304"/>
         <a:ea typeface=""/>
         <a:cs typeface=""/>
         <a:font script="Jpan" typeface="ＭＳ Ｐゴシック"/>
-        <a:font script="Hang" typeface="맑은 고딕"/>
-        <a:font script="Hans" typeface="宋体"/>
-        <a:font script="Hant" typeface="新細明體"/>
+        <a:font script="Hang" typeface="돋움"/>
+        <a:font script="Hans" typeface="方正舒体"/>
+        <a:font script="Hant" typeface="微軟正黑體"/>
         <a:font script="Arab" typeface="Arial"/>
         <a:font script="Hebr" typeface="Arial"/>
         <a:font script="Thai" typeface="Cordia New"/>
@@ -5519,7 +8804,7 @@
         <a:font script="Geor" typeface="Sylfaen"/>
       </a:minorFont>
     </a:fontScheme>
-    <a:fmtScheme name="Office">
+    <a:fmtScheme name="Slate">
       <a:fillStyleLst>
         <a:solidFill>
           <a:schemeClr val="phClr"/>
@@ -5528,62 +8813,52 @@
           <a:gsLst>
             <a:gs pos="0">
               <a:schemeClr val="phClr">
-                <a:tint val="50000"/>
-                <a:satMod val="300000"/>
-              </a:schemeClr>
-            </a:gs>
-            <a:gs pos="35000">
-              <a:schemeClr val="phClr">
-                <a:tint val="37000"/>
-                <a:satMod val="300000"/>
+                <a:tint val="60000"/>
+                <a:lumMod val="110000"/>
               </a:schemeClr>
             </a:gs>
             <a:gs pos="100000">
               <a:schemeClr val="phClr">
-                <a:tint val="15000"/>
-                <a:satMod val="350000"/>
+                <a:tint val="88000"/>
               </a:schemeClr>
             </a:gs>
           </a:gsLst>
-          <a:lin ang="16200000" scaled="1"/>
+          <a:lin ang="5400000" scaled="0"/>
         </a:gradFill>
         <a:gradFill rotWithShape="1">
           <a:gsLst>
             <a:gs pos="0">
               <a:schemeClr val="phClr">
-                <a:tint val="100000"/>
-                <a:shade val="100000"/>
-                <a:satMod val="130000"/>
+                <a:tint val="96000"/>
+                <a:lumMod val="104000"/>
               </a:schemeClr>
             </a:gs>
             <a:gs pos="100000">
               <a:schemeClr val="phClr">
-                <a:tint val="50000"/>
-                <a:shade val="100000"/>
-                <a:satMod val="350000"/>
+                <a:shade val="90000"/>
+                <a:lumMod val="90000"/>
               </a:schemeClr>
             </a:gs>
           </a:gsLst>
-          <a:lin ang="16200000" scaled="0"/>
+          <a:lin ang="5400000" scaled="0"/>
         </a:gradFill>
       </a:fillStyleLst>
       <a:lnStyleLst>
-        <a:ln w="9525" cap="flat" cmpd="sng" algn="ctr">
+        <a:ln w="9525" cap="rnd" cmpd="sng" algn="ctr">
           <a:solidFill>
             <a:schemeClr val="phClr">
-              <a:shade val="95000"/>
-              <a:satMod val="105000"/>
+              <a:shade val="90000"/>
             </a:schemeClr>
           </a:solidFill>
           <a:prstDash val="solid"/>
         </a:ln>
-        <a:ln w="25400" cap="flat" cmpd="sng" algn="ctr">
+        <a:ln w="15875" cap="rnd" cmpd="sng" algn="ctr">
           <a:solidFill>
             <a:schemeClr val="phClr"/>
           </a:solidFill>
           <a:prstDash val="solid"/>
         </a:ln>
-        <a:ln w="38100" cap="flat" cmpd="sng" algn="ctr">
+        <a:ln w="25400" cap="rnd" cmpd="sng" algn="ctr">
           <a:solidFill>
             <a:schemeClr val="phClr"/>
           </a:solidFill>
@@ -5592,28 +8867,22 @@
       </a:lnStyleLst>
       <a:effectStyleLst>
         <a:effectStyle>
+          <a:effectLst/>
+        </a:effectStyle>
+        <a:effectStyle>
           <a:effectLst>
-            <a:outerShdw blurRad="40000" dist="20000" dir="5400000" rotWithShape="0">
+            <a:outerShdw blurRad="63500" dist="25400" dir="5400000" rotWithShape="0">
               <a:srgbClr val="000000">
-                <a:alpha val="38000"/>
+                <a:alpha val="60000"/>
               </a:srgbClr>
             </a:outerShdw>
           </a:effectLst>
         </a:effectStyle>
         <a:effectStyle>
           <a:effectLst>
-            <a:outerShdw blurRad="40000" dist="23000" dir="5400000" rotWithShape="0">
+            <a:outerShdw blurRad="76200" dist="38100" dir="5400000" rotWithShape="0">
               <a:srgbClr val="000000">
-                <a:alpha val="35000"/>
-              </a:srgbClr>
-            </a:outerShdw>
-          </a:effectLst>
-        </a:effectStyle>
-        <a:effectStyle>
-          <a:effectLst>
-            <a:outerShdw blurRad="40000" dist="23000" dir="5400000" rotWithShape="0">
-              <a:srgbClr val="000000">
-                <a:alpha val="35000"/>
+                <a:alpha val="75000"/>
               </a:srgbClr>
             </a:outerShdw>
           </a:effectLst>
@@ -5626,7 +8895,7 @@
             </a:lightRig>
           </a:scene3d>
           <a:sp3d>
-            <a:bevelT w="63500" h="25400"/>
+            <a:bevelT w="63500" h="25400" prst="hardEdge"/>
           </a:sp3d>
         </a:effectStyle>
       </a:effectStyleLst>
@@ -5634,94 +8903,32 @@
         <a:solidFill>
           <a:schemeClr val="phClr"/>
         </a:solidFill>
-        <a:gradFill rotWithShape="1">
-          <a:gsLst>
-            <a:gs pos="0">
+        <a:solidFill>
+          <a:schemeClr val="phClr"/>
+        </a:solidFill>
+        <a:blipFill rotWithShape="1">
+          <a:blip xmlns:r="http://schemas.openxmlformats.org/officeDocument/2006/relationships" r:embed="rId1">
+            <a:duotone>
               <a:schemeClr val="phClr">
-                <a:tint val="40000"/>
-                <a:satMod val="350000"/>
+                <a:shade val="80000"/>
+                <a:lumMod val="80000"/>
               </a:schemeClr>
-            </a:gs>
-            <a:gs pos="40000">
               <a:schemeClr val="phClr">
-                <a:tint val="45000"/>
-                <a:shade val="99000"/>
-                <a:satMod val="350000"/>
+                <a:tint val="98000"/>
               </a:schemeClr>
-            </a:gs>
-            <a:gs pos="100000">
-              <a:schemeClr val="phClr">
-                <a:shade val="20000"/>
-                <a:satMod val="255000"/>
-              </a:schemeClr>
-            </a:gs>
-          </a:gsLst>
-          <a:path path="circle">
-            <a:fillToRect l="50000" t="-80000" r="50000" b="180000"/>
-          </a:path>
-        </a:gradFill>
-        <a:gradFill rotWithShape="1">
-          <a:gsLst>
-            <a:gs pos="0">
-              <a:schemeClr val="phClr">
-                <a:tint val="80000"/>
-                <a:satMod val="300000"/>
-              </a:schemeClr>
-            </a:gs>
-            <a:gs pos="100000">
-              <a:schemeClr val="phClr">
-                <a:shade val="30000"/>
-                <a:satMod val="200000"/>
-              </a:schemeClr>
-            </a:gs>
-          </a:gsLst>
-          <a:path path="circle">
-            <a:fillToRect l="50000" t="50000" r="50000" b="50000"/>
-          </a:path>
-        </a:gradFill>
+            </a:duotone>
+          </a:blip>
+          <a:stretch/>
+        </a:blipFill>
       </a:bgFillStyleLst>
     </a:fmtScheme>
   </a:themeElements>
-  <a:objectDefaults>
-    <a:spDef>
-      <a:spPr/>
-      <a:bodyPr/>
-      <a:lstStyle/>
-      <a:style>
-        <a:lnRef idx="1">
-          <a:schemeClr val="accent1"/>
-        </a:lnRef>
-        <a:fillRef idx="3">
-          <a:schemeClr val="accent1"/>
-        </a:fillRef>
-        <a:effectRef idx="2">
-          <a:schemeClr val="accent1"/>
-        </a:effectRef>
-        <a:fontRef idx="minor">
-          <a:schemeClr val="lt1"/>
-        </a:fontRef>
-      </a:style>
-    </a:spDef>
-    <a:lnDef>
-      <a:spPr/>
-      <a:bodyPr/>
-      <a:lstStyle/>
-      <a:style>
-        <a:lnRef idx="2">
-          <a:schemeClr val="accent1"/>
-        </a:lnRef>
-        <a:fillRef idx="0">
-          <a:schemeClr val="accent1"/>
-        </a:fillRef>
-        <a:effectRef idx="1">
-          <a:schemeClr val="accent1"/>
-        </a:effectRef>
-        <a:fontRef idx="minor">
-          <a:schemeClr val="tx1"/>
-        </a:fontRef>
-      </a:style>
-    </a:lnDef>
-  </a:objectDefaults>
+  <a:objectDefaults/>
   <a:extraClrSchemeLst/>
+  <a:extLst>
+    <a:ext uri="{05A4C25C-085E-4340-85A3-A5531E510DB2}">
+      <thm15:themeFamily xmlns:thm15="http://schemas.microsoft.com/office/thememl/2012/main" name="Slate" id="{C3F70B94-7CE9-428E-ADC1-3269CC2C3385}" vid="{3F2DE9A5-64E6-437C-A389-CC4477E817E8}"/>
+    </a:ext>
+  </a:extLst>
 </a:theme>
 </file>
--- a/Python_Data_Structures.pptx
+++ b/Python_Data_Structures.pptx
@@ -4,40 +4,6 @@
   <p:sldMasterIdLst>
     <p:sldMasterId id="2147483660" r:id="rId1"/>
   </p:sldMasterIdLst>
-  <p:sldIdLst>
-    <p:sldId id="256" r:id="rId2"/>
-    <p:sldId id="257" r:id="rId3"/>
-    <p:sldId id="258" r:id="rId4"/>
-    <p:sldId id="259" r:id="rId5"/>
-    <p:sldId id="260" r:id="rId6"/>
-    <p:sldId id="261" r:id="rId7"/>
-    <p:sldId id="262" r:id="rId8"/>
-    <p:sldId id="263" r:id="rId9"/>
-    <p:sldId id="264" r:id="rId10"/>
-    <p:sldId id="265" r:id="rId11"/>
-    <p:sldId id="266" r:id="rId12"/>
-    <p:sldId id="267" r:id="rId13"/>
-    <p:sldId id="268" r:id="rId14"/>
-    <p:sldId id="269" r:id="rId15"/>
-    <p:sldId id="270" r:id="rId16"/>
-    <p:sldId id="271" r:id="rId17"/>
-    <p:sldId id="272" r:id="rId18"/>
-    <p:sldId id="273" r:id="rId19"/>
-    <p:sldId id="274" r:id="rId20"/>
-    <p:sldId id="275" r:id="rId21"/>
-    <p:sldId id="276" r:id="rId22"/>
-    <p:sldId id="277" r:id="rId23"/>
-    <p:sldId id="278" r:id="rId24"/>
-    <p:sldId id="279" r:id="rId25"/>
-    <p:sldId id="280" r:id="rId26"/>
-    <p:sldId id="281" r:id="rId27"/>
-    <p:sldId id="282" r:id="rId28"/>
-    <p:sldId id="283" r:id="rId29"/>
-    <p:sldId id="284" r:id="rId30"/>
-    <p:sldId id="285" r:id="rId31"/>
-    <p:sldId id="286" r:id="rId32"/>
-    <p:sldId id="287" r:id="rId33"/>
-  </p:sldIdLst>
   <p:sldSz cx="9144000" cy="6858000" type="screen4x3"/>
   <p:notesSz cx="6858000" cy="9144000"/>
   <p:defaultTextStyle>
@@ -6044,2653 +6010,6 @@
 </p:sldMaster>
 </file>
 
-<file path=ppt/slides/slide1.xml><?xml version="1.0" encoding="utf-8"?>
-<p:sld xmlns:a="http://schemas.openxmlformats.org/drawingml/2006/main" xmlns:r="http://schemas.openxmlformats.org/officeDocument/2006/relationships" xmlns:p="http://schemas.openxmlformats.org/presentationml/2006/main">
-  <p:cSld>
-    <p:spTree>
-      <p:nvGrpSpPr>
-        <p:cNvPr id="1" name=""/>
-        <p:cNvGrpSpPr/>
-        <p:nvPr/>
-      </p:nvGrpSpPr>
-      <p:grpSpPr>
-        <a:xfrm>
-          <a:off x="0" y="0"/>
-          <a:ext cx="0" cy="0"/>
-          <a:chOff x="0" y="0"/>
-          <a:chExt cx="0" cy="0"/>
-        </a:xfrm>
-      </p:grpSpPr>
-      <p:sp>
-        <p:nvSpPr>
-          <p:cNvPr id="2" name="Title 1"/>
-          <p:cNvSpPr>
-            <a:spLocks noGrp="1"/>
-          </p:cNvSpPr>
-          <p:nvPr>
-            <p:ph type="ctrTitle"/>
-          </p:nvPr>
-        </p:nvSpPr>
-        <p:spPr/>
-        <p:txBody>
-          <a:bodyPr/>
-          <a:lstStyle/>
-          <a:p>
-            <a:r>
-              <a:t>Introduction to Python Data Structures</a:t>
-            </a:r>
-          </a:p>
-        </p:txBody>
-      </p:sp>
-      <p:sp>
-        <p:nvSpPr>
-          <p:cNvPr id="3" name="Subtitle 2"/>
-          <p:cNvSpPr>
-            <a:spLocks noGrp="1"/>
-          </p:cNvSpPr>
-          <p:nvPr>
-            <p:ph type="subTitle" idx="1"/>
-          </p:nvPr>
-        </p:nvSpPr>
-        <p:spPr/>
-        <p:txBody>
-          <a:bodyPr/>
-          <a:lstStyle/>
-          <a:p>
-            <a:r>
-              <a:t>Strings, Lists, Tuples, and Dictionaries</a:t>
-            </a:r>
-          </a:p>
-        </p:txBody>
-      </p:sp>
-    </p:spTree>
-  </p:cSld>
-  <p:clrMapOvr>
-    <a:masterClrMapping/>
-  </p:clrMapOvr>
-</p:sld>
-</file>
-
-<file path=ppt/slides/slide10.xml><?xml version="1.0" encoding="utf-8"?>
-<p:sld xmlns:a="http://schemas.openxmlformats.org/drawingml/2006/main" xmlns:r="http://schemas.openxmlformats.org/officeDocument/2006/relationships" xmlns:p="http://schemas.openxmlformats.org/presentationml/2006/main">
-  <p:cSld>
-    <p:spTree>
-      <p:nvGrpSpPr>
-        <p:cNvPr id="1" name=""/>
-        <p:cNvGrpSpPr/>
-        <p:nvPr/>
-      </p:nvGrpSpPr>
-      <p:grpSpPr>
-        <a:xfrm>
-          <a:off x="0" y="0"/>
-          <a:ext cx="0" cy="0"/>
-          <a:chOff x="0" y="0"/>
-          <a:chExt cx="0" cy="0"/>
-        </a:xfrm>
-      </p:grpSpPr>
-      <p:sp>
-        <p:nvSpPr>
-          <p:cNvPr id="2" name="Title 1"/>
-          <p:cNvSpPr>
-            <a:spLocks noGrp="1"/>
-          </p:cNvSpPr>
-          <p:nvPr>
-            <p:ph type="title"/>
-          </p:nvPr>
-        </p:nvSpPr>
-        <p:spPr/>
-        <p:txBody>
-          <a:bodyPr/>
-          <a:lstStyle/>
-          <a:p>
-            <a:r>
-              <a:t>What is a List?</a:t>
-            </a:r>
-          </a:p>
-        </p:txBody>
-      </p:sp>
-      <p:sp>
-        <p:nvSpPr>
-          <p:cNvPr id="3" name="Content Placeholder 2"/>
-          <p:cNvSpPr>
-            <a:spLocks noGrp="1"/>
-          </p:cNvSpPr>
-          <p:nvPr>
-            <p:ph idx="1"/>
-          </p:nvPr>
-        </p:nvSpPr>
-        <p:spPr/>
-        <p:txBody>
-          <a:bodyPr/>
-          <a:lstStyle/>
-          <a:p>
-            <a:endParaRPr/>
-          </a:p>
-          <a:p>
-            <a:r>
-              <a:t>- A list is an ordered collection of items.</a:t>
-            </a:r>
-          </a:p>
-          <a:p>
-            <a:r>
-              <a:t>- Lists are mutable, meaning they can be modified.</a:t>
-            </a:r>
-          </a:p>
-          <a:p>
-            <a:r>
-              <a:t>- Lists can contain elements of different data types.</a:t>
-            </a:r>
-          </a:p>
-          <a:p>
-            <a:r>
-              <a:t>- Created using square brackets: [1, 2, 3]</a:t>
-            </a:r>
-          </a:p>
-          <a:p>
-            <a:endParaRPr/>
-          </a:p>
-        </p:txBody>
-      </p:sp>
-    </p:spTree>
-  </p:cSld>
-  <p:clrMapOvr>
-    <a:masterClrMapping/>
-  </p:clrMapOvr>
-</p:sld>
-</file>
-
-<file path=ppt/slides/slide11.xml><?xml version="1.0" encoding="utf-8"?>
-<p:sld xmlns:a="http://schemas.openxmlformats.org/drawingml/2006/main" xmlns:r="http://schemas.openxmlformats.org/officeDocument/2006/relationships" xmlns:p="http://schemas.openxmlformats.org/presentationml/2006/main">
-  <p:cSld>
-    <p:spTree>
-      <p:nvGrpSpPr>
-        <p:cNvPr id="1" name=""/>
-        <p:cNvGrpSpPr/>
-        <p:nvPr/>
-      </p:nvGrpSpPr>
-      <p:grpSpPr>
-        <a:xfrm>
-          <a:off x="0" y="0"/>
-          <a:ext cx="0" cy="0"/>
-          <a:chOff x="0" y="0"/>
-          <a:chExt cx="0" cy="0"/>
-        </a:xfrm>
-      </p:grpSpPr>
-      <p:sp>
-        <p:nvSpPr>
-          <p:cNvPr id="2" name="Title 1"/>
-          <p:cNvSpPr>
-            <a:spLocks noGrp="1"/>
-          </p:cNvSpPr>
-          <p:nvPr>
-            <p:ph type="title"/>
-          </p:nvPr>
-        </p:nvSpPr>
-        <p:spPr/>
-        <p:txBody>
-          <a:bodyPr/>
-          <a:lstStyle/>
-          <a:p>
-            <a:r>
-              <a:t>Creating a List</a:t>
-            </a:r>
-          </a:p>
-        </p:txBody>
-      </p:sp>
-      <p:sp>
-        <p:nvSpPr>
-          <p:cNvPr id="3" name="Content Placeholder 2"/>
-          <p:cNvSpPr>
-            <a:spLocks noGrp="1"/>
-          </p:cNvSpPr>
-          <p:nvPr>
-            <p:ph idx="1"/>
-          </p:nvPr>
-        </p:nvSpPr>
-        <p:spPr/>
-        <p:txBody>
-          <a:bodyPr/>
-          <a:lstStyle/>
-          <a:p>
-            <a:endParaRPr/>
-          </a:p>
-          <a:p>
-            <a:r>
-              <a:t>- An empty list: empty_list = []</a:t>
-            </a:r>
-          </a:p>
-          <a:p>
-            <a:r>
-              <a:t>- A list of integers: int_list = [1, 2, 3, 4, 5]</a:t>
-            </a:r>
-          </a:p>
-          <a:p>
-            <a:r>
-              <a:t>- A list of strings: str_list = ["apple", "banana", "cherry"]</a:t>
-            </a:r>
-          </a:p>
-          <a:p>
-            <a:r>
-              <a:t>- A mixed list: mixed_list = [1, "apple", 3.14, True]</a:t>
-            </a:r>
-          </a:p>
-          <a:p>
-            <a:endParaRPr/>
-          </a:p>
-        </p:txBody>
-      </p:sp>
-    </p:spTree>
-  </p:cSld>
-  <p:clrMapOvr>
-    <a:masterClrMapping/>
-  </p:clrMapOvr>
-</p:sld>
-</file>
-
-<file path=ppt/slides/slide12.xml><?xml version="1.0" encoding="utf-8"?>
-<p:sld xmlns:a="http://schemas.openxmlformats.org/drawingml/2006/main" xmlns:r="http://schemas.openxmlformats.org/officeDocument/2006/relationships" xmlns:p="http://schemas.openxmlformats.org/presentationml/2006/main">
-  <p:cSld>
-    <p:spTree>
-      <p:nvGrpSpPr>
-        <p:cNvPr id="1" name=""/>
-        <p:cNvGrpSpPr/>
-        <p:nvPr/>
-      </p:nvGrpSpPr>
-      <p:grpSpPr>
-        <a:xfrm>
-          <a:off x="0" y="0"/>
-          <a:ext cx="0" cy="0"/>
-          <a:chOff x="0" y="0"/>
-          <a:chExt cx="0" cy="0"/>
-        </a:xfrm>
-      </p:grpSpPr>
-      <p:sp>
-        <p:nvSpPr>
-          <p:cNvPr id="2" name="Title 1"/>
-          <p:cNvSpPr>
-            <a:spLocks noGrp="1"/>
-          </p:cNvSpPr>
-          <p:nvPr>
-            <p:ph type="title"/>
-          </p:nvPr>
-        </p:nvSpPr>
-        <p:spPr/>
-        <p:txBody>
-          <a:bodyPr/>
-          <a:lstStyle/>
-          <a:p>
-            <a:r>
-              <a:t>Accessing Elements</a:t>
-            </a:r>
-          </a:p>
-        </p:txBody>
-      </p:sp>
-      <p:sp>
-        <p:nvSpPr>
-          <p:cNvPr id="3" name="Content Placeholder 2"/>
-          <p:cNvSpPr>
-            <a:spLocks noGrp="1"/>
-          </p:cNvSpPr>
-          <p:nvPr>
-            <p:ph idx="1"/>
-          </p:nvPr>
-        </p:nvSpPr>
-        <p:spPr/>
-        <p:txBody>
-          <a:bodyPr/>
-          <a:lstStyle/>
-          <a:p>
-            <a:endParaRPr/>
-          </a:p>
-          <a:p>
-            <a:r>
-              <a:t>- Zero-based indexing</a:t>
-            </a:r>
-          </a:p>
-          <a:p>
-            <a:r>
-              <a:t>- Accessing the first element: my_list[0]</a:t>
-            </a:r>
-          </a:p>
-          <a:p>
-            <a:r>
-              <a:t>- Accessing the last element: my_list[-1]</a:t>
-            </a:r>
-          </a:p>
-          <a:p>
-            <a:endParaRPr/>
-          </a:p>
-        </p:txBody>
-      </p:sp>
-    </p:spTree>
-  </p:cSld>
-  <p:clrMapOvr>
-    <a:masterClrMapping/>
-  </p:clrMapOvr>
-</p:sld>
-</file>
-
-<file path=ppt/slides/slide13.xml><?xml version="1.0" encoding="utf-8"?>
-<p:sld xmlns:a="http://schemas.openxmlformats.org/drawingml/2006/main" xmlns:r="http://schemas.openxmlformats.org/officeDocument/2006/relationships" xmlns:p="http://schemas.openxmlformats.org/presentationml/2006/main">
-  <p:cSld>
-    <p:spTree>
-      <p:nvGrpSpPr>
-        <p:cNvPr id="1" name=""/>
-        <p:cNvGrpSpPr/>
-        <p:nvPr/>
-      </p:nvGrpSpPr>
-      <p:grpSpPr>
-        <a:xfrm>
-          <a:off x="0" y="0"/>
-          <a:ext cx="0" cy="0"/>
-          <a:chOff x="0" y="0"/>
-          <a:chExt cx="0" cy="0"/>
-        </a:xfrm>
-      </p:grpSpPr>
-      <p:sp>
-        <p:nvSpPr>
-          <p:cNvPr id="2" name="Title 1"/>
-          <p:cNvSpPr>
-            <a:spLocks noGrp="1"/>
-          </p:cNvSpPr>
-          <p:nvPr>
-            <p:ph type="title"/>
-          </p:nvPr>
-        </p:nvSpPr>
-        <p:spPr/>
-        <p:txBody>
-          <a:bodyPr/>
-          <a:lstStyle/>
-          <a:p>
-            <a:r>
-              <a:t>Modifying Elements</a:t>
-            </a:r>
-          </a:p>
-        </p:txBody>
-      </p:sp>
-      <p:sp>
-        <p:nvSpPr>
-          <p:cNvPr id="3" name="Content Placeholder 2"/>
-          <p:cNvSpPr>
-            <a:spLocks noGrp="1"/>
-          </p:cNvSpPr>
-          <p:nvPr>
-            <p:ph idx="1"/>
-          </p:nvPr>
-        </p:nvSpPr>
-        <p:spPr/>
-        <p:txBody>
-          <a:bodyPr/>
-          <a:lstStyle/>
-          <a:p>
-            <a:endParaRPr/>
-          </a:p>
-          <a:p>
-            <a:r>
-              <a:t>- Modify an element by assigning a new value: my_list[1] = "blueberry"</a:t>
-            </a:r>
-          </a:p>
-          <a:p>
-            <a:endParaRPr/>
-          </a:p>
-        </p:txBody>
-      </p:sp>
-    </p:spTree>
-  </p:cSld>
-  <p:clrMapOvr>
-    <a:masterClrMapping/>
-  </p:clrMapOvr>
-</p:sld>
-</file>
-
-<file path=ppt/slides/slide14.xml><?xml version="1.0" encoding="utf-8"?>
-<p:sld xmlns:a="http://schemas.openxmlformats.org/drawingml/2006/main" xmlns:r="http://schemas.openxmlformats.org/officeDocument/2006/relationships" xmlns:p="http://schemas.openxmlformats.org/presentationml/2006/main">
-  <p:cSld>
-    <p:spTree>
-      <p:nvGrpSpPr>
-        <p:cNvPr id="1" name=""/>
-        <p:cNvGrpSpPr/>
-        <p:nvPr/>
-      </p:nvGrpSpPr>
-      <p:grpSpPr>
-        <a:xfrm>
-          <a:off x="0" y="0"/>
-          <a:ext cx="0" cy="0"/>
-          <a:chOff x="0" y="0"/>
-          <a:chExt cx="0" cy="0"/>
-        </a:xfrm>
-      </p:grpSpPr>
-      <p:sp>
-        <p:nvSpPr>
-          <p:cNvPr id="2" name="Title 1"/>
-          <p:cNvSpPr>
-            <a:spLocks noGrp="1"/>
-          </p:cNvSpPr>
-          <p:nvPr>
-            <p:ph type="title"/>
-          </p:nvPr>
-        </p:nvSpPr>
-        <p:spPr/>
-        <p:txBody>
-          <a:bodyPr/>
-          <a:lstStyle/>
-          <a:p>
-            <a:r>
-              <a:t>Adding Elements</a:t>
-            </a:r>
-          </a:p>
-        </p:txBody>
-      </p:sp>
-      <p:sp>
-        <p:nvSpPr>
-          <p:cNvPr id="3" name="Content Placeholder 2"/>
-          <p:cNvSpPr>
-            <a:spLocks noGrp="1"/>
-          </p:cNvSpPr>
-          <p:nvPr>
-            <p:ph idx="1"/>
-          </p:nvPr>
-        </p:nvSpPr>
-        <p:spPr/>
-        <p:txBody>
-          <a:bodyPr/>
-          <a:lstStyle/>
-          <a:p>
-            <a:endParaRPr/>
-          </a:p>
-          <a:p>
-            <a:r>
-              <a:t>- Append: my_list.append("cherry")</a:t>
-            </a:r>
-          </a:p>
-          <a:p>
-            <a:r>
-              <a:t>- Insert: my_list.insert(1, "blueberry")</a:t>
-            </a:r>
-          </a:p>
-          <a:p>
-            <a:r>
-              <a:t>- Extend: my_list.extend(["date", "elderberry"])</a:t>
-            </a:r>
-          </a:p>
-          <a:p>
-            <a:endParaRPr/>
-          </a:p>
-        </p:txBody>
-      </p:sp>
-    </p:spTree>
-  </p:cSld>
-  <p:clrMapOvr>
-    <a:masterClrMapping/>
-  </p:clrMapOvr>
-</p:sld>
-</file>
-
-<file path=ppt/slides/slide15.xml><?xml version="1.0" encoding="utf-8"?>
-<p:sld xmlns:a="http://schemas.openxmlformats.org/drawingml/2006/main" xmlns:r="http://schemas.openxmlformats.org/officeDocument/2006/relationships" xmlns:p="http://schemas.openxmlformats.org/presentationml/2006/main">
-  <p:cSld>
-    <p:spTree>
-      <p:nvGrpSpPr>
-        <p:cNvPr id="1" name=""/>
-        <p:cNvGrpSpPr/>
-        <p:nvPr/>
-      </p:nvGrpSpPr>
-      <p:grpSpPr>
-        <a:xfrm>
-          <a:off x="0" y="0"/>
-          <a:ext cx="0" cy="0"/>
-          <a:chOff x="0" y="0"/>
-          <a:chExt cx="0" cy="0"/>
-        </a:xfrm>
-      </p:grpSpPr>
-      <p:sp>
-        <p:nvSpPr>
-          <p:cNvPr id="2" name="Title 1"/>
-          <p:cNvSpPr>
-            <a:spLocks noGrp="1"/>
-          </p:cNvSpPr>
-          <p:nvPr>
-            <p:ph type="title"/>
-          </p:nvPr>
-        </p:nvSpPr>
-        <p:spPr/>
-        <p:txBody>
-          <a:bodyPr/>
-          <a:lstStyle/>
-          <a:p>
-            <a:r>
-              <a:t>Removing Elements</a:t>
-            </a:r>
-          </a:p>
-        </p:txBody>
-      </p:sp>
-      <p:sp>
-        <p:nvSpPr>
-          <p:cNvPr id="3" name="Content Placeholder 2"/>
-          <p:cNvSpPr>
-            <a:spLocks noGrp="1"/>
-          </p:cNvSpPr>
-          <p:nvPr>
-            <p:ph idx="1"/>
-          </p:nvPr>
-        </p:nvSpPr>
-        <p:spPr/>
-        <p:txBody>
-          <a:bodyPr/>
-          <a:lstStyle/>
-          <a:p>
-            <a:endParaRPr/>
-          </a:p>
-          <a:p>
-            <a:r>
-              <a:t>- Remove by value: my_list.remove("banana")</a:t>
-            </a:r>
-          </a:p>
-          <a:p>
-            <a:r>
-              <a:t>- Remove by index and return: my_list.pop(0)</a:t>
-            </a:r>
-          </a:p>
-          <a:p>
-            <a:r>
-              <a:t>- Delete by index: del my_list[0]</a:t>
-            </a:r>
-          </a:p>
-          <a:p>
-            <a:endParaRPr/>
-          </a:p>
-        </p:txBody>
-      </p:sp>
-    </p:spTree>
-  </p:cSld>
-  <p:clrMapOvr>
-    <a:masterClrMapping/>
-  </p:clrMapOvr>
-</p:sld>
-</file>
-
-<file path=ppt/slides/slide16.xml><?xml version="1.0" encoding="utf-8"?>
-<p:sld xmlns:a="http://schemas.openxmlformats.org/drawingml/2006/main" xmlns:r="http://schemas.openxmlformats.org/officeDocument/2006/relationships" xmlns:p="http://schemas.openxmlformats.org/presentationml/2006/main">
-  <p:cSld>
-    <p:spTree>
-      <p:nvGrpSpPr>
-        <p:cNvPr id="1" name=""/>
-        <p:cNvGrpSpPr/>
-        <p:nvPr/>
-      </p:nvGrpSpPr>
-      <p:grpSpPr>
-        <a:xfrm>
-          <a:off x="0" y="0"/>
-          <a:ext cx="0" cy="0"/>
-          <a:chOff x="0" y="0"/>
-          <a:chExt cx="0" cy="0"/>
-        </a:xfrm>
-      </p:grpSpPr>
-      <p:sp>
-        <p:nvSpPr>
-          <p:cNvPr id="2" name="Title 1"/>
-          <p:cNvSpPr>
-            <a:spLocks noGrp="1"/>
-          </p:cNvSpPr>
-          <p:nvPr>
-            <p:ph type="title"/>
-          </p:nvPr>
-        </p:nvSpPr>
-        <p:spPr/>
-        <p:txBody>
-          <a:bodyPr/>
-          <a:lstStyle/>
-          <a:p>
-            <a:r>
-              <a:t>Slicing</a:t>
-            </a:r>
-          </a:p>
-        </p:txBody>
-      </p:sp>
-      <p:sp>
-        <p:nvSpPr>
-          <p:cNvPr id="3" name="Content Placeholder 2"/>
-          <p:cNvSpPr>
-            <a:spLocks noGrp="1"/>
-          </p:cNvSpPr>
-          <p:nvPr>
-            <p:ph idx="1"/>
-          </p:nvPr>
-        </p:nvSpPr>
-        <p:spPr/>
-        <p:txBody>
-          <a:bodyPr/>
-          <a:lstStyle/>
-          <a:p>
-            <a:endParaRPr/>
-          </a:p>
-          <a:p>
-            <a:r>
-              <a:t>- Access a subset of a list: my_list[1:3]</a:t>
-            </a:r>
-          </a:p>
-          <a:p>
-            <a:r>
-              <a:t>- Slicing with a step: my_list[0:4:2]</a:t>
-            </a:r>
-          </a:p>
-          <a:p>
-            <a:endParaRPr/>
-          </a:p>
-        </p:txBody>
-      </p:sp>
-    </p:spTree>
-  </p:cSld>
-  <p:clrMapOvr>
-    <a:masterClrMapping/>
-  </p:clrMapOvr>
-</p:sld>
-</file>
-
-<file path=ppt/slides/slide17.xml><?xml version="1.0" encoding="utf-8"?>
-<p:sld xmlns:a="http://schemas.openxmlformats.org/drawingml/2006/main" xmlns:r="http://schemas.openxmlformats.org/officeDocument/2006/relationships" xmlns:p="http://schemas.openxmlformats.org/presentationml/2006/main">
-  <p:cSld>
-    <p:spTree>
-      <p:nvGrpSpPr>
-        <p:cNvPr id="1" name=""/>
-        <p:cNvGrpSpPr/>
-        <p:nvPr/>
-      </p:nvGrpSpPr>
-      <p:grpSpPr>
-        <a:xfrm>
-          <a:off x="0" y="0"/>
-          <a:ext cx="0" cy="0"/>
-          <a:chOff x="0" y="0"/>
-          <a:chExt cx="0" cy="0"/>
-        </a:xfrm>
-      </p:grpSpPr>
-      <p:sp>
-        <p:nvSpPr>
-          <p:cNvPr id="2" name="Title 1"/>
-          <p:cNvSpPr>
-            <a:spLocks noGrp="1"/>
-          </p:cNvSpPr>
-          <p:nvPr>
-            <p:ph type="title"/>
-          </p:nvPr>
-        </p:nvSpPr>
-        <p:spPr/>
-        <p:txBody>
-          <a:bodyPr/>
-          <a:lstStyle/>
-          <a:p>
-            <a:r>
-              <a:t>List Comprehensions</a:t>
-            </a:r>
-          </a:p>
-        </p:txBody>
-      </p:sp>
-      <p:sp>
-        <p:nvSpPr>
-          <p:cNvPr id="3" name="Content Placeholder 2"/>
-          <p:cNvSpPr>
-            <a:spLocks noGrp="1"/>
-          </p:cNvSpPr>
-          <p:nvPr>
-            <p:ph idx="1"/>
-          </p:nvPr>
-        </p:nvSpPr>
-        <p:spPr/>
-        <p:txBody>
-          <a:bodyPr/>
-          <a:lstStyle/>
-          <a:p>
-            <a:endParaRPr/>
-          </a:p>
-          <a:p>
-            <a:r>
-              <a:t>- Create lists concisely</a:t>
-            </a:r>
-          </a:p>
-          <a:p>
-            <a:r>
-              <a:t>- Example: squares = [x**2 for x in range(5)]</a:t>
-            </a:r>
-          </a:p>
-          <a:p>
-            <a:endParaRPr/>
-          </a:p>
-        </p:txBody>
-      </p:sp>
-    </p:spTree>
-  </p:cSld>
-  <p:clrMapOvr>
-    <a:masterClrMapping/>
-  </p:clrMapOvr>
-</p:sld>
-</file>
-
-<file path=ppt/slides/slide18.xml><?xml version="1.0" encoding="utf-8"?>
-<p:sld xmlns:a="http://schemas.openxmlformats.org/drawingml/2006/main" xmlns:r="http://schemas.openxmlformats.org/officeDocument/2006/relationships" xmlns:p="http://schemas.openxmlformats.org/presentationml/2006/main">
-  <p:cSld>
-    <p:spTree>
-      <p:nvGrpSpPr>
-        <p:cNvPr id="1" name=""/>
-        <p:cNvGrpSpPr/>
-        <p:nvPr/>
-      </p:nvGrpSpPr>
-      <p:grpSpPr>
-        <a:xfrm>
-          <a:off x="0" y="0"/>
-          <a:ext cx="0" cy="0"/>
-          <a:chOff x="0" y="0"/>
-          <a:chExt cx="0" cy="0"/>
-        </a:xfrm>
-      </p:grpSpPr>
-      <p:sp>
-        <p:nvSpPr>
-          <p:cNvPr id="2" name="Title 1"/>
-          <p:cNvSpPr>
-            <a:spLocks noGrp="1"/>
-          </p:cNvSpPr>
-          <p:nvPr>
-            <p:ph type="title"/>
-          </p:nvPr>
-        </p:nvSpPr>
-        <p:spPr/>
-        <p:txBody>
-          <a:bodyPr/>
-          <a:lstStyle/>
-          <a:p>
-            <a:r>
-              <a:t>Common List Methods</a:t>
-            </a:r>
-          </a:p>
-        </p:txBody>
-      </p:sp>
-      <p:sp>
-        <p:nvSpPr>
-          <p:cNvPr id="3" name="Content Placeholder 2"/>
-          <p:cNvSpPr>
-            <a:spLocks noGrp="1"/>
-          </p:cNvSpPr>
-          <p:nvPr>
-            <p:ph idx="1"/>
-          </p:nvPr>
-        </p:nvSpPr>
-        <p:spPr/>
-        <p:txBody>
-          <a:bodyPr/>
-          <a:lstStyle/>
-          <a:p>
-            <a:endParaRPr/>
-          </a:p>
-          <a:p>
-            <a:r>
-              <a:t>- len(list)</a:t>
-            </a:r>
-          </a:p>
-          <a:p>
-            <a:r>
-              <a:t>- list.sort()</a:t>
-            </a:r>
-          </a:p>
-          <a:p>
-            <a:r>
-              <a:t>- list.reverse()</a:t>
-            </a:r>
-          </a:p>
-          <a:p>
-            <a:r>
-              <a:t>- list.index(value)</a:t>
-            </a:r>
-          </a:p>
-          <a:p>
-            <a:r>
-              <a:t>- list.count(value)</a:t>
-            </a:r>
-          </a:p>
-          <a:p>
-            <a:endParaRPr/>
-          </a:p>
-        </p:txBody>
-      </p:sp>
-    </p:spTree>
-  </p:cSld>
-  <p:clrMapOvr>
-    <a:masterClrMapping/>
-  </p:clrMapOvr>
-</p:sld>
-</file>
-
-<file path=ppt/slides/slide19.xml><?xml version="1.0" encoding="utf-8"?>
-<p:sld xmlns:a="http://schemas.openxmlformats.org/drawingml/2006/main" xmlns:r="http://schemas.openxmlformats.org/officeDocument/2006/relationships" xmlns:p="http://schemas.openxmlformats.org/presentationml/2006/main">
-  <p:cSld>
-    <p:spTree>
-      <p:nvGrpSpPr>
-        <p:cNvPr id="1" name=""/>
-        <p:cNvGrpSpPr/>
-        <p:nvPr/>
-      </p:nvGrpSpPr>
-      <p:grpSpPr>
-        <a:xfrm>
-          <a:off x="0" y="0"/>
-          <a:ext cx="0" cy="0"/>
-          <a:chOff x="0" y="0"/>
-          <a:chExt cx="0" cy="0"/>
-        </a:xfrm>
-      </p:grpSpPr>
-      <p:sp>
-        <p:nvSpPr>
-          <p:cNvPr id="2" name="Title 1"/>
-          <p:cNvSpPr>
-            <a:spLocks noGrp="1"/>
-          </p:cNvSpPr>
-          <p:nvPr>
-            <p:ph type="title"/>
-          </p:nvPr>
-        </p:nvSpPr>
-        <p:spPr/>
-        <p:txBody>
-          <a:bodyPr/>
-          <a:lstStyle/>
-          <a:p>
-            <a:r>
-              <a:t>What is a Tuple?</a:t>
-            </a:r>
-          </a:p>
-        </p:txBody>
-      </p:sp>
-      <p:sp>
-        <p:nvSpPr>
-          <p:cNvPr id="3" name="Content Placeholder 2"/>
-          <p:cNvSpPr>
-            <a:spLocks noGrp="1"/>
-          </p:cNvSpPr>
-          <p:nvPr>
-            <p:ph idx="1"/>
-          </p:nvPr>
-        </p:nvSpPr>
-        <p:spPr/>
-        <p:txBody>
-          <a:bodyPr/>
-          <a:lstStyle/>
-          <a:p>
-            <a:endParaRPr/>
-          </a:p>
-          <a:p>
-            <a:r>
-              <a:t>- A tuple is an ordered collection of items.</a:t>
-            </a:r>
-          </a:p>
-          <a:p>
-            <a:r>
-              <a:t>- Tuples are immutable, meaning they cannot be modified after creation.</a:t>
-            </a:r>
-          </a:p>
-          <a:p>
-            <a:r>
-              <a:t>- Tuples can contain elements of different data types.</a:t>
-            </a:r>
-          </a:p>
-          <a:p>
-            <a:r>
-              <a:t>- Created using parentheses: (1, 2, 3)</a:t>
-            </a:r>
-          </a:p>
-          <a:p>
-            <a:endParaRPr/>
-          </a:p>
-        </p:txBody>
-      </p:sp>
-    </p:spTree>
-  </p:cSld>
-  <p:clrMapOvr>
-    <a:masterClrMapping/>
-  </p:clrMapOvr>
-</p:sld>
-</file>
-
-<file path=ppt/slides/slide2.xml><?xml version="1.0" encoding="utf-8"?>
-<p:sld xmlns:a="http://schemas.openxmlformats.org/drawingml/2006/main" xmlns:r="http://schemas.openxmlformats.org/officeDocument/2006/relationships" xmlns:p="http://schemas.openxmlformats.org/presentationml/2006/main">
-  <p:cSld>
-    <p:spTree>
-      <p:nvGrpSpPr>
-        <p:cNvPr id="1" name=""/>
-        <p:cNvGrpSpPr/>
-        <p:nvPr/>
-      </p:nvGrpSpPr>
-      <p:grpSpPr>
-        <a:xfrm>
-          <a:off x="0" y="0"/>
-          <a:ext cx="0" cy="0"/>
-          <a:chOff x="0" y="0"/>
-          <a:chExt cx="0" cy="0"/>
-        </a:xfrm>
-      </p:grpSpPr>
-      <p:sp>
-        <p:nvSpPr>
-          <p:cNvPr id="2" name="Title 1"/>
-          <p:cNvSpPr>
-            <a:spLocks noGrp="1"/>
-          </p:cNvSpPr>
-          <p:nvPr>
-            <p:ph type="title"/>
-          </p:nvPr>
-        </p:nvSpPr>
-        <p:spPr/>
-        <p:txBody>
-          <a:bodyPr/>
-          <a:lstStyle/>
-          <a:p>
-            <a:r>
-              <a:t>What is a String?</a:t>
-            </a:r>
-          </a:p>
-        </p:txBody>
-      </p:sp>
-      <p:sp>
-        <p:nvSpPr>
-          <p:cNvPr id="3" name="Content Placeholder 2"/>
-          <p:cNvSpPr>
-            <a:spLocks noGrp="1"/>
-          </p:cNvSpPr>
-          <p:nvPr>
-            <p:ph idx="1"/>
-          </p:nvPr>
-        </p:nvSpPr>
-        <p:spPr/>
-        <p:txBody>
-          <a:bodyPr/>
-          <a:lstStyle/>
-          <a:p>
-            <a:endParaRPr/>
-          </a:p>
-          <a:p>
-            <a:r>
-              <a:t>- A string is a sequence of characters.</a:t>
-            </a:r>
-          </a:p>
-          <a:p>
-            <a:r>
-              <a:t>- Strings are used to represent text.</a:t>
-            </a:r>
-          </a:p>
-          <a:p>
-            <a:r>
-              <a:t>- In Python, strings are immutable, meaning they cannot be changed after creation.</a:t>
-            </a:r>
-          </a:p>
-          <a:p>
-            <a:r>
-              <a:t>- Strings can be enclosed in single quotes (' '), double quotes (" "), or triple quotes (''' ''' or ).</a:t>
-            </a:r>
-          </a:p>
-          <a:p>
-            <a:endParaRPr/>
-          </a:p>
-        </p:txBody>
-      </p:sp>
-    </p:spTree>
-  </p:cSld>
-  <p:clrMapOvr>
-    <a:masterClrMapping/>
-  </p:clrMapOvr>
-</p:sld>
-</file>
-
-<file path=ppt/slides/slide20.xml><?xml version="1.0" encoding="utf-8"?>
-<p:sld xmlns:a="http://schemas.openxmlformats.org/drawingml/2006/main" xmlns:r="http://schemas.openxmlformats.org/officeDocument/2006/relationships" xmlns:p="http://schemas.openxmlformats.org/presentationml/2006/main">
-  <p:cSld>
-    <p:spTree>
-      <p:nvGrpSpPr>
-        <p:cNvPr id="1" name=""/>
-        <p:cNvGrpSpPr/>
-        <p:nvPr/>
-      </p:nvGrpSpPr>
-      <p:grpSpPr>
-        <a:xfrm>
-          <a:off x="0" y="0"/>
-          <a:ext cx="0" cy="0"/>
-          <a:chOff x="0" y="0"/>
-          <a:chExt cx="0" cy="0"/>
-        </a:xfrm>
-      </p:grpSpPr>
-      <p:sp>
-        <p:nvSpPr>
-          <p:cNvPr id="2" name="Title 1"/>
-          <p:cNvSpPr>
-            <a:spLocks noGrp="1"/>
-          </p:cNvSpPr>
-          <p:nvPr>
-            <p:ph type="title"/>
-          </p:nvPr>
-        </p:nvSpPr>
-        <p:spPr/>
-        <p:txBody>
-          <a:bodyPr/>
-          <a:lstStyle/>
-          <a:p>
-            <a:r>
-              <a:t>Creating a Tuple</a:t>
-            </a:r>
-          </a:p>
-        </p:txBody>
-      </p:sp>
-      <p:sp>
-        <p:nvSpPr>
-          <p:cNvPr id="3" name="Content Placeholder 2"/>
-          <p:cNvSpPr>
-            <a:spLocks noGrp="1"/>
-          </p:cNvSpPr>
-          <p:nvPr>
-            <p:ph idx="1"/>
-          </p:nvPr>
-        </p:nvSpPr>
-        <p:spPr/>
-        <p:txBody>
-          <a:bodyPr/>
-          <a:lstStyle/>
-          <a:p>
-            <a:endParaRPr/>
-          </a:p>
-          <a:p>
-            <a:r>
-              <a:t>- An empty tuple: empty_tuple = ()</a:t>
-            </a:r>
-          </a:p>
-          <a:p>
-            <a:r>
-              <a:t>- A tuple of integers: int_tuple = (1, 2, 3, 4, 5)</a:t>
-            </a:r>
-          </a:p>
-          <a:p>
-            <a:r>
-              <a:t>- A tuple of strings: str_tuple = ("apple", "banana", "cherry")</a:t>
-            </a:r>
-          </a:p>
-          <a:p>
-            <a:r>
-              <a:t>- A mixed tuple: mixed_tuple = (1, "apple", 3.14, True)</a:t>
-            </a:r>
-          </a:p>
-          <a:p>
-            <a:endParaRPr/>
-          </a:p>
-        </p:txBody>
-      </p:sp>
-    </p:spTree>
-  </p:cSld>
-  <p:clrMapOvr>
-    <a:masterClrMapping/>
-  </p:clrMapOvr>
-</p:sld>
-</file>
-
-<file path=ppt/slides/slide21.xml><?xml version="1.0" encoding="utf-8"?>
-<p:sld xmlns:a="http://schemas.openxmlformats.org/drawingml/2006/main" xmlns:r="http://schemas.openxmlformats.org/officeDocument/2006/relationships" xmlns:p="http://schemas.openxmlformats.org/presentationml/2006/main">
-  <p:cSld>
-    <p:spTree>
-      <p:nvGrpSpPr>
-        <p:cNvPr id="1" name=""/>
-        <p:cNvGrpSpPr/>
-        <p:nvPr/>
-      </p:nvGrpSpPr>
-      <p:grpSpPr>
-        <a:xfrm>
-          <a:off x="0" y="0"/>
-          <a:ext cx="0" cy="0"/>
-          <a:chOff x="0" y="0"/>
-          <a:chExt cx="0" cy="0"/>
-        </a:xfrm>
-      </p:grpSpPr>
-      <p:sp>
-        <p:nvSpPr>
-          <p:cNvPr id="2" name="Title 1"/>
-          <p:cNvSpPr>
-            <a:spLocks noGrp="1"/>
-          </p:cNvSpPr>
-          <p:nvPr>
-            <p:ph type="title"/>
-          </p:nvPr>
-        </p:nvSpPr>
-        <p:spPr/>
-        <p:txBody>
-          <a:bodyPr/>
-          <a:lstStyle/>
-          <a:p>
-            <a:r>
-              <a:t>Accessing Elements in a Tuple</a:t>
-            </a:r>
-          </a:p>
-        </p:txBody>
-      </p:sp>
-      <p:sp>
-        <p:nvSpPr>
-          <p:cNvPr id="3" name="Content Placeholder 2"/>
-          <p:cNvSpPr>
-            <a:spLocks noGrp="1"/>
-          </p:cNvSpPr>
-          <p:nvPr>
-            <p:ph idx="1"/>
-          </p:nvPr>
-        </p:nvSpPr>
-        <p:spPr/>
-        <p:txBody>
-          <a:bodyPr/>
-          <a:lstStyle/>
-          <a:p>
-            <a:endParaRPr/>
-          </a:p>
-          <a:p>
-            <a:r>
-              <a:t>- Zero-based indexing</a:t>
-            </a:r>
-          </a:p>
-          <a:p>
-            <a:r>
-              <a:t>- Accessing the first element: my_tuple[0]</a:t>
-            </a:r>
-          </a:p>
-          <a:p>
-            <a:r>
-              <a:t>- Accessing the last element: my_tuple[-1]</a:t>
-            </a:r>
-          </a:p>
-          <a:p>
-            <a:endParaRPr/>
-          </a:p>
-        </p:txBody>
-      </p:sp>
-    </p:spTree>
-  </p:cSld>
-  <p:clrMapOvr>
-    <a:masterClrMapping/>
-  </p:clrMapOvr>
-</p:sld>
-</file>
-
-<file path=ppt/slides/slide22.xml><?xml version="1.0" encoding="utf-8"?>
-<p:sld xmlns:a="http://schemas.openxmlformats.org/drawingml/2006/main" xmlns:r="http://schemas.openxmlformats.org/officeDocument/2006/relationships" xmlns:p="http://schemas.openxmlformats.org/presentationml/2006/main">
-  <p:cSld>
-    <p:spTree>
-      <p:nvGrpSpPr>
-        <p:cNvPr id="1" name=""/>
-        <p:cNvGrpSpPr/>
-        <p:nvPr/>
-      </p:nvGrpSpPr>
-      <p:grpSpPr>
-        <a:xfrm>
-          <a:off x="0" y="0"/>
-          <a:ext cx="0" cy="0"/>
-          <a:chOff x="0" y="0"/>
-          <a:chExt cx="0" cy="0"/>
-        </a:xfrm>
-      </p:grpSpPr>
-      <p:sp>
-        <p:nvSpPr>
-          <p:cNvPr id="2" name="Title 1"/>
-          <p:cNvSpPr>
-            <a:spLocks noGrp="1"/>
-          </p:cNvSpPr>
-          <p:nvPr>
-            <p:ph type="title"/>
-          </p:nvPr>
-        </p:nvSpPr>
-        <p:spPr/>
-        <p:txBody>
-          <a:bodyPr/>
-          <a:lstStyle/>
-          <a:p>
-            <a:r>
-              <a:t>Common Tuple Operations</a:t>
-            </a:r>
-          </a:p>
-        </p:txBody>
-      </p:sp>
-      <p:sp>
-        <p:nvSpPr>
-          <p:cNvPr id="3" name="Content Placeholder 2"/>
-          <p:cNvSpPr>
-            <a:spLocks noGrp="1"/>
-          </p:cNvSpPr>
-          <p:nvPr>
-            <p:ph idx="1"/>
-          </p:nvPr>
-        </p:nvSpPr>
-        <p:spPr/>
-        <p:txBody>
-          <a:bodyPr/>
-          <a:lstStyle/>
-          <a:p>
-            <a:endParaRPr/>
-          </a:p>
-          <a:p>
-            <a:r>
-              <a:t>- len(tuple)</a:t>
-            </a:r>
-          </a:p>
-          <a:p>
-            <a:r>
-              <a:t>- tuple.index(value)</a:t>
-            </a:r>
-          </a:p>
-          <a:p>
-            <a:r>
-              <a:t>- tuple.count(value)</a:t>
-            </a:r>
-          </a:p>
-          <a:p>
-            <a:endParaRPr/>
-          </a:p>
-        </p:txBody>
-      </p:sp>
-    </p:spTree>
-  </p:cSld>
-  <p:clrMapOvr>
-    <a:masterClrMapping/>
-  </p:clrMapOvr>
-</p:sld>
-</file>
-
-<file path=ppt/slides/slide23.xml><?xml version="1.0" encoding="utf-8"?>
-<p:sld xmlns:a="http://schemas.openxmlformats.org/drawingml/2006/main" xmlns:r="http://schemas.openxmlformats.org/officeDocument/2006/relationships" xmlns:p="http://schemas.openxmlformats.org/presentationml/2006/main">
-  <p:cSld>
-    <p:spTree>
-      <p:nvGrpSpPr>
-        <p:cNvPr id="1" name=""/>
-        <p:cNvGrpSpPr/>
-        <p:nvPr/>
-      </p:nvGrpSpPr>
-      <p:grpSpPr>
-        <a:xfrm>
-          <a:off x="0" y="0"/>
-          <a:ext cx="0" cy="0"/>
-          <a:chOff x="0" y="0"/>
-          <a:chExt cx="0" cy="0"/>
-        </a:xfrm>
-      </p:grpSpPr>
-      <p:sp>
-        <p:nvSpPr>
-          <p:cNvPr id="2" name="Title 1"/>
-          <p:cNvSpPr>
-            <a:spLocks noGrp="1"/>
-          </p:cNvSpPr>
-          <p:nvPr>
-            <p:ph type="title"/>
-          </p:nvPr>
-        </p:nvSpPr>
-        <p:spPr/>
-        <p:txBody>
-          <a:bodyPr/>
-          <a:lstStyle/>
-          <a:p>
-            <a:r>
-              <a:t>What is a Dictionary?</a:t>
-            </a:r>
-          </a:p>
-        </p:txBody>
-      </p:sp>
-      <p:sp>
-        <p:nvSpPr>
-          <p:cNvPr id="3" name="Content Placeholder 2"/>
-          <p:cNvSpPr>
-            <a:spLocks noGrp="1"/>
-          </p:cNvSpPr>
-          <p:nvPr>
-            <p:ph idx="1"/>
-          </p:nvPr>
-        </p:nvSpPr>
-        <p:spPr/>
-        <p:txBody>
-          <a:bodyPr/>
-          <a:lstStyle/>
-          <a:p>
-            <a:endParaRPr/>
-          </a:p>
-          <a:p>
-            <a:r>
-              <a:t>- A dictionary is an unordered collection of key-value pairs.</a:t>
-            </a:r>
-          </a:p>
-          <a:p>
-            <a:r>
-              <a:t>- Keys must be unique and immutable (e.g., strings, numbers, tuples).</a:t>
-            </a:r>
-          </a:p>
-          <a:p>
-            <a:r>
-              <a:t>- Values can be of any data type and can be duplicated.</a:t>
-            </a:r>
-          </a:p>
-          <a:p>
-            <a:r>
-              <a:t>- Created using curly braces: {'key1': 'value1', 'key2': 'value2'}</a:t>
-            </a:r>
-          </a:p>
-          <a:p>
-            <a:endParaRPr/>
-          </a:p>
-        </p:txBody>
-      </p:sp>
-    </p:spTree>
-  </p:cSld>
-  <p:clrMapOvr>
-    <a:masterClrMapping/>
-  </p:clrMapOvr>
-</p:sld>
-</file>
-
-<file path=ppt/slides/slide24.xml><?xml version="1.0" encoding="utf-8"?>
-<p:sld xmlns:a="http://schemas.openxmlformats.org/drawingml/2006/main" xmlns:r="http://schemas.openxmlformats.org/officeDocument/2006/relationships" xmlns:p="http://schemas.openxmlformats.org/presentationml/2006/main">
-  <p:cSld>
-    <p:spTree>
-      <p:nvGrpSpPr>
-        <p:cNvPr id="1" name=""/>
-        <p:cNvGrpSpPr/>
-        <p:nvPr/>
-      </p:nvGrpSpPr>
-      <p:grpSpPr>
-        <a:xfrm>
-          <a:off x="0" y="0"/>
-          <a:ext cx="0" cy="0"/>
-          <a:chOff x="0" y="0"/>
-          <a:chExt cx="0" cy="0"/>
-        </a:xfrm>
-      </p:grpSpPr>
-      <p:sp>
-        <p:nvSpPr>
-          <p:cNvPr id="2" name="Title 1"/>
-          <p:cNvSpPr>
-            <a:spLocks noGrp="1"/>
-          </p:cNvSpPr>
-          <p:nvPr>
-            <p:ph type="title"/>
-          </p:nvPr>
-        </p:nvSpPr>
-        <p:spPr/>
-        <p:txBody>
-          <a:bodyPr/>
-          <a:lstStyle/>
-          <a:p>
-            <a:r>
-              <a:t>Creating a Dictionary</a:t>
-            </a:r>
-          </a:p>
-        </p:txBody>
-      </p:sp>
-      <p:sp>
-        <p:nvSpPr>
-          <p:cNvPr id="3" name="Content Placeholder 2"/>
-          <p:cNvSpPr>
-            <a:spLocks noGrp="1"/>
-          </p:cNvSpPr>
-          <p:nvPr>
-            <p:ph idx="1"/>
-          </p:nvPr>
-        </p:nvSpPr>
-        <p:spPr/>
-        <p:txBody>
-          <a:bodyPr/>
-          <a:lstStyle/>
-          <a:p>
-            <a:endParaRPr/>
-          </a:p>
-          <a:p>
-            <a:r>
-              <a:t>- An empty dictionary: empty_dict = {}</a:t>
-            </a:r>
-          </a:p>
-          <a:p>
-            <a:r>
-              <a:t>- A dictionary with key-value pairs: my_dict = {'name': 'Alice', 'age': 25}</a:t>
-            </a:r>
-          </a:p>
-          <a:p>
-            <a:endParaRPr/>
-          </a:p>
-        </p:txBody>
-      </p:sp>
-    </p:spTree>
-  </p:cSld>
-  <p:clrMapOvr>
-    <a:masterClrMapping/>
-  </p:clrMapOvr>
-</p:sld>
-</file>
-
-<file path=ppt/slides/slide25.xml><?xml version="1.0" encoding="utf-8"?>
-<p:sld xmlns:a="http://schemas.openxmlformats.org/drawingml/2006/main" xmlns:r="http://schemas.openxmlformats.org/officeDocument/2006/relationships" xmlns:p="http://schemas.openxmlformats.org/presentationml/2006/main">
-  <p:cSld>
-    <p:spTree>
-      <p:nvGrpSpPr>
-        <p:cNvPr id="1" name=""/>
-        <p:cNvGrpSpPr/>
-        <p:nvPr/>
-      </p:nvGrpSpPr>
-      <p:grpSpPr>
-        <a:xfrm>
-          <a:off x="0" y="0"/>
-          <a:ext cx="0" cy="0"/>
-          <a:chOff x="0" y="0"/>
-          <a:chExt cx="0" cy="0"/>
-        </a:xfrm>
-      </p:grpSpPr>
-      <p:sp>
-        <p:nvSpPr>
-          <p:cNvPr id="2" name="Title 1"/>
-          <p:cNvSpPr>
-            <a:spLocks noGrp="1"/>
-          </p:cNvSpPr>
-          <p:nvPr>
-            <p:ph type="title"/>
-          </p:nvPr>
-        </p:nvSpPr>
-        <p:spPr/>
-        <p:txBody>
-          <a:bodyPr/>
-          <a:lstStyle/>
-          <a:p>
-            <a:r>
-              <a:t>Accessing Values</a:t>
-            </a:r>
-          </a:p>
-        </p:txBody>
-      </p:sp>
-      <p:sp>
-        <p:nvSpPr>
-          <p:cNvPr id="3" name="Content Placeholder 2"/>
-          <p:cNvSpPr>
-            <a:spLocks noGrp="1"/>
-          </p:cNvSpPr>
-          <p:nvPr>
-            <p:ph idx="1"/>
-          </p:nvPr>
-        </p:nvSpPr>
-        <p:spPr/>
-        <p:txBody>
-          <a:bodyPr/>
-          <a:lstStyle/>
-          <a:p>
-            <a:endParaRPr/>
-          </a:p>
-          <a:p>
-            <a:r>
-              <a:t>- Access value by key: my_dict['name']</a:t>
-            </a:r>
-          </a:p>
-          <a:p>
-            <a:r>
-              <a:t>- Using get() method: my_dict.get('name')</a:t>
-            </a:r>
-          </a:p>
-          <a:p>
-            <a:endParaRPr/>
-          </a:p>
-        </p:txBody>
-      </p:sp>
-    </p:spTree>
-  </p:cSld>
-  <p:clrMapOvr>
-    <a:masterClrMapping/>
-  </p:clrMapOvr>
-</p:sld>
-</file>
-
-<file path=ppt/slides/slide26.xml><?xml version="1.0" encoding="utf-8"?>
-<p:sld xmlns:a="http://schemas.openxmlformats.org/drawingml/2006/main" xmlns:r="http://schemas.openxmlformats.org/officeDocument/2006/relationships" xmlns:p="http://schemas.openxmlformats.org/presentationml/2006/main">
-  <p:cSld>
-    <p:spTree>
-      <p:nvGrpSpPr>
-        <p:cNvPr id="1" name=""/>
-        <p:cNvGrpSpPr/>
-        <p:nvPr/>
-      </p:nvGrpSpPr>
-      <p:grpSpPr>
-        <a:xfrm>
-          <a:off x="0" y="0"/>
-          <a:ext cx="0" cy="0"/>
-          <a:chOff x="0" y="0"/>
-          <a:chExt cx="0" cy="0"/>
-        </a:xfrm>
-      </p:grpSpPr>
-      <p:sp>
-        <p:nvSpPr>
-          <p:cNvPr id="2" name="Title 1"/>
-          <p:cNvSpPr>
-            <a:spLocks noGrp="1"/>
-          </p:cNvSpPr>
-          <p:nvPr>
-            <p:ph type="title"/>
-          </p:nvPr>
-        </p:nvSpPr>
-        <p:spPr/>
-        <p:txBody>
-          <a:bodyPr/>
-          <a:lstStyle/>
-          <a:p>
-            <a:r>
-              <a:t>Modifying Values</a:t>
-            </a:r>
-          </a:p>
-        </p:txBody>
-      </p:sp>
-      <p:sp>
-        <p:nvSpPr>
-          <p:cNvPr id="3" name="Content Placeholder 2"/>
-          <p:cNvSpPr>
-            <a:spLocks noGrp="1"/>
-          </p:cNvSpPr>
-          <p:nvPr>
-            <p:ph idx="1"/>
-          </p:nvPr>
-        </p:nvSpPr>
-        <p:spPr/>
-        <p:txBody>
-          <a:bodyPr/>
-          <a:lstStyle/>
-          <a:p>
-            <a:endParaRPr/>
-          </a:p>
-          <a:p>
-            <a:r>
-              <a:t>- Change an existing value: my_dict['age'] = 26</a:t>
-            </a:r>
-          </a:p>
-          <a:p>
-            <a:r>
-              <a:t>- Add a new key-value pair: my_dict['city'] = 'New York'</a:t>
-            </a:r>
-          </a:p>
-          <a:p>
-            <a:endParaRPr/>
-          </a:p>
-        </p:txBody>
-      </p:sp>
-    </p:spTree>
-  </p:cSld>
-  <p:clrMapOvr>
-    <a:masterClrMapping/>
-  </p:clrMapOvr>
-</p:sld>
-</file>
-
-<file path=ppt/slides/slide27.xml><?xml version="1.0" encoding="utf-8"?>
-<p:sld xmlns:a="http://schemas.openxmlformats.org/drawingml/2006/main" xmlns:r="http://schemas.openxmlformats.org/officeDocument/2006/relationships" xmlns:p="http://schemas.openxmlformats.org/presentationml/2006/main">
-  <p:cSld>
-    <p:spTree>
-      <p:nvGrpSpPr>
-        <p:cNvPr id="1" name=""/>
-        <p:cNvGrpSpPr/>
-        <p:nvPr/>
-      </p:nvGrpSpPr>
-      <p:grpSpPr>
-        <a:xfrm>
-          <a:off x="0" y="0"/>
-          <a:ext cx="0" cy="0"/>
-          <a:chOff x="0" y="0"/>
-          <a:chExt cx="0" cy="0"/>
-        </a:xfrm>
-      </p:grpSpPr>
-      <p:sp>
-        <p:nvSpPr>
-          <p:cNvPr id="2" name="Title 1"/>
-          <p:cNvSpPr>
-            <a:spLocks noGrp="1"/>
-          </p:cNvSpPr>
-          <p:nvPr>
-            <p:ph type="title"/>
-          </p:nvPr>
-        </p:nvSpPr>
-        <p:spPr/>
-        <p:txBody>
-          <a:bodyPr/>
-          <a:lstStyle/>
-          <a:p>
-            <a:r>
-              <a:t>Removing Key-Value Pairs</a:t>
-            </a:r>
-          </a:p>
-        </p:txBody>
-      </p:sp>
-      <p:sp>
-        <p:nvSpPr>
-          <p:cNvPr id="3" name="Content Placeholder 2"/>
-          <p:cNvSpPr>
-            <a:spLocks noGrp="1"/>
-          </p:cNvSpPr>
-          <p:nvPr>
-            <p:ph idx="1"/>
-          </p:nvPr>
-        </p:nvSpPr>
-        <p:spPr/>
-        <p:txBody>
-          <a:bodyPr/>
-          <a:lstStyle/>
-          <a:p>
-            <a:endParaRPr/>
-          </a:p>
-          <a:p>
-            <a:r>
-              <a:t>- Using pop() method: my_dict.pop('age')</a:t>
-            </a:r>
-          </a:p>
-          <a:p>
-            <a:r>
-              <a:t>- Using del statement: del my_dict['name']</a:t>
-            </a:r>
-          </a:p>
-          <a:p>
-            <a:r>
-              <a:t>- Using popitem() method to remove the last inserted item: my_dict.popitem()</a:t>
-            </a:r>
-          </a:p>
-          <a:p>
-            <a:endParaRPr/>
-          </a:p>
-        </p:txBody>
-      </p:sp>
-    </p:spTree>
-  </p:cSld>
-  <p:clrMapOvr>
-    <a:masterClrMapping/>
-  </p:clrMapOvr>
-</p:sld>
-</file>
-
-<file path=ppt/slides/slide28.xml><?xml version="1.0" encoding="utf-8"?>
-<p:sld xmlns:a="http://schemas.openxmlformats.org/drawingml/2006/main" xmlns:r="http://schemas.openxmlformats.org/officeDocument/2006/relationships" xmlns:p="http://schemas.openxmlformats.org/presentationml/2006/main">
-  <p:cSld>
-    <p:spTree>
-      <p:nvGrpSpPr>
-        <p:cNvPr id="1" name=""/>
-        <p:cNvGrpSpPr/>
-        <p:nvPr/>
-      </p:nvGrpSpPr>
-      <p:grpSpPr>
-        <a:xfrm>
-          <a:off x="0" y="0"/>
-          <a:ext cx="0" cy="0"/>
-          <a:chOff x="0" y="0"/>
-          <a:chExt cx="0" cy="0"/>
-        </a:xfrm>
-      </p:grpSpPr>
-      <p:sp>
-        <p:nvSpPr>
-          <p:cNvPr id="2" name="Title 1"/>
-          <p:cNvSpPr>
-            <a:spLocks noGrp="1"/>
-          </p:cNvSpPr>
-          <p:nvPr>
-            <p:ph type="title"/>
-          </p:nvPr>
-        </p:nvSpPr>
-        <p:spPr/>
-        <p:txBody>
-          <a:bodyPr/>
-          <a:lstStyle/>
-          <a:p>
-            <a:r>
-              <a:t>Dictionary Methods</a:t>
-            </a:r>
-          </a:p>
-        </p:txBody>
-      </p:sp>
-      <p:sp>
-        <p:nvSpPr>
-          <p:cNvPr id="3" name="Content Placeholder 2"/>
-          <p:cNvSpPr>
-            <a:spLocks noGrp="1"/>
-          </p:cNvSpPr>
-          <p:nvPr>
-            <p:ph idx="1"/>
-          </p:nvPr>
-        </p:nvSpPr>
-        <p:spPr/>
-        <p:txBody>
-          <a:bodyPr/>
-          <a:lstStyle/>
-          <a:p>
-            <a:endParaRPr/>
-          </a:p>
-          <a:p>
-            <a:r>
-              <a:t>- keys(): Returns a view object of all keys</a:t>
-            </a:r>
-          </a:p>
-          <a:p>
-            <a:r>
-              <a:t>- values(): Returns a view object of all values</a:t>
-            </a:r>
-          </a:p>
-          <a:p>
-            <a:r>
-              <a:t>- items(): Returns a view object of all key-value pairs</a:t>
-            </a:r>
-          </a:p>
-          <a:p>
-            <a:r>
-              <a:t>- update(): Updates the dictionary with elements from another dictionary</a:t>
-            </a:r>
-          </a:p>
-          <a:p>
-            <a:endParaRPr/>
-          </a:p>
-        </p:txBody>
-      </p:sp>
-    </p:spTree>
-  </p:cSld>
-  <p:clrMapOvr>
-    <a:masterClrMapping/>
-  </p:clrMapOvr>
-</p:sld>
-</file>
-
-<file path=ppt/slides/slide29.xml><?xml version="1.0" encoding="utf-8"?>
-<p:sld xmlns:a="http://schemas.openxmlformats.org/drawingml/2006/main" xmlns:r="http://schemas.openxmlformats.org/officeDocument/2006/relationships" xmlns:p="http://schemas.openxmlformats.org/presentationml/2006/main">
-  <p:cSld>
-    <p:spTree>
-      <p:nvGrpSpPr>
-        <p:cNvPr id="1" name=""/>
-        <p:cNvGrpSpPr/>
-        <p:nvPr/>
-      </p:nvGrpSpPr>
-      <p:grpSpPr>
-        <a:xfrm>
-          <a:off x="0" y="0"/>
-          <a:ext cx="0" cy="0"/>
-          <a:chOff x="0" y="0"/>
-          <a:chExt cx="0" cy="0"/>
-        </a:xfrm>
-      </p:grpSpPr>
-      <p:sp>
-        <p:nvSpPr>
-          <p:cNvPr id="2" name="Title 1"/>
-          <p:cNvSpPr>
-            <a:spLocks noGrp="1"/>
-          </p:cNvSpPr>
-          <p:nvPr>
-            <p:ph type="title"/>
-          </p:nvPr>
-        </p:nvSpPr>
-        <p:spPr/>
-        <p:txBody>
-          <a:bodyPr/>
-          <a:lstStyle/>
-          <a:p>
-            <a:r>
-              <a:t>Looping Through a Dictionary</a:t>
-            </a:r>
-          </a:p>
-        </p:txBody>
-      </p:sp>
-      <p:sp>
-        <p:nvSpPr>
-          <p:cNvPr id="3" name="Content Placeholder 2"/>
-          <p:cNvSpPr>
-            <a:spLocks noGrp="1"/>
-          </p:cNvSpPr>
-          <p:nvPr>
-            <p:ph idx="1"/>
-          </p:nvPr>
-        </p:nvSpPr>
-        <p:spPr/>
-        <p:txBody>
-          <a:bodyPr/>
-          <a:lstStyle/>
-          <a:p>
-            <a:endParaRPr/>
-          </a:p>
-          <a:p>
-            <a:r>
-              <a:t>- Loop through keys: for key in my_dict</a:t>
-            </a:r>
-          </a:p>
-          <a:p>
-            <a:r>
-              <a:t>- Loop through values: for value in my_dict.values()</a:t>
-            </a:r>
-          </a:p>
-          <a:p>
-            <a:r>
-              <a:t>- Loop through key-value pairs: for key, value in my_dict.items()</a:t>
-            </a:r>
-          </a:p>
-          <a:p>
-            <a:endParaRPr/>
-          </a:p>
-        </p:txBody>
-      </p:sp>
-    </p:spTree>
-  </p:cSld>
-  <p:clrMapOvr>
-    <a:masterClrMapping/>
-  </p:clrMapOvr>
-</p:sld>
-</file>
-
-<file path=ppt/slides/slide3.xml><?xml version="1.0" encoding="utf-8"?>
-<p:sld xmlns:a="http://schemas.openxmlformats.org/drawingml/2006/main" xmlns:r="http://schemas.openxmlformats.org/officeDocument/2006/relationships" xmlns:p="http://schemas.openxmlformats.org/presentationml/2006/main">
-  <p:cSld>
-    <p:spTree>
-      <p:nvGrpSpPr>
-        <p:cNvPr id="1" name=""/>
-        <p:cNvGrpSpPr/>
-        <p:nvPr/>
-      </p:nvGrpSpPr>
-      <p:grpSpPr>
-        <a:xfrm>
-          <a:off x="0" y="0"/>
-          <a:ext cx="0" cy="0"/>
-          <a:chOff x="0" y="0"/>
-          <a:chExt cx="0" cy="0"/>
-        </a:xfrm>
-      </p:grpSpPr>
-      <p:sp>
-        <p:nvSpPr>
-          <p:cNvPr id="2" name="Title 1"/>
-          <p:cNvSpPr>
-            <a:spLocks noGrp="1"/>
-          </p:cNvSpPr>
-          <p:nvPr>
-            <p:ph type="title"/>
-          </p:nvPr>
-        </p:nvSpPr>
-        <p:spPr/>
-        <p:txBody>
-          <a:bodyPr/>
-          <a:lstStyle/>
-          <a:p>
-            <a:r>
-              <a:t>Creating Strings</a:t>
-            </a:r>
-          </a:p>
-        </p:txBody>
-      </p:sp>
-      <p:sp>
-        <p:nvSpPr>
-          <p:cNvPr id="3" name="Content Placeholder 2"/>
-          <p:cNvSpPr>
-            <a:spLocks noGrp="1"/>
-          </p:cNvSpPr>
-          <p:nvPr>
-            <p:ph idx="1"/>
-          </p:nvPr>
-        </p:nvSpPr>
-        <p:spPr/>
-        <p:txBody>
-          <a:bodyPr/>
-          <a:lstStyle/>
-          <a:p>
-            <a:endParaRPr/>
-          </a:p>
-          <a:p>
-            <a:r>
-              <a:t>- Single quotes: 'Hello'</a:t>
-            </a:r>
-          </a:p>
-          <a:p>
-            <a:r>
-              <a:t>- Double quotes: "Hello"</a:t>
-            </a:r>
-          </a:p>
-          <a:p>
-            <a:r>
-              <a:t>- Triple quotes for multi-line strings: '''Hello'''</a:t>
-            </a:r>
-          </a:p>
-          <a:p>
-            <a:endParaRPr/>
-          </a:p>
-        </p:txBody>
-      </p:sp>
-    </p:spTree>
-  </p:cSld>
-  <p:clrMapOvr>
-    <a:masterClrMapping/>
-  </p:clrMapOvr>
-</p:sld>
-</file>
-
-<file path=ppt/slides/slide30.xml><?xml version="1.0" encoding="utf-8"?>
-<p:sld xmlns:a="http://schemas.openxmlformats.org/drawingml/2006/main" xmlns:r="http://schemas.openxmlformats.org/officeDocument/2006/relationships" xmlns:p="http://schemas.openxmlformats.org/presentationml/2006/main">
-  <p:cSld>
-    <p:spTree>
-      <p:nvGrpSpPr>
-        <p:cNvPr id="1" name=""/>
-        <p:cNvGrpSpPr/>
-        <p:nvPr/>
-      </p:nvGrpSpPr>
-      <p:grpSpPr>
-        <a:xfrm>
-          <a:off x="0" y="0"/>
-          <a:ext cx="0" cy="0"/>
-          <a:chOff x="0" y="0"/>
-          <a:chExt cx="0" cy="0"/>
-        </a:xfrm>
-      </p:grpSpPr>
-      <p:sp>
-        <p:nvSpPr>
-          <p:cNvPr id="2" name="Title 1"/>
-          <p:cNvSpPr>
-            <a:spLocks noGrp="1"/>
-          </p:cNvSpPr>
-          <p:nvPr>
-            <p:ph type="title"/>
-          </p:nvPr>
-        </p:nvSpPr>
-        <p:spPr/>
-        <p:txBody>
-          <a:bodyPr/>
-          <a:lstStyle/>
-          <a:p>
-            <a:r>
-              <a:t>Dictionary Comprehensions</a:t>
-            </a:r>
-          </a:p>
-        </p:txBody>
-      </p:sp>
-      <p:sp>
-        <p:nvSpPr>
-          <p:cNvPr id="3" name="Content Placeholder 2"/>
-          <p:cNvSpPr>
-            <a:spLocks noGrp="1"/>
-          </p:cNvSpPr>
-          <p:nvPr>
-            <p:ph idx="1"/>
-          </p:nvPr>
-        </p:nvSpPr>
-        <p:spPr/>
-        <p:txBody>
-          <a:bodyPr/>
-          <a:lstStyle/>
-          <a:p>
-            <a:endParaRPr/>
-          </a:p>
-          <a:p>
-            <a:r>
-              <a:t>- Create dictionaries concisely</a:t>
-            </a:r>
-          </a:p>
-          <a:p>
-            <a:r>
-              <a:t>- Example: squares = {x: x**2 for x in range(5)}</a:t>
-            </a:r>
-          </a:p>
-          <a:p>
-            <a:endParaRPr/>
-          </a:p>
-        </p:txBody>
-      </p:sp>
-    </p:spTree>
-  </p:cSld>
-  <p:clrMapOvr>
-    <a:masterClrMapping/>
-  </p:clrMapOvr>
-</p:sld>
-</file>
-
-<file path=ppt/slides/slide31.xml><?xml version="1.0" encoding="utf-8"?>
-<p:sld xmlns:a="http://schemas.openxmlformats.org/drawingml/2006/main" xmlns:r="http://schemas.openxmlformats.org/officeDocument/2006/relationships" xmlns:p="http://schemas.openxmlformats.org/presentationml/2006/main">
-  <p:cSld>
-    <p:spTree>
-      <p:nvGrpSpPr>
-        <p:cNvPr id="1" name=""/>
-        <p:cNvGrpSpPr/>
-        <p:nvPr/>
-      </p:nvGrpSpPr>
-      <p:grpSpPr>
-        <a:xfrm>
-          <a:off x="0" y="0"/>
-          <a:ext cx="0" cy="0"/>
-          <a:chOff x="0" y="0"/>
-          <a:chExt cx="0" cy="0"/>
-        </a:xfrm>
-      </p:grpSpPr>
-      <p:sp>
-        <p:nvSpPr>
-          <p:cNvPr id="2" name="Title 1"/>
-          <p:cNvSpPr>
-            <a:spLocks noGrp="1"/>
-          </p:cNvSpPr>
-          <p:nvPr>
-            <p:ph type="title"/>
-          </p:nvPr>
-        </p:nvSpPr>
-        <p:spPr/>
-        <p:txBody>
-          <a:bodyPr/>
-          <a:lstStyle/>
-          <a:p>
-            <a:r>
-              <a:t>Nested Dictionaries</a:t>
-            </a:r>
-          </a:p>
-        </p:txBody>
-      </p:sp>
-      <p:sp>
-        <p:nvSpPr>
-          <p:cNvPr id="3" name="Content Placeholder 2"/>
-          <p:cNvSpPr>
-            <a:spLocks noGrp="1"/>
-          </p:cNvSpPr>
-          <p:nvPr>
-            <p:ph idx="1"/>
-          </p:nvPr>
-        </p:nvSpPr>
-        <p:spPr/>
-        <p:txBody>
-          <a:bodyPr/>
-          <a:lstStyle/>
-          <a:p>
-            <a:endParaRPr/>
-          </a:p>
-          <a:p>
-            <a:r>
-              <a:t>- A dictionary within a dictionary</a:t>
-            </a:r>
-          </a:p>
-          <a:p>
-            <a:r>
-              <a:t>- Example: nested_dict = {'parent': {'child': 'value'}}</a:t>
-            </a:r>
-          </a:p>
-          <a:p>
-            <a:endParaRPr/>
-          </a:p>
-        </p:txBody>
-      </p:sp>
-    </p:spTree>
-  </p:cSld>
-  <p:clrMapOvr>
-    <a:masterClrMapping/>
-  </p:clrMapOvr>
-</p:sld>
-</file>
-
-<file path=ppt/slides/slide32.xml><?xml version="1.0" encoding="utf-8"?>
-<p:sld xmlns:a="http://schemas.openxmlformats.org/drawingml/2006/main" xmlns:r="http://schemas.openxmlformats.org/officeDocument/2006/relationships" xmlns:p="http://schemas.openxmlformats.org/presentationml/2006/main">
-  <p:cSld>
-    <p:spTree>
-      <p:nvGrpSpPr>
-        <p:cNvPr id="1" name=""/>
-        <p:cNvGrpSpPr/>
-        <p:nvPr/>
-      </p:nvGrpSpPr>
-      <p:grpSpPr>
-        <a:xfrm>
-          <a:off x="0" y="0"/>
-          <a:ext cx="0" cy="0"/>
-          <a:chOff x="0" y="0"/>
-          <a:chExt cx="0" cy="0"/>
-        </a:xfrm>
-      </p:grpSpPr>
-      <p:sp>
-        <p:nvSpPr>
-          <p:cNvPr id="2" name="Title 1"/>
-          <p:cNvSpPr>
-            <a:spLocks noGrp="1"/>
-          </p:cNvSpPr>
-          <p:nvPr>
-            <p:ph type="title"/>
-          </p:nvPr>
-        </p:nvSpPr>
-        <p:spPr/>
-        <p:txBody>
-          <a:bodyPr>
-            <a:normAutofit fontScale="90000"/>
-          </a:bodyPr>
-          <a:lstStyle/>
-          <a:p>
-            <a:r>
-              <a:t>Differences Between Lists and Dictionaries</a:t>
-            </a:r>
-          </a:p>
-        </p:txBody>
-      </p:sp>
-      <p:sp>
-        <p:nvSpPr>
-          <p:cNvPr id="3" name="Content Placeholder 2"/>
-          <p:cNvSpPr>
-            <a:spLocks noGrp="1"/>
-          </p:cNvSpPr>
-          <p:nvPr>
-            <p:ph idx="1"/>
-          </p:nvPr>
-        </p:nvSpPr>
-        <p:spPr/>
-        <p:txBody>
-          <a:bodyPr/>
-          <a:lstStyle/>
-          <a:p>
-            <a:endParaRPr/>
-          </a:p>
-          <a:p>
-            <a:r>
-              <a:t>- Lists are ordered collections, while dictionaries are unordered.</a:t>
-            </a:r>
-          </a:p>
-          <a:p>
-            <a:r>
-              <a:t>- Lists use integer indices to access elements, while dictionaries use keys.</a:t>
-            </a:r>
-          </a:p>
-          <a:p>
-            <a:r>
-              <a:t>- Lists are mutable and allow duplicate elements, while dictionaries require unique keys.</a:t>
-            </a:r>
-          </a:p>
-          <a:p>
-            <a:r>
-              <a:t>- Use lists for ordered data and dictionaries for key-value pairs.</a:t>
-            </a:r>
-          </a:p>
-          <a:p>
-            <a:endParaRPr/>
-          </a:p>
-        </p:txBody>
-      </p:sp>
-    </p:spTree>
-  </p:cSld>
-  <p:clrMapOvr>
-    <a:masterClrMapping/>
-  </p:clrMapOvr>
-</p:sld>
-</file>
-
-<file path=ppt/slides/slide4.xml><?xml version="1.0" encoding="utf-8"?>
-<p:sld xmlns:a="http://schemas.openxmlformats.org/drawingml/2006/main" xmlns:r="http://schemas.openxmlformats.org/officeDocument/2006/relationships" xmlns:p="http://schemas.openxmlformats.org/presentationml/2006/main">
-  <p:cSld>
-    <p:spTree>
-      <p:nvGrpSpPr>
-        <p:cNvPr id="1" name=""/>
-        <p:cNvGrpSpPr/>
-        <p:nvPr/>
-      </p:nvGrpSpPr>
-      <p:grpSpPr>
-        <a:xfrm>
-          <a:off x="0" y="0"/>
-          <a:ext cx="0" cy="0"/>
-          <a:chOff x="0" y="0"/>
-          <a:chExt cx="0" cy="0"/>
-        </a:xfrm>
-      </p:grpSpPr>
-      <p:sp>
-        <p:nvSpPr>
-          <p:cNvPr id="2" name="Title 1"/>
-          <p:cNvSpPr>
-            <a:spLocks noGrp="1"/>
-          </p:cNvSpPr>
-          <p:nvPr>
-            <p:ph type="title"/>
-          </p:nvPr>
-        </p:nvSpPr>
-        <p:spPr/>
-        <p:txBody>
-          <a:bodyPr/>
-          <a:lstStyle/>
-          <a:p>
-            <a:r>
-              <a:t>Accessing Characters</a:t>
-            </a:r>
-          </a:p>
-        </p:txBody>
-      </p:sp>
-      <p:sp>
-        <p:nvSpPr>
-          <p:cNvPr id="3" name="Content Placeholder 2"/>
-          <p:cNvSpPr>
-            <a:spLocks noGrp="1"/>
-          </p:cNvSpPr>
-          <p:nvPr>
-            <p:ph idx="1"/>
-          </p:nvPr>
-        </p:nvSpPr>
-        <p:spPr/>
-        <p:txBody>
-          <a:bodyPr/>
-          <a:lstStyle/>
-          <a:p>
-            <a:endParaRPr/>
-          </a:p>
-          <a:p>
-            <a:r>
-              <a:t>- Zero-based indexing</a:t>
-            </a:r>
-          </a:p>
-          <a:p>
-            <a:r>
-              <a:t>- Accessing the first character: my_string[0]</a:t>
-            </a:r>
-          </a:p>
-          <a:p>
-            <a:r>
-              <a:t>- Accessing the last character: my_string[-1]</a:t>
-            </a:r>
-          </a:p>
-          <a:p>
-            <a:endParaRPr/>
-          </a:p>
-        </p:txBody>
-      </p:sp>
-    </p:spTree>
-  </p:cSld>
-  <p:clrMapOvr>
-    <a:masterClrMapping/>
-  </p:clrMapOvr>
-</p:sld>
-</file>
-
-<file path=ppt/slides/slide5.xml><?xml version="1.0" encoding="utf-8"?>
-<p:sld xmlns:a="http://schemas.openxmlformats.org/drawingml/2006/main" xmlns:r="http://schemas.openxmlformats.org/officeDocument/2006/relationships" xmlns:p="http://schemas.openxmlformats.org/presentationml/2006/main">
-  <p:cSld>
-    <p:spTree>
-      <p:nvGrpSpPr>
-        <p:cNvPr id="1" name=""/>
-        <p:cNvGrpSpPr/>
-        <p:nvPr/>
-      </p:nvGrpSpPr>
-      <p:grpSpPr>
-        <a:xfrm>
-          <a:off x="0" y="0"/>
-          <a:ext cx="0" cy="0"/>
-          <a:chOff x="0" y="0"/>
-          <a:chExt cx="0" cy="0"/>
-        </a:xfrm>
-      </p:grpSpPr>
-      <p:sp>
-        <p:nvSpPr>
-          <p:cNvPr id="2" name="Title 1"/>
-          <p:cNvSpPr>
-            <a:spLocks noGrp="1"/>
-          </p:cNvSpPr>
-          <p:nvPr>
-            <p:ph type="title"/>
-          </p:nvPr>
-        </p:nvSpPr>
-        <p:spPr/>
-        <p:txBody>
-          <a:bodyPr/>
-          <a:lstStyle/>
-          <a:p>
-            <a:r>
-              <a:t>Slicing Strings</a:t>
-            </a:r>
-          </a:p>
-        </p:txBody>
-      </p:sp>
-      <p:sp>
-        <p:nvSpPr>
-          <p:cNvPr id="3" name="Content Placeholder 2"/>
-          <p:cNvSpPr>
-            <a:spLocks noGrp="1"/>
-          </p:cNvSpPr>
-          <p:nvPr>
-            <p:ph idx="1"/>
-          </p:nvPr>
-        </p:nvSpPr>
-        <p:spPr/>
-        <p:txBody>
-          <a:bodyPr/>
-          <a:lstStyle/>
-          <a:p>
-            <a:endParaRPr/>
-          </a:p>
-          <a:p>
-            <a:r>
-              <a:t>- Access a substring: my_string[1:4]</a:t>
-            </a:r>
-          </a:p>
-          <a:p>
-            <a:r>
-              <a:t>- Slicing with a step: my_string[0:5:2]</a:t>
-            </a:r>
-          </a:p>
-          <a:p>
-            <a:endParaRPr/>
-          </a:p>
-        </p:txBody>
-      </p:sp>
-    </p:spTree>
-  </p:cSld>
-  <p:clrMapOvr>
-    <a:masterClrMapping/>
-  </p:clrMapOvr>
-</p:sld>
-</file>
-
-<file path=ppt/slides/slide6.xml><?xml version="1.0" encoding="utf-8"?>
-<p:sld xmlns:a="http://schemas.openxmlformats.org/drawingml/2006/main" xmlns:r="http://schemas.openxmlformats.org/officeDocument/2006/relationships" xmlns:p="http://schemas.openxmlformats.org/presentationml/2006/main">
-  <p:cSld>
-    <p:spTree>
-      <p:nvGrpSpPr>
-        <p:cNvPr id="1" name=""/>
-        <p:cNvGrpSpPr/>
-        <p:nvPr/>
-      </p:nvGrpSpPr>
-      <p:grpSpPr>
-        <a:xfrm>
-          <a:off x="0" y="0"/>
-          <a:ext cx="0" cy="0"/>
-          <a:chOff x="0" y="0"/>
-          <a:chExt cx="0" cy="0"/>
-        </a:xfrm>
-      </p:grpSpPr>
-      <p:sp>
-        <p:nvSpPr>
-          <p:cNvPr id="2" name="Title 1"/>
-          <p:cNvSpPr>
-            <a:spLocks noGrp="1"/>
-          </p:cNvSpPr>
-          <p:nvPr>
-            <p:ph type="title"/>
-          </p:nvPr>
-        </p:nvSpPr>
-        <p:spPr/>
-        <p:txBody>
-          <a:bodyPr/>
-          <a:lstStyle/>
-          <a:p>
-            <a:r>
-              <a:t>String Methods</a:t>
-            </a:r>
-          </a:p>
-        </p:txBody>
-      </p:sp>
-      <p:sp>
-        <p:nvSpPr>
-          <p:cNvPr id="3" name="Content Placeholder 2"/>
-          <p:cNvSpPr>
-            <a:spLocks noGrp="1"/>
-          </p:cNvSpPr>
-          <p:nvPr>
-            <p:ph idx="1"/>
-          </p:nvPr>
-        </p:nvSpPr>
-        <p:spPr/>
-        <p:txBody>
-          <a:bodyPr/>
-          <a:lstStyle/>
-          <a:p>
-            <a:endParaRPr/>
-          </a:p>
-          <a:p>
-            <a:r>
-              <a:t>- Convert to uppercase: my_string.upper()</a:t>
-            </a:r>
-          </a:p>
-          <a:p>
-            <a:r>
-              <a:t>- Convert to lowercase: my_string.lower()</a:t>
-            </a:r>
-          </a:p>
-          <a:p>
-            <a:r>
-              <a:t>- Split a string: my_string.split()</a:t>
-            </a:r>
-          </a:p>
-          <a:p>
-            <a:r>
-              <a:t>- Join a list of strings: ' '.join(list_of_strings)</a:t>
-            </a:r>
-          </a:p>
-          <a:p>
-            <a:endParaRPr/>
-          </a:p>
-        </p:txBody>
-      </p:sp>
-    </p:spTree>
-  </p:cSld>
-  <p:clrMapOvr>
-    <a:masterClrMapping/>
-  </p:clrMapOvr>
-</p:sld>
-</file>
-
-<file path=ppt/slides/slide7.xml><?xml version="1.0" encoding="utf-8"?>
-<p:sld xmlns:a="http://schemas.openxmlformats.org/drawingml/2006/main" xmlns:r="http://schemas.openxmlformats.org/officeDocument/2006/relationships" xmlns:p="http://schemas.openxmlformats.org/presentationml/2006/main">
-  <p:cSld>
-    <p:spTree>
-      <p:nvGrpSpPr>
-        <p:cNvPr id="1" name=""/>
-        <p:cNvGrpSpPr/>
-        <p:nvPr/>
-      </p:nvGrpSpPr>
-      <p:grpSpPr>
-        <a:xfrm>
-          <a:off x="0" y="0"/>
-          <a:ext cx="0" cy="0"/>
-          <a:chOff x="0" y="0"/>
-          <a:chExt cx="0" cy="0"/>
-        </a:xfrm>
-      </p:grpSpPr>
-      <p:sp>
-        <p:nvSpPr>
-          <p:cNvPr id="2" name="Title 1"/>
-          <p:cNvSpPr>
-            <a:spLocks noGrp="1"/>
-          </p:cNvSpPr>
-          <p:nvPr>
-            <p:ph type="title"/>
-          </p:nvPr>
-        </p:nvSpPr>
-        <p:spPr/>
-        <p:txBody>
-          <a:bodyPr/>
-          <a:lstStyle/>
-          <a:p>
-            <a:r>
-              <a:t>String Concatenation</a:t>
-            </a:r>
-          </a:p>
-        </p:txBody>
-      </p:sp>
-      <p:sp>
-        <p:nvSpPr>
-          <p:cNvPr id="3" name="Content Placeholder 2"/>
-          <p:cNvSpPr>
-            <a:spLocks noGrp="1"/>
-          </p:cNvSpPr>
-          <p:nvPr>
-            <p:ph idx="1"/>
-          </p:nvPr>
-        </p:nvSpPr>
-        <p:spPr/>
-        <p:txBody>
-          <a:bodyPr/>
-          <a:lstStyle/>
-          <a:p>
-            <a:endParaRPr/>
-          </a:p>
-          <a:p>
-            <a:r>
-              <a:t>- Using + operator: 'Hello' + ' ' + 'World'</a:t>
-            </a:r>
-          </a:p>
-          <a:p>
-            <a:r>
-              <a:t>- Using join method: ' '.join(['Hello', 'World'])</a:t>
-            </a:r>
-          </a:p>
-          <a:p>
-            <a:endParaRPr/>
-          </a:p>
-        </p:txBody>
-      </p:sp>
-    </p:spTree>
-  </p:cSld>
-  <p:clrMapOvr>
-    <a:masterClrMapping/>
-  </p:clrMapOvr>
-</p:sld>
-</file>
-
-<file path=ppt/slides/slide8.xml><?xml version="1.0" encoding="utf-8"?>
-<p:sld xmlns:a="http://schemas.openxmlformats.org/drawingml/2006/main" xmlns:r="http://schemas.openxmlformats.org/officeDocument/2006/relationships" xmlns:p="http://schemas.openxmlformats.org/presentationml/2006/main">
-  <p:cSld>
-    <p:spTree>
-      <p:nvGrpSpPr>
-        <p:cNvPr id="1" name=""/>
-        <p:cNvGrpSpPr/>
-        <p:nvPr/>
-      </p:nvGrpSpPr>
-      <p:grpSpPr>
-        <a:xfrm>
-          <a:off x="0" y="0"/>
-          <a:ext cx="0" cy="0"/>
-          <a:chOff x="0" y="0"/>
-          <a:chExt cx="0" cy="0"/>
-        </a:xfrm>
-      </p:grpSpPr>
-      <p:sp>
-        <p:nvSpPr>
-          <p:cNvPr id="2" name="Title 1"/>
-          <p:cNvSpPr>
-            <a:spLocks noGrp="1"/>
-          </p:cNvSpPr>
-          <p:nvPr>
-            <p:ph type="title"/>
-          </p:nvPr>
-        </p:nvSpPr>
-        <p:spPr/>
-        <p:txBody>
-          <a:bodyPr/>
-          <a:lstStyle/>
-          <a:p>
-            <a:r>
-              <a:t>String Formatting</a:t>
-            </a:r>
-          </a:p>
-        </p:txBody>
-      </p:sp>
-      <p:sp>
-        <p:nvSpPr>
-          <p:cNvPr id="3" name="Content Placeholder 2"/>
-          <p:cNvSpPr>
-            <a:spLocks noGrp="1"/>
-          </p:cNvSpPr>
-          <p:nvPr>
-            <p:ph idx="1"/>
-          </p:nvPr>
-        </p:nvSpPr>
-        <p:spPr/>
-        <p:txBody>
-          <a:bodyPr/>
-          <a:lstStyle/>
-          <a:p>
-            <a:endParaRPr/>
-          </a:p>
-          <a:p>
-            <a:r>
-              <a:t>- Using % operator: 'Hello %s' % 'World'</a:t>
-            </a:r>
-          </a:p>
-          <a:p>
-            <a:r>
-              <a:t>- Using str.format(): 'Hello {}'.format('World')</a:t>
-            </a:r>
-          </a:p>
-          <a:p>
-            <a:r>
-              <a:t>- Using f-strings (Python 3.6+): f'Hello {name}'</a:t>
-            </a:r>
-          </a:p>
-          <a:p>
-            <a:endParaRPr/>
-          </a:p>
-        </p:txBody>
-      </p:sp>
-    </p:spTree>
-  </p:cSld>
-  <p:clrMapOvr>
-    <a:masterClrMapping/>
-  </p:clrMapOvr>
-</p:sld>
-</file>
-
-<file path=ppt/slides/slide9.xml><?xml version="1.0" encoding="utf-8"?>
-<p:sld xmlns:a="http://schemas.openxmlformats.org/drawingml/2006/main" xmlns:r="http://schemas.openxmlformats.org/officeDocument/2006/relationships" xmlns:p="http://schemas.openxmlformats.org/presentationml/2006/main">
-  <p:cSld>
-    <p:spTree>
-      <p:nvGrpSpPr>
-        <p:cNvPr id="1" name=""/>
-        <p:cNvGrpSpPr/>
-        <p:nvPr/>
-      </p:nvGrpSpPr>
-      <p:grpSpPr>
-        <a:xfrm>
-          <a:off x="0" y="0"/>
-          <a:ext cx="0" cy="0"/>
-          <a:chOff x="0" y="0"/>
-          <a:chExt cx="0" cy="0"/>
-        </a:xfrm>
-      </p:grpSpPr>
-      <p:sp>
-        <p:nvSpPr>
-          <p:cNvPr id="2" name="Title 1"/>
-          <p:cNvSpPr>
-            <a:spLocks noGrp="1"/>
-          </p:cNvSpPr>
-          <p:nvPr>
-            <p:ph type="title"/>
-          </p:nvPr>
-        </p:nvSpPr>
-        <p:spPr/>
-        <p:txBody>
-          <a:bodyPr/>
-          <a:lstStyle/>
-          <a:p>
-            <a:r>
-              <a:t>Common String Operations</a:t>
-            </a:r>
-          </a:p>
-        </p:txBody>
-      </p:sp>
-      <p:sp>
-        <p:nvSpPr>
-          <p:cNvPr id="3" name="Content Placeholder 2"/>
-          <p:cNvSpPr>
-            <a:spLocks noGrp="1"/>
-          </p:cNvSpPr>
-          <p:nvPr>
-            <p:ph idx="1"/>
-          </p:nvPr>
-        </p:nvSpPr>
-        <p:spPr/>
-        <p:txBody>
-          <a:bodyPr/>
-          <a:lstStyle/>
-          <a:p>
-            <a:endParaRPr/>
-          </a:p>
-          <a:p>
-            <a:r>
-              <a:t>- Find a substring: my_string.find('substring')</a:t>
-            </a:r>
-          </a:p>
-          <a:p>
-            <a:r>
-              <a:t>- Replace a substring: my_string.replace('old', 'new')</a:t>
-            </a:r>
-          </a:p>
-          <a:p>
-            <a:r>
-              <a:t>- Check if alphanumeric: my_string.isalnum()</a:t>
-            </a:r>
-          </a:p>
-          <a:p>
-            <a:r>
-              <a:t>- Strip whitespace: my_string.strip()</a:t>
-            </a:r>
-          </a:p>
-          <a:p>
-            <a:endParaRPr/>
-          </a:p>
-        </p:txBody>
-      </p:sp>
-    </p:spTree>
-  </p:cSld>
-  <p:clrMapOvr>
-    <a:masterClrMapping/>
-  </p:clrMapOvr>
-</p:sld>
-</file>
-
 <file path=ppt/theme/theme1.xml><?xml version="1.0" encoding="utf-8"?>
 <a:theme xmlns:a="http://schemas.openxmlformats.org/drawingml/2006/main" name="Slate">
   <a:themeElements>

--- a/Python_Data_Structures.pptx
+++ b/Python_Data_Structures.pptx
@@ -4,6 +4,40 @@
   <p:sldMasterIdLst>
     <p:sldMasterId id="2147483660" r:id="rId1"/>
   </p:sldMasterIdLst>
+  <p:sldIdLst>
+    <p:sldId id="256" r:id="rId6"/>
+    <p:sldId id="257" r:id="rId7"/>
+    <p:sldId id="258" r:id="rId8"/>
+    <p:sldId id="259" r:id="rId9"/>
+    <p:sldId id="260" r:id="rId10"/>
+    <p:sldId id="261" r:id="rId11"/>
+    <p:sldId id="262" r:id="rId12"/>
+    <p:sldId id="263" r:id="rId13"/>
+    <p:sldId id="264" r:id="rId14"/>
+    <p:sldId id="265" r:id="rId15"/>
+    <p:sldId id="266" r:id="rId16"/>
+    <p:sldId id="267" r:id="rId17"/>
+    <p:sldId id="268" r:id="rId18"/>
+    <p:sldId id="269" r:id="rId19"/>
+    <p:sldId id="270" r:id="rId20"/>
+    <p:sldId id="271" r:id="rId21"/>
+    <p:sldId id="272" r:id="rId22"/>
+    <p:sldId id="273" r:id="rId23"/>
+    <p:sldId id="274" r:id="rId24"/>
+    <p:sldId id="275" r:id="rId25"/>
+    <p:sldId id="276" r:id="rId26"/>
+    <p:sldId id="277" r:id="rId27"/>
+    <p:sldId id="278" r:id="rId28"/>
+    <p:sldId id="279" r:id="rId29"/>
+    <p:sldId id="280" r:id="rId30"/>
+    <p:sldId id="281" r:id="rId31"/>
+    <p:sldId id="282" r:id="rId32"/>
+    <p:sldId id="283" r:id="rId33"/>
+    <p:sldId id="284" r:id="rId34"/>
+    <p:sldId id="285" r:id="rId35"/>
+    <p:sldId id="286" r:id="rId36"/>
+    <p:sldId id="287" r:id="rId37"/>
+  </p:sldIdLst>
   <p:sldSz cx="9144000" cy="6858000" type="screen4x3"/>
   <p:notesSz cx="6858000" cy="9144000"/>
   <p:defaultTextStyle>
@@ -6010,6 +6044,2422 @@
 </p:sldMaster>
 </file>
 
+<file path=ppt/slides/slide1.xml><?xml version="1.0" encoding="utf-8"?>
+<p:sld xmlns:a="http://schemas.openxmlformats.org/drawingml/2006/main" xmlns:p="http://schemas.openxmlformats.org/presentationml/2006/main" xmlns:r="http://schemas.openxmlformats.org/officeDocument/2006/relationships">
+  <p:cSld>
+    <p:spTree>
+      <p:nvGrpSpPr>
+        <p:cNvPr id="1" name=""/>
+        <p:cNvGrpSpPr/>
+        <p:nvPr/>
+      </p:nvGrpSpPr>
+      <p:grpSpPr/>
+      <p:sp>
+        <p:nvSpPr>
+          <p:cNvPr id="2" name="Title 1"/>
+          <p:cNvSpPr>
+            <a:spLocks noGrp="1"/>
+          </p:cNvSpPr>
+          <p:nvPr>
+            <p:ph type="ctrTitle"/>
+          </p:nvPr>
+        </p:nvSpPr>
+        <p:spPr/>
+        <p:txBody>
+          <a:bodyPr/>
+          <a:lstStyle/>
+          <a:p>
+            <a:r>
+              <a:t>Introduction to Python Data Structures</a:t>
+            </a:r>
+          </a:p>
+        </p:txBody>
+      </p:sp>
+      <p:sp>
+        <p:nvSpPr>
+          <p:cNvPr id="3" name="Subtitle 2"/>
+          <p:cNvSpPr>
+            <a:spLocks noGrp="1"/>
+          </p:cNvSpPr>
+          <p:nvPr>
+            <p:ph type="subTitle" idx="1"/>
+          </p:nvPr>
+        </p:nvSpPr>
+        <p:spPr/>
+        <p:txBody>
+          <a:bodyPr/>
+          <a:lstStyle/>
+          <a:p>
+            <a:r>
+              <a:t>Strings, Lists, Tuples, and Dictionaries</a:t>
+            </a:r>
+          </a:p>
+        </p:txBody>
+      </p:sp>
+    </p:spTree>
+  </p:cSld>
+  <p:clrMapOvr>
+    <a:masterClrMapping/>
+  </p:clrMapOvr>
+</p:sld>
+</file>
+
+<file path=ppt/slides/slide10.xml><?xml version="1.0" encoding="utf-8"?>
+<p:sld xmlns:a="http://schemas.openxmlformats.org/drawingml/2006/main" xmlns:p="http://schemas.openxmlformats.org/presentationml/2006/main" xmlns:r="http://schemas.openxmlformats.org/officeDocument/2006/relationships">
+  <p:cSld>
+    <p:spTree>
+      <p:nvGrpSpPr>
+        <p:cNvPr id="1" name=""/>
+        <p:cNvGrpSpPr/>
+        <p:nvPr/>
+      </p:nvGrpSpPr>
+      <p:grpSpPr/>
+      <p:sp>
+        <p:nvSpPr>
+          <p:cNvPr id="2" name="Title 1"/>
+          <p:cNvSpPr>
+            <a:spLocks noGrp="1"/>
+          </p:cNvSpPr>
+          <p:nvPr>
+            <p:ph type="title"/>
+          </p:nvPr>
+        </p:nvSpPr>
+        <p:spPr/>
+        <p:txBody>
+          <a:bodyPr/>
+          <a:lstStyle/>
+          <a:p>
+            <a:r>
+              <a:t>What is a List?</a:t>
+            </a:r>
+          </a:p>
+        </p:txBody>
+      </p:sp>
+      <p:sp>
+        <p:nvSpPr>
+          <p:cNvPr id="3" name="Content Placeholder 2"/>
+          <p:cNvSpPr>
+            <a:spLocks noGrp="1"/>
+          </p:cNvSpPr>
+          <p:nvPr>
+            <p:ph idx="1"/>
+          </p:nvPr>
+        </p:nvSpPr>
+        <p:spPr/>
+        <p:txBody>
+          <a:bodyPr/>
+          <a:lstStyle/>
+          <a:p/>
+          <a:p>
+            <a:r>
+              <a:t>    - A list is an ordered collection of items.</a:t>
+            </a:r>
+          </a:p>
+          <a:p>
+            <a:r>
+              <a:t>    - Lists are mutable, meaning they can be modified.</a:t>
+            </a:r>
+          </a:p>
+          <a:p>
+            <a:r>
+              <a:t>    - Lists can contain elements of different data types.</a:t>
+            </a:r>
+          </a:p>
+          <a:p>
+            <a:r>
+              <a:t>    - Created using square brackets: [1, 2, 3]</a:t>
+            </a:r>
+          </a:p>
+          <a:p>
+            <a:r>
+              <a:t>    </a:t>
+            </a:r>
+          </a:p>
+        </p:txBody>
+      </p:sp>
+    </p:spTree>
+  </p:cSld>
+  <p:clrMapOvr>
+    <a:masterClrMapping/>
+  </p:clrMapOvr>
+</p:sld>
+</file>
+
+<file path=ppt/slides/slide11.xml><?xml version="1.0" encoding="utf-8"?>
+<p:sld xmlns:a="http://schemas.openxmlformats.org/drawingml/2006/main" xmlns:p="http://schemas.openxmlformats.org/presentationml/2006/main" xmlns:r="http://schemas.openxmlformats.org/officeDocument/2006/relationships">
+  <p:cSld>
+    <p:spTree>
+      <p:nvGrpSpPr>
+        <p:cNvPr id="1" name=""/>
+        <p:cNvGrpSpPr/>
+        <p:nvPr/>
+      </p:nvGrpSpPr>
+      <p:grpSpPr/>
+      <p:sp>
+        <p:nvSpPr>
+          <p:cNvPr id="2" name="Title 1"/>
+          <p:cNvSpPr>
+            <a:spLocks noGrp="1"/>
+          </p:cNvSpPr>
+          <p:nvPr>
+            <p:ph type="title"/>
+          </p:nvPr>
+        </p:nvSpPr>
+        <p:spPr/>
+        <p:txBody>
+          <a:bodyPr/>
+          <a:lstStyle/>
+          <a:p>
+            <a:r>
+              <a:t>Creating a List</a:t>
+            </a:r>
+          </a:p>
+        </p:txBody>
+      </p:sp>
+      <p:sp>
+        <p:nvSpPr>
+          <p:cNvPr id="3" name="Content Placeholder 2"/>
+          <p:cNvSpPr>
+            <a:spLocks noGrp="1"/>
+          </p:cNvSpPr>
+          <p:nvPr>
+            <p:ph idx="1"/>
+          </p:nvPr>
+        </p:nvSpPr>
+        <p:spPr/>
+        <p:txBody>
+          <a:bodyPr/>
+          <a:lstStyle/>
+          <a:p/>
+          <a:p>
+            <a:r>
+              <a:t>    - An empty list: empty_list = []</a:t>
+            </a:r>
+          </a:p>
+          <a:p>
+            <a:r>
+              <a:t>    - A list of integers: int_list = [1, 2, 3, 4, 5]</a:t>
+            </a:r>
+          </a:p>
+          <a:p>
+            <a:r>
+              <a:t>    - A list of strings: str_list = ["apple", "banana", "cherry"]</a:t>
+            </a:r>
+          </a:p>
+          <a:p>
+            <a:r>
+              <a:t>    - A mixed list: mixed_list = [1, "apple", 3.20, True]</a:t>
+            </a:r>
+          </a:p>
+          <a:p>
+            <a:r>
+              <a:t>    </a:t>
+            </a:r>
+          </a:p>
+        </p:txBody>
+      </p:sp>
+    </p:spTree>
+  </p:cSld>
+  <p:clrMapOvr>
+    <a:masterClrMapping/>
+  </p:clrMapOvr>
+</p:sld>
+</file>
+
+<file path=ppt/slides/slide12.xml><?xml version="1.0" encoding="utf-8"?>
+<p:sld xmlns:a="http://schemas.openxmlformats.org/drawingml/2006/main" xmlns:p="http://schemas.openxmlformats.org/presentationml/2006/main" xmlns:r="http://schemas.openxmlformats.org/officeDocument/2006/relationships">
+  <p:cSld>
+    <p:spTree>
+      <p:nvGrpSpPr>
+        <p:cNvPr id="1" name=""/>
+        <p:cNvGrpSpPr/>
+        <p:nvPr/>
+      </p:nvGrpSpPr>
+      <p:grpSpPr/>
+      <p:sp>
+        <p:nvSpPr>
+          <p:cNvPr id="2" name="Title 1"/>
+          <p:cNvSpPr>
+            <a:spLocks noGrp="1"/>
+          </p:cNvSpPr>
+          <p:nvPr>
+            <p:ph type="title"/>
+          </p:nvPr>
+        </p:nvSpPr>
+        <p:spPr/>
+        <p:txBody>
+          <a:bodyPr/>
+          <a:lstStyle/>
+          <a:p>
+            <a:r>
+              <a:t>Accessing Elements</a:t>
+            </a:r>
+          </a:p>
+        </p:txBody>
+      </p:sp>
+      <p:sp>
+        <p:nvSpPr>
+          <p:cNvPr id="3" name="Content Placeholder 2"/>
+          <p:cNvSpPr>
+            <a:spLocks noGrp="1"/>
+          </p:cNvSpPr>
+          <p:nvPr>
+            <p:ph idx="1"/>
+          </p:nvPr>
+        </p:nvSpPr>
+        <p:spPr/>
+        <p:txBody>
+          <a:bodyPr/>
+          <a:lstStyle/>
+          <a:p/>
+          <a:p>
+            <a:r>
+              <a:t>    - Zero-based indexing</a:t>
+            </a:r>
+          </a:p>
+          <a:p>
+            <a:r>
+              <a:t>    - Accessing the first element: my_list[0]</a:t>
+            </a:r>
+          </a:p>
+          <a:p>
+            <a:r>
+              <a:t>    - Accessing the last element: my_list[-1]</a:t>
+            </a:r>
+          </a:p>
+          <a:p>
+            <a:r>
+              <a:t>    </a:t>
+            </a:r>
+          </a:p>
+        </p:txBody>
+      </p:sp>
+    </p:spTree>
+  </p:cSld>
+  <p:clrMapOvr>
+    <a:masterClrMapping/>
+  </p:clrMapOvr>
+</p:sld>
+</file>
+
+<file path=ppt/slides/slide13.xml><?xml version="1.0" encoding="utf-8"?>
+<p:sld xmlns:a="http://schemas.openxmlformats.org/drawingml/2006/main" xmlns:p="http://schemas.openxmlformats.org/presentationml/2006/main" xmlns:r="http://schemas.openxmlformats.org/officeDocument/2006/relationships">
+  <p:cSld>
+    <p:spTree>
+      <p:nvGrpSpPr>
+        <p:cNvPr id="1" name=""/>
+        <p:cNvGrpSpPr/>
+        <p:nvPr/>
+      </p:nvGrpSpPr>
+      <p:grpSpPr/>
+      <p:sp>
+        <p:nvSpPr>
+          <p:cNvPr id="2" name="Title 1"/>
+          <p:cNvSpPr>
+            <a:spLocks noGrp="1"/>
+          </p:cNvSpPr>
+          <p:nvPr>
+            <p:ph type="title"/>
+          </p:nvPr>
+        </p:nvSpPr>
+        <p:spPr/>
+        <p:txBody>
+          <a:bodyPr/>
+          <a:lstStyle/>
+          <a:p>
+            <a:r>
+              <a:t>Modifying Elements</a:t>
+            </a:r>
+          </a:p>
+        </p:txBody>
+      </p:sp>
+      <p:sp>
+        <p:nvSpPr>
+          <p:cNvPr id="3" name="Content Placeholder 2"/>
+          <p:cNvSpPr>
+            <a:spLocks noGrp="1"/>
+          </p:cNvSpPr>
+          <p:nvPr>
+            <p:ph idx="1"/>
+          </p:nvPr>
+        </p:nvSpPr>
+        <p:spPr/>
+        <p:txBody>
+          <a:bodyPr/>
+          <a:lstStyle/>
+          <a:p/>
+          <a:p>
+            <a:r>
+              <a:t>    - Modify an element by assigning a new value: my_list[1] = "blueberry"</a:t>
+            </a:r>
+          </a:p>
+          <a:p>
+            <a:r>
+              <a:t>    </a:t>
+            </a:r>
+          </a:p>
+        </p:txBody>
+      </p:sp>
+    </p:spTree>
+  </p:cSld>
+  <p:clrMapOvr>
+    <a:masterClrMapping/>
+  </p:clrMapOvr>
+</p:sld>
+</file>
+
+<file path=ppt/slides/slide14.xml><?xml version="1.0" encoding="utf-8"?>
+<p:sld xmlns:a="http://schemas.openxmlformats.org/drawingml/2006/main" xmlns:p="http://schemas.openxmlformats.org/presentationml/2006/main" xmlns:r="http://schemas.openxmlformats.org/officeDocument/2006/relationships">
+  <p:cSld>
+    <p:spTree>
+      <p:nvGrpSpPr>
+        <p:cNvPr id="1" name=""/>
+        <p:cNvGrpSpPr/>
+        <p:nvPr/>
+      </p:nvGrpSpPr>
+      <p:grpSpPr/>
+      <p:sp>
+        <p:nvSpPr>
+          <p:cNvPr id="2" name="Title 1"/>
+          <p:cNvSpPr>
+            <a:spLocks noGrp="1"/>
+          </p:cNvSpPr>
+          <p:nvPr>
+            <p:ph type="title"/>
+          </p:nvPr>
+        </p:nvSpPr>
+        <p:spPr/>
+        <p:txBody>
+          <a:bodyPr/>
+          <a:lstStyle/>
+          <a:p>
+            <a:r>
+              <a:t>Adding Elements</a:t>
+            </a:r>
+          </a:p>
+        </p:txBody>
+      </p:sp>
+      <p:sp>
+        <p:nvSpPr>
+          <p:cNvPr id="3" name="Content Placeholder 2"/>
+          <p:cNvSpPr>
+            <a:spLocks noGrp="1"/>
+          </p:cNvSpPr>
+          <p:nvPr>
+            <p:ph idx="1"/>
+          </p:nvPr>
+        </p:nvSpPr>
+        <p:spPr/>
+        <p:txBody>
+          <a:bodyPr/>
+          <a:lstStyle/>
+          <a:p/>
+          <a:p>
+            <a:r>
+              <a:t>    - Append: my_list.append("cherry")</a:t>
+            </a:r>
+          </a:p>
+          <a:p>
+            <a:r>
+              <a:t>    - Insert: my_list.insert(1, "blueberry")</a:t>
+            </a:r>
+          </a:p>
+          <a:p>
+            <a:r>
+              <a:t>    - Extend: my_list.extend(["date", "elderberry"])</a:t>
+            </a:r>
+          </a:p>
+          <a:p>
+            <a:r>
+              <a:t>    </a:t>
+            </a:r>
+          </a:p>
+        </p:txBody>
+      </p:sp>
+    </p:spTree>
+  </p:cSld>
+  <p:clrMapOvr>
+    <a:masterClrMapping/>
+  </p:clrMapOvr>
+</p:sld>
+</file>
+
+<file path=ppt/slides/slide15.xml><?xml version="1.0" encoding="utf-8"?>
+<p:sld xmlns:a="http://schemas.openxmlformats.org/drawingml/2006/main" xmlns:p="http://schemas.openxmlformats.org/presentationml/2006/main" xmlns:r="http://schemas.openxmlformats.org/officeDocument/2006/relationships">
+  <p:cSld>
+    <p:spTree>
+      <p:nvGrpSpPr>
+        <p:cNvPr id="1" name=""/>
+        <p:cNvGrpSpPr/>
+        <p:nvPr/>
+      </p:nvGrpSpPr>
+      <p:grpSpPr/>
+      <p:sp>
+        <p:nvSpPr>
+          <p:cNvPr id="2" name="Title 1"/>
+          <p:cNvSpPr>
+            <a:spLocks noGrp="1"/>
+          </p:cNvSpPr>
+          <p:nvPr>
+            <p:ph type="title"/>
+          </p:nvPr>
+        </p:nvSpPr>
+        <p:spPr/>
+        <p:txBody>
+          <a:bodyPr/>
+          <a:lstStyle/>
+          <a:p>
+            <a:r>
+              <a:t>Removing Elements</a:t>
+            </a:r>
+          </a:p>
+        </p:txBody>
+      </p:sp>
+      <p:sp>
+        <p:nvSpPr>
+          <p:cNvPr id="3" name="Content Placeholder 2"/>
+          <p:cNvSpPr>
+            <a:spLocks noGrp="1"/>
+          </p:cNvSpPr>
+          <p:nvPr>
+            <p:ph idx="1"/>
+          </p:nvPr>
+        </p:nvSpPr>
+        <p:spPr/>
+        <p:txBody>
+          <a:bodyPr/>
+          <a:lstStyle/>
+          <a:p/>
+          <a:p>
+            <a:r>
+              <a:t>    - Remove by value: my_list.remove("banana")</a:t>
+            </a:r>
+          </a:p>
+          <a:p>
+            <a:r>
+              <a:t>    - Remove by index and return: my_list.pop(0)</a:t>
+            </a:r>
+          </a:p>
+          <a:p>
+            <a:r>
+              <a:t>    - Delete by index: del my_list[0]</a:t>
+            </a:r>
+          </a:p>
+          <a:p>
+            <a:r>
+              <a:t>    </a:t>
+            </a:r>
+          </a:p>
+        </p:txBody>
+      </p:sp>
+    </p:spTree>
+  </p:cSld>
+  <p:clrMapOvr>
+    <a:masterClrMapping/>
+  </p:clrMapOvr>
+</p:sld>
+</file>
+
+<file path=ppt/slides/slide16.xml><?xml version="1.0" encoding="utf-8"?>
+<p:sld xmlns:a="http://schemas.openxmlformats.org/drawingml/2006/main" xmlns:p="http://schemas.openxmlformats.org/presentationml/2006/main" xmlns:r="http://schemas.openxmlformats.org/officeDocument/2006/relationships">
+  <p:cSld>
+    <p:spTree>
+      <p:nvGrpSpPr>
+        <p:cNvPr id="1" name=""/>
+        <p:cNvGrpSpPr/>
+        <p:nvPr/>
+      </p:nvGrpSpPr>
+      <p:grpSpPr/>
+      <p:sp>
+        <p:nvSpPr>
+          <p:cNvPr id="2" name="Title 1"/>
+          <p:cNvSpPr>
+            <a:spLocks noGrp="1"/>
+          </p:cNvSpPr>
+          <p:nvPr>
+            <p:ph type="title"/>
+          </p:nvPr>
+        </p:nvSpPr>
+        <p:spPr/>
+        <p:txBody>
+          <a:bodyPr/>
+          <a:lstStyle/>
+          <a:p>
+            <a:r>
+              <a:t>Slicing</a:t>
+            </a:r>
+          </a:p>
+        </p:txBody>
+      </p:sp>
+      <p:sp>
+        <p:nvSpPr>
+          <p:cNvPr id="3" name="Content Placeholder 2"/>
+          <p:cNvSpPr>
+            <a:spLocks noGrp="1"/>
+          </p:cNvSpPr>
+          <p:nvPr>
+            <p:ph idx="1"/>
+          </p:nvPr>
+        </p:nvSpPr>
+        <p:spPr/>
+        <p:txBody>
+          <a:bodyPr/>
+          <a:lstStyle/>
+          <a:p/>
+          <a:p>
+            <a:r>
+              <a:t>    - Access a subset of a list: my_list[1:3]</a:t>
+            </a:r>
+          </a:p>
+          <a:p>
+            <a:r>
+              <a:t>    - Slicing with a step: my_list[0:4:2]</a:t>
+            </a:r>
+          </a:p>
+          <a:p>
+            <a:r>
+              <a:t>    </a:t>
+            </a:r>
+          </a:p>
+        </p:txBody>
+      </p:sp>
+    </p:spTree>
+  </p:cSld>
+  <p:clrMapOvr>
+    <a:masterClrMapping/>
+  </p:clrMapOvr>
+</p:sld>
+</file>
+
+<file path=ppt/slides/slide17.xml><?xml version="1.0" encoding="utf-8"?>
+<p:sld xmlns:a="http://schemas.openxmlformats.org/drawingml/2006/main" xmlns:p="http://schemas.openxmlformats.org/presentationml/2006/main" xmlns:r="http://schemas.openxmlformats.org/officeDocument/2006/relationships">
+  <p:cSld>
+    <p:spTree>
+      <p:nvGrpSpPr>
+        <p:cNvPr id="1" name=""/>
+        <p:cNvGrpSpPr/>
+        <p:nvPr/>
+      </p:nvGrpSpPr>
+      <p:grpSpPr/>
+      <p:sp>
+        <p:nvSpPr>
+          <p:cNvPr id="2" name="Title 1"/>
+          <p:cNvSpPr>
+            <a:spLocks noGrp="1"/>
+          </p:cNvSpPr>
+          <p:nvPr>
+            <p:ph type="title"/>
+          </p:nvPr>
+        </p:nvSpPr>
+        <p:spPr/>
+        <p:txBody>
+          <a:bodyPr/>
+          <a:lstStyle/>
+          <a:p>
+            <a:r>
+              <a:t>List Comprehensions</a:t>
+            </a:r>
+          </a:p>
+        </p:txBody>
+      </p:sp>
+      <p:sp>
+        <p:nvSpPr>
+          <p:cNvPr id="3" name="Content Placeholder 2"/>
+          <p:cNvSpPr>
+            <a:spLocks noGrp="1"/>
+          </p:cNvSpPr>
+          <p:nvPr>
+            <p:ph idx="1"/>
+          </p:nvPr>
+        </p:nvSpPr>
+        <p:spPr/>
+        <p:txBody>
+          <a:bodyPr/>
+          <a:lstStyle/>
+          <a:p/>
+          <a:p>
+            <a:r>
+              <a:t>    - Create lists concisely</a:t>
+            </a:r>
+          </a:p>
+          <a:p>
+            <a:r>
+              <a:t>    - Example: squares = [x**2 for x in range(5)]</a:t>
+            </a:r>
+          </a:p>
+          <a:p>
+            <a:r>
+              <a:t>    </a:t>
+            </a:r>
+          </a:p>
+        </p:txBody>
+      </p:sp>
+    </p:spTree>
+  </p:cSld>
+  <p:clrMapOvr>
+    <a:masterClrMapping/>
+  </p:clrMapOvr>
+</p:sld>
+</file>
+
+<file path=ppt/slides/slide18.xml><?xml version="1.0" encoding="utf-8"?>
+<p:sld xmlns:a="http://schemas.openxmlformats.org/drawingml/2006/main" xmlns:p="http://schemas.openxmlformats.org/presentationml/2006/main" xmlns:r="http://schemas.openxmlformats.org/officeDocument/2006/relationships">
+  <p:cSld>
+    <p:spTree>
+      <p:nvGrpSpPr>
+        <p:cNvPr id="1" name=""/>
+        <p:cNvGrpSpPr/>
+        <p:nvPr/>
+      </p:nvGrpSpPr>
+      <p:grpSpPr/>
+      <p:sp>
+        <p:nvSpPr>
+          <p:cNvPr id="2" name="Title 1"/>
+          <p:cNvSpPr>
+            <a:spLocks noGrp="1"/>
+          </p:cNvSpPr>
+          <p:nvPr>
+            <p:ph type="title"/>
+          </p:nvPr>
+        </p:nvSpPr>
+        <p:spPr/>
+        <p:txBody>
+          <a:bodyPr/>
+          <a:lstStyle/>
+          <a:p>
+            <a:r>
+              <a:t>Common List Methods</a:t>
+            </a:r>
+          </a:p>
+        </p:txBody>
+      </p:sp>
+      <p:sp>
+        <p:nvSpPr>
+          <p:cNvPr id="3" name="Content Placeholder 2"/>
+          <p:cNvSpPr>
+            <a:spLocks noGrp="1"/>
+          </p:cNvSpPr>
+          <p:nvPr>
+            <p:ph idx="1"/>
+          </p:nvPr>
+        </p:nvSpPr>
+        <p:spPr/>
+        <p:txBody>
+          <a:bodyPr/>
+          <a:lstStyle/>
+          <a:p/>
+          <a:p>
+            <a:r>
+              <a:t>    - len(list)</a:t>
+            </a:r>
+          </a:p>
+          <a:p>
+            <a:r>
+              <a:t>    - list.sort()</a:t>
+            </a:r>
+          </a:p>
+          <a:p>
+            <a:r>
+              <a:t>    - list.reverse()</a:t>
+            </a:r>
+          </a:p>
+          <a:p>
+            <a:r>
+              <a:t>    - list.index(value)</a:t>
+            </a:r>
+          </a:p>
+          <a:p>
+            <a:r>
+              <a:t>    - list.count(value)</a:t>
+            </a:r>
+          </a:p>
+          <a:p>
+            <a:r>
+              <a:t>    </a:t>
+            </a:r>
+          </a:p>
+        </p:txBody>
+      </p:sp>
+    </p:spTree>
+  </p:cSld>
+  <p:clrMapOvr>
+    <a:masterClrMapping/>
+  </p:clrMapOvr>
+</p:sld>
+</file>
+
+<file path=ppt/slides/slide19.xml><?xml version="1.0" encoding="utf-8"?>
+<p:sld xmlns:a="http://schemas.openxmlformats.org/drawingml/2006/main" xmlns:p="http://schemas.openxmlformats.org/presentationml/2006/main" xmlns:r="http://schemas.openxmlformats.org/officeDocument/2006/relationships">
+  <p:cSld>
+    <p:spTree>
+      <p:nvGrpSpPr>
+        <p:cNvPr id="1" name=""/>
+        <p:cNvGrpSpPr/>
+        <p:nvPr/>
+      </p:nvGrpSpPr>
+      <p:grpSpPr/>
+      <p:sp>
+        <p:nvSpPr>
+          <p:cNvPr id="2" name="Title 1"/>
+          <p:cNvSpPr>
+            <a:spLocks noGrp="1"/>
+          </p:cNvSpPr>
+          <p:nvPr>
+            <p:ph type="title"/>
+          </p:nvPr>
+        </p:nvSpPr>
+        <p:spPr/>
+        <p:txBody>
+          <a:bodyPr/>
+          <a:lstStyle/>
+          <a:p>
+            <a:r>
+              <a:t>What is a Tuple?</a:t>
+            </a:r>
+          </a:p>
+        </p:txBody>
+      </p:sp>
+      <p:sp>
+        <p:nvSpPr>
+          <p:cNvPr id="3" name="Content Placeholder 2"/>
+          <p:cNvSpPr>
+            <a:spLocks noGrp="1"/>
+          </p:cNvSpPr>
+          <p:nvPr>
+            <p:ph idx="1"/>
+          </p:nvPr>
+        </p:nvSpPr>
+        <p:spPr/>
+        <p:txBody>
+          <a:bodyPr/>
+          <a:lstStyle/>
+          <a:p/>
+          <a:p>
+            <a:r>
+              <a:t>    - A tuple is an ordered collection of items.</a:t>
+            </a:r>
+          </a:p>
+          <a:p>
+            <a:r>
+              <a:t>    - Tuples are immutable, meaning they cannot be modified after creation.</a:t>
+            </a:r>
+          </a:p>
+          <a:p>
+            <a:r>
+              <a:t>    - Tuples can contain elements of different data types.</a:t>
+            </a:r>
+          </a:p>
+          <a:p>
+            <a:r>
+              <a:t>    - Created using parentheses: (1, 2, 3)</a:t>
+            </a:r>
+          </a:p>
+          <a:p>
+            <a:r>
+              <a:t>    </a:t>
+            </a:r>
+          </a:p>
+        </p:txBody>
+      </p:sp>
+    </p:spTree>
+  </p:cSld>
+  <p:clrMapOvr>
+    <a:masterClrMapping/>
+  </p:clrMapOvr>
+</p:sld>
+</file>
+
+<file path=ppt/slides/slide2.xml><?xml version="1.0" encoding="utf-8"?>
+<p:sld xmlns:a="http://schemas.openxmlformats.org/drawingml/2006/main" xmlns:p="http://schemas.openxmlformats.org/presentationml/2006/main" xmlns:r="http://schemas.openxmlformats.org/officeDocument/2006/relationships">
+  <p:cSld>
+    <p:spTree>
+      <p:nvGrpSpPr>
+        <p:cNvPr id="1" name=""/>
+        <p:cNvGrpSpPr/>
+        <p:nvPr/>
+      </p:nvGrpSpPr>
+      <p:grpSpPr/>
+      <p:sp>
+        <p:nvSpPr>
+          <p:cNvPr id="2" name="Title 1"/>
+          <p:cNvSpPr>
+            <a:spLocks noGrp="1"/>
+          </p:cNvSpPr>
+          <p:nvPr>
+            <p:ph type="title"/>
+          </p:nvPr>
+        </p:nvSpPr>
+        <p:spPr/>
+        <p:txBody>
+          <a:bodyPr/>
+          <a:lstStyle/>
+          <a:p>
+            <a:r>
+              <a:t>What is a String?</a:t>
+            </a:r>
+          </a:p>
+        </p:txBody>
+      </p:sp>
+      <p:sp>
+        <p:nvSpPr>
+          <p:cNvPr id="3" name="Content Placeholder 2"/>
+          <p:cNvSpPr>
+            <a:spLocks noGrp="1"/>
+          </p:cNvSpPr>
+          <p:nvPr>
+            <p:ph idx="1"/>
+          </p:nvPr>
+        </p:nvSpPr>
+        <p:spPr/>
+        <p:txBody>
+          <a:bodyPr/>
+          <a:lstStyle/>
+          <a:p/>
+          <a:p>
+            <a:r>
+              <a:t>    - A string is a sequence of characters.</a:t>
+            </a:r>
+          </a:p>
+          <a:p>
+            <a:r>
+              <a:t>    - Strings are used to represent text.</a:t>
+            </a:r>
+          </a:p>
+          <a:p>
+            <a:r>
+              <a:t>    - In Python, strings are immutable, meaning they cannot be changed after creation.</a:t>
+            </a:r>
+          </a:p>
+          <a:p>
+            <a:r>
+              <a:t>    - Strings can be enclosed in single quotes (' '), or double quotes (" ").</a:t>
+            </a:r>
+          </a:p>
+          <a:p>
+            <a:r>
+              <a:t>    </a:t>
+            </a:r>
+          </a:p>
+        </p:txBody>
+      </p:sp>
+    </p:spTree>
+  </p:cSld>
+  <p:clrMapOvr>
+    <a:masterClrMapping/>
+  </p:clrMapOvr>
+</p:sld>
+</file>
+
+<file path=ppt/slides/slide20.xml><?xml version="1.0" encoding="utf-8"?>
+<p:sld xmlns:a="http://schemas.openxmlformats.org/drawingml/2006/main" xmlns:p="http://schemas.openxmlformats.org/presentationml/2006/main" xmlns:r="http://schemas.openxmlformats.org/officeDocument/2006/relationships">
+  <p:cSld>
+    <p:spTree>
+      <p:nvGrpSpPr>
+        <p:cNvPr id="1" name=""/>
+        <p:cNvGrpSpPr/>
+        <p:nvPr/>
+      </p:nvGrpSpPr>
+      <p:grpSpPr/>
+      <p:sp>
+        <p:nvSpPr>
+          <p:cNvPr id="2" name="Title 1"/>
+          <p:cNvSpPr>
+            <a:spLocks noGrp="1"/>
+          </p:cNvSpPr>
+          <p:nvPr>
+            <p:ph type="title"/>
+          </p:nvPr>
+        </p:nvSpPr>
+        <p:spPr/>
+        <p:txBody>
+          <a:bodyPr/>
+          <a:lstStyle/>
+          <a:p>
+            <a:r>
+              <a:t>Creating a Tuple</a:t>
+            </a:r>
+          </a:p>
+        </p:txBody>
+      </p:sp>
+      <p:sp>
+        <p:nvSpPr>
+          <p:cNvPr id="3" name="Content Placeholder 2"/>
+          <p:cNvSpPr>
+            <a:spLocks noGrp="1"/>
+          </p:cNvSpPr>
+          <p:nvPr>
+            <p:ph idx="1"/>
+          </p:nvPr>
+        </p:nvSpPr>
+        <p:spPr/>
+        <p:txBody>
+          <a:bodyPr/>
+          <a:lstStyle/>
+          <a:p/>
+          <a:p>
+            <a:r>
+              <a:t>    - An empty tuple: empty_tuple = ()</a:t>
+            </a:r>
+          </a:p>
+          <a:p>
+            <a:r>
+              <a:t>    - A tuple of integers: int_tuple = (1, 2, 3, 4, 5)</a:t>
+            </a:r>
+          </a:p>
+          <a:p>
+            <a:r>
+              <a:t>    - A tuple of strings: str_tuple = ("apple", "banana", "cherry")</a:t>
+            </a:r>
+          </a:p>
+          <a:p>
+            <a:r>
+              <a:t>    - A mixed tuple: mixed_tuple = (1, "apple", 3.14, True)</a:t>
+            </a:r>
+          </a:p>
+          <a:p>
+            <a:r>
+              <a:t>    </a:t>
+            </a:r>
+          </a:p>
+        </p:txBody>
+      </p:sp>
+    </p:spTree>
+  </p:cSld>
+  <p:clrMapOvr>
+    <a:masterClrMapping/>
+  </p:clrMapOvr>
+</p:sld>
+</file>
+
+<file path=ppt/slides/slide21.xml><?xml version="1.0" encoding="utf-8"?>
+<p:sld xmlns:a="http://schemas.openxmlformats.org/drawingml/2006/main" xmlns:p="http://schemas.openxmlformats.org/presentationml/2006/main" xmlns:r="http://schemas.openxmlformats.org/officeDocument/2006/relationships">
+  <p:cSld>
+    <p:spTree>
+      <p:nvGrpSpPr>
+        <p:cNvPr id="1" name=""/>
+        <p:cNvGrpSpPr/>
+        <p:nvPr/>
+      </p:nvGrpSpPr>
+      <p:grpSpPr/>
+      <p:sp>
+        <p:nvSpPr>
+          <p:cNvPr id="2" name="Title 1"/>
+          <p:cNvSpPr>
+            <a:spLocks noGrp="1"/>
+          </p:cNvSpPr>
+          <p:nvPr>
+            <p:ph type="title"/>
+          </p:nvPr>
+        </p:nvSpPr>
+        <p:spPr/>
+        <p:txBody>
+          <a:bodyPr/>
+          <a:lstStyle/>
+          <a:p>
+            <a:r>
+              <a:t>Accessing Elements in a Tuple</a:t>
+            </a:r>
+          </a:p>
+        </p:txBody>
+      </p:sp>
+      <p:sp>
+        <p:nvSpPr>
+          <p:cNvPr id="3" name="Content Placeholder 2"/>
+          <p:cNvSpPr>
+            <a:spLocks noGrp="1"/>
+          </p:cNvSpPr>
+          <p:nvPr>
+            <p:ph idx="1"/>
+          </p:nvPr>
+        </p:nvSpPr>
+        <p:spPr/>
+        <p:txBody>
+          <a:bodyPr/>
+          <a:lstStyle/>
+          <a:p/>
+          <a:p>
+            <a:r>
+              <a:t>    - Zero-based indexing</a:t>
+            </a:r>
+          </a:p>
+          <a:p>
+            <a:r>
+              <a:t>    - Accessing the first element: my_tuple[0]</a:t>
+            </a:r>
+          </a:p>
+          <a:p>
+            <a:r>
+              <a:t>    - Accessing the last element: my_tuple[-1]</a:t>
+            </a:r>
+          </a:p>
+          <a:p>
+            <a:r>
+              <a:t>    </a:t>
+            </a:r>
+          </a:p>
+        </p:txBody>
+      </p:sp>
+    </p:spTree>
+  </p:cSld>
+  <p:clrMapOvr>
+    <a:masterClrMapping/>
+  </p:clrMapOvr>
+</p:sld>
+</file>
+
+<file path=ppt/slides/slide22.xml><?xml version="1.0" encoding="utf-8"?>
+<p:sld xmlns:a="http://schemas.openxmlformats.org/drawingml/2006/main" xmlns:p="http://schemas.openxmlformats.org/presentationml/2006/main" xmlns:r="http://schemas.openxmlformats.org/officeDocument/2006/relationships">
+  <p:cSld>
+    <p:spTree>
+      <p:nvGrpSpPr>
+        <p:cNvPr id="1" name=""/>
+        <p:cNvGrpSpPr/>
+        <p:nvPr/>
+      </p:nvGrpSpPr>
+      <p:grpSpPr/>
+      <p:sp>
+        <p:nvSpPr>
+          <p:cNvPr id="2" name="Title 1"/>
+          <p:cNvSpPr>
+            <a:spLocks noGrp="1"/>
+          </p:cNvSpPr>
+          <p:nvPr>
+            <p:ph type="title"/>
+          </p:nvPr>
+        </p:nvSpPr>
+        <p:spPr/>
+        <p:txBody>
+          <a:bodyPr/>
+          <a:lstStyle/>
+          <a:p>
+            <a:r>
+              <a:t>Common Tuple Operations</a:t>
+            </a:r>
+          </a:p>
+        </p:txBody>
+      </p:sp>
+      <p:sp>
+        <p:nvSpPr>
+          <p:cNvPr id="3" name="Content Placeholder 2"/>
+          <p:cNvSpPr>
+            <a:spLocks noGrp="1"/>
+          </p:cNvSpPr>
+          <p:nvPr>
+            <p:ph idx="1"/>
+          </p:nvPr>
+        </p:nvSpPr>
+        <p:spPr/>
+        <p:txBody>
+          <a:bodyPr/>
+          <a:lstStyle/>
+          <a:p/>
+          <a:p>
+            <a:r>
+              <a:t>    - len(tuple)</a:t>
+            </a:r>
+          </a:p>
+          <a:p>
+            <a:r>
+              <a:t>    - tuple.index(value)</a:t>
+            </a:r>
+          </a:p>
+          <a:p>
+            <a:r>
+              <a:t>    - tuple.count(value)</a:t>
+            </a:r>
+          </a:p>
+          <a:p>
+            <a:r>
+              <a:t>    </a:t>
+            </a:r>
+          </a:p>
+        </p:txBody>
+      </p:sp>
+    </p:spTree>
+  </p:cSld>
+  <p:clrMapOvr>
+    <a:masterClrMapping/>
+  </p:clrMapOvr>
+</p:sld>
+</file>
+
+<file path=ppt/slides/slide23.xml><?xml version="1.0" encoding="utf-8"?>
+<p:sld xmlns:a="http://schemas.openxmlformats.org/drawingml/2006/main" xmlns:p="http://schemas.openxmlformats.org/presentationml/2006/main" xmlns:r="http://schemas.openxmlformats.org/officeDocument/2006/relationships">
+  <p:cSld>
+    <p:spTree>
+      <p:nvGrpSpPr>
+        <p:cNvPr id="1" name=""/>
+        <p:cNvGrpSpPr/>
+        <p:nvPr/>
+      </p:nvGrpSpPr>
+      <p:grpSpPr/>
+      <p:sp>
+        <p:nvSpPr>
+          <p:cNvPr id="2" name="Title 1"/>
+          <p:cNvSpPr>
+            <a:spLocks noGrp="1"/>
+          </p:cNvSpPr>
+          <p:nvPr>
+            <p:ph type="title"/>
+          </p:nvPr>
+        </p:nvSpPr>
+        <p:spPr/>
+        <p:txBody>
+          <a:bodyPr/>
+          <a:lstStyle/>
+          <a:p>
+            <a:r>
+              <a:t>What is a Dictionary?</a:t>
+            </a:r>
+          </a:p>
+        </p:txBody>
+      </p:sp>
+      <p:sp>
+        <p:nvSpPr>
+          <p:cNvPr id="3" name="Content Placeholder 2"/>
+          <p:cNvSpPr>
+            <a:spLocks noGrp="1"/>
+          </p:cNvSpPr>
+          <p:nvPr>
+            <p:ph idx="1"/>
+          </p:nvPr>
+        </p:nvSpPr>
+        <p:spPr/>
+        <p:txBody>
+          <a:bodyPr/>
+          <a:lstStyle/>
+          <a:p/>
+          <a:p>
+            <a:r>
+              <a:t>    - A dictionary is an unordered collection of key-value pairs.</a:t>
+            </a:r>
+          </a:p>
+          <a:p>
+            <a:r>
+              <a:t>    - Keys must be unique and immutable (e.g., strings, numbers, tuples).</a:t>
+            </a:r>
+          </a:p>
+          <a:p>
+            <a:r>
+              <a:t>    - Values can be of any data type and can be duplicated.</a:t>
+            </a:r>
+          </a:p>
+          <a:p>
+            <a:r>
+              <a:t>    - Created using curly braces: {'key1': 'value1', 'key2': 'value2'}</a:t>
+            </a:r>
+          </a:p>
+          <a:p>
+            <a:r>
+              <a:t>    </a:t>
+            </a:r>
+          </a:p>
+        </p:txBody>
+      </p:sp>
+    </p:spTree>
+  </p:cSld>
+  <p:clrMapOvr>
+    <a:masterClrMapping/>
+  </p:clrMapOvr>
+</p:sld>
+</file>
+
+<file path=ppt/slides/slide24.xml><?xml version="1.0" encoding="utf-8"?>
+<p:sld xmlns:a="http://schemas.openxmlformats.org/drawingml/2006/main" xmlns:p="http://schemas.openxmlformats.org/presentationml/2006/main" xmlns:r="http://schemas.openxmlformats.org/officeDocument/2006/relationships">
+  <p:cSld>
+    <p:spTree>
+      <p:nvGrpSpPr>
+        <p:cNvPr id="1" name=""/>
+        <p:cNvGrpSpPr/>
+        <p:nvPr/>
+      </p:nvGrpSpPr>
+      <p:grpSpPr/>
+      <p:sp>
+        <p:nvSpPr>
+          <p:cNvPr id="2" name="Title 1"/>
+          <p:cNvSpPr>
+            <a:spLocks noGrp="1"/>
+          </p:cNvSpPr>
+          <p:nvPr>
+            <p:ph type="title"/>
+          </p:nvPr>
+        </p:nvSpPr>
+        <p:spPr/>
+        <p:txBody>
+          <a:bodyPr/>
+          <a:lstStyle/>
+          <a:p>
+            <a:r>
+              <a:t>Creating a Dictionary</a:t>
+            </a:r>
+          </a:p>
+        </p:txBody>
+      </p:sp>
+      <p:sp>
+        <p:nvSpPr>
+          <p:cNvPr id="3" name="Content Placeholder 2"/>
+          <p:cNvSpPr>
+            <a:spLocks noGrp="1"/>
+          </p:cNvSpPr>
+          <p:nvPr>
+            <p:ph idx="1"/>
+          </p:nvPr>
+        </p:nvSpPr>
+        <p:spPr/>
+        <p:txBody>
+          <a:bodyPr/>
+          <a:lstStyle/>
+          <a:p/>
+          <a:p>
+            <a:r>
+              <a:t>    - An empty dictionary: empty_dict = {}</a:t>
+            </a:r>
+          </a:p>
+          <a:p>
+            <a:r>
+              <a:t>    - A dictionary with key-value pairs: my_dict = {'name': 'Alice', 'age': 25}</a:t>
+            </a:r>
+          </a:p>
+          <a:p>
+            <a:r>
+              <a:t>    </a:t>
+            </a:r>
+          </a:p>
+        </p:txBody>
+      </p:sp>
+    </p:spTree>
+  </p:cSld>
+  <p:clrMapOvr>
+    <a:masterClrMapping/>
+  </p:clrMapOvr>
+</p:sld>
+</file>
+
+<file path=ppt/slides/slide25.xml><?xml version="1.0" encoding="utf-8"?>
+<p:sld xmlns:a="http://schemas.openxmlformats.org/drawingml/2006/main" xmlns:p="http://schemas.openxmlformats.org/presentationml/2006/main" xmlns:r="http://schemas.openxmlformats.org/officeDocument/2006/relationships">
+  <p:cSld>
+    <p:spTree>
+      <p:nvGrpSpPr>
+        <p:cNvPr id="1" name=""/>
+        <p:cNvGrpSpPr/>
+        <p:nvPr/>
+      </p:nvGrpSpPr>
+      <p:grpSpPr/>
+      <p:sp>
+        <p:nvSpPr>
+          <p:cNvPr id="2" name="Title 1"/>
+          <p:cNvSpPr>
+            <a:spLocks noGrp="1"/>
+          </p:cNvSpPr>
+          <p:nvPr>
+            <p:ph type="title"/>
+          </p:nvPr>
+        </p:nvSpPr>
+        <p:spPr/>
+        <p:txBody>
+          <a:bodyPr/>
+          <a:lstStyle/>
+          <a:p>
+            <a:r>
+              <a:t>Accessing Values</a:t>
+            </a:r>
+          </a:p>
+        </p:txBody>
+      </p:sp>
+      <p:sp>
+        <p:nvSpPr>
+          <p:cNvPr id="3" name="Content Placeholder 2"/>
+          <p:cNvSpPr>
+            <a:spLocks noGrp="1"/>
+          </p:cNvSpPr>
+          <p:nvPr>
+            <p:ph idx="1"/>
+          </p:nvPr>
+        </p:nvSpPr>
+        <p:spPr/>
+        <p:txBody>
+          <a:bodyPr/>
+          <a:lstStyle/>
+          <a:p/>
+          <a:p>
+            <a:r>
+              <a:t>    - Access value by key: my_dict['name']</a:t>
+            </a:r>
+          </a:p>
+          <a:p>
+            <a:r>
+              <a:t>    - Using get() method: my_dict.get('name')</a:t>
+            </a:r>
+          </a:p>
+          <a:p>
+            <a:r>
+              <a:t>    </a:t>
+            </a:r>
+          </a:p>
+        </p:txBody>
+      </p:sp>
+    </p:spTree>
+  </p:cSld>
+  <p:clrMapOvr>
+    <a:masterClrMapping/>
+  </p:clrMapOvr>
+</p:sld>
+</file>
+
+<file path=ppt/slides/slide26.xml><?xml version="1.0" encoding="utf-8"?>
+<p:sld xmlns:a="http://schemas.openxmlformats.org/drawingml/2006/main" xmlns:p="http://schemas.openxmlformats.org/presentationml/2006/main" xmlns:r="http://schemas.openxmlformats.org/officeDocument/2006/relationships">
+  <p:cSld>
+    <p:spTree>
+      <p:nvGrpSpPr>
+        <p:cNvPr id="1" name=""/>
+        <p:cNvGrpSpPr/>
+        <p:nvPr/>
+      </p:nvGrpSpPr>
+      <p:grpSpPr/>
+      <p:sp>
+        <p:nvSpPr>
+          <p:cNvPr id="2" name="Title 1"/>
+          <p:cNvSpPr>
+            <a:spLocks noGrp="1"/>
+          </p:cNvSpPr>
+          <p:nvPr>
+            <p:ph type="title"/>
+          </p:nvPr>
+        </p:nvSpPr>
+        <p:spPr/>
+        <p:txBody>
+          <a:bodyPr/>
+          <a:lstStyle/>
+          <a:p>
+            <a:r>
+              <a:t>Modifying Values</a:t>
+            </a:r>
+          </a:p>
+        </p:txBody>
+      </p:sp>
+      <p:sp>
+        <p:nvSpPr>
+          <p:cNvPr id="3" name="Content Placeholder 2"/>
+          <p:cNvSpPr>
+            <a:spLocks noGrp="1"/>
+          </p:cNvSpPr>
+          <p:nvPr>
+            <p:ph idx="1"/>
+          </p:nvPr>
+        </p:nvSpPr>
+        <p:spPr/>
+        <p:txBody>
+          <a:bodyPr/>
+          <a:lstStyle/>
+          <a:p/>
+          <a:p>
+            <a:r>
+              <a:t>    - Change an existing value: my_dict['age'] = 26</a:t>
+            </a:r>
+          </a:p>
+          <a:p>
+            <a:r>
+              <a:t>    - Add a new key-value pair: my_dict['city'] = 'New York'</a:t>
+            </a:r>
+          </a:p>
+          <a:p>
+            <a:r>
+              <a:t>    </a:t>
+            </a:r>
+          </a:p>
+        </p:txBody>
+      </p:sp>
+    </p:spTree>
+  </p:cSld>
+  <p:clrMapOvr>
+    <a:masterClrMapping/>
+  </p:clrMapOvr>
+</p:sld>
+</file>
+
+<file path=ppt/slides/slide27.xml><?xml version="1.0" encoding="utf-8"?>
+<p:sld xmlns:a="http://schemas.openxmlformats.org/drawingml/2006/main" xmlns:p="http://schemas.openxmlformats.org/presentationml/2006/main" xmlns:r="http://schemas.openxmlformats.org/officeDocument/2006/relationships">
+  <p:cSld>
+    <p:spTree>
+      <p:nvGrpSpPr>
+        <p:cNvPr id="1" name=""/>
+        <p:cNvGrpSpPr/>
+        <p:nvPr/>
+      </p:nvGrpSpPr>
+      <p:grpSpPr/>
+      <p:sp>
+        <p:nvSpPr>
+          <p:cNvPr id="2" name="Title 1"/>
+          <p:cNvSpPr>
+            <a:spLocks noGrp="1"/>
+          </p:cNvSpPr>
+          <p:nvPr>
+            <p:ph type="title"/>
+          </p:nvPr>
+        </p:nvSpPr>
+        <p:spPr/>
+        <p:txBody>
+          <a:bodyPr/>
+          <a:lstStyle/>
+          <a:p>
+            <a:r>
+              <a:t>Removing Key-Value Pairs</a:t>
+            </a:r>
+          </a:p>
+        </p:txBody>
+      </p:sp>
+      <p:sp>
+        <p:nvSpPr>
+          <p:cNvPr id="3" name="Content Placeholder 2"/>
+          <p:cNvSpPr>
+            <a:spLocks noGrp="1"/>
+          </p:cNvSpPr>
+          <p:nvPr>
+            <p:ph idx="1"/>
+          </p:nvPr>
+        </p:nvSpPr>
+        <p:spPr/>
+        <p:txBody>
+          <a:bodyPr/>
+          <a:lstStyle/>
+          <a:p/>
+          <a:p>
+            <a:r>
+              <a:t>    - Using pop() method: my_dict.pop('age')</a:t>
+            </a:r>
+          </a:p>
+          <a:p>
+            <a:r>
+              <a:t>    - Using del statement: del my_dict['name']</a:t>
+            </a:r>
+          </a:p>
+          <a:p>
+            <a:r>
+              <a:t>    - Using popitem() method to remove the last inserted item: my_dict.popitem()</a:t>
+            </a:r>
+          </a:p>
+          <a:p>
+            <a:r>
+              <a:t>    </a:t>
+            </a:r>
+          </a:p>
+        </p:txBody>
+      </p:sp>
+    </p:spTree>
+  </p:cSld>
+  <p:clrMapOvr>
+    <a:masterClrMapping/>
+  </p:clrMapOvr>
+</p:sld>
+</file>
+
+<file path=ppt/slides/slide28.xml><?xml version="1.0" encoding="utf-8"?>
+<p:sld xmlns:a="http://schemas.openxmlformats.org/drawingml/2006/main" xmlns:p="http://schemas.openxmlformats.org/presentationml/2006/main" xmlns:r="http://schemas.openxmlformats.org/officeDocument/2006/relationships">
+  <p:cSld>
+    <p:spTree>
+      <p:nvGrpSpPr>
+        <p:cNvPr id="1" name=""/>
+        <p:cNvGrpSpPr/>
+        <p:nvPr/>
+      </p:nvGrpSpPr>
+      <p:grpSpPr/>
+      <p:sp>
+        <p:nvSpPr>
+          <p:cNvPr id="2" name="Title 1"/>
+          <p:cNvSpPr>
+            <a:spLocks noGrp="1"/>
+          </p:cNvSpPr>
+          <p:nvPr>
+            <p:ph type="title"/>
+          </p:nvPr>
+        </p:nvSpPr>
+        <p:spPr/>
+        <p:txBody>
+          <a:bodyPr/>
+          <a:lstStyle/>
+          <a:p>
+            <a:r>
+              <a:t>Dictionary Methods</a:t>
+            </a:r>
+          </a:p>
+        </p:txBody>
+      </p:sp>
+      <p:sp>
+        <p:nvSpPr>
+          <p:cNvPr id="3" name="Content Placeholder 2"/>
+          <p:cNvSpPr>
+            <a:spLocks noGrp="1"/>
+          </p:cNvSpPr>
+          <p:nvPr>
+            <p:ph idx="1"/>
+          </p:nvPr>
+        </p:nvSpPr>
+        <p:spPr/>
+        <p:txBody>
+          <a:bodyPr/>
+          <a:lstStyle/>
+          <a:p/>
+          <a:p>
+            <a:r>
+              <a:t>    - keys(): Returns a view object of all keys</a:t>
+            </a:r>
+          </a:p>
+          <a:p>
+            <a:r>
+              <a:t>    - values(): Returns a view object of all values</a:t>
+            </a:r>
+          </a:p>
+          <a:p>
+            <a:r>
+              <a:t>    - items(): Returns a view object of all key-value pairs</a:t>
+            </a:r>
+          </a:p>
+          <a:p>
+            <a:r>
+              <a:t>    - update(): Updates the dictionary with elements from another dictionary</a:t>
+            </a:r>
+          </a:p>
+          <a:p>
+            <a:r>
+              <a:t>    </a:t>
+            </a:r>
+          </a:p>
+        </p:txBody>
+      </p:sp>
+    </p:spTree>
+  </p:cSld>
+  <p:clrMapOvr>
+    <a:masterClrMapping/>
+  </p:clrMapOvr>
+</p:sld>
+</file>
+
+<file path=ppt/slides/slide29.xml><?xml version="1.0" encoding="utf-8"?>
+<p:sld xmlns:a="http://schemas.openxmlformats.org/drawingml/2006/main" xmlns:p="http://schemas.openxmlformats.org/presentationml/2006/main" xmlns:r="http://schemas.openxmlformats.org/officeDocument/2006/relationships">
+  <p:cSld>
+    <p:spTree>
+      <p:nvGrpSpPr>
+        <p:cNvPr id="1" name=""/>
+        <p:cNvGrpSpPr/>
+        <p:nvPr/>
+      </p:nvGrpSpPr>
+      <p:grpSpPr/>
+      <p:sp>
+        <p:nvSpPr>
+          <p:cNvPr id="2" name="Title 1"/>
+          <p:cNvSpPr>
+            <a:spLocks noGrp="1"/>
+          </p:cNvSpPr>
+          <p:nvPr>
+            <p:ph type="title"/>
+          </p:nvPr>
+        </p:nvSpPr>
+        <p:spPr/>
+        <p:txBody>
+          <a:bodyPr/>
+          <a:lstStyle/>
+          <a:p>
+            <a:r>
+              <a:t>Looping Through a Dictionary</a:t>
+            </a:r>
+          </a:p>
+        </p:txBody>
+      </p:sp>
+      <p:sp>
+        <p:nvSpPr>
+          <p:cNvPr id="3" name="Content Placeholder 2"/>
+          <p:cNvSpPr>
+            <a:spLocks noGrp="1"/>
+          </p:cNvSpPr>
+          <p:nvPr>
+            <p:ph idx="1"/>
+          </p:nvPr>
+        </p:nvSpPr>
+        <p:spPr/>
+        <p:txBody>
+          <a:bodyPr/>
+          <a:lstStyle/>
+          <a:p/>
+          <a:p>
+            <a:r>
+              <a:t>    - Loop through keys: for key in my_dict</a:t>
+            </a:r>
+          </a:p>
+          <a:p>
+            <a:r>
+              <a:t>    - Loop through values: for value in my_dict.values()</a:t>
+            </a:r>
+          </a:p>
+          <a:p>
+            <a:r>
+              <a:t>    - Loop through key-value pairs: for key, value in my_dict.items()</a:t>
+            </a:r>
+          </a:p>
+          <a:p>
+            <a:r>
+              <a:t>    </a:t>
+            </a:r>
+          </a:p>
+        </p:txBody>
+      </p:sp>
+    </p:spTree>
+  </p:cSld>
+  <p:clrMapOvr>
+    <a:masterClrMapping/>
+  </p:clrMapOvr>
+</p:sld>
+</file>
+
+<file path=ppt/slides/slide3.xml><?xml version="1.0" encoding="utf-8"?>
+<p:sld xmlns:a="http://schemas.openxmlformats.org/drawingml/2006/main" xmlns:p="http://schemas.openxmlformats.org/presentationml/2006/main" xmlns:r="http://schemas.openxmlformats.org/officeDocument/2006/relationships">
+  <p:cSld>
+    <p:spTree>
+      <p:nvGrpSpPr>
+        <p:cNvPr id="1" name=""/>
+        <p:cNvGrpSpPr/>
+        <p:nvPr/>
+      </p:nvGrpSpPr>
+      <p:grpSpPr/>
+      <p:sp>
+        <p:nvSpPr>
+          <p:cNvPr id="2" name="Title 1"/>
+          <p:cNvSpPr>
+            <a:spLocks noGrp="1"/>
+          </p:cNvSpPr>
+          <p:nvPr>
+            <p:ph type="title"/>
+          </p:nvPr>
+        </p:nvSpPr>
+        <p:spPr/>
+        <p:txBody>
+          <a:bodyPr/>
+          <a:lstStyle/>
+          <a:p>
+            <a:r>
+              <a:t>Creating Strings</a:t>
+            </a:r>
+          </a:p>
+        </p:txBody>
+      </p:sp>
+      <p:sp>
+        <p:nvSpPr>
+          <p:cNvPr id="3" name="Content Placeholder 2"/>
+          <p:cNvSpPr>
+            <a:spLocks noGrp="1"/>
+          </p:cNvSpPr>
+          <p:nvPr>
+            <p:ph idx="1"/>
+          </p:nvPr>
+        </p:nvSpPr>
+        <p:spPr/>
+        <p:txBody>
+          <a:bodyPr/>
+          <a:lstStyle/>
+          <a:p/>
+          <a:p>
+            <a:r>
+              <a:t>    - Single quotes: 'Hello'</a:t>
+            </a:r>
+          </a:p>
+          <a:p>
+            <a:r>
+              <a:t>    - Double quotes: "Hello"</a:t>
+            </a:r>
+          </a:p>
+          <a:p>
+            <a:r>
+              <a:t>    </a:t>
+            </a:r>
+          </a:p>
+        </p:txBody>
+      </p:sp>
+    </p:spTree>
+  </p:cSld>
+  <p:clrMapOvr>
+    <a:masterClrMapping/>
+  </p:clrMapOvr>
+</p:sld>
+</file>
+
+<file path=ppt/slides/slide30.xml><?xml version="1.0" encoding="utf-8"?>
+<p:sld xmlns:a="http://schemas.openxmlformats.org/drawingml/2006/main" xmlns:p="http://schemas.openxmlformats.org/presentationml/2006/main" xmlns:r="http://schemas.openxmlformats.org/officeDocument/2006/relationships">
+  <p:cSld>
+    <p:spTree>
+      <p:nvGrpSpPr>
+        <p:cNvPr id="1" name=""/>
+        <p:cNvGrpSpPr/>
+        <p:nvPr/>
+      </p:nvGrpSpPr>
+      <p:grpSpPr/>
+      <p:sp>
+        <p:nvSpPr>
+          <p:cNvPr id="2" name="Title 1"/>
+          <p:cNvSpPr>
+            <a:spLocks noGrp="1"/>
+          </p:cNvSpPr>
+          <p:nvPr>
+            <p:ph type="title"/>
+          </p:nvPr>
+        </p:nvSpPr>
+        <p:spPr/>
+        <p:txBody>
+          <a:bodyPr/>
+          <a:lstStyle/>
+          <a:p>
+            <a:r>
+              <a:t>Dictionary Comprehensions</a:t>
+            </a:r>
+          </a:p>
+        </p:txBody>
+      </p:sp>
+      <p:sp>
+        <p:nvSpPr>
+          <p:cNvPr id="3" name="Content Placeholder 2"/>
+          <p:cNvSpPr>
+            <a:spLocks noGrp="1"/>
+          </p:cNvSpPr>
+          <p:nvPr>
+            <p:ph idx="1"/>
+          </p:nvPr>
+        </p:nvSpPr>
+        <p:spPr/>
+        <p:txBody>
+          <a:bodyPr/>
+          <a:lstStyle/>
+          <a:p/>
+          <a:p>
+            <a:r>
+              <a:t>    - Create dictionaries concisely</a:t>
+            </a:r>
+          </a:p>
+          <a:p>
+            <a:r>
+              <a:t>    - Example: squares = {x: x**2 for x in range(5)}</a:t>
+            </a:r>
+          </a:p>
+          <a:p>
+            <a:r>
+              <a:t>    </a:t>
+            </a:r>
+          </a:p>
+        </p:txBody>
+      </p:sp>
+    </p:spTree>
+  </p:cSld>
+  <p:clrMapOvr>
+    <a:masterClrMapping/>
+  </p:clrMapOvr>
+</p:sld>
+</file>
+
+<file path=ppt/slides/slide31.xml><?xml version="1.0" encoding="utf-8"?>
+<p:sld xmlns:a="http://schemas.openxmlformats.org/drawingml/2006/main" xmlns:p="http://schemas.openxmlformats.org/presentationml/2006/main" xmlns:r="http://schemas.openxmlformats.org/officeDocument/2006/relationships">
+  <p:cSld>
+    <p:spTree>
+      <p:nvGrpSpPr>
+        <p:cNvPr id="1" name=""/>
+        <p:cNvGrpSpPr/>
+        <p:nvPr/>
+      </p:nvGrpSpPr>
+      <p:grpSpPr/>
+      <p:sp>
+        <p:nvSpPr>
+          <p:cNvPr id="2" name="Title 1"/>
+          <p:cNvSpPr>
+            <a:spLocks noGrp="1"/>
+          </p:cNvSpPr>
+          <p:nvPr>
+            <p:ph type="title"/>
+          </p:nvPr>
+        </p:nvSpPr>
+        <p:spPr/>
+        <p:txBody>
+          <a:bodyPr/>
+          <a:lstStyle/>
+          <a:p>
+            <a:r>
+              <a:t>Nested Dictionaries</a:t>
+            </a:r>
+          </a:p>
+        </p:txBody>
+      </p:sp>
+      <p:sp>
+        <p:nvSpPr>
+          <p:cNvPr id="3" name="Content Placeholder 2"/>
+          <p:cNvSpPr>
+            <a:spLocks noGrp="1"/>
+          </p:cNvSpPr>
+          <p:nvPr>
+            <p:ph idx="1"/>
+          </p:nvPr>
+        </p:nvSpPr>
+        <p:spPr/>
+        <p:txBody>
+          <a:bodyPr/>
+          <a:lstStyle/>
+          <a:p/>
+          <a:p>
+            <a:r>
+              <a:t>    - A dictionary within a dictionary</a:t>
+            </a:r>
+          </a:p>
+          <a:p>
+            <a:r>
+              <a:t>    - Example: nested_dict = {'parent': {'child': 'value'}}</a:t>
+            </a:r>
+          </a:p>
+          <a:p>
+            <a:r>
+              <a:t>    </a:t>
+            </a:r>
+          </a:p>
+        </p:txBody>
+      </p:sp>
+    </p:spTree>
+  </p:cSld>
+  <p:clrMapOvr>
+    <a:masterClrMapping/>
+  </p:clrMapOvr>
+</p:sld>
+</file>
+
+<file path=ppt/slides/slide32.xml><?xml version="1.0" encoding="utf-8"?>
+<p:sld xmlns:a="http://schemas.openxmlformats.org/drawingml/2006/main" xmlns:p="http://schemas.openxmlformats.org/presentationml/2006/main" xmlns:r="http://schemas.openxmlformats.org/officeDocument/2006/relationships">
+  <p:cSld>
+    <p:spTree>
+      <p:nvGrpSpPr>
+        <p:cNvPr id="1" name=""/>
+        <p:cNvGrpSpPr/>
+        <p:nvPr/>
+      </p:nvGrpSpPr>
+      <p:grpSpPr/>
+      <p:sp>
+        <p:nvSpPr>
+          <p:cNvPr id="2" name="Title 1"/>
+          <p:cNvSpPr>
+            <a:spLocks noGrp="1"/>
+          </p:cNvSpPr>
+          <p:nvPr>
+            <p:ph type="title"/>
+          </p:nvPr>
+        </p:nvSpPr>
+        <p:spPr/>
+        <p:txBody>
+          <a:bodyPr/>
+          <a:lstStyle/>
+          <a:p>
+            <a:r>
+              <a:t>Differences Between Lists and Dictionaries</a:t>
+            </a:r>
+          </a:p>
+        </p:txBody>
+      </p:sp>
+      <p:sp>
+        <p:nvSpPr>
+          <p:cNvPr id="3" name="Content Placeholder 2"/>
+          <p:cNvSpPr>
+            <a:spLocks noGrp="1"/>
+          </p:cNvSpPr>
+          <p:nvPr>
+            <p:ph idx="1"/>
+          </p:nvPr>
+        </p:nvSpPr>
+        <p:spPr/>
+        <p:txBody>
+          <a:bodyPr/>
+          <a:lstStyle/>
+          <a:p/>
+          <a:p>
+            <a:r>
+              <a:t>    - Lists are ordered collections, while dictionaries are unordered.</a:t>
+            </a:r>
+          </a:p>
+          <a:p>
+            <a:r>
+              <a:t>    - Lists use integer indices to access elements, while dictionaries use keys.</a:t>
+            </a:r>
+          </a:p>
+          <a:p>
+            <a:r>
+              <a:t>    - Lists are mutable and allow duplicate elements, while dictionaries require unique keys.</a:t>
+            </a:r>
+          </a:p>
+          <a:p>
+            <a:r>
+              <a:t>    - Use lists for ordered data and dictionaries for key-value pairs.</a:t>
+            </a:r>
+          </a:p>
+          <a:p>
+            <a:r>
+              <a:t>    </a:t>
+            </a:r>
+          </a:p>
+        </p:txBody>
+      </p:sp>
+    </p:spTree>
+  </p:cSld>
+  <p:clrMapOvr>
+    <a:masterClrMapping/>
+  </p:clrMapOvr>
+</p:sld>
+</file>
+
+<file path=ppt/slides/slide4.xml><?xml version="1.0" encoding="utf-8"?>
+<p:sld xmlns:a="http://schemas.openxmlformats.org/drawingml/2006/main" xmlns:p="http://schemas.openxmlformats.org/presentationml/2006/main" xmlns:r="http://schemas.openxmlformats.org/officeDocument/2006/relationships">
+  <p:cSld>
+    <p:spTree>
+      <p:nvGrpSpPr>
+        <p:cNvPr id="1" name=""/>
+        <p:cNvGrpSpPr/>
+        <p:nvPr/>
+      </p:nvGrpSpPr>
+      <p:grpSpPr/>
+      <p:sp>
+        <p:nvSpPr>
+          <p:cNvPr id="2" name="Title 1"/>
+          <p:cNvSpPr>
+            <a:spLocks noGrp="1"/>
+          </p:cNvSpPr>
+          <p:nvPr>
+            <p:ph type="title"/>
+          </p:nvPr>
+        </p:nvSpPr>
+        <p:spPr/>
+        <p:txBody>
+          <a:bodyPr/>
+          <a:lstStyle/>
+          <a:p>
+            <a:r>
+              <a:t>Accessing Characters</a:t>
+            </a:r>
+          </a:p>
+        </p:txBody>
+      </p:sp>
+      <p:sp>
+        <p:nvSpPr>
+          <p:cNvPr id="3" name="Content Placeholder 2"/>
+          <p:cNvSpPr>
+            <a:spLocks noGrp="1"/>
+          </p:cNvSpPr>
+          <p:nvPr>
+            <p:ph idx="1"/>
+          </p:nvPr>
+        </p:nvSpPr>
+        <p:spPr/>
+        <p:txBody>
+          <a:bodyPr/>
+          <a:lstStyle/>
+          <a:p/>
+          <a:p>
+            <a:r>
+              <a:t>    - Zero-based indexing</a:t>
+            </a:r>
+          </a:p>
+          <a:p>
+            <a:r>
+              <a:t>    - Accessing the first character: my_string[0]</a:t>
+            </a:r>
+          </a:p>
+          <a:p>
+            <a:r>
+              <a:t>    - Accessing the last character: my_string[-1]</a:t>
+            </a:r>
+          </a:p>
+          <a:p>
+            <a:r>
+              <a:t>    </a:t>
+            </a:r>
+          </a:p>
+        </p:txBody>
+      </p:sp>
+    </p:spTree>
+  </p:cSld>
+  <p:clrMapOvr>
+    <a:masterClrMapping/>
+  </p:clrMapOvr>
+</p:sld>
+</file>
+
+<file path=ppt/slides/slide5.xml><?xml version="1.0" encoding="utf-8"?>
+<p:sld xmlns:a="http://schemas.openxmlformats.org/drawingml/2006/main" xmlns:p="http://schemas.openxmlformats.org/presentationml/2006/main" xmlns:r="http://schemas.openxmlformats.org/officeDocument/2006/relationships">
+  <p:cSld>
+    <p:spTree>
+      <p:nvGrpSpPr>
+        <p:cNvPr id="1" name=""/>
+        <p:cNvGrpSpPr/>
+        <p:nvPr/>
+      </p:nvGrpSpPr>
+      <p:grpSpPr/>
+      <p:sp>
+        <p:nvSpPr>
+          <p:cNvPr id="2" name="Title 1"/>
+          <p:cNvSpPr>
+            <a:spLocks noGrp="1"/>
+          </p:cNvSpPr>
+          <p:nvPr>
+            <p:ph type="title"/>
+          </p:nvPr>
+        </p:nvSpPr>
+        <p:spPr/>
+        <p:txBody>
+          <a:bodyPr/>
+          <a:lstStyle/>
+          <a:p>
+            <a:r>
+              <a:t>Slicing Strings</a:t>
+            </a:r>
+          </a:p>
+        </p:txBody>
+      </p:sp>
+      <p:sp>
+        <p:nvSpPr>
+          <p:cNvPr id="3" name="Content Placeholder 2"/>
+          <p:cNvSpPr>
+            <a:spLocks noGrp="1"/>
+          </p:cNvSpPr>
+          <p:nvPr>
+            <p:ph idx="1"/>
+          </p:nvPr>
+        </p:nvSpPr>
+        <p:spPr/>
+        <p:txBody>
+          <a:bodyPr/>
+          <a:lstStyle/>
+          <a:p/>
+          <a:p>
+            <a:r>
+              <a:t>    - Access a substring: my_string[1:4]</a:t>
+            </a:r>
+          </a:p>
+          <a:p>
+            <a:r>
+              <a:t>    - Slicing with a step: my_string[0:5:2]</a:t>
+            </a:r>
+          </a:p>
+          <a:p>
+            <a:r>
+              <a:t>    </a:t>
+            </a:r>
+          </a:p>
+        </p:txBody>
+      </p:sp>
+    </p:spTree>
+  </p:cSld>
+  <p:clrMapOvr>
+    <a:masterClrMapping/>
+  </p:clrMapOvr>
+</p:sld>
+</file>
+
+<file path=ppt/slides/slide6.xml><?xml version="1.0" encoding="utf-8"?>
+<p:sld xmlns:a="http://schemas.openxmlformats.org/drawingml/2006/main" xmlns:p="http://schemas.openxmlformats.org/presentationml/2006/main" xmlns:r="http://schemas.openxmlformats.org/officeDocument/2006/relationships">
+  <p:cSld>
+    <p:spTree>
+      <p:nvGrpSpPr>
+        <p:cNvPr id="1" name=""/>
+        <p:cNvGrpSpPr/>
+        <p:nvPr/>
+      </p:nvGrpSpPr>
+      <p:grpSpPr/>
+      <p:sp>
+        <p:nvSpPr>
+          <p:cNvPr id="2" name="Title 1"/>
+          <p:cNvSpPr>
+            <a:spLocks noGrp="1"/>
+          </p:cNvSpPr>
+          <p:nvPr>
+            <p:ph type="title"/>
+          </p:nvPr>
+        </p:nvSpPr>
+        <p:spPr/>
+        <p:txBody>
+          <a:bodyPr/>
+          <a:lstStyle/>
+          <a:p>
+            <a:r>
+              <a:t>String Methods</a:t>
+            </a:r>
+          </a:p>
+        </p:txBody>
+      </p:sp>
+      <p:sp>
+        <p:nvSpPr>
+          <p:cNvPr id="3" name="Content Placeholder 2"/>
+          <p:cNvSpPr>
+            <a:spLocks noGrp="1"/>
+          </p:cNvSpPr>
+          <p:nvPr>
+            <p:ph idx="1"/>
+          </p:nvPr>
+        </p:nvSpPr>
+        <p:spPr/>
+        <p:txBody>
+          <a:bodyPr/>
+          <a:lstStyle/>
+          <a:p/>
+          <a:p>
+            <a:r>
+              <a:t>    - Convert to uppercase: my_string.upper()</a:t>
+            </a:r>
+          </a:p>
+          <a:p>
+            <a:r>
+              <a:t>    - Convert to lowercase: my_string.lower()</a:t>
+            </a:r>
+          </a:p>
+          <a:p>
+            <a:r>
+              <a:t>    - Split a string: my_string.split()</a:t>
+            </a:r>
+          </a:p>
+          <a:p>
+            <a:r>
+              <a:t>    - Join a list of strings: ' '.join(list_of_strings)</a:t>
+            </a:r>
+          </a:p>
+          <a:p>
+            <a:r>
+              <a:t>    </a:t>
+            </a:r>
+          </a:p>
+        </p:txBody>
+      </p:sp>
+    </p:spTree>
+  </p:cSld>
+  <p:clrMapOvr>
+    <a:masterClrMapping/>
+  </p:clrMapOvr>
+</p:sld>
+</file>
+
+<file path=ppt/slides/slide7.xml><?xml version="1.0" encoding="utf-8"?>
+<p:sld xmlns:a="http://schemas.openxmlformats.org/drawingml/2006/main" xmlns:p="http://schemas.openxmlformats.org/presentationml/2006/main" xmlns:r="http://schemas.openxmlformats.org/officeDocument/2006/relationships">
+  <p:cSld>
+    <p:spTree>
+      <p:nvGrpSpPr>
+        <p:cNvPr id="1" name=""/>
+        <p:cNvGrpSpPr/>
+        <p:nvPr/>
+      </p:nvGrpSpPr>
+      <p:grpSpPr/>
+      <p:sp>
+        <p:nvSpPr>
+          <p:cNvPr id="2" name="Title 1"/>
+          <p:cNvSpPr>
+            <a:spLocks noGrp="1"/>
+          </p:cNvSpPr>
+          <p:nvPr>
+            <p:ph type="title"/>
+          </p:nvPr>
+        </p:nvSpPr>
+        <p:spPr/>
+        <p:txBody>
+          <a:bodyPr/>
+          <a:lstStyle/>
+          <a:p>
+            <a:r>
+              <a:t>String Concatenation</a:t>
+            </a:r>
+          </a:p>
+        </p:txBody>
+      </p:sp>
+      <p:sp>
+        <p:nvSpPr>
+          <p:cNvPr id="3" name="Content Placeholder 2"/>
+          <p:cNvSpPr>
+            <a:spLocks noGrp="1"/>
+          </p:cNvSpPr>
+          <p:nvPr>
+            <p:ph idx="1"/>
+          </p:nvPr>
+        </p:nvSpPr>
+        <p:spPr/>
+        <p:txBody>
+          <a:bodyPr/>
+          <a:lstStyle/>
+          <a:p/>
+          <a:p>
+            <a:r>
+              <a:t>    - Using + operator: 'Hello' + ' ' + 'World'</a:t>
+            </a:r>
+          </a:p>
+          <a:p>
+            <a:r>
+              <a:t>    - Using join method: ' '.join(['Hello', 'World'])</a:t>
+            </a:r>
+          </a:p>
+          <a:p>
+            <a:r>
+              <a:t>    </a:t>
+            </a:r>
+          </a:p>
+        </p:txBody>
+      </p:sp>
+    </p:spTree>
+  </p:cSld>
+  <p:clrMapOvr>
+    <a:masterClrMapping/>
+  </p:clrMapOvr>
+</p:sld>
+</file>
+
+<file path=ppt/slides/slide8.xml><?xml version="1.0" encoding="utf-8"?>
+<p:sld xmlns:a="http://schemas.openxmlformats.org/drawingml/2006/main" xmlns:p="http://schemas.openxmlformats.org/presentationml/2006/main" xmlns:r="http://schemas.openxmlformats.org/officeDocument/2006/relationships">
+  <p:cSld>
+    <p:spTree>
+      <p:nvGrpSpPr>
+        <p:cNvPr id="1" name=""/>
+        <p:cNvGrpSpPr/>
+        <p:nvPr/>
+      </p:nvGrpSpPr>
+      <p:grpSpPr/>
+      <p:sp>
+        <p:nvSpPr>
+          <p:cNvPr id="2" name="Title 1"/>
+          <p:cNvSpPr>
+            <a:spLocks noGrp="1"/>
+          </p:cNvSpPr>
+          <p:nvPr>
+            <p:ph type="title"/>
+          </p:nvPr>
+        </p:nvSpPr>
+        <p:spPr/>
+        <p:txBody>
+          <a:bodyPr/>
+          <a:lstStyle/>
+          <a:p>
+            <a:r>
+              <a:t>String Formatting</a:t>
+            </a:r>
+          </a:p>
+        </p:txBody>
+      </p:sp>
+      <p:sp>
+        <p:nvSpPr>
+          <p:cNvPr id="3" name="Content Placeholder 2"/>
+          <p:cNvSpPr>
+            <a:spLocks noGrp="1"/>
+          </p:cNvSpPr>
+          <p:nvPr>
+            <p:ph idx="1"/>
+          </p:nvPr>
+        </p:nvSpPr>
+        <p:spPr/>
+        <p:txBody>
+          <a:bodyPr/>
+          <a:lstStyle/>
+          <a:p/>
+          <a:p>
+            <a:r>
+              <a:t>    - Using str.format(): 'Hello {}'.format('World')</a:t>
+            </a:r>
+          </a:p>
+          <a:p>
+            <a:r>
+              <a:t>    - Using f-strings (Python 3.6+): f'Hello {name}'</a:t>
+            </a:r>
+          </a:p>
+          <a:p>
+            <a:r>
+              <a:t>    - Limiting a float to n decimal places: '{:.2f}'.format(3.20159)</a:t>
+            </a:r>
+          </a:p>
+          <a:p>
+            <a:r>
+              <a:t>    </a:t>
+            </a:r>
+          </a:p>
+        </p:txBody>
+      </p:sp>
+    </p:spTree>
+  </p:cSld>
+  <p:clrMapOvr>
+    <a:masterClrMapping/>
+  </p:clrMapOvr>
+</p:sld>
+</file>
+
+<file path=ppt/slides/slide9.xml><?xml version="1.0" encoding="utf-8"?>
+<p:sld xmlns:a="http://schemas.openxmlformats.org/drawingml/2006/main" xmlns:p="http://schemas.openxmlformats.org/presentationml/2006/main" xmlns:r="http://schemas.openxmlformats.org/officeDocument/2006/relationships">
+  <p:cSld>
+    <p:spTree>
+      <p:nvGrpSpPr>
+        <p:cNvPr id="1" name=""/>
+        <p:cNvGrpSpPr/>
+        <p:nvPr/>
+      </p:nvGrpSpPr>
+      <p:grpSpPr/>
+      <p:sp>
+        <p:nvSpPr>
+          <p:cNvPr id="2" name="Title 1"/>
+          <p:cNvSpPr>
+            <a:spLocks noGrp="1"/>
+          </p:cNvSpPr>
+          <p:nvPr>
+            <p:ph type="title"/>
+          </p:nvPr>
+        </p:nvSpPr>
+        <p:spPr/>
+        <p:txBody>
+          <a:bodyPr/>
+          <a:lstStyle/>
+          <a:p>
+            <a:r>
+              <a:t>Common String Operations</a:t>
+            </a:r>
+          </a:p>
+        </p:txBody>
+      </p:sp>
+      <p:sp>
+        <p:nvSpPr>
+          <p:cNvPr id="3" name="Content Placeholder 2"/>
+          <p:cNvSpPr>
+            <a:spLocks noGrp="1"/>
+          </p:cNvSpPr>
+          <p:nvPr>
+            <p:ph idx="1"/>
+          </p:nvPr>
+        </p:nvSpPr>
+        <p:spPr/>
+        <p:txBody>
+          <a:bodyPr/>
+          <a:lstStyle/>
+          <a:p/>
+          <a:p>
+            <a:r>
+              <a:t>    - Find a substring: my_string.find('substring')</a:t>
+            </a:r>
+          </a:p>
+          <a:p>
+            <a:r>
+              <a:t>    - Replace a substring: my_string.replace('old', 'new')</a:t>
+            </a:r>
+          </a:p>
+          <a:p>
+            <a:r>
+              <a:t>    - Check if alphanumeric: my_string.isalnum()</a:t>
+            </a:r>
+          </a:p>
+          <a:p>
+            <a:r>
+              <a:t>    - Strip whitespace: my_string.strip()</a:t>
+            </a:r>
+          </a:p>
+          <a:p>
+            <a:r>
+              <a:t>    </a:t>
+            </a:r>
+          </a:p>
+        </p:txBody>
+      </p:sp>
+    </p:spTree>
+  </p:cSld>
+  <p:clrMapOvr>
+    <a:masterClrMapping/>
+  </p:clrMapOvr>
+</p:sld>
+</file>
+
 <file path=ppt/theme/theme1.xml><?xml version="1.0" encoding="utf-8"?>
 <a:theme xmlns:a="http://schemas.openxmlformats.org/drawingml/2006/main" name="Slate">
   <a:themeElements>
